--- a/org.mwc.debrief.legacy/test_data/master_template/speed_change/speed_change_temp.pptx
+++ b/org.mwc.debrief.legacy/test_data/master_template/speed_change/speed_change_temp.pptx
@@ -17771,7 +17771,7 @@
                 <a:latin typeface="Open Sans" panose="020B0606030504020204" pitchFamily="34" charset="0"/>
                 <a:ea typeface="Open Sans" panose="020B0606030504020204" pitchFamily="34" charset="0"/>
               </a:rPr>
-              <a:t>???</a:t>
+              <a:t/>
             </a:r>
             <a:endParaRPr lang="en-US" sz="2000" dirty="0">
               <a:solidFill>

--- a/org.mwc.debrief.legacy/test_data/master_template/speed_change/speed_change_temp.pptx
+++ b/org.mwc.debrief.legacy/test_data/master_template/speed_change/speed_change_temp.pptx
@@ -12111,7 +12111,7 @@
         </p:nvSpPr>
         <p:spPr>
           <a:xfrm>
-            <a:off x="2018437" y="1293390"/>
+            <a:off x="3811990" y="3488722"/>
             <a:ext cx="613385" cy="354359"/>
           </a:xfrm>
           <a:prstGeom prst="wedgeRectCallout">
@@ -12172,7 +12172,7 @@
         </p:nvSpPr>
         <p:spPr>
           <a:xfrm>
-            <a:off x="2018437" y="1293390"/>
+            <a:off x="4005295" y="2499947"/>
             <a:ext cx="613385" cy="354359"/>
           </a:xfrm>
           <a:prstGeom prst="wedgeRectCallout">
@@ -12233,7 +12233,7 @@
         </p:nvSpPr>
         <p:spPr>
           <a:xfrm>
-            <a:off x="2018437" y="1293390"/>
+            <a:off x="6193509" y="2028825"/>
             <a:ext cx="613385" cy="354359"/>
           </a:xfrm>
           <a:prstGeom prst="wedgeRectCallout">
@@ -12294,7 +12294,7 @@
         </p:nvSpPr>
         <p:spPr>
           <a:xfrm>
-            <a:off x="2018437" y="1293390"/>
+            <a:off x="3556827" y="3610865"/>
             <a:ext cx="613385" cy="354359"/>
           </a:xfrm>
           <a:prstGeom prst="wedgeRectCallout">
@@ -12355,7 +12355,7 @@
         </p:nvSpPr>
         <p:spPr>
           <a:xfrm>
-            <a:off x="2018437" y="1293390"/>
+            <a:off x="3309397" y="3488722"/>
             <a:ext cx="613385" cy="354359"/>
           </a:xfrm>
           <a:prstGeom prst="wedgeRectCallout">
@@ -17839,7 +17839,7 @@
                                     <p:cond delay="0"/>
                                   </p:stCondLst>
                                   <p:childTnLst>
-                                    <p:animMotion origin="layout" path="M 0.1471 0.3201 L 0.1471 0.3201" pathEditMode="relative" rAng="0" ptsTypes="AAAAAAAA">
+                                    <p:animMotion origin="layout" path="M 0.0000 0.0000 L 0.0000 0.0000" pathEditMode="relative" rAng="0" ptsTypes="AAAAAAAA">
                                       <p:cBhvr>
                                         <p:cTn id="7" dur="100" fill="hold"/>
                                         <p:tgtEl>
@@ -17852,7 +17852,7 @@
                                       </p:cBhvr>
                                       <p:rCtr x="-156" y="8009"/>
                                     </p:animMotion>
-                                    <p:animMotion origin="layout" path="M 0.1471 0.3201 L 0.1490 0.3133" pathEditMode="relative" rAng="0" ptsTypes="AAAAAAAA">
+                                    <p:animMotion origin="layout" path="M 0.0000 0.0000 L 0.0019 -0.0068" pathEditMode="relative" rAng="0" ptsTypes="AAAAAAAA">
                                       <p:cBhvr>
                                         <p:cTn id="8" dur="100" fill="hold"/>
                                         <p:tgtEl>
@@ -17865,7 +17865,7 @@
                                       </p:cBhvr>
                                       <p:rCtr x="-156" y="8009"/>
                                     </p:animMotion>
-                                    <p:animMotion origin="layout" path="M 0.1490 0.3133 L 0.1573 0.3218" pathEditMode="relative" rAng="0" ptsTypes="AAAAAAAA">
+                                    <p:animMotion origin="layout" path="M 0.0019 -0.0068 L 0.0101 0.0017" pathEditMode="relative" rAng="0" ptsTypes="AAAAAAAA">
                                       <p:cBhvr>
                                         <p:cTn id="9" dur="100" fill="hold"/>
                                         <p:tgtEl>
@@ -17878,7 +17878,7 @@
                                       </p:cBhvr>
                                       <p:rCtr x="-156" y="8009"/>
                                     </p:animMotion>
-                                    <p:animMotion origin="layout" path="M 0.1573 0.3218 L 0.1623 0.3184" pathEditMode="relative" rAng="0" ptsTypes="AAAAAAAA">
+                                    <p:animMotion origin="layout" path="M 0.0101 0.0017 L 0.0152 -0.0017" pathEditMode="relative" rAng="0" ptsTypes="AAAAAAAA">
                                       <p:cBhvr>
                                         <p:cTn id="10" dur="100" fill="hold"/>
                                         <p:tgtEl>
@@ -17891,7 +17891,7 @@
                                       </p:cBhvr>
                                       <p:rCtr x="-156" y="8009"/>
                                     </p:animMotion>
-                                    <p:animMotion origin="layout" path="M 0.1623 0.3184 L 0.1687 0.3108" pathEditMode="relative" rAng="0" ptsTypes="AAAAAAAA">
+                                    <p:animMotion origin="layout" path="M 0.0152 -0.0017 L 0.0216 -0.0093" pathEditMode="relative" rAng="0" ptsTypes="AAAAAAAA">
                                       <p:cBhvr>
                                         <p:cTn id="11" dur="100" fill="hold"/>
                                         <p:tgtEl>
@@ -17904,7 +17904,7 @@
                                       </p:cBhvr>
                                       <p:rCtr x="-156" y="8009"/>
                                     </p:animMotion>
-                                    <p:animMotion origin="layout" path="M 0.1687 0.3108 L 0.1731 0.3048" pathEditMode="relative" rAng="0" ptsTypes="AAAAAAAA">
+                                    <p:animMotion origin="layout" path="M 0.0216 -0.0093 L 0.0260 -0.0153" pathEditMode="relative" rAng="0" ptsTypes="AAAAAAAA">
                                       <p:cBhvr>
                                         <p:cTn id="12" dur="100" fill="hold"/>
                                         <p:tgtEl>
@@ -17917,7 +17917,7 @@
                                       </p:cBhvr>
                                       <p:rCtr x="-156" y="8009"/>
                                     </p:animMotion>
-                                    <p:animMotion origin="layout" path="M 0.1731 0.3048 L 0.1788 0.2964" pathEditMode="relative" rAng="0" ptsTypes="AAAAAAAA">
+                                    <p:animMotion origin="layout" path="M 0.0260 -0.0153 L 0.0317 -0.0237" pathEditMode="relative" rAng="0" ptsTypes="AAAAAAAA">
                                       <p:cBhvr>
                                         <p:cTn id="13" dur="100" fill="hold"/>
                                         <p:tgtEl>
@@ -17930,7 +17930,7 @@
                                       </p:cBhvr>
                                       <p:rCtr x="-156" y="8009"/>
                                     </p:animMotion>
-                                    <p:animMotion origin="layout" path="M 0.1788 0.2964 L 0.1833 0.2913" pathEditMode="relative" rAng="0" ptsTypes="AAAAAAAA">
+                                    <p:animMotion origin="layout" path="M 0.0317 -0.0237 L 0.0361 -0.0288" pathEditMode="relative" rAng="0" ptsTypes="AAAAAAAA">
                                       <p:cBhvr>
                                         <p:cTn id="14" dur="100" fill="hold"/>
                                         <p:tgtEl>
@@ -17943,7 +17943,7 @@
                                       </p:cBhvr>
                                       <p:rCtr x="-156" y="8009"/>
                                     </p:animMotion>
-                                    <p:animMotion origin="layout" path="M 0.1833 0.2913 L 0.1896 0.2828" pathEditMode="relative" rAng="0" ptsTypes="AAAAAAAA">
+                                    <p:animMotion origin="layout" path="M 0.0361 -0.0288 L 0.0425 -0.0373" pathEditMode="relative" rAng="0" ptsTypes="AAAAAAAA">
                                       <p:cBhvr>
                                         <p:cTn id="15" dur="100" fill="hold"/>
                                         <p:tgtEl>
@@ -17956,7 +17956,7 @@
                                       </p:cBhvr>
                                       <p:rCtr x="-156" y="8009"/>
                                     </p:animMotion>
-                                    <p:animMotion origin="layout" path="M 0.1896 0.2828 L 0.1940 0.2769" pathEditMode="relative" rAng="0" ptsTypes="AAAAAAAA">
+                                    <p:animMotion origin="layout" path="M 0.0425 -0.0373 L 0.0469 -0.0433" pathEditMode="relative" rAng="0" ptsTypes="AAAAAAAA">
                                       <p:cBhvr>
                                         <p:cTn id="16" dur="100" fill="hold"/>
                                         <p:tgtEl>
@@ -17969,7 +17969,7 @@
                                       </p:cBhvr>
                                       <p:rCtr x="-156" y="8009"/>
                                     </p:animMotion>
-                                    <p:animMotion origin="layout" path="M 0.1940 0.2769 L 0.1997 0.2692" pathEditMode="relative" rAng="0" ptsTypes="AAAAAAAA">
+                                    <p:animMotion origin="layout" path="M 0.0469 -0.0433 L 0.0526 -0.0509" pathEditMode="relative" rAng="0" ptsTypes="AAAAAAAA">
                                       <p:cBhvr>
                                         <p:cTn id="17" dur="100" fill="hold"/>
                                         <p:tgtEl>
@@ -17982,7 +17982,7 @@
                                       </p:cBhvr>
                                       <p:rCtr x="-156" y="8009"/>
                                     </p:animMotion>
-                                    <p:animMotion origin="layout" path="M 0.1997 0.2692 L 0.2042 0.2633" pathEditMode="relative" rAng="0" ptsTypes="AAAAAAAA">
+                                    <p:animMotion origin="layout" path="M 0.0526 -0.0509 L 0.0571 -0.0568" pathEditMode="relative" rAng="0" ptsTypes="AAAAAAAA">
                                       <p:cBhvr>
                                         <p:cTn id="18" dur="100" fill="hold"/>
                                         <p:tgtEl>
@@ -17995,7 +17995,7 @@
                                       </p:cBhvr>
                                       <p:rCtr x="-156" y="8009"/>
                                     </p:animMotion>
-                                    <p:animMotion origin="layout" path="M 0.2042 0.2633 L 0.2105 0.2548" pathEditMode="relative" rAng="0" ptsTypes="AAAAAAAA">
+                                    <p:animMotion origin="layout" path="M 0.0571 -0.0568 L 0.0634 -0.0653" pathEditMode="relative" rAng="0" ptsTypes="AAAAAAAA">
                                       <p:cBhvr>
                                         <p:cTn id="19" dur="100" fill="hold"/>
                                         <p:tgtEl>
@@ -18008,7 +18008,7 @@
                                       </p:cBhvr>
                                       <p:rCtr x="-156" y="8009"/>
                                     </p:animMotion>
-                                    <p:animMotion origin="layout" path="M 0.2105 0.2548 L 0.2150 0.2497" pathEditMode="relative" rAng="0" ptsTypes="AAAAAAAA">
+                                    <p:animMotion origin="layout" path="M 0.0634 -0.0653 L 0.0679 -0.0704" pathEditMode="relative" rAng="0" ptsTypes="AAAAAAAA">
                                       <p:cBhvr>
                                         <p:cTn id="20" dur="100" fill="hold"/>
                                         <p:tgtEl>
@@ -18021,7 +18021,7 @@
                                       </p:cBhvr>
                                       <p:rCtr x="-156" y="8009"/>
                                     </p:animMotion>
-                                    <p:animMotion origin="layout" path="M 0.2150 0.2497 L 0.2207 0.2412" pathEditMode="relative" rAng="0" ptsTypes="AAAAAAAA">
+                                    <p:animMotion origin="layout" path="M 0.0679 -0.0704 L 0.0736 -0.0789" pathEditMode="relative" rAng="0" ptsTypes="AAAAAAAA">
                                       <p:cBhvr>
                                         <p:cTn id="21" dur="100" fill="hold"/>
                                         <p:tgtEl>
@@ -18034,7 +18034,7 @@
                                       </p:cBhvr>
                                       <p:rCtr x="-156" y="8009"/>
                                     </p:animMotion>
-                                    <p:animMotion origin="layout" path="M 0.2207 0.2412 L 0.2251 0.2353" pathEditMode="relative" rAng="0" ptsTypes="AAAAAAAA">
+                                    <p:animMotion origin="layout" path="M 0.0736 -0.0789 L 0.0780 -0.0848" pathEditMode="relative" rAng="0" ptsTypes="AAAAAAAA">
                                       <p:cBhvr>
                                         <p:cTn id="22" dur="100" fill="hold"/>
                                         <p:tgtEl>
@@ -18047,7 +18047,7 @@
                                       </p:cBhvr>
                                       <p:rCtr x="-156" y="8009"/>
                                     </p:animMotion>
-                                    <p:animMotion origin="layout" path="M 0.2251 0.2353 L 0.2315 0.2277" pathEditMode="relative" rAng="0" ptsTypes="AAAAAAAA">
+                                    <p:animMotion origin="layout" path="M 0.0780 -0.0848 L 0.0843 -0.0924" pathEditMode="relative" rAng="0" ptsTypes="AAAAAAAA">
                                       <p:cBhvr>
                                         <p:cTn id="23" dur="100" fill="hold"/>
                                         <p:tgtEl>
@@ -18060,7 +18060,7 @@
                                       </p:cBhvr>
                                       <p:rCtr x="-156" y="8009"/>
                                     </p:animMotion>
-                                    <p:animMotion origin="layout" path="M 0.2315 0.2277 L 0.2353 0.2217" pathEditMode="relative" rAng="0" ptsTypes="AAAAAAAA">
+                                    <p:animMotion origin="layout" path="M 0.0843 -0.0924 L 0.0882 -0.0984" pathEditMode="relative" rAng="0" ptsTypes="AAAAAAAA">
                                       <p:cBhvr>
                                         <p:cTn id="24" dur="100" fill="hold"/>
                                         <p:tgtEl>
@@ -18073,7 +18073,7 @@
                                       </p:cBhvr>
                                       <p:rCtr x="-156" y="8009"/>
                                     </p:animMotion>
-                                    <p:animMotion origin="layout" path="M 0.2353 0.2217 L 0.2416 0.2133" pathEditMode="relative" rAng="0" ptsTypes="AAAAAAAA">
+                                    <p:animMotion origin="layout" path="M 0.0882 -0.0984 L 0.0945 -0.1069" pathEditMode="relative" rAng="0" ptsTypes="AAAAAAAA">
                                       <p:cBhvr>
                                         <p:cTn id="25" dur="100" fill="hold"/>
                                         <p:tgtEl>
@@ -18086,7 +18086,7 @@
                                       </p:cBhvr>
                                       <p:rCtr x="-156" y="8009"/>
                                     </p:animMotion>
-                                    <p:animMotion origin="layout" path="M 0.2416 0.2133 L 0.2460 0.2082" pathEditMode="relative" rAng="0" ptsTypes="AAAAAAAA">
+                                    <p:animMotion origin="layout" path="M 0.0945 -0.1069 L 0.0989 -0.1120" pathEditMode="relative" rAng="0" ptsTypes="AAAAAAAA">
                                       <p:cBhvr>
                                         <p:cTn id="26" dur="100" fill="hold"/>
                                         <p:tgtEl>
@@ -18099,7 +18099,7 @@
                                       </p:cBhvr>
                                       <p:rCtr x="-156" y="8009"/>
                                     </p:animMotion>
-                                    <p:animMotion origin="layout" path="M 0.2460 0.2082 L 0.2524 0.1997" pathEditMode="relative" rAng="0" ptsTypes="AAAAAAAA">
+                                    <p:animMotion origin="layout" path="M 0.0989 -0.1120 L 0.1053 -0.1204" pathEditMode="relative" rAng="0" ptsTypes="AAAAAAAA">
                                       <p:cBhvr>
                                         <p:cTn id="27" dur="100" fill="hold"/>
                                         <p:tgtEl>
@@ -18112,7 +18112,7 @@
                                       </p:cBhvr>
                                       <p:rCtr x="-156" y="8009"/>
                                     </p:animMotion>
-                                    <p:animMotion origin="layout" path="M 0.2524 0.1997 L 0.2562 0.1937" pathEditMode="relative" rAng="0" ptsTypes="AAAAAAAA">
+                                    <p:animMotion origin="layout" path="M 0.1053 -0.1204 L 0.1091 -0.1264" pathEditMode="relative" rAng="0" ptsTypes="AAAAAAAA">
                                       <p:cBhvr>
                                         <p:cTn id="28" dur="100" fill="hold"/>
                                         <p:tgtEl>
@@ -18125,7 +18125,7 @@
                                       </p:cBhvr>
                                       <p:rCtr x="-156" y="8009"/>
                                     </p:animMotion>
-                                    <p:animMotion origin="layout" path="M 0.2562 0.1937 L 0.2625 0.1861" pathEditMode="relative" rAng="0" ptsTypes="AAAAAAAA">
+                                    <p:animMotion origin="layout" path="M 0.1091 -0.1264 L 0.1154 -0.1340" pathEditMode="relative" rAng="0" ptsTypes="AAAAAAAA">
                                       <p:cBhvr>
                                         <p:cTn id="29" dur="100" fill="hold"/>
                                         <p:tgtEl>
@@ -18138,7 +18138,7 @@
                                       </p:cBhvr>
                                       <p:rCtr x="-156" y="8009"/>
                                     </p:animMotion>
-                                    <p:animMotion origin="layout" path="M 0.2625 0.1861 L 0.2670 0.1802" pathEditMode="relative" rAng="0" ptsTypes="AAAAAAAA">
+                                    <p:animMotion origin="layout" path="M 0.1154 -0.1340 L 0.1199 -0.1399" pathEditMode="relative" rAng="0" ptsTypes="AAAAAAAA">
                                       <p:cBhvr>
                                         <p:cTn id="30" dur="100" fill="hold"/>
                                         <p:tgtEl>
@@ -18151,7 +18151,7 @@
                                       </p:cBhvr>
                                       <p:rCtr x="-156" y="8009"/>
                                     </p:animMotion>
-                                    <p:animMotion origin="layout" path="M 0.2670 0.1802 L 0.2733 0.1717" pathEditMode="relative" rAng="0" ptsTypes="AAAAAAAA">
+                                    <p:animMotion origin="layout" path="M 0.1199 -0.1399 L 0.1262 -0.1484" pathEditMode="relative" rAng="0" ptsTypes="AAAAAAAA">
                                       <p:cBhvr>
                                         <p:cTn id="31" dur="100" fill="hold"/>
                                         <p:tgtEl>
@@ -18164,7 +18164,7 @@
                                       </p:cBhvr>
                                       <p:rCtr x="-156" y="8009"/>
                                     </p:animMotion>
-                                    <p:animMotion origin="layout" path="M 0.2733 0.1717 L 0.2771 0.1666" pathEditMode="relative" rAng="0" ptsTypes="AAAAAAAA">
+                                    <p:animMotion origin="layout" path="M 0.1262 -0.1484 L 0.1300 -0.1535" pathEditMode="relative" rAng="0" ptsTypes="AAAAAAAA">
                                       <p:cBhvr>
                                         <p:cTn id="32" dur="100" fill="hold"/>
                                         <p:tgtEl>
@@ -18177,7 +18177,7 @@
                                       </p:cBhvr>
                                       <p:rCtr x="-156" y="8009"/>
                                     </p:animMotion>
-                                    <p:animMotion origin="layout" path="M 0.2771 0.1666 L 0.2835 0.1581" pathEditMode="relative" rAng="0" ptsTypes="AAAAAAAA">
+                                    <p:animMotion origin="layout" path="M 0.1300 -0.1535 L 0.1364 -0.1620" pathEditMode="relative" rAng="0" ptsTypes="AAAAAAAA">
                                       <p:cBhvr>
                                         <p:cTn id="33" dur="100" fill="hold"/>
                                         <p:tgtEl>
@@ -18190,7 +18190,7 @@
                                       </p:cBhvr>
                                       <p:rCtr x="-156" y="8009"/>
                                     </p:animMotion>
-                                    <p:animMotion origin="layout" path="M 0.2835 0.1581 L 0.2879 0.1522" pathEditMode="relative" rAng="0" ptsTypes="AAAAAAAA">
+                                    <p:animMotion origin="layout" path="M 0.1364 -0.1620 L 0.1408 -0.1679" pathEditMode="relative" rAng="0" ptsTypes="AAAAAAAA">
                                       <p:cBhvr>
                                         <p:cTn id="34" dur="100" fill="hold"/>
                                         <p:tgtEl>
@@ -18203,7 +18203,7 @@
                                       </p:cBhvr>
                                       <p:rCtr x="-156" y="8009"/>
                                     </p:animMotion>
-                                    <p:animMotion origin="layout" path="M 0.2879 0.1522 L 0.2942 0.1446" pathEditMode="relative" rAng="0" ptsTypes="AAAAAAAA">
+                                    <p:animMotion origin="layout" path="M 0.1408 -0.1679 L 0.1471 -0.1756" pathEditMode="relative" rAng="0" ptsTypes="AAAAAAAA">
                                       <p:cBhvr>
                                         <p:cTn id="35" dur="100" fill="hold"/>
                                         <p:tgtEl>
@@ -18216,7 +18216,7 @@
                                       </p:cBhvr>
                                       <p:rCtr x="-156" y="8009"/>
                                     </p:animMotion>
-                                    <p:animMotion origin="layout" path="M 0.2942 0.1446 L 0.2980 0.1386" pathEditMode="relative" rAng="0" ptsTypes="AAAAAAAA">
+                                    <p:animMotion origin="layout" path="M 0.1471 -0.1756 L 0.1509 -0.1815" pathEditMode="relative" rAng="0" ptsTypes="AAAAAAAA">
                                       <p:cBhvr>
                                         <p:cTn id="36" dur="100" fill="hold"/>
                                         <p:tgtEl>
@@ -18229,7 +18229,7 @@
                                       </p:cBhvr>
                                       <p:rCtr x="-156" y="8009"/>
                                     </p:animMotion>
-                                    <p:animMotion origin="layout" path="M 0.2980 0.1386 L 0.3044 0.1301" pathEditMode="relative" rAng="0" ptsTypes="AAAAAAAA">
+                                    <p:animMotion origin="layout" path="M 0.1509 -0.1815 L 0.1573 -0.1900" pathEditMode="relative" rAng="0" ptsTypes="AAAAAAAA">
                                       <p:cBhvr>
                                         <p:cTn id="37" dur="100" fill="hold"/>
                                         <p:tgtEl>
@@ -18242,7 +18242,7 @@
                                       </p:cBhvr>
                                       <p:rCtr x="-156" y="8009"/>
                                     </p:animMotion>
-                                    <p:animMotion origin="layout" path="M 0.3044 0.1301 L 0.3088 0.1250" pathEditMode="relative" rAng="0" ptsTypes="AAAAAAAA">
+                                    <p:animMotion origin="layout" path="M 0.1573 -0.1900 L 0.1617 -0.1951" pathEditMode="relative" rAng="0" ptsTypes="AAAAAAAA">
                                       <p:cBhvr>
                                         <p:cTn id="38" dur="100" fill="hold"/>
                                         <p:tgtEl>
@@ -18255,7 +18255,7 @@
                                       </p:cBhvr>
                                       <p:rCtr x="-156" y="8009"/>
                                     </p:animMotion>
-                                    <p:animMotion origin="layout" path="M 0.3088 0.1250 L 0.3152 0.1166" pathEditMode="relative" rAng="0" ptsTypes="AAAAAAAA">
+                                    <p:animMotion origin="layout" path="M 0.1617 -0.1951 L 0.1681 -0.2035" pathEditMode="relative" rAng="0" ptsTypes="AAAAAAAA">
                                       <p:cBhvr>
                                         <p:cTn id="39" dur="100" fill="hold"/>
                                         <p:tgtEl>
@@ -18268,7 +18268,7 @@
                                       </p:cBhvr>
                                       <p:rCtr x="-156" y="8009"/>
                                     </p:animMotion>
-                                    <p:animMotion origin="layout" path="M 0.3152 0.1166 L 0.3190 0.1106" pathEditMode="relative" rAng="0" ptsTypes="AAAAAAAA">
+                                    <p:animMotion origin="layout" path="M 0.1681 -0.2035 L 0.1719 -0.2095" pathEditMode="relative" rAng="0" ptsTypes="AAAAAAAA">
                                       <p:cBhvr>
                                         <p:cTn id="40" dur="100" fill="hold"/>
                                         <p:tgtEl>
@@ -18281,7 +18281,7 @@
                                       </p:cBhvr>
                                       <p:rCtr x="-156" y="8009"/>
                                     </p:animMotion>
-                                    <p:animMotion origin="layout" path="M 0.3190 0.1106 L 0.3253 0.1030" pathEditMode="relative" rAng="0" ptsTypes="AAAAAAAA">
+                                    <p:animMotion origin="layout" path="M 0.1719 -0.2095 L 0.1782 -0.2171" pathEditMode="relative" rAng="0" ptsTypes="AAAAAAAA">
                                       <p:cBhvr>
                                         <p:cTn id="41" dur="100" fill="hold"/>
                                         <p:tgtEl>
@@ -18294,7 +18294,7 @@
                                       </p:cBhvr>
                                       <p:rCtr x="-156" y="8009"/>
                                     </p:animMotion>
-                                    <p:animMotion origin="layout" path="M 0.3253 0.1030 L 0.3298 0.0971" pathEditMode="relative" rAng="0" ptsTypes="AAAAAAAA">
+                                    <p:animMotion origin="layout" path="M 0.1782 -0.2171 L 0.1827 -0.2231" pathEditMode="relative" rAng="0" ptsTypes="AAAAAAAA">
                                       <p:cBhvr>
                                         <p:cTn id="42" dur="100" fill="hold"/>
                                         <p:tgtEl>
@@ -18307,7 +18307,7 @@
                                       </p:cBhvr>
                                       <p:rCtr x="-156" y="8009"/>
                                     </p:animMotion>
-                                    <p:animMotion origin="layout" path="M 0.3298 0.0971 L 0.3361 0.0886" pathEditMode="relative" rAng="0" ptsTypes="AAAAAAAA">
+                                    <p:animMotion origin="layout" path="M 0.1827 -0.2231 L 0.1890 -0.2315" pathEditMode="relative" rAng="0" ptsTypes="AAAAAAAA">
                                       <p:cBhvr>
                                         <p:cTn id="43" dur="100" fill="hold"/>
                                         <p:tgtEl>
@@ -18320,7 +18320,7 @@
                                       </p:cBhvr>
                                       <p:rCtr x="-156" y="8009"/>
                                     </p:animMotion>
-                                    <p:animMotion origin="layout" path="M 0.3361 0.0886 L 0.3399 0.0835" pathEditMode="relative" rAng="0" ptsTypes="AAAAAAAA">
+                                    <p:animMotion origin="layout" path="M 0.1890 -0.2315 L 0.1928 -0.2366" pathEditMode="relative" rAng="0" ptsTypes="AAAAAAAA">
                                       <p:cBhvr>
                                         <p:cTn id="44" dur="100" fill="hold"/>
                                         <p:tgtEl>
@@ -18333,7 +18333,7 @@
                                       </p:cBhvr>
                                       <p:rCtr x="-156" y="8009"/>
                                     </p:animMotion>
-                                    <p:animMotion origin="layout" path="M 0.3399 0.0835 L 0.3462 0.0750" pathEditMode="relative" rAng="0" ptsTypes="AAAAAAAA">
+                                    <p:animMotion origin="layout" path="M 0.1928 -0.2366 L 0.1991 -0.2451" pathEditMode="relative" rAng="0" ptsTypes="AAAAAAAA">
                                       <p:cBhvr>
                                         <p:cTn id="45" dur="100" fill="hold"/>
                                         <p:tgtEl>
@@ -18346,7 +18346,7 @@
                                       </p:cBhvr>
                                       <p:rCtr x="-156" y="8009"/>
                                     </p:animMotion>
-                                    <p:animMotion origin="layout" path="M 0.3462 0.0750 L 0.3507 0.0691" pathEditMode="relative" rAng="0" ptsTypes="AAAAAAAA">
+                                    <p:animMotion origin="layout" path="M 0.1991 -0.2451 L 0.2036 -0.2510" pathEditMode="relative" rAng="0" ptsTypes="AAAAAAAA">
                                       <p:cBhvr>
                                         <p:cTn id="46" dur="100" fill="hold"/>
                                         <p:tgtEl>
@@ -18368,7 +18368,7 @@
                                     <p:cond delay="0"/>
                                   </p:stCondLst>
                                   <p:childTnLst>
-                                    <p:animMotion origin="layout" path="M 0.1630 0.1759 L 0.1630 0.1759" pathEditMode="relative" rAng="0" ptsTypes="AAAAAAAA">
+                                    <p:animMotion origin="layout" path="M 0.0000 0.0000 L 0.0000 0.0000" pathEditMode="relative" rAng="0" ptsTypes="AAAAAAAA">
                                       <p:cBhvr>
                                         <p:cTn id="8" dur="100" fill="hold"/>
                                         <p:tgtEl>
@@ -18381,7 +18381,7 @@
                                       </p:cBhvr>
                                       <p:rCtr x="-156" y="8009"/>
                                     </p:animMotion>
-                                    <p:animMotion origin="layout" path="M 0.1630 0.1759 L 0.1649 0.1785" pathEditMode="relative" rAng="0" ptsTypes="AAAAAAAA">
+                                    <p:animMotion origin="layout" path="M 0.0000 0.0000 L 0.0019 0.0025" pathEditMode="relative" rAng="0" ptsTypes="AAAAAAAA">
                                       <p:cBhvr>
                                         <p:cTn id="9" dur="100" fill="hold"/>
                                         <p:tgtEl>
@@ -18394,7 +18394,7 @@
                                       </p:cBhvr>
                                       <p:rCtr x="-156" y="8009"/>
                                     </p:animMotion>
-                                    <p:animMotion origin="layout" path="M 0.1649 0.1785 L 0.1680 0.1819" pathEditMode="relative" rAng="0" ptsTypes="AAAAAAAA">
+                                    <p:animMotion origin="layout" path="M 0.0019 0.0025 L 0.0051 0.0059" pathEditMode="relative" rAng="0" ptsTypes="AAAAAAAA">
                                       <p:cBhvr>
                                         <p:cTn id="10" dur="100" fill="hold"/>
                                         <p:tgtEl>
@@ -18407,7 +18407,7 @@
                                       </p:cBhvr>
                                       <p:rCtr x="-156" y="8009"/>
                                     </p:animMotion>
-                                    <p:animMotion origin="layout" path="M 0.1680 0.1819 L 0.1699 0.1836" pathEditMode="relative" rAng="0" ptsTypes="AAAAAAAA">
+                                    <p:animMotion origin="layout" path="M 0.0051 0.0059 L 0.0070 0.0076" pathEditMode="relative" rAng="0" ptsTypes="AAAAAAAA">
                                       <p:cBhvr>
                                         <p:cTn id="11" dur="100" fill="hold"/>
                                         <p:tgtEl>
@@ -18420,7 +18420,7 @@
                                       </p:cBhvr>
                                       <p:rCtr x="-156" y="8009"/>
                                     </p:animMotion>
-                                    <p:animMotion origin="layout" path="M 0.1699 0.1836 L 0.1731 0.1870" pathEditMode="relative" rAng="0" ptsTypes="AAAAAAAA">
+                                    <p:animMotion origin="layout" path="M 0.0070 0.0076 L 0.0101 0.0110" pathEditMode="relative" rAng="0" ptsTypes="AAAAAAAA">
                                       <p:cBhvr>
                                         <p:cTn id="12" dur="100" fill="hold"/>
                                         <p:tgtEl>
@@ -18433,7 +18433,7 @@
                                       </p:cBhvr>
                                       <p:rCtr x="-156" y="8009"/>
                                     </p:animMotion>
-                                    <p:animMotion origin="layout" path="M 0.1731 0.1870 L 0.1750 0.1844" pathEditMode="relative" rAng="0" ptsTypes="AAAAAAAA">
+                                    <p:animMotion origin="layout" path="M 0.0101 0.0110 L 0.0120 0.0085" pathEditMode="relative" rAng="0" ptsTypes="AAAAAAAA">
                                       <p:cBhvr>
                                         <p:cTn id="13" dur="100" fill="hold"/>
                                         <p:tgtEl>
@@ -18446,7 +18446,7 @@
                                       </p:cBhvr>
                                       <p:rCtr x="-156" y="8009"/>
                                     </p:animMotion>
-                                    <p:animMotion origin="layout" path="M 0.1750 0.1844 L 0.1801 0.1700" pathEditMode="relative" rAng="0" ptsTypes="AAAAAAAA">
+                                    <p:animMotion origin="layout" path="M 0.0120 0.0085 L 0.0171 -0.0059" pathEditMode="relative" rAng="0" ptsTypes="AAAAAAAA">
                                       <p:cBhvr>
                                         <p:cTn id="14" dur="100" fill="hold"/>
                                         <p:tgtEl>
@@ -18459,7 +18459,7 @@
                                       </p:cBhvr>
                                       <p:rCtr x="-156" y="8009"/>
                                     </p:animMotion>
-                                    <p:animMotion origin="layout" path="M 0.1801 0.1700 L 0.1839 0.1607" pathEditMode="relative" rAng="0" ptsTypes="AAAAAAAA">
+                                    <p:animMotion origin="layout" path="M 0.0171 -0.0059 L 0.0209 -0.0153" pathEditMode="relative" rAng="0" ptsTypes="AAAAAAAA">
                                       <p:cBhvr>
                                         <p:cTn id="15" dur="100" fill="hold"/>
                                         <p:tgtEl>
@@ -18472,7 +18472,7 @@
                                       </p:cBhvr>
                                       <p:rCtr x="-156" y="8009"/>
                                     </p:animMotion>
-                                    <p:animMotion origin="layout" path="M 0.1839 0.1607 L 0.1896 0.1471" pathEditMode="relative" rAng="0" ptsTypes="AAAAAAAA">
+                                    <p:animMotion origin="layout" path="M 0.0209 -0.0153 L 0.0266 -0.0288" pathEditMode="relative" rAng="0" ptsTypes="AAAAAAAA">
                                       <p:cBhvr>
                                         <p:cTn id="16" dur="100" fill="hold"/>
                                         <p:tgtEl>
@@ -18485,7 +18485,7 @@
                                       </p:cBhvr>
                                       <p:rCtr x="-156" y="8009"/>
                                     </p:animMotion>
-                                    <p:animMotion origin="layout" path="M 0.1896 0.1471 L 0.1928 0.1378" pathEditMode="relative" rAng="0" ptsTypes="AAAAAAAA">
+                                    <p:animMotion origin="layout" path="M 0.0266 -0.0288 L 0.0298 -0.0382" pathEditMode="relative" rAng="0" ptsTypes="AAAAAAAA">
                                       <p:cBhvr>
                                         <p:cTn id="17" dur="100" fill="hold"/>
                                         <p:tgtEl>
@@ -18498,7 +18498,7 @@
                                       </p:cBhvr>
                                       <p:rCtr x="-156" y="8009"/>
                                     </p:animMotion>
-                                    <p:animMotion origin="layout" path="M 0.1928 0.1378 L 0.1985 0.1234" pathEditMode="relative" rAng="0" ptsTypes="AAAAAAAA">
+                                    <p:animMotion origin="layout" path="M 0.0298 -0.0382 L 0.0355 -0.0526" pathEditMode="relative" rAng="0" ptsTypes="AAAAAAAA">
                                       <p:cBhvr>
                                         <p:cTn id="18" dur="100" fill="hold"/>
                                         <p:tgtEl>
@@ -18511,7 +18511,7 @@
                                       </p:cBhvr>
                                       <p:rCtr x="-156" y="8009"/>
                                     </p:animMotion>
-                                    <p:animMotion origin="layout" path="M 0.1985 0.1234 L 0.2017 0.1140" pathEditMode="relative" rAng="0" ptsTypes="AAAAAAAA">
+                                    <p:animMotion origin="layout" path="M 0.0355 -0.0526 L 0.0387 -0.0619" pathEditMode="relative" rAng="0" ptsTypes="AAAAAAAA">
                                       <p:cBhvr>
                                         <p:cTn id="19" dur="100" fill="hold"/>
                                         <p:tgtEl>
@@ -18524,7 +18524,7 @@
                                       </p:cBhvr>
                                       <p:rCtr x="-156" y="8009"/>
                                     </p:animMotion>
-                                    <p:animMotion origin="layout" path="M 0.2017 0.1140 L 0.2074 0.1005" pathEditMode="relative" rAng="0" ptsTypes="AAAAAAAA">
+                                    <p:animMotion origin="layout" path="M 0.0387 -0.0619 L 0.0444 -0.0755" pathEditMode="relative" rAng="0" ptsTypes="AAAAAAAA">
                                       <p:cBhvr>
                                         <p:cTn id="20" dur="100" fill="hold"/>
                                         <p:tgtEl>
@@ -18537,7 +18537,7 @@
                                       </p:cBhvr>
                                       <p:rCtr x="-156" y="8009"/>
                                     </p:animMotion>
-                                    <p:animMotion origin="layout" path="M 0.2074 0.1005 L 0.2105 0.0911" pathEditMode="relative" rAng="0" ptsTypes="AAAAAAAA">
+                                    <p:animMotion origin="layout" path="M 0.0444 -0.0755 L 0.0476 -0.0848" pathEditMode="relative" rAng="0" ptsTypes="AAAAAAAA">
                                       <p:cBhvr>
                                         <p:cTn id="21" dur="100" fill="hold"/>
                                         <p:tgtEl>
@@ -18550,7 +18550,7 @@
                                       </p:cBhvr>
                                       <p:rCtr x="-156" y="8009"/>
                                     </p:animMotion>
-                                    <p:animMotion origin="layout" path="M 0.2105 0.0911 L 0.2162 0.0767" pathEditMode="relative" rAng="0" ptsTypes="AAAAAAAA">
+                                    <p:animMotion origin="layout" path="M 0.0476 -0.0848 L 0.0533 -0.0992" pathEditMode="relative" rAng="0" ptsTypes="AAAAAAAA">
                                       <p:cBhvr>
                                         <p:cTn id="22" dur="100" fill="hold"/>
                                         <p:tgtEl>
@@ -18563,7 +18563,7 @@
                                       </p:cBhvr>
                                       <p:rCtr x="-156" y="8009"/>
                                     </p:animMotion>
-                                    <p:animMotion origin="layout" path="M 0.2162 0.0767 L 0.2200 0.0674" pathEditMode="relative" rAng="0" ptsTypes="AAAAAAAA">
+                                    <p:animMotion origin="layout" path="M 0.0533 -0.0992 L 0.0571 -0.1086" pathEditMode="relative" rAng="0" ptsTypes="AAAAAAAA">
                                       <p:cBhvr>
                                         <p:cTn id="23" dur="100" fill="hold"/>
                                         <p:tgtEl>
@@ -18576,7 +18576,7 @@
                                       </p:cBhvr>
                                       <p:rCtr x="-156" y="8009"/>
                                     </p:animMotion>
-                                    <p:animMotion origin="layout" path="M 0.2200 0.0674 L 0.2251 0.0538" pathEditMode="relative" rAng="0" ptsTypes="AAAAAAAA">
+                                    <p:animMotion origin="layout" path="M 0.0571 -0.1086 L 0.0622 -0.1221" pathEditMode="relative" rAng="0" ptsTypes="AAAAAAAA">
                                       <p:cBhvr>
                                         <p:cTn id="24" dur="100" fill="hold"/>
                                         <p:tgtEl>
@@ -18589,7 +18589,7 @@
                                       </p:cBhvr>
                                       <p:rCtr x="-156" y="8009"/>
                                     </p:animMotion>
-                                    <p:animMotion origin="layout" path="M 0.2251 0.0538 L 0.2289 0.0445" pathEditMode="relative" rAng="0" ptsTypes="AAAAAAAA">
+                                    <p:animMotion origin="layout" path="M 0.0622 -0.1221 L 0.0660 -0.1315" pathEditMode="relative" rAng="0" ptsTypes="AAAAAAAA">
                                       <p:cBhvr>
                                         <p:cTn id="25" dur="100" fill="hold"/>
                                         <p:tgtEl>
@@ -18602,7 +18602,7 @@
                                       </p:cBhvr>
                                       <p:rCtr x="-156" y="8009"/>
                                     </p:animMotion>
-                                    <p:animMotion origin="layout" path="M 0.2289 0.0445 L 0.2340 0.0496" pathEditMode="relative" rAng="0" ptsTypes="AAAAAAAA">
+                                    <p:animMotion origin="layout" path="M 0.0660 -0.1315 L 0.0710 -0.1264" pathEditMode="relative" rAng="0" ptsTypes="AAAAAAAA">
                                       <p:cBhvr>
                                         <p:cTn id="26" dur="100" fill="hold"/>
                                         <p:tgtEl>
@@ -18615,7 +18615,7 @@
                                       </p:cBhvr>
                                       <p:rCtr x="-156" y="8009"/>
                                     </p:animMotion>
-                                    <p:animMotion origin="layout" path="M 0.2340 0.0496 L 0.2359 0.0513" pathEditMode="relative" rAng="0" ptsTypes="AAAAAAAA">
+                                    <p:animMotion origin="layout" path="M 0.0710 -0.1264 L 0.0729 -0.1247" pathEditMode="relative" rAng="0" ptsTypes="AAAAAAAA">
                                       <p:cBhvr>
                                         <p:cTn id="27" dur="100" fill="hold"/>
                                         <p:tgtEl>
@@ -18628,7 +18628,7 @@
                                       </p:cBhvr>
                                       <p:rCtr x="-156" y="8009"/>
                                     </p:animMotion>
-                                    <p:animMotion origin="layout" path="M 0.2359 0.0513 L 0.2391 0.0547" pathEditMode="relative" rAng="0" ptsTypes="AAAAAAAA">
+                                    <p:animMotion origin="layout" path="M 0.0729 -0.1247 L 0.0761 -0.1213" pathEditMode="relative" rAng="0" ptsTypes="AAAAAAAA">
                                       <p:cBhvr>
                                         <p:cTn id="28" dur="100" fill="hold"/>
                                         <p:tgtEl>
@@ -18641,7 +18641,7 @@
                                       </p:cBhvr>
                                       <p:rCtr x="-156" y="8009"/>
                                     </p:animMotion>
-                                    <p:animMotion origin="layout" path="M 0.2391 0.0547 L 0.2410 0.0572" pathEditMode="relative" rAng="0" ptsTypes="AAAAAAAA">
+                                    <p:animMotion origin="layout" path="M 0.0761 -0.1213 L 0.0780 -0.1187" pathEditMode="relative" rAng="0" ptsTypes="AAAAAAAA">
                                       <p:cBhvr>
                                         <p:cTn id="29" dur="100" fill="hold"/>
                                         <p:tgtEl>
@@ -18654,7 +18654,7 @@
                                       </p:cBhvr>
                                       <p:rCtr x="-156" y="8009"/>
                                     </p:animMotion>
-                                    <p:animMotion origin="layout" path="M 0.2410 0.0572 L 0.2422 0.0487" pathEditMode="relative" rAng="0" ptsTypes="AAAAAAAA">
+                                    <p:animMotion origin="layout" path="M 0.0780 -0.1187 L 0.0793 -0.1272" pathEditMode="relative" rAng="0" ptsTypes="AAAAAAAA">
                                       <p:cBhvr>
                                         <p:cTn id="30" dur="100" fill="hold"/>
                                         <p:tgtEl>
@@ -18667,7 +18667,7 @@
                                       </p:cBhvr>
                                       <p:rCtr x="-156" y="8009"/>
                                     </p:animMotion>
-                                    <p:animMotion origin="layout" path="M 0.2422 0.0487 L 0.2435 0.0385" pathEditMode="relative" rAng="0" ptsTypes="AAAAAAAA">
+                                    <p:animMotion origin="layout" path="M 0.0793 -0.1272 L 0.0805 -0.1374" pathEditMode="relative" rAng="0" ptsTypes="AAAAAAAA">
                                       <p:cBhvr>
                                         <p:cTn id="31" dur="100" fill="hold"/>
                                         <p:tgtEl>
@@ -18680,7 +18680,7 @@
                                       </p:cBhvr>
                                       <p:rCtr x="-156" y="8009"/>
                                     </p:animMotion>
-                                    <p:animMotion origin="layout" path="M 0.2435 0.0385 L 0.2448 0.0233" pathEditMode="relative" rAng="0" ptsTypes="AAAAAAAA">
+                                    <p:animMotion origin="layout" path="M 0.0805 -0.1374 L 0.0818 -0.1527" pathEditMode="relative" rAng="0" ptsTypes="AAAAAAAA">
                                       <p:cBhvr>
                                         <p:cTn id="32" dur="100" fill="hold"/>
                                         <p:tgtEl>
@@ -18693,7 +18693,7 @@
                                       </p:cBhvr>
                                       <p:rCtr x="-156" y="8009"/>
                                     </p:animMotion>
-                                    <p:animMotion origin="layout" path="M 0.2448 0.0233 L 0.2460 0.0122" pathEditMode="relative" rAng="0" ptsTypes="AAAAAAAA">
+                                    <p:animMotion origin="layout" path="M 0.0818 -0.1527 L 0.0831 -0.1637" pathEditMode="relative" rAng="0" ptsTypes="AAAAAAAA">
                                       <p:cBhvr>
                                         <p:cTn id="33" dur="100" fill="hold"/>
                                         <p:tgtEl>
@@ -18706,7 +18706,7 @@
                                       </p:cBhvr>
                                       <p:rCtr x="-156" y="8009"/>
                                     </p:animMotion>
-                                    <p:animMotion origin="layout" path="M 0.2460 0.0122 L 0.2479 -0.0030" pathEditMode="relative" rAng="0" ptsTypes="AAAAAAAA">
+                                    <p:animMotion origin="layout" path="M 0.0831 -0.1637 L 0.0850 -0.1790" pathEditMode="relative" rAng="0" ptsTypes="AAAAAAAA">
                                       <p:cBhvr>
                                         <p:cTn id="34" dur="100" fill="hold"/>
                                         <p:tgtEl>
@@ -18719,7 +18719,7 @@
                                       </p:cBhvr>
                                       <p:rCtr x="-156" y="8009"/>
                                     </p:animMotion>
-                                    <p:animMotion origin="layout" path="M 0.2479 -0.0030 L 0.2492 -0.0132" pathEditMode="relative" rAng="0" ptsTypes="AAAAAAAA">
+                                    <p:animMotion origin="layout" path="M 0.0850 -0.1790 L 0.0863 -0.1891" pathEditMode="relative" rAng="0" ptsTypes="AAAAAAAA">
                                       <p:cBhvr>
                                         <p:cTn id="35" dur="100" fill="hold"/>
                                         <p:tgtEl>
@@ -18732,7 +18732,7 @@
                                       </p:cBhvr>
                                       <p:rCtr x="-156" y="8009"/>
                                     </p:animMotion>
-                                    <p:animMotion origin="layout" path="M 0.2492 -0.0132 L 0.2505 -0.0285" pathEditMode="relative" rAng="0" ptsTypes="AAAAAAAA">
+                                    <p:animMotion origin="layout" path="M 0.0863 -0.1891 L 0.0875 -0.2044" pathEditMode="relative" rAng="0" ptsTypes="AAAAAAAA">
                                       <p:cBhvr>
                                         <p:cTn id="36" dur="100" fill="hold"/>
                                         <p:tgtEl>
@@ -18745,7 +18745,7 @@
                                       </p:cBhvr>
                                       <p:rCtr x="-156" y="8009"/>
                                     </p:animMotion>
-                                    <p:animMotion origin="layout" path="M 0.2505 -0.0285 L 0.2518 -0.0395" pathEditMode="relative" rAng="0" ptsTypes="AAAAAAAA">
+                                    <p:animMotion origin="layout" path="M 0.0875 -0.2044 L 0.0888 -0.2154" pathEditMode="relative" rAng="0" ptsTypes="AAAAAAAA">
                                       <p:cBhvr>
                                         <p:cTn id="37" dur="100" fill="hold"/>
                                         <p:tgtEl>
@@ -18758,7 +18758,7 @@
                                       </p:cBhvr>
                                       <p:rCtr x="-156" y="8009"/>
                                     </p:animMotion>
-                                    <p:animMotion origin="layout" path="M 0.2518 -0.0395 L 0.2537 -0.0548" pathEditMode="relative" rAng="0" ptsTypes="AAAAAAAA">
+                                    <p:animMotion origin="layout" path="M 0.0888 -0.2154 L 0.0907 -0.2307" pathEditMode="relative" rAng="0" ptsTypes="AAAAAAAA">
                                       <p:cBhvr>
                                         <p:cTn id="38" dur="100" fill="hold"/>
                                         <p:tgtEl>
@@ -18771,7 +18771,7 @@
                                       </p:cBhvr>
                                       <p:rCtr x="-156" y="8009"/>
                                     </p:animMotion>
-                                    <p:animMotion origin="layout" path="M 0.2537 -0.0548 L 0.2543 -0.0649" pathEditMode="relative" rAng="0" ptsTypes="AAAAAAAA">
+                                    <p:animMotion origin="layout" path="M 0.0907 -0.2307 L 0.0913 -0.2409" pathEditMode="relative" rAng="0" ptsTypes="AAAAAAAA">
                                       <p:cBhvr>
                                         <p:cTn id="39" dur="100" fill="hold"/>
                                         <p:tgtEl>
@@ -18784,7 +18784,7 @@
                                       </p:cBhvr>
                                       <p:rCtr x="-156" y="8009"/>
                                     </p:animMotion>
-                                    <p:animMotion origin="layout" path="M 0.2543 -0.0649 L 0.2562 -0.0802" pathEditMode="relative" rAng="0" ptsTypes="AAAAAAAA">
+                                    <p:animMotion origin="layout" path="M 0.0913 -0.2409 L 0.0932 -0.2561" pathEditMode="relative" rAng="0" ptsTypes="AAAAAAAA">
                                       <p:cBhvr>
                                         <p:cTn id="40" dur="100" fill="hold"/>
                                         <p:tgtEl>
@@ -18797,7 +18797,7 @@
                                       </p:cBhvr>
                                       <p:rCtr x="-156" y="8009"/>
                                     </p:animMotion>
-                                    <p:animMotion origin="layout" path="M 0.2562 -0.0802 L 0.2575 -0.0912" pathEditMode="relative" rAng="0" ptsTypes="AAAAAAAA">
+                                    <p:animMotion origin="layout" path="M 0.0932 -0.2561 L 0.0945 -0.2672" pathEditMode="relative" rAng="0" ptsTypes="AAAAAAAA">
                                       <p:cBhvr>
                                         <p:cTn id="41" dur="100" fill="hold"/>
                                         <p:tgtEl>
@@ -18810,7 +18810,7 @@
                                       </p:cBhvr>
                                       <p:rCtr x="-156" y="8009"/>
                                     </p:animMotion>
-                                    <p:animMotion origin="layout" path="M 0.2575 -0.0912 L 0.2613 -0.0989" pathEditMode="relative" rAng="0" ptsTypes="AAAAAAAA">
+                                    <p:animMotion origin="layout" path="M 0.0945 -0.2672 L 0.0983 -0.2748" pathEditMode="relative" rAng="0" ptsTypes="AAAAAAAA">
                                       <p:cBhvr>
                                         <p:cTn id="42" dur="100" fill="hold"/>
                                         <p:tgtEl>
@@ -18823,7 +18823,7 @@
                                       </p:cBhvr>
                                       <p:rCtr x="-156" y="8009"/>
                                     </p:animMotion>
-                                    <p:animMotion origin="layout" path="M 0.2613 -0.0989 L 0.2638 -0.0963" pathEditMode="relative" rAng="0" ptsTypes="AAAAAAAA">
+                                    <p:animMotion origin="layout" path="M 0.0983 -0.2748 L 0.1008 -0.2722" pathEditMode="relative" rAng="0" ptsTypes="AAAAAAAA">
                                       <p:cBhvr>
                                         <p:cTn id="43" dur="100" fill="hold"/>
                                         <p:tgtEl>
@@ -18836,7 +18836,7 @@
                                       </p:cBhvr>
                                       <p:rCtr x="-156" y="8009"/>
                                     </p:animMotion>
-                                    <p:animMotion origin="layout" path="M 0.2638 -0.0963 L 0.2670 -0.0929" pathEditMode="relative" rAng="0" ptsTypes="AAAAAAAA">
+                                    <p:animMotion origin="layout" path="M 0.1008 -0.2722 L 0.1040 -0.2689" pathEditMode="relative" rAng="0" ptsTypes="AAAAAAAA">
                                       <p:cBhvr>
                                         <p:cTn id="44" dur="100" fill="hold"/>
                                         <p:tgtEl>
@@ -18849,7 +18849,7 @@
                                       </p:cBhvr>
                                       <p:rCtr x="-156" y="8009"/>
                                     </p:animMotion>
-                                    <p:animMotion origin="layout" path="M 0.2670 -0.0929 L 0.2689 -0.0912" pathEditMode="relative" rAng="0" ptsTypes="AAAAAAAA">
+                                    <p:animMotion origin="layout" path="M 0.1040 -0.2689 L 0.1059 -0.2672" pathEditMode="relative" rAng="0" ptsTypes="AAAAAAAA">
                                       <p:cBhvr>
                                         <p:cTn id="45" dur="100" fill="hold"/>
                                         <p:tgtEl>
@@ -18862,7 +18862,7 @@
                                       </p:cBhvr>
                                       <p:rCtr x="-156" y="8009"/>
                                     </p:animMotion>
-                                    <p:animMotion origin="layout" path="M 0.2689 -0.0912 L 0.2720 -0.0878" pathEditMode="relative" rAng="0" ptsTypes="AAAAAAAA">
+                                    <p:animMotion origin="layout" path="M 0.1059 -0.2672 L 0.1091 -0.2638" pathEditMode="relative" rAng="0" ptsTypes="AAAAAAAA">
                                       <p:cBhvr>
                                         <p:cTn id="46" dur="100" fill="hold"/>
                                         <p:tgtEl>
@@ -18875,7 +18875,7 @@
                                       </p:cBhvr>
                                       <p:rCtr x="-156" y="8009"/>
                                     </p:animMotion>
-                                    <p:animMotion origin="layout" path="M 0.2720 -0.0878 L 0.2739 -0.0853" pathEditMode="relative" rAng="0" ptsTypes="AAAAAAAA">
+                                    <p:animMotion origin="layout" path="M 0.1091 -0.2638 L 0.1110 -0.2612" pathEditMode="relative" rAng="0" ptsTypes="AAAAAAAA">
                                       <p:cBhvr>
                                         <p:cTn id="47" dur="100" fill="hold"/>
                                         <p:tgtEl>
@@ -18897,7 +18897,7 @@
                                     <p:cond delay="0"/>
                                   </p:stCondLst>
                                   <p:childTnLst>
-                                    <p:animMotion origin="layout" path="M 0.3424 0.1072 L 0.3424 0.1072" pathEditMode="relative" rAng="0" ptsTypes="AAAAAAAA">
+                                    <p:animMotion origin="layout" path="M 0.0000 0.0000 L 0.0000 0.0000" pathEditMode="relative" rAng="0" ptsTypes="AAAAAAAA">
                                       <p:cBhvr>
                                         <p:cTn id="9" dur="100" fill="hold"/>
                                         <p:tgtEl>
@@ -18910,7 +18910,7 @@
                                       </p:cBhvr>
                                       <p:rCtr x="-156" y="8009"/>
                                     </p:animMotion>
-                                    <p:animMotion origin="layout" path="M 0.3424 0.1072 L 0.3399 0.1055" pathEditMode="relative" rAng="0" ptsTypes="AAAAAAAA">
+                                    <p:animMotion origin="layout" path="M 0.0000 0.0000 L -0.0025 -0.0017" pathEditMode="relative" rAng="0" ptsTypes="AAAAAAAA">
                                       <p:cBhvr>
                                         <p:cTn id="10" dur="100" fill="hold"/>
                                         <p:tgtEl>
@@ -18923,7 +18923,7 @@
                                       </p:cBhvr>
                                       <p:rCtr x="-156" y="8009"/>
                                     </p:animMotion>
-                                    <p:animMotion origin="layout" path="M 0.3399 0.1055 L 0.3367 0.1030" pathEditMode="relative" rAng="0" ptsTypes="AAAAAAAA">
+                                    <p:animMotion origin="layout" path="M -0.0025 -0.0017 L -0.0057 -0.0042" pathEditMode="relative" rAng="0" ptsTypes="AAAAAAAA">
                                       <p:cBhvr>
                                         <p:cTn id="11" dur="100" fill="hold"/>
                                         <p:tgtEl>
@@ -18936,7 +18936,7 @@
                                       </p:cBhvr>
                                       <p:rCtr x="-156" y="8009"/>
                                     </p:animMotion>
-                                    <p:animMotion origin="layout" path="M 0.3367 0.1030 L 0.3342 0.1013" pathEditMode="relative" rAng="0" ptsTypes="AAAAAAAA">
+                                    <p:animMotion origin="layout" path="M -0.0057 -0.0042 L -0.0082 -0.0059" pathEditMode="relative" rAng="0" ptsTypes="AAAAAAAA">
                                       <p:cBhvr>
                                         <p:cTn id="12" dur="100" fill="hold"/>
                                         <p:tgtEl>
@@ -18949,7 +18949,7 @@
                                       </p:cBhvr>
                                       <p:rCtr x="-156" y="8009"/>
                                     </p:animMotion>
-                                    <p:animMotion origin="layout" path="M 0.3342 0.1013 L 0.3304 0.0988" pathEditMode="relative" rAng="0" ptsTypes="AAAAAAAA">
+                                    <p:animMotion origin="layout" path="M -0.0082 -0.0059 L -0.0120 -0.0085" pathEditMode="relative" rAng="0" ptsTypes="AAAAAAAA">
                                       <p:cBhvr>
                                         <p:cTn id="13" dur="100" fill="hold"/>
                                         <p:tgtEl>
@@ -18962,7 +18962,7 @@
                                       </p:cBhvr>
                                       <p:rCtr x="-156" y="8009"/>
                                     </p:animMotion>
-                                    <p:animMotion origin="layout" path="M 0.3304 0.0988 L 0.3285 0.0971" pathEditMode="relative" rAng="0" ptsTypes="AAAAAAAA">
+                                    <p:animMotion origin="layout" path="M -0.0120 -0.0085 L -0.0140 -0.0102" pathEditMode="relative" rAng="0" ptsTypes="AAAAAAAA">
                                       <p:cBhvr>
                                         <p:cTn id="14" dur="100" fill="hold"/>
                                         <p:tgtEl>
@@ -18975,7 +18975,7 @@
                                       </p:cBhvr>
                                       <p:rCtr x="-156" y="8009"/>
                                     </p:animMotion>
-                                    <p:animMotion origin="layout" path="M 0.3285 0.0971 L 0.3247 0.0945" pathEditMode="relative" rAng="0" ptsTypes="AAAAAAAA">
+                                    <p:animMotion origin="layout" path="M -0.0140 -0.0102 L -0.0178 -0.0127" pathEditMode="relative" rAng="0" ptsTypes="AAAAAAAA">
                                       <p:cBhvr>
                                         <p:cTn id="15" dur="100" fill="hold"/>
                                         <p:tgtEl>
@@ -18988,7 +18988,7 @@
                                       </p:cBhvr>
                                       <p:rCtr x="-156" y="8009"/>
                                     </p:animMotion>
-                                    <p:animMotion origin="layout" path="M 0.3247 0.0945 L 0.3228 0.0937" pathEditMode="relative" rAng="0" ptsTypes="AAAAAAAA">
+                                    <p:animMotion origin="layout" path="M -0.0178 -0.0127 L -0.0197 -0.0136" pathEditMode="relative" rAng="0" ptsTypes="AAAAAAAA">
                                       <p:cBhvr>
                                         <p:cTn id="16" dur="100" fill="hold"/>
                                         <p:tgtEl>
@@ -19001,7 +19001,7 @@
                                       </p:cBhvr>
                                       <p:rCtr x="-156" y="8009"/>
                                     </p:animMotion>
-                                    <p:animMotion origin="layout" path="M 0.3228 0.0937 L 0.3190 0.0911" pathEditMode="relative" rAng="0" ptsTypes="AAAAAAAA">
+                                    <p:animMotion origin="layout" path="M -0.0197 -0.0136 L -0.0235 -0.0161" pathEditMode="relative" rAng="0" ptsTypes="AAAAAAAA">
                                       <p:cBhvr>
                                         <p:cTn id="17" dur="100" fill="hold"/>
                                         <p:tgtEl>
@@ -19014,7 +19014,7 @@
                                       </p:cBhvr>
                                       <p:rCtr x="-156" y="8009"/>
                                     </p:animMotion>
-                                    <p:animMotion origin="layout" path="M 0.3190 0.0911 L 0.3164 0.0894" pathEditMode="relative" rAng="0" ptsTypes="AAAAAAAA">
+                                    <p:animMotion origin="layout" path="M -0.0235 -0.0161 L -0.0260 -0.0178" pathEditMode="relative" rAng="0" ptsTypes="AAAAAAAA">
                                       <p:cBhvr>
                                         <p:cTn id="18" dur="100" fill="hold"/>
                                         <p:tgtEl>
@@ -19027,7 +19027,7 @@
                                       </p:cBhvr>
                                       <p:rCtr x="-156" y="8009"/>
                                     </p:animMotion>
-                                    <p:animMotion origin="layout" path="M 0.3164 0.0894 L 0.3133 0.0869" pathEditMode="relative" rAng="0" ptsTypes="AAAAAAAA">
+                                    <p:animMotion origin="layout" path="M -0.0260 -0.0178 L -0.0292 -0.0204" pathEditMode="relative" rAng="0" ptsTypes="AAAAAAAA">
                                       <p:cBhvr>
                                         <p:cTn id="19" dur="100" fill="hold"/>
                                         <p:tgtEl>
@@ -19040,7 +19040,7 @@
                                       </p:cBhvr>
                                       <p:rCtr x="-156" y="8009"/>
                                     </p:animMotion>
-                                    <p:animMotion origin="layout" path="M 0.3133 0.0869 L 0.3107 0.0852" pathEditMode="relative" rAng="0" ptsTypes="AAAAAAAA">
+                                    <p:animMotion origin="layout" path="M -0.0292 -0.0204 L -0.0317 -0.0221" pathEditMode="relative" rAng="0" ptsTypes="AAAAAAAA">
                                       <p:cBhvr>
                                         <p:cTn id="20" dur="100" fill="hold"/>
                                         <p:tgtEl>
@@ -19053,7 +19053,7 @@
                                       </p:cBhvr>
                                       <p:rCtr x="-156" y="8009"/>
                                     </p:animMotion>
-                                    <p:animMotion origin="layout" path="M 0.3107 0.0852 L 0.3076 0.0826" pathEditMode="relative" rAng="0" ptsTypes="AAAAAAAA">
+                                    <p:animMotion origin="layout" path="M -0.0317 -0.0221 L -0.0349 -0.0246" pathEditMode="relative" rAng="0" ptsTypes="AAAAAAAA">
                                       <p:cBhvr>
                                         <p:cTn id="21" dur="100" fill="hold"/>
                                         <p:tgtEl>
@@ -19066,7 +19066,7 @@
                                       </p:cBhvr>
                                       <p:rCtr x="-156" y="8009"/>
                                     </p:animMotion>
-                                    <p:animMotion origin="layout" path="M 0.3076 0.0826 L 0.3050 0.0809" pathEditMode="relative" rAng="0" ptsTypes="AAAAAAAA">
+                                    <p:animMotion origin="layout" path="M -0.0349 -0.0246 L -0.0374 -0.0263" pathEditMode="relative" rAng="0" ptsTypes="AAAAAAAA">
                                       <p:cBhvr>
                                         <p:cTn id="22" dur="100" fill="hold"/>
                                         <p:tgtEl>
@@ -19079,7 +19079,7 @@
                                       </p:cBhvr>
                                       <p:rCtr x="-156" y="8009"/>
                                     </p:animMotion>
-                                    <p:animMotion origin="layout" path="M 0.3050 0.0809 L 0.3019 0.0784" pathEditMode="relative" rAng="0" ptsTypes="AAAAAAAA">
+                                    <p:animMotion origin="layout" path="M -0.0374 -0.0263 L -0.0406 -0.0288" pathEditMode="relative" rAng="0" ptsTypes="AAAAAAAA">
                                       <p:cBhvr>
                                         <p:cTn id="23" dur="100" fill="hold"/>
                                         <p:tgtEl>
@@ -19092,7 +19092,7 @@
                                       </p:cBhvr>
                                       <p:rCtr x="-156" y="8009"/>
                                     </p:animMotion>
-                                    <p:animMotion origin="layout" path="M 0.3019 0.0784 L 0.2993 0.0767" pathEditMode="relative" rAng="0" ptsTypes="AAAAAAAA">
+                                    <p:animMotion origin="layout" path="M -0.0406 -0.0288 L -0.0431 -0.0305" pathEditMode="relative" rAng="0" ptsTypes="AAAAAAAA">
                                       <p:cBhvr>
                                         <p:cTn id="24" dur="100" fill="hold"/>
                                         <p:tgtEl>
@@ -19105,7 +19105,7 @@
                                       </p:cBhvr>
                                       <p:rCtr x="-156" y="8009"/>
                                     </p:animMotion>
-                                    <p:animMotion origin="layout" path="M 0.2993 0.0767 L 0.2961 0.0742" pathEditMode="relative" rAng="0" ptsTypes="AAAAAAAA">
+                                    <p:animMotion origin="layout" path="M -0.0431 -0.0305 L -0.0463 -0.0331" pathEditMode="relative" rAng="0" ptsTypes="AAAAAAAA">
                                       <p:cBhvr>
                                         <p:cTn id="25" dur="100" fill="hold"/>
                                         <p:tgtEl>
@@ -19118,7 +19118,7 @@
                                       </p:cBhvr>
                                       <p:rCtr x="-156" y="8009"/>
                                     </p:animMotion>
-                                    <p:animMotion origin="layout" path="M 0.2961 0.0742 L 0.2936 0.0725" pathEditMode="relative" rAng="0" ptsTypes="AAAAAAAA">
+                                    <p:animMotion origin="layout" path="M -0.0463 -0.0331 L -0.0488 -0.0348" pathEditMode="relative" rAng="0" ptsTypes="AAAAAAAA">
                                       <p:cBhvr>
                                         <p:cTn id="26" dur="100" fill="hold"/>
                                         <p:tgtEl>
@@ -19131,7 +19131,7 @@
                                       </p:cBhvr>
                                       <p:rCtr x="-156" y="8009"/>
                                     </p:animMotion>
-                                    <p:animMotion origin="layout" path="M 0.2936 0.0725 L 0.2898 0.0708" pathEditMode="relative" rAng="0" ptsTypes="AAAAAAAA">
+                                    <p:animMotion origin="layout" path="M -0.0488 -0.0348 L -0.0526 -0.0365" pathEditMode="relative" rAng="0" ptsTypes="AAAAAAAA">
                                       <p:cBhvr>
                                         <p:cTn id="27" dur="100" fill="hold"/>
                                         <p:tgtEl>
@@ -19144,7 +19144,7 @@
                                       </p:cBhvr>
                                       <p:rCtr x="-156" y="8009"/>
                                     </p:animMotion>
-                                    <p:animMotion origin="layout" path="M 0.2898 0.0708 L 0.2879 0.0691" pathEditMode="relative" rAng="0" ptsTypes="AAAAAAAA">
+                                    <p:animMotion origin="layout" path="M -0.0526 -0.0365 L -0.0545 -0.0382" pathEditMode="relative" rAng="0" ptsTypes="AAAAAAAA">
                                       <p:cBhvr>
                                         <p:cTn id="28" dur="100" fill="hold"/>
                                         <p:tgtEl>
@@ -19157,7 +19157,7 @@
                                       </p:cBhvr>
                                       <p:rCtr x="-156" y="8009"/>
                                     </p:animMotion>
-                                    <p:animMotion origin="layout" path="M 0.2879 0.0691 L 0.2841 0.0665" pathEditMode="relative" rAng="0" ptsTypes="AAAAAAAA">
+                                    <p:animMotion origin="layout" path="M -0.0545 -0.0382 L -0.0583 -0.0407" pathEditMode="relative" rAng="0" ptsTypes="AAAAAAAA">
                                       <p:cBhvr>
                                         <p:cTn id="29" dur="100" fill="hold"/>
                                         <p:tgtEl>
@@ -19170,7 +19170,7 @@
                                       </p:cBhvr>
                                       <p:rCtr x="-156" y="8009"/>
                                     </p:animMotion>
-                                    <p:animMotion origin="layout" path="M 0.2841 0.0665 L 0.2822 0.0648" pathEditMode="relative" rAng="0" ptsTypes="AAAAAAAA">
+                                    <p:animMotion origin="layout" path="M -0.0583 -0.0407 L -0.0602 -0.0424" pathEditMode="relative" rAng="0" ptsTypes="AAAAAAAA">
                                       <p:cBhvr>
                                         <p:cTn id="30" dur="100" fill="hold"/>
                                         <p:tgtEl>
@@ -19183,7 +19183,7 @@
                                       </p:cBhvr>
                                       <p:rCtr x="-156" y="8009"/>
                                     </p:animMotion>
-                                    <p:animMotion origin="layout" path="M 0.2822 0.0648 L 0.2784 0.0623" pathEditMode="relative" rAng="0" ptsTypes="AAAAAAAA">
+                                    <p:animMotion origin="layout" path="M -0.0602 -0.0424 L -0.0641 -0.0449" pathEditMode="relative" rAng="0" ptsTypes="AAAAAAAA">
                                       <p:cBhvr>
                                         <p:cTn id="31" dur="100" fill="hold"/>
                                         <p:tgtEl>
@@ -19196,7 +19196,7 @@
                                       </p:cBhvr>
                                       <p:rCtr x="-156" y="8009"/>
                                     </p:animMotion>
-                                    <p:animMotion origin="layout" path="M 0.2784 0.0623 L 0.2797 0.0580" pathEditMode="relative" rAng="0" ptsTypes="AAAAAAAA">
+                                    <p:animMotion origin="layout" path="M -0.0641 -0.0449 L -0.0628 -0.0492" pathEditMode="relative" rAng="0" ptsTypes="AAAAAAAA">
                                       <p:cBhvr>
                                         <p:cTn id="32" dur="100" fill="hold"/>
                                         <p:tgtEl>
@@ -19209,7 +19209,7 @@
                                       </p:cBhvr>
                                       <p:rCtr x="-156" y="8009"/>
                                     </p:animMotion>
-                                    <p:animMotion origin="layout" path="M 0.2797 0.0580 L 0.2854 0.0445" pathEditMode="relative" rAng="0" ptsTypes="AAAAAAAA">
+                                    <p:animMotion origin="layout" path="M -0.0628 -0.0492 L -0.0571 -0.0628" pathEditMode="relative" rAng="0" ptsTypes="AAAAAAAA">
                                       <p:cBhvr>
                                         <p:cTn id="33" dur="100" fill="hold"/>
                                         <p:tgtEl>
@@ -19222,7 +19222,7 @@
                                       </p:cBhvr>
                                       <p:rCtr x="-156" y="8009"/>
                                     </p:animMotion>
-                                    <p:animMotion origin="layout" path="M 0.2854 0.0445 L 0.2898 0.0351" pathEditMode="relative" rAng="0" ptsTypes="AAAAAAAA">
+                                    <p:animMotion origin="layout" path="M -0.0571 -0.0628 L -0.0526 -0.0721" pathEditMode="relative" rAng="0" ptsTypes="AAAAAAAA">
                                       <p:cBhvr>
                                         <p:cTn id="34" dur="100" fill="hold"/>
                                         <p:tgtEl>
@@ -19235,7 +19235,7 @@
                                       </p:cBhvr>
                                       <p:rCtr x="-156" y="8009"/>
                                     </p:animMotion>
-                                    <p:animMotion origin="layout" path="M 0.2898 0.0351 L 0.2955 0.0216" pathEditMode="relative" rAng="0" ptsTypes="AAAAAAAA">
+                                    <p:animMotion origin="layout" path="M -0.0526 -0.0721 L -0.0469 -0.0857" pathEditMode="relative" rAng="0" ptsTypes="AAAAAAAA">
                                       <p:cBhvr>
                                         <p:cTn id="35" dur="100" fill="hold"/>
                                         <p:tgtEl>
@@ -19248,7 +19248,7 @@
                                       </p:cBhvr>
                                       <p:rCtr x="-156" y="8009"/>
                                     </p:animMotion>
-                                    <p:animMotion origin="layout" path="M 0.2955 0.0216 L 0.3000 0.0131" pathEditMode="relative" rAng="0" ptsTypes="AAAAAAAA">
+                                    <p:animMotion origin="layout" path="M -0.0469 -0.0857 L -0.0425 -0.0941" pathEditMode="relative" rAng="0" ptsTypes="AAAAAAAA">
                                       <p:cBhvr>
                                         <p:cTn id="36" dur="100" fill="hold"/>
                                         <p:tgtEl>
@@ -19261,7 +19261,7 @@
                                       </p:cBhvr>
                                       <p:rCtr x="-156" y="8009"/>
                                     </p:animMotion>
-                                    <p:animMotion origin="layout" path="M 0.3000 0.0131 L 0.3057 -0.0005" pathEditMode="relative" rAng="0" ptsTypes="AAAAAAAA">
+                                    <p:animMotion origin="layout" path="M -0.0425 -0.0941 L -0.0368 -0.1077" pathEditMode="relative" rAng="0" ptsTypes="AAAAAAAA">
                                       <p:cBhvr>
                                         <p:cTn id="37" dur="100" fill="hold"/>
                                         <p:tgtEl>
@@ -19274,7 +19274,7 @@
                                       </p:cBhvr>
                                       <p:rCtr x="-156" y="8009"/>
                                     </p:animMotion>
-                                    <p:animMotion origin="layout" path="M 0.3057 -0.0005 L 0.3101 -0.0098" pathEditMode="relative" rAng="0" ptsTypes="AAAAAAAA">
+                                    <p:animMotion origin="layout" path="M -0.0368 -0.1077 L -0.0323 -0.1170" pathEditMode="relative" rAng="0" ptsTypes="AAAAAAAA">
                                       <p:cBhvr>
                                         <p:cTn id="38" dur="100" fill="hold"/>
                                         <p:tgtEl>
@@ -19287,7 +19287,7 @@
                                       </p:cBhvr>
                                       <p:rCtr x="-156" y="8009"/>
                                     </p:animMotion>
-                                    <p:animMotion origin="layout" path="M 0.3101 -0.0098 L 0.3158 -0.0234" pathEditMode="relative" rAng="0" ptsTypes="AAAAAAAA">
+                                    <p:animMotion origin="layout" path="M -0.0323 -0.1170 L -0.0266 -0.1306" pathEditMode="relative" rAng="0" ptsTypes="AAAAAAAA">
                                       <p:cBhvr>
                                         <p:cTn id="39" dur="100" fill="hold"/>
                                         <p:tgtEl>
@@ -19300,7 +19300,7 @@
                                       </p:cBhvr>
                                       <p:rCtr x="-156" y="8009"/>
                                     </p:animMotion>
-                                    <p:animMotion origin="layout" path="M 0.3158 -0.0234 L 0.3202 -0.0319" pathEditMode="relative" rAng="0" ptsTypes="AAAAAAAA">
+                                    <p:animMotion origin="layout" path="M -0.0266 -0.1306 L -0.0222 -0.1391" pathEditMode="relative" rAng="0" ptsTypes="AAAAAAAA">
                                       <p:cBhvr>
                                         <p:cTn id="40" dur="100" fill="hold"/>
                                         <p:tgtEl>
@@ -19313,7 +19313,7 @@
                                       </p:cBhvr>
                                       <p:rCtr x="-156" y="8009"/>
                                     </p:animMotion>
-                                    <p:animMotion origin="layout" path="M 0.3202 -0.0319 L 0.3260 -0.0454" pathEditMode="relative" rAng="0" ptsTypes="AAAAAAAA">
+                                    <p:animMotion origin="layout" path="M -0.0222 -0.1391 L -0.0165 -0.1527" pathEditMode="relative" rAng="0" ptsTypes="AAAAAAAA">
                                       <p:cBhvr>
                                         <p:cTn id="41" dur="100" fill="hold"/>
                                         <p:tgtEl>
@@ -19326,7 +19326,7 @@
                                       </p:cBhvr>
                                       <p:rCtr x="-156" y="8009"/>
                                     </p:animMotion>
-                                    <p:animMotion origin="layout" path="M 0.3260 -0.0454 L 0.3304 -0.0548" pathEditMode="relative" rAng="0" ptsTypes="AAAAAAAA">
+                                    <p:animMotion origin="layout" path="M -0.0165 -0.1527 L -0.0120 -0.1620" pathEditMode="relative" rAng="0" ptsTypes="AAAAAAAA">
                                       <p:cBhvr>
                                         <p:cTn id="42" dur="100" fill="hold"/>
                                         <p:tgtEl>
@@ -19339,7 +19339,7 @@
                                       </p:cBhvr>
                                       <p:rCtr x="-156" y="8009"/>
                                     </p:animMotion>
-                                    <p:animMotion origin="layout" path="M 0.3304 -0.0548 L 0.3361 -0.0675" pathEditMode="relative" rAng="0" ptsTypes="AAAAAAAA">
+                                    <p:animMotion origin="layout" path="M -0.0120 -0.1620 L -0.0063 -0.1747" pathEditMode="relative" rAng="0" ptsTypes="AAAAAAAA">
                                       <p:cBhvr>
                                         <p:cTn id="43" dur="100" fill="hold"/>
                                         <p:tgtEl>
@@ -19352,7 +19352,7 @@
                                       </p:cBhvr>
                                       <p:rCtr x="-156" y="8009"/>
                                     </p:animMotion>
-                                    <p:animMotion origin="layout" path="M 0.3361 -0.0675 L 0.3405 -0.0768" pathEditMode="relative" rAng="0" ptsTypes="AAAAAAAA">
+                                    <p:animMotion origin="layout" path="M -0.0063 -0.1747 L -0.0019 -0.1840" pathEditMode="relative" rAng="0" ptsTypes="AAAAAAAA">
                                       <p:cBhvr>
                                         <p:cTn id="44" dur="100" fill="hold"/>
                                         <p:tgtEl>
@@ -19365,7 +19365,7 @@
                                       </p:cBhvr>
                                       <p:rCtr x="-156" y="8009"/>
                                     </p:animMotion>
-                                    <p:animMotion origin="layout" path="M 0.3405 -0.0768 L 0.3348 -0.0810" pathEditMode="relative" rAng="0" ptsTypes="AAAAAAAA">
+                                    <p:animMotion origin="layout" path="M -0.0019 -0.1840 L -0.0076 -0.1883" pathEditMode="relative" rAng="0" ptsTypes="AAAAAAAA">
                                       <p:cBhvr>
                                         <p:cTn id="45" dur="100" fill="hold"/>
                                         <p:tgtEl>
@@ -19378,7 +19378,7 @@
                                       </p:cBhvr>
                                       <p:rCtr x="-156" y="8009"/>
                                     </p:animMotion>
-                                    <p:animMotion origin="layout" path="M 0.3348 -0.0810 L 0.3323 -0.0827" pathEditMode="relative" rAng="0" ptsTypes="AAAAAAAA">
+                                    <p:animMotion origin="layout" path="M -0.0076 -0.1883 L -0.0101 -0.1900" pathEditMode="relative" rAng="0" ptsTypes="AAAAAAAA">
                                       <p:cBhvr>
                                         <p:cTn id="46" dur="100" fill="hold"/>
                                         <p:tgtEl>
@@ -19391,7 +19391,7 @@
                                       </p:cBhvr>
                                       <p:rCtr x="-156" y="8009"/>
                                     </p:animMotion>
-                                    <p:animMotion origin="layout" path="M 0.3323 -0.0827 L 0.3291 -0.0853" pathEditMode="relative" rAng="0" ptsTypes="AAAAAAAA">
+                                    <p:animMotion origin="layout" path="M -0.0101 -0.1900 L -0.0133 -0.1925" pathEditMode="relative" rAng="0" ptsTypes="AAAAAAAA">
                                       <p:cBhvr>
                                         <p:cTn id="47" dur="100" fill="hold"/>
                                         <p:tgtEl>
@@ -19404,7 +19404,7 @@
                                       </p:cBhvr>
                                       <p:rCtr x="-156" y="8009"/>
                                     </p:animMotion>
-                                    <p:animMotion origin="layout" path="M 0.3291 -0.0853 L 0.3266 -0.0870" pathEditMode="relative" rAng="0" ptsTypes="AAAAAAAA">
+                                    <p:animMotion origin="layout" path="M -0.0133 -0.1925 L -0.0159 -0.1942" pathEditMode="relative" rAng="0" ptsTypes="AAAAAAAA">
                                       <p:cBhvr>
                                         <p:cTn id="48" dur="100" fill="hold"/>
                                         <p:tgtEl>
@@ -19426,7 +19426,7 @@
                                     <p:cond delay="0"/>
                                   </p:stCondLst>
                                   <p:childTnLst>
-                                    <p:animMotion origin="layout" path="M 0.1262 0.3379 L 0.1262 0.3379" pathEditMode="relative" rAng="0" ptsTypes="AAAAAAAA">
+                                    <p:animMotion origin="layout" path="M 0.0000 0.0000 L 0.0000 0.0000" pathEditMode="relative" rAng="0" ptsTypes="AAAAAAAA">
                                       <p:cBhvr>
                                         <p:cTn id="10" dur="100" fill="hold"/>
                                         <p:tgtEl>
@@ -19439,7 +19439,7 @@
                                       </p:cBhvr>
                                       <p:rCtr x="-156" y="8009"/>
                                     </p:animMotion>
-                                    <p:animMotion origin="layout" path="M 0.1262 0.3379 L 0.1300 0.3320" pathEditMode="relative" rAng="0" ptsTypes="AAAAAAAA">
+                                    <p:animMotion origin="layout" path="M 0.0000 0.0000 L 0.0038 -0.0059" pathEditMode="relative" rAng="0" ptsTypes="AAAAAAAA">
                                       <p:cBhvr>
                                         <p:cTn id="11" dur="100" fill="hold"/>
                                         <p:tgtEl>
@@ -19452,7 +19452,7 @@
                                       </p:cBhvr>
                                       <p:rCtr x="-156" y="8009"/>
                                     </p:animMotion>
-                                    <p:animMotion origin="layout" path="M 0.1300 0.3320 L 0.1363 0.3235" pathEditMode="relative" rAng="0" ptsTypes="AAAAAAAA">
+                                    <p:animMotion origin="layout" path="M 0.0038 -0.0059 L 0.0101 -0.0144" pathEditMode="relative" rAng="0" ptsTypes="AAAAAAAA">
                                       <p:cBhvr>
                                         <p:cTn id="12" dur="100" fill="hold"/>
                                         <p:tgtEl>
@@ -19465,7 +19465,7 @@
                                       </p:cBhvr>
                                       <p:rCtr x="-156" y="8009"/>
                                     </p:animMotion>
-                                    <p:animMotion origin="layout" path="M 0.1363 0.3235 L 0.1401 0.3184" pathEditMode="relative" rAng="0" ptsTypes="AAAAAAAA">
+                                    <p:animMotion origin="layout" path="M 0.0101 -0.0144 L 0.0140 -0.0195" pathEditMode="relative" rAng="0" ptsTypes="AAAAAAAA">
                                       <p:cBhvr>
                                         <p:cTn id="13" dur="100" fill="hold"/>
                                         <p:tgtEl>
@@ -19478,7 +19478,7 @@
                                       </p:cBhvr>
                                       <p:rCtr x="-156" y="8009"/>
                                     </p:animMotion>
-                                    <p:animMotion origin="layout" path="M 0.1401 0.3184 L 0.1465 0.3099" pathEditMode="relative" rAng="0" ptsTypes="AAAAAAAA">
+                                    <p:animMotion origin="layout" path="M 0.0140 -0.0195 L 0.0203 -0.0280" pathEditMode="relative" rAng="0" ptsTypes="AAAAAAAA">
                                       <p:cBhvr>
                                         <p:cTn id="14" dur="100" fill="hold"/>
                                         <p:tgtEl>
@@ -19491,7 +19491,7 @@
                                       </p:cBhvr>
                                       <p:rCtr x="-156" y="8009"/>
                                     </p:animMotion>
-                                    <p:animMotion origin="layout" path="M 0.1465 0.3099 L 0.1509 0.3040" pathEditMode="relative" rAng="0" ptsTypes="AAAAAAAA">
+                                    <p:animMotion origin="layout" path="M 0.0203 -0.0280 L 0.0247 -0.0339" pathEditMode="relative" rAng="0" ptsTypes="AAAAAAAA">
                                       <p:cBhvr>
                                         <p:cTn id="15" dur="100" fill="hold"/>
                                         <p:tgtEl>
@@ -19504,7 +19504,7 @@
                                       </p:cBhvr>
                                       <p:rCtr x="-156" y="8009"/>
                                     </p:animMotion>
-                                    <p:animMotion origin="layout" path="M 0.1509 0.3040 L 0.1573 0.2955" pathEditMode="relative" rAng="0" ptsTypes="AAAAAAAA">
+                                    <p:animMotion origin="layout" path="M 0.0247 -0.0339 L 0.0311 -0.0424" pathEditMode="relative" rAng="0" ptsTypes="AAAAAAAA">
                                       <p:cBhvr>
                                         <p:cTn id="16" dur="100" fill="hold"/>
                                         <p:tgtEl>
@@ -19517,7 +19517,7 @@
                                       </p:cBhvr>
                                       <p:rCtr x="-156" y="8009"/>
                                     </p:animMotion>
-                                    <p:animMotion origin="layout" path="M 0.1573 0.2955 L 0.1611 0.2904" pathEditMode="relative" rAng="0" ptsTypes="AAAAAAAA">
+                                    <p:animMotion origin="layout" path="M 0.0311 -0.0424 L 0.0349 -0.0475" pathEditMode="relative" rAng="0" ptsTypes="AAAAAAAA">
                                       <p:cBhvr>
                                         <p:cTn id="17" dur="100" fill="hold"/>
                                         <p:tgtEl>
@@ -19530,7 +19530,7 @@
                                       </p:cBhvr>
                                       <p:rCtr x="-156" y="8009"/>
                                     </p:animMotion>
-                                    <p:animMotion origin="layout" path="M 0.1611 0.2904 L 0.1674 0.2819" pathEditMode="relative" rAng="0" ptsTypes="AAAAAAAA">
+                                    <p:animMotion origin="layout" path="M 0.0349 -0.0475 L 0.0412 -0.0560" pathEditMode="relative" rAng="0" ptsTypes="AAAAAAAA">
                                       <p:cBhvr>
                                         <p:cTn id="18" dur="100" fill="hold"/>
                                         <p:tgtEl>
@@ -19543,7 +19543,7 @@
                                       </p:cBhvr>
                                       <p:rCtr x="-156" y="8009"/>
                                     </p:animMotion>
-                                    <p:animMotion origin="layout" path="M 0.1674 0.2819 L 0.1718 0.2769" pathEditMode="relative" rAng="0" ptsTypes="AAAAAAAA">
+                                    <p:animMotion origin="layout" path="M 0.0412 -0.0560 L 0.0457 -0.0611" pathEditMode="relative" rAng="0" ptsTypes="AAAAAAAA">
                                       <p:cBhvr>
                                         <p:cTn id="19" dur="100" fill="hold"/>
                                         <p:tgtEl>
@@ -19556,7 +19556,7 @@
                                       </p:cBhvr>
                                       <p:rCtr x="-156" y="8009"/>
                                     </p:animMotion>
-                                    <p:animMotion origin="layout" path="M 0.1718 0.2769 L 0.1782 0.2684" pathEditMode="relative" rAng="0" ptsTypes="AAAAAAAA">
+                                    <p:animMotion origin="layout" path="M 0.0457 -0.0611 L 0.0520 -0.0695" pathEditMode="relative" rAng="0" ptsTypes="AAAAAAAA">
                                       <p:cBhvr>
                                         <p:cTn id="20" dur="100" fill="hold"/>
                                         <p:tgtEl>
@@ -19569,7 +19569,7 @@
                                       </p:cBhvr>
                                       <p:rCtr x="-156" y="8009"/>
                                     </p:animMotion>
-                                    <p:animMotion origin="layout" path="M 0.1782 0.2684 L 0.1820 0.2624" pathEditMode="relative" rAng="0" ptsTypes="AAAAAAAA">
+                                    <p:animMotion origin="layout" path="M 0.0520 -0.0695 L 0.0558 -0.0755" pathEditMode="relative" rAng="0" ptsTypes="AAAAAAAA">
                                       <p:cBhvr>
                                         <p:cTn id="21" dur="100" fill="hold"/>
                                         <p:tgtEl>
@@ -19582,7 +19582,7 @@
                                       </p:cBhvr>
                                       <p:rCtr x="-156" y="8009"/>
                                     </p:animMotion>
-                                    <p:animMotion origin="layout" path="M 0.1820 0.2624 L 0.1883 0.2540" pathEditMode="relative" rAng="0" ptsTypes="AAAAAAAA">
+                                    <p:animMotion origin="layout" path="M 0.0558 -0.0755 L 0.0622 -0.0840" pathEditMode="relative" rAng="0" ptsTypes="AAAAAAAA">
                                       <p:cBhvr>
                                         <p:cTn id="22" dur="100" fill="hold"/>
                                         <p:tgtEl>
@@ -19595,7 +19595,7 @@
                                       </p:cBhvr>
                                       <p:rCtr x="-156" y="8009"/>
                                     </p:animMotion>
-                                    <p:animMotion origin="layout" path="M 0.1883 0.2540 L 0.1928 0.2489" pathEditMode="relative" rAng="0" ptsTypes="AAAAAAAA">
+                                    <p:animMotion origin="layout" path="M 0.0622 -0.0840 L 0.0666 -0.0891" pathEditMode="relative" rAng="0" ptsTypes="AAAAAAAA">
                                       <p:cBhvr>
                                         <p:cTn id="23" dur="100" fill="hold"/>
                                         <p:tgtEl>
@@ -19608,7 +19608,7 @@
                                       </p:cBhvr>
                                       <p:rCtr x="-156" y="8009"/>
                                     </p:animMotion>
-                                    <p:animMotion origin="layout" path="M 0.1928 0.2489 L 0.1991 0.2404" pathEditMode="relative" rAng="0" ptsTypes="AAAAAAAA">
+                                    <p:animMotion origin="layout" path="M 0.0666 -0.0891 L 0.0729 -0.0975" pathEditMode="relative" rAng="0" ptsTypes="AAAAAAAA">
                                       <p:cBhvr>
                                         <p:cTn id="24" dur="100" fill="hold"/>
                                         <p:tgtEl>
@@ -19621,7 +19621,7 @@
                                       </p:cBhvr>
                                       <p:rCtr x="-156" y="8009"/>
                                     </p:animMotion>
-                                    <p:animMotion origin="layout" path="M 0.1991 0.2404 L 0.2029 0.2353" pathEditMode="relative" rAng="0" ptsTypes="AAAAAAAA">
+                                    <p:animMotion origin="layout" path="M 0.0729 -0.0975 L 0.0767 -0.1026" pathEditMode="relative" rAng="0" ptsTypes="AAAAAAAA">
                                       <p:cBhvr>
                                         <p:cTn id="25" dur="100" fill="hold"/>
                                         <p:tgtEl>
@@ -19634,7 +19634,7 @@
                                       </p:cBhvr>
                                       <p:rCtr x="-156" y="8009"/>
                                     </p:animMotion>
-                                    <p:animMotion origin="layout" path="M 0.2029 0.2353 L 0.2093 0.2268" pathEditMode="relative" rAng="0" ptsTypes="AAAAAAAA">
+                                    <p:animMotion origin="layout" path="M 0.0767 -0.1026 L 0.0831 -0.1111" pathEditMode="relative" rAng="0" ptsTypes="AAAAAAAA">
                                       <p:cBhvr>
                                         <p:cTn id="26" dur="100" fill="hold"/>
                                         <p:tgtEl>
@@ -19647,7 +19647,7 @@
                                       </p:cBhvr>
                                       <p:rCtr x="-156" y="8009"/>
                                     </p:animMotion>
-                                    <p:animMotion origin="layout" path="M 0.2093 0.2268 L 0.2137 0.2209" pathEditMode="relative" rAng="0" ptsTypes="AAAAAAAA">
+                                    <p:animMotion origin="layout" path="M 0.0831 -0.1111 L 0.0875 -0.1170" pathEditMode="relative" rAng="0" ptsTypes="AAAAAAAA">
                                       <p:cBhvr>
                                         <p:cTn id="27" dur="100" fill="hold"/>
                                         <p:tgtEl>
@@ -19660,7 +19660,7 @@
                                       </p:cBhvr>
                                       <p:rCtr x="-156" y="8009"/>
                                     </p:animMotion>
-                                    <p:animMotion origin="layout" path="M 0.2137 0.2209 L 0.2194 0.2124" pathEditMode="relative" rAng="0" ptsTypes="AAAAAAAA">
+                                    <p:animMotion origin="layout" path="M 0.0875 -0.1170 L 0.0932 -0.1255" pathEditMode="relative" rAng="0" ptsTypes="AAAAAAAA">
                                       <p:cBhvr>
                                         <p:cTn id="28" dur="100" fill="hold"/>
                                         <p:tgtEl>
@@ -19673,7 +19673,7 @@
                                       </p:cBhvr>
                                       <p:rCtr x="-156" y="8009"/>
                                     </p:animMotion>
-                                    <p:animMotion origin="layout" path="M 0.2194 0.2124 L 0.2238 0.2073" pathEditMode="relative" rAng="0" ptsTypes="AAAAAAAA">
+                                    <p:animMotion origin="layout" path="M 0.0932 -0.1255 L 0.0977 -0.1306" pathEditMode="relative" rAng="0" ptsTypes="AAAAAAAA">
                                       <p:cBhvr>
                                         <p:cTn id="29" dur="100" fill="hold"/>
                                         <p:tgtEl>
@@ -19686,7 +19686,7 @@
                                       </p:cBhvr>
                                       <p:rCtr x="-156" y="8009"/>
                                     </p:animMotion>
-                                    <p:animMotion origin="layout" path="M 0.2238 0.2073 L 0.2302 0.1988" pathEditMode="relative" rAng="0" ptsTypes="AAAAAAAA">
+                                    <p:animMotion origin="layout" path="M 0.0977 -0.1306 L 0.1040 -0.1391" pathEditMode="relative" rAng="0" ptsTypes="AAAAAAAA">
                                       <p:cBhvr>
                                         <p:cTn id="30" dur="100" fill="hold"/>
                                         <p:tgtEl>
@@ -19699,7 +19699,7 @@
                                       </p:cBhvr>
                                       <p:rCtr x="-156" y="8009"/>
                                     </p:animMotion>
-                                    <p:animMotion origin="layout" path="M 0.2302 0.1988 L 0.2346 0.1937" pathEditMode="relative" rAng="0" ptsTypes="AAAAAAAA">
+                                    <p:animMotion origin="layout" path="M 0.1040 -0.1391 L 0.1084 -0.1442" pathEditMode="relative" rAng="0" ptsTypes="AAAAAAAA">
                                       <p:cBhvr>
                                         <p:cTn id="31" dur="100" fill="hold"/>
                                         <p:tgtEl>
@@ -19712,7 +19712,7 @@
                                       </p:cBhvr>
                                       <p:rCtr x="-156" y="8009"/>
                                     </p:animMotion>
-                                    <p:animMotion origin="layout" path="M 0.2346 0.1937 L 0.2403 0.1853" pathEditMode="relative" rAng="0" ptsTypes="AAAAAAAA">
+                                    <p:animMotion origin="layout" path="M 0.1084 -0.1442 L 0.1142 -0.1527" pathEditMode="relative" rAng="0" ptsTypes="AAAAAAAA">
                                       <p:cBhvr>
                                         <p:cTn id="32" dur="100" fill="hold"/>
                                         <p:tgtEl>
@@ -19725,7 +19725,7 @@
                                       </p:cBhvr>
                                       <p:rCtr x="-156" y="8009"/>
                                     </p:animMotion>
-                                    <p:animMotion origin="layout" path="M 0.2403 0.1853 L 0.2448 0.1793" pathEditMode="relative" rAng="0" ptsTypes="AAAAAAAA">
+                                    <p:animMotion origin="layout" path="M 0.1142 -0.1527 L 0.1186 -0.1586" pathEditMode="relative" rAng="0" ptsTypes="AAAAAAAA">
                                       <p:cBhvr>
                                         <p:cTn id="33" dur="100" fill="hold"/>
                                         <p:tgtEl>
@@ -19738,7 +19738,7 @@
                                       </p:cBhvr>
                                       <p:rCtr x="-156" y="8009"/>
                                     </p:animMotion>
-                                    <p:animMotion origin="layout" path="M 0.2448 0.1793 L 0.2511 0.1708" pathEditMode="relative" rAng="0" ptsTypes="AAAAAAAA">
+                                    <p:animMotion origin="layout" path="M 0.1186 -0.1586 L 0.1249 -0.1671" pathEditMode="relative" rAng="0" ptsTypes="AAAAAAAA">
                                       <p:cBhvr>
                                         <p:cTn id="34" dur="100" fill="hold"/>
                                         <p:tgtEl>
@@ -19751,7 +19751,7 @@
                                       </p:cBhvr>
                                       <p:rCtr x="-156" y="8009"/>
                                     </p:animMotion>
-                                    <p:animMotion origin="layout" path="M 0.2511 0.1708 L 0.2556 0.1658" pathEditMode="relative" rAng="0" ptsTypes="AAAAAAAA">
+                                    <p:animMotion origin="layout" path="M 0.1249 -0.1671 L 0.1294 -0.1722" pathEditMode="relative" rAng="0" ptsTypes="AAAAAAAA">
                                       <p:cBhvr>
                                         <p:cTn id="35" dur="100" fill="hold"/>
                                         <p:tgtEl>
@@ -19764,7 +19764,7 @@
                                       </p:cBhvr>
                                       <p:rCtr x="-156" y="8009"/>
                                     </p:animMotion>
-                                    <p:animMotion origin="layout" path="M 0.2556 0.1658 L 0.2613 0.1573" pathEditMode="relative" rAng="0" ptsTypes="AAAAAAAA">
+                                    <p:animMotion origin="layout" path="M 0.1294 -0.1722 L 0.1351 -0.1806" pathEditMode="relative" rAng="0" ptsTypes="AAAAAAAA">
                                       <p:cBhvr>
                                         <p:cTn id="36" dur="100" fill="hold"/>
                                         <p:tgtEl>
@@ -19777,7 +19777,7 @@
                                       </p:cBhvr>
                                       <p:rCtr x="-156" y="8009"/>
                                     </p:animMotion>
-                                    <p:animMotion origin="layout" path="M 0.2613 0.1573 L 0.2657 0.1522" pathEditMode="relative" rAng="0" ptsTypes="AAAAAAAA">
+                                    <p:animMotion origin="layout" path="M 0.1351 -0.1806 L 0.1395 -0.1857" pathEditMode="relative" rAng="0" ptsTypes="AAAAAAAA">
                                       <p:cBhvr>
                                         <p:cTn id="37" dur="100" fill="hold"/>
                                         <p:tgtEl>
@@ -19790,7 +19790,7 @@
                                       </p:cBhvr>
                                       <p:rCtr x="-156" y="8009"/>
                                     </p:animMotion>
-                                    <p:animMotion origin="layout" path="M 0.2657 0.1522 L 0.2720 0.1437" pathEditMode="relative" rAng="0" ptsTypes="AAAAAAAA">
+                                    <p:animMotion origin="layout" path="M 0.1395 -0.1857 L 0.1459 -0.1942" pathEditMode="relative" rAng="0" ptsTypes="AAAAAAAA">
                                       <p:cBhvr>
                                         <p:cTn id="38" dur="100" fill="hold"/>
                                         <p:tgtEl>
@@ -19803,7 +19803,7 @@
                                       </p:cBhvr>
                                       <p:rCtr x="-156" y="8009"/>
                                     </p:animMotion>
-                                    <p:animMotion origin="layout" path="M 0.2720 0.1437 L 0.2759 0.1378" pathEditMode="relative" rAng="0" ptsTypes="AAAAAAAA">
+                                    <p:animMotion origin="layout" path="M 0.1459 -0.1942 L 0.1497 -0.2002" pathEditMode="relative" rAng="0" ptsTypes="AAAAAAAA">
                                       <p:cBhvr>
                                         <p:cTn id="39" dur="100" fill="hold"/>
                                         <p:tgtEl>
@@ -19816,7 +19816,7 @@
                                       </p:cBhvr>
                                       <p:rCtr x="-156" y="8009"/>
                                     </p:animMotion>
-                                    <p:animMotion origin="layout" path="M 0.2759 0.1378 L 0.2822 0.1293" pathEditMode="relative" rAng="0" ptsTypes="AAAAAAAA">
+                                    <p:animMotion origin="layout" path="M 0.1497 -0.2002 L 0.1560 -0.2086" pathEditMode="relative" rAng="0" ptsTypes="AAAAAAAA">
                                       <p:cBhvr>
                                         <p:cTn id="40" dur="100" fill="hold"/>
                                         <p:tgtEl>
@@ -19829,7 +19829,7 @@
                                       </p:cBhvr>
                                       <p:rCtr x="-156" y="8009"/>
                                     </p:animMotion>
-                                    <p:animMotion origin="layout" path="M 0.2822 0.1293 L 0.2866 0.1242" pathEditMode="relative" rAng="0" ptsTypes="AAAAAAAA">
+                                    <p:animMotion origin="layout" path="M 0.1560 -0.2086 L 0.1605 -0.2137" pathEditMode="relative" rAng="0" ptsTypes="AAAAAAAA">
                                       <p:cBhvr>
                                         <p:cTn id="41" dur="100" fill="hold"/>
                                         <p:tgtEl>
@@ -19842,7 +19842,7 @@
                                       </p:cBhvr>
                                       <p:rCtr x="-156" y="8009"/>
                                     </p:animMotion>
-                                    <p:animMotion origin="layout" path="M 0.2866 0.1242 L 0.2930 0.1157" pathEditMode="relative" rAng="0" ptsTypes="AAAAAAAA">
+                                    <p:animMotion origin="layout" path="M 0.1605 -0.2137 L 0.1668 -0.2222" pathEditMode="relative" rAng="0" ptsTypes="AAAAAAAA">
                                       <p:cBhvr>
                                         <p:cTn id="42" dur="100" fill="hold"/>
                                         <p:tgtEl>
@@ -19855,7 +19855,7 @@
                                       </p:cBhvr>
                                       <p:rCtr x="-156" y="8009"/>
                                     </p:animMotion>
-                                    <p:animMotion origin="layout" path="M 0.2930 0.1157 L 0.2968 0.1106" pathEditMode="relative" rAng="0" ptsTypes="AAAAAAAA">
+                                    <p:animMotion origin="layout" path="M 0.1668 -0.2222 L 0.1706 -0.2273" pathEditMode="relative" rAng="0" ptsTypes="AAAAAAAA">
                                       <p:cBhvr>
                                         <p:cTn id="43" dur="100" fill="hold"/>
                                         <p:tgtEl>
@@ -19868,7 +19868,7 @@
                                       </p:cBhvr>
                                       <p:rCtr x="-156" y="8009"/>
                                     </p:animMotion>
-                                    <p:animMotion origin="layout" path="M 0.2968 0.1106 L 0.3031 0.1021" pathEditMode="relative" rAng="0" ptsTypes="AAAAAAAA">
+                                    <p:animMotion origin="layout" path="M 0.1706 -0.2273 L 0.1769 -0.2358" pathEditMode="relative" rAng="0" ptsTypes="AAAAAAAA">
                                       <p:cBhvr>
                                         <p:cTn id="44" dur="100" fill="hold"/>
                                         <p:tgtEl>
@@ -19881,7 +19881,7 @@
                                       </p:cBhvr>
                                       <p:rCtr x="-156" y="8009"/>
                                     </p:animMotion>
-                                    <p:animMotion origin="layout" path="M 0.3031 0.1021 L 0.3076 0.0962" pathEditMode="relative" rAng="0" ptsTypes="AAAAAAAA">
+                                    <p:animMotion origin="layout" path="M 0.1769 -0.2358 L 0.1814 -0.2417" pathEditMode="relative" rAng="0" ptsTypes="AAAAAAAA">
                                       <p:cBhvr>
                                         <p:cTn id="45" dur="100" fill="hold"/>
                                         <p:tgtEl>
@@ -19894,7 +19894,7 @@
                                       </p:cBhvr>
                                       <p:rCtr x="-156" y="8009"/>
                                     </p:animMotion>
-                                    <p:animMotion origin="layout" path="M 0.3076 0.0962 L 0.3139 0.0877" pathEditMode="relative" rAng="0" ptsTypes="AAAAAAAA">
+                                    <p:animMotion origin="layout" path="M 0.1814 -0.2417 L 0.1877 -0.2502" pathEditMode="relative" rAng="0" ptsTypes="AAAAAAAA">
                                       <p:cBhvr>
                                         <p:cTn id="46" dur="100" fill="hold"/>
                                         <p:tgtEl>
@@ -19907,7 +19907,7 @@
                                       </p:cBhvr>
                                       <p:rCtr x="-156" y="8009"/>
                                     </p:animMotion>
-                                    <p:animMotion origin="layout" path="M 0.3139 0.0877 L 0.3177 0.0826" pathEditMode="relative" rAng="0" ptsTypes="AAAAAAAA">
+                                    <p:animMotion origin="layout" path="M 0.1877 -0.2502 L 0.1915 -0.2553" pathEditMode="relative" rAng="0" ptsTypes="AAAAAAAA">
                                       <p:cBhvr>
                                         <p:cTn id="47" dur="100" fill="hold"/>
                                         <p:tgtEl>
@@ -19920,7 +19920,7 @@
                                       </p:cBhvr>
                                       <p:rCtr x="-156" y="8009"/>
                                     </p:animMotion>
-                                    <p:animMotion origin="layout" path="M 0.3177 0.0826 L 0.3241 0.0742" pathEditMode="relative" rAng="0" ptsTypes="AAAAAAAA">
+                                    <p:animMotion origin="layout" path="M 0.1915 -0.2553 L 0.1979 -0.2638" pathEditMode="relative" rAng="0" ptsTypes="AAAAAAAA">
                                       <p:cBhvr>
                                         <p:cTn id="48" dur="100" fill="hold"/>
                                         <p:tgtEl>
@@ -19933,7 +19933,7 @@
                                       </p:cBhvr>
                                       <p:rCtr x="-156" y="8009"/>
                                     </p:animMotion>
-                                    <p:animMotion origin="layout" path="M 0.3241 0.0742 L 0.3285 0.0691" pathEditMode="relative" rAng="0" ptsTypes="AAAAAAAA">
+                                    <p:animMotion origin="layout" path="M 0.1979 -0.2638 L 0.2023 -0.2689" pathEditMode="relative" rAng="0" ptsTypes="AAAAAAAA">
                                       <p:cBhvr>
                                         <p:cTn id="49" dur="100" fill="hold"/>
                                         <p:tgtEl>
@@ -19955,7 +19955,7 @@
                                     <p:cond delay="0"/>
                                   </p:stCondLst>
                                   <p:childTnLst>
-                                    <p:animMotion origin="layout" path="M 0.1059 0.3201 L 0.1059 0.3201" pathEditMode="relative" rAng="0" ptsTypes="AAAAAAAA">
+                                    <p:animMotion origin="layout" path="M 0.0000 0.0000 L 0.0000 0.0000" pathEditMode="relative" rAng="0" ptsTypes="AAAAAAAA">
                                       <p:cBhvr>
                                         <p:cTn id="11" dur="100" fill="hold"/>
                                         <p:tgtEl>
@@ -19968,7 +19968,7 @@
                                       </p:cBhvr>
                                       <p:rCtr x="-156" y="8009"/>
                                     </p:animMotion>
-                                    <p:animMotion origin="layout" path="M 0.1059 0.3201 L 0.1072 0.3133" pathEditMode="relative" rAng="0" ptsTypes="AAAAAAAA">
+                                    <p:animMotion origin="layout" path="M 0.0000 0.0000 L 0.0013 -0.0068" pathEditMode="relative" rAng="0" ptsTypes="AAAAAAAA">
                                       <p:cBhvr>
                                         <p:cTn id="12" dur="100" fill="hold"/>
                                         <p:tgtEl>
@@ -19981,7 +19981,7 @@
                                       </p:cBhvr>
                                       <p:rCtr x="-156" y="8009"/>
                                     </p:animMotion>
-                                    <p:animMotion origin="layout" path="M 0.1072 0.3133 L 0.1167 0.3048" pathEditMode="relative" rAng="0" ptsTypes="AAAAAAAA">
+                                    <p:animMotion origin="layout" path="M 0.0013 -0.0068 L 0.0108 -0.0153" pathEditMode="relative" rAng="0" ptsTypes="AAAAAAAA">
                                       <p:cBhvr>
                                         <p:cTn id="13" dur="100" fill="hold"/>
                                         <p:tgtEl>
@@ -19994,7 +19994,7 @@
                                       </p:cBhvr>
                                       <p:rCtr x="-156" y="8009"/>
                                     </p:animMotion>
-                                    <p:animMotion origin="layout" path="M 0.1167 0.3048 L 0.1236 0.2972" pathEditMode="relative" rAng="0" ptsTypes="AAAAAAAA">
+                                    <p:animMotion origin="layout" path="M 0.0108 -0.0153 L 0.0178 -0.0229" pathEditMode="relative" rAng="0" ptsTypes="AAAAAAAA">
                                       <p:cBhvr>
                                         <p:cTn id="14" dur="100" fill="hold"/>
                                         <p:tgtEl>
@@ -20007,7 +20007,7 @@
                                       </p:cBhvr>
                                       <p:rCtr x="-156" y="8009"/>
                                     </p:animMotion>
-                                    <p:animMotion origin="layout" path="M 0.1236 0.2972 L 0.1351 0.2845" pathEditMode="relative" rAng="0" ptsTypes="AAAAAAAA">
+                                    <p:animMotion origin="layout" path="M 0.0178 -0.0229 L 0.0292 -0.0356" pathEditMode="relative" rAng="0" ptsTypes="AAAAAAAA">
                                       <p:cBhvr>
                                         <p:cTn id="15" dur="100" fill="hold"/>
                                         <p:tgtEl>
@@ -20020,7 +20020,7 @@
                                       </p:cBhvr>
                                       <p:rCtr x="-156" y="8009"/>
                                     </p:animMotion>
-                                    <p:animMotion origin="layout" path="M 0.1351 0.2845 L 0.1433 0.2743" pathEditMode="relative" rAng="0" ptsTypes="AAAAAAAA">
+                                    <p:animMotion origin="layout" path="M 0.0292 -0.0356 L 0.0374 -0.0458" pathEditMode="relative" rAng="0" ptsTypes="AAAAAAAA">
                                       <p:cBhvr>
                                         <p:cTn id="16" dur="100" fill="hold"/>
                                         <p:tgtEl>
@@ -20033,7 +20033,7 @@
                                       </p:cBhvr>
                                       <p:rCtr x="-156" y="8009"/>
                                     </p:animMotion>
-                                    <p:animMotion origin="layout" path="M 0.1433 0.2743 L 0.1515 0.2633" pathEditMode="relative" rAng="0" ptsTypes="AAAAAAAA">
+                                    <p:animMotion origin="layout" path="M 0.0374 -0.0458 L 0.0457 -0.0568" pathEditMode="relative" rAng="0" ptsTypes="AAAAAAAA">
                                       <p:cBhvr>
                                         <p:cTn id="17" dur="100" fill="hold"/>
                                         <p:tgtEl>
@@ -20046,7 +20046,7 @@
                                       </p:cBhvr>
                                       <p:rCtr x="-156" y="8009"/>
                                     </p:animMotion>
-                                    <p:animMotion origin="layout" path="M 0.1515 0.2633 L 0.1560 0.2574" pathEditMode="relative" rAng="0" ptsTypes="AAAAAAAA">
+                                    <p:animMotion origin="layout" path="M 0.0457 -0.0568 L 0.0501 -0.0628" pathEditMode="relative" rAng="0" ptsTypes="AAAAAAAA">
                                       <p:cBhvr>
                                         <p:cTn id="18" dur="100" fill="hold"/>
                                         <p:tgtEl>
@@ -20059,7 +20059,7 @@
                                       </p:cBhvr>
                                       <p:rCtr x="-156" y="8009"/>
                                     </p:animMotion>
-                                    <p:animMotion origin="layout" path="M 0.1560 0.2574 L 0.1623 0.2497" pathEditMode="relative" rAng="0" ptsTypes="AAAAAAAA">
+                                    <p:animMotion origin="layout" path="M 0.0501 -0.0628 L 0.0564 -0.0704" pathEditMode="relative" rAng="0" ptsTypes="AAAAAAAA">
                                       <p:cBhvr>
                                         <p:cTn id="19" dur="100" fill="hold"/>
                                         <p:tgtEl>
@@ -20072,7 +20072,7 @@
                                       </p:cBhvr>
                                       <p:rCtr x="-156" y="8009"/>
                                     </p:animMotion>
-                                    <p:animMotion origin="layout" path="M 0.1623 0.2497 L 0.1661 0.2438" pathEditMode="relative" rAng="0" ptsTypes="AAAAAAAA">
+                                    <p:animMotion origin="layout" path="M 0.0564 -0.0704 L 0.0602 -0.0763" pathEditMode="relative" rAng="0" ptsTypes="AAAAAAAA">
                                       <p:cBhvr>
                                         <p:cTn id="20" dur="100" fill="hold"/>
                                         <p:tgtEl>
@@ -20085,7 +20085,7 @@
                                       </p:cBhvr>
                                       <p:rCtr x="-156" y="8009"/>
                                     </p:animMotion>
-                                    <p:animMotion origin="layout" path="M 0.1661 0.2438 L 0.1725 0.2353" pathEditMode="relative" rAng="0" ptsTypes="AAAAAAAA">
+                                    <p:animMotion origin="layout" path="M 0.0602 -0.0763 L 0.0666 -0.0848" pathEditMode="relative" rAng="0" ptsTypes="AAAAAAAA">
                                       <p:cBhvr>
                                         <p:cTn id="21" dur="100" fill="hold"/>
                                         <p:tgtEl>
@@ -20098,7 +20098,7 @@
                                       </p:cBhvr>
                                       <p:rCtr x="-156" y="8009"/>
                                     </p:animMotion>
-                                    <p:animMotion origin="layout" path="M 0.1725 0.2353 L 0.1769 0.2302" pathEditMode="relative" rAng="0" ptsTypes="AAAAAAAA">
+                                    <p:animMotion origin="layout" path="M 0.0666 -0.0848 L 0.0710 -0.0899" pathEditMode="relative" rAng="0" ptsTypes="AAAAAAAA">
                                       <p:cBhvr>
                                         <p:cTn id="22" dur="100" fill="hold"/>
                                         <p:tgtEl>
@@ -20111,7 +20111,7 @@
                                       </p:cBhvr>
                                       <p:rCtr x="-156" y="8009"/>
                                     </p:animMotion>
-                                    <p:animMotion origin="layout" path="M 0.1769 0.2302 L 0.1833 0.2217" pathEditMode="relative" rAng="0" ptsTypes="AAAAAAAA">
+                                    <p:animMotion origin="layout" path="M 0.0710 -0.0899 L 0.0774 -0.0984" pathEditMode="relative" rAng="0" ptsTypes="AAAAAAAA">
                                       <p:cBhvr>
                                         <p:cTn id="23" dur="100" fill="hold"/>
                                         <p:tgtEl>
@@ -20124,7 +20124,7 @@
                                       </p:cBhvr>
                                       <p:rCtr x="-156" y="8009"/>
                                     </p:animMotion>
-                                    <p:animMotion origin="layout" path="M 0.1833 0.2217 L 0.1871 0.2158" pathEditMode="relative" rAng="0" ptsTypes="AAAAAAAA">
+                                    <p:animMotion origin="layout" path="M 0.0774 -0.0984 L 0.0812 -0.1043" pathEditMode="relative" rAng="0" ptsTypes="AAAAAAAA">
                                       <p:cBhvr>
                                         <p:cTn id="24" dur="100" fill="hold"/>
                                         <p:tgtEl>
@@ -20137,7 +20137,7 @@
                                       </p:cBhvr>
                                       <p:rCtr x="-156" y="8009"/>
                                     </p:animMotion>
-                                    <p:animMotion origin="layout" path="M 0.1871 0.2158 L 0.1934 0.2082" pathEditMode="relative" rAng="0" ptsTypes="AAAAAAAA">
+                                    <p:animMotion origin="layout" path="M 0.0812 -0.1043 L 0.0875 -0.1120" pathEditMode="relative" rAng="0" ptsTypes="AAAAAAAA">
                                       <p:cBhvr>
                                         <p:cTn id="25" dur="100" fill="hold"/>
                                         <p:tgtEl>
@@ -20150,7 +20150,7 @@
                                       </p:cBhvr>
                                       <p:rCtr x="-156" y="8009"/>
                                     </p:animMotion>
-                                    <p:animMotion origin="layout" path="M 0.1934 0.2082 L 0.1978 0.2022" pathEditMode="relative" rAng="0" ptsTypes="AAAAAAAA">
+                                    <p:animMotion origin="layout" path="M 0.0875 -0.1120 L 0.0920 -0.1179" pathEditMode="relative" rAng="0" ptsTypes="AAAAAAAA">
                                       <p:cBhvr>
                                         <p:cTn id="26" dur="100" fill="hold"/>
                                         <p:tgtEl>
@@ -20163,7 +20163,7 @@
                                       </p:cBhvr>
                                       <p:rCtr x="-156" y="8009"/>
                                     </p:animMotion>
-                                    <p:animMotion origin="layout" path="M 0.1978 0.2022 L 0.2042 0.1937" pathEditMode="relative" rAng="0" ptsTypes="AAAAAAAA">
+                                    <p:animMotion origin="layout" path="M 0.0920 -0.1179 L 0.0983 -0.1264" pathEditMode="relative" rAng="0" ptsTypes="AAAAAAAA">
                                       <p:cBhvr>
                                         <p:cTn id="27" dur="100" fill="hold"/>
                                         <p:tgtEl>
@@ -20176,7 +20176,7 @@
                                       </p:cBhvr>
                                       <p:rCtr x="-156" y="8009"/>
                                     </p:animMotion>
-                                    <p:animMotion origin="layout" path="M 0.2042 0.1937 L 0.2080 0.1887" pathEditMode="relative" rAng="0" ptsTypes="AAAAAAAA">
+                                    <p:animMotion origin="layout" path="M 0.0983 -0.1264 L 0.1021 -0.1315" pathEditMode="relative" rAng="0" ptsTypes="AAAAAAAA">
                                       <p:cBhvr>
                                         <p:cTn id="28" dur="100" fill="hold"/>
                                         <p:tgtEl>
@@ -20189,7 +20189,7 @@
                                       </p:cBhvr>
                                       <p:rCtr x="-156" y="8009"/>
                                     </p:animMotion>
-                                    <p:animMotion origin="layout" path="M 0.2080 0.1887 L 0.2143 0.1802" pathEditMode="relative" rAng="0" ptsTypes="AAAAAAAA">
+                                    <p:animMotion origin="layout" path="M 0.1021 -0.1315 L 0.1084 -0.1399" pathEditMode="relative" rAng="0" ptsTypes="AAAAAAAA">
                                       <p:cBhvr>
                                         <p:cTn id="29" dur="100" fill="hold"/>
                                         <p:tgtEl>
@@ -20202,7 +20202,7 @@
                                       </p:cBhvr>
                                       <p:rCtr x="-156" y="8009"/>
                                     </p:animMotion>
-                                    <p:animMotion origin="layout" path="M 0.2143 0.1802 L 0.2188 0.1742" pathEditMode="relative" rAng="0" ptsTypes="AAAAAAAA">
+                                    <p:animMotion origin="layout" path="M 0.1084 -0.1399 L 0.1129 -0.1459" pathEditMode="relative" rAng="0" ptsTypes="AAAAAAAA">
                                       <p:cBhvr>
                                         <p:cTn id="30" dur="100" fill="hold"/>
                                         <p:tgtEl>
@@ -20215,7 +20215,7 @@
                                       </p:cBhvr>
                                       <p:rCtr x="-156" y="8009"/>
                                     </p:animMotion>
-                                    <p:animMotion origin="layout" path="M 0.2188 0.1742 L 0.2251 0.1666" pathEditMode="relative" rAng="0" ptsTypes="AAAAAAAA">
+                                    <p:animMotion origin="layout" path="M 0.1129 -0.1459 L 0.1192 -0.1535" pathEditMode="relative" rAng="0" ptsTypes="AAAAAAAA">
                                       <p:cBhvr>
                                         <p:cTn id="31" dur="100" fill="hold"/>
                                         <p:tgtEl>
@@ -20228,7 +20228,7 @@
                                       </p:cBhvr>
                                       <p:rCtr x="-156" y="8009"/>
                                     </p:animMotion>
-                                    <p:animMotion origin="layout" path="M 0.2251 0.1666 L 0.2289 0.1607" pathEditMode="relative" rAng="0" ptsTypes="AAAAAAAA">
+                                    <p:animMotion origin="layout" path="M 0.1192 -0.1535 L 0.1230 -0.1594" pathEditMode="relative" rAng="0" ptsTypes="AAAAAAAA">
                                       <p:cBhvr>
                                         <p:cTn id="32" dur="100" fill="hold"/>
                                         <p:tgtEl>
@@ -20241,7 +20241,7 @@
                                       </p:cBhvr>
                                       <p:rCtr x="-156" y="8009"/>
                                     </p:animMotion>
-                                    <p:animMotion origin="layout" path="M 0.2289 0.1607 L 0.2353 0.1522" pathEditMode="relative" rAng="0" ptsTypes="AAAAAAAA">
+                                    <p:animMotion origin="layout" path="M 0.1230 -0.1594 L 0.1294 -0.1679" pathEditMode="relative" rAng="0" ptsTypes="AAAAAAAA">
                                       <p:cBhvr>
                                         <p:cTn id="33" dur="100" fill="hold"/>
                                         <p:tgtEl>
@@ -20254,7 +20254,7 @@
                                       </p:cBhvr>
                                       <p:rCtr x="-156" y="8009"/>
                                     </p:animMotion>
-                                    <p:animMotion origin="layout" path="M 0.2353 0.1522 L 0.2397 0.1471" pathEditMode="relative" rAng="0" ptsTypes="AAAAAAAA">
+                                    <p:animMotion origin="layout" path="M 0.1294 -0.1679 L 0.1338 -0.1730" pathEditMode="relative" rAng="0" ptsTypes="AAAAAAAA">
                                       <p:cBhvr>
                                         <p:cTn id="34" dur="100" fill="hold"/>
                                         <p:tgtEl>
@@ -20267,7 +20267,7 @@
                                       </p:cBhvr>
                                       <p:rCtr x="-156" y="8009"/>
                                     </p:animMotion>
-                                    <p:animMotion origin="layout" path="M 0.2397 0.1471 L 0.2460 0.1386" pathEditMode="relative" rAng="0" ptsTypes="AAAAAAAA">
+                                    <p:animMotion origin="layout" path="M 0.1338 -0.1730 L 0.1402 -0.1815" pathEditMode="relative" rAng="0" ptsTypes="AAAAAAAA">
                                       <p:cBhvr>
                                         <p:cTn id="35" dur="100" fill="hold"/>
                                         <p:tgtEl>
@@ -20280,7 +20280,7 @@
                                       </p:cBhvr>
                                       <p:rCtr x="-156" y="8009"/>
                                     </p:animMotion>
-                                    <p:animMotion origin="layout" path="M 0.2460 0.1386 L 0.2498 0.1327" pathEditMode="relative" rAng="0" ptsTypes="AAAAAAAA">
+                                    <p:animMotion origin="layout" path="M 0.1402 -0.1815 L 0.1440 -0.1874" pathEditMode="relative" rAng="0" ptsTypes="AAAAAAAA">
                                       <p:cBhvr>
                                         <p:cTn id="36" dur="100" fill="hold"/>
                                         <p:tgtEl>
@@ -20293,7 +20293,7 @@
                                       </p:cBhvr>
                                       <p:rCtr x="-156" y="8009"/>
                                     </p:animMotion>
-                                    <p:animMotion origin="layout" path="M 0.2498 0.1327 L 0.2562 0.1250" pathEditMode="relative" rAng="0" ptsTypes="AAAAAAAA">
+                                    <p:animMotion origin="layout" path="M 0.1440 -0.1874 L 0.1503 -0.1951" pathEditMode="relative" rAng="0" ptsTypes="AAAAAAAA">
                                       <p:cBhvr>
                                         <p:cTn id="37" dur="100" fill="hold"/>
                                         <p:tgtEl>
@@ -20306,7 +20306,7 @@
                                       </p:cBhvr>
                                       <p:rCtr x="-156" y="8009"/>
                                     </p:animMotion>
-                                    <p:animMotion origin="layout" path="M 0.2562 0.1250 L 0.2606 0.1191" pathEditMode="relative" rAng="0" ptsTypes="AAAAAAAA">
+                                    <p:animMotion origin="layout" path="M 0.1503 -0.1951 L 0.1547 -0.2010" pathEditMode="relative" rAng="0" ptsTypes="AAAAAAAA">
                                       <p:cBhvr>
                                         <p:cTn id="38" dur="100" fill="hold"/>
                                         <p:tgtEl>
@@ -20319,7 +20319,7 @@
                                       </p:cBhvr>
                                       <p:rCtr x="-156" y="8009"/>
                                     </p:animMotion>
-                                    <p:animMotion origin="layout" path="M 0.2606 0.1191 L 0.2670 0.1106" pathEditMode="relative" rAng="0" ptsTypes="AAAAAAAA">
+                                    <p:animMotion origin="layout" path="M 0.1547 -0.2010 L 0.1611 -0.2095" pathEditMode="relative" rAng="0" ptsTypes="AAAAAAAA">
                                       <p:cBhvr>
                                         <p:cTn id="39" dur="100" fill="hold"/>
                                         <p:tgtEl>
@@ -20332,7 +20332,7 @@
                                       </p:cBhvr>
                                       <p:rCtr x="-156" y="8009"/>
                                     </p:animMotion>
-                                    <p:animMotion origin="layout" path="M 0.2670 0.1106 L 0.2708 0.1055" pathEditMode="relative" rAng="0" ptsTypes="AAAAAAAA">
+                                    <p:animMotion origin="layout" path="M 0.1611 -0.2095 L 0.1649 -0.2146" pathEditMode="relative" rAng="0" ptsTypes="AAAAAAAA">
                                       <p:cBhvr>
                                         <p:cTn id="40" dur="100" fill="hold"/>
                                         <p:tgtEl>
@@ -20345,7 +20345,7 @@
                                       </p:cBhvr>
                                       <p:rCtr x="-156" y="8009"/>
                                     </p:animMotion>
-                                    <p:animMotion origin="layout" path="M 0.2708 0.1055 L 0.2771 0.0971" pathEditMode="relative" rAng="0" ptsTypes="AAAAAAAA">
+                                    <p:animMotion origin="layout" path="M 0.1649 -0.2146 L 0.1712 -0.2231" pathEditMode="relative" rAng="0" ptsTypes="AAAAAAAA">
                                       <p:cBhvr>
                                         <p:cTn id="41" dur="100" fill="hold"/>
                                         <p:tgtEl>
@@ -20358,7 +20358,7 @@
                                       </p:cBhvr>
                                       <p:rCtr x="-156" y="8009"/>
                                     </p:animMotion>
-                                    <p:animMotion origin="layout" path="M 0.2771 0.0971 L 0.2816 0.0911" pathEditMode="relative" rAng="0" ptsTypes="AAAAAAAA">
+                                    <p:animMotion origin="layout" path="M 0.1712 -0.2231 L 0.1757 -0.2290" pathEditMode="relative" rAng="0" ptsTypes="AAAAAAAA">
                                       <p:cBhvr>
                                         <p:cTn id="42" dur="100" fill="hold"/>
                                         <p:tgtEl>
@@ -20371,7 +20371,7 @@
                                       </p:cBhvr>
                                       <p:rCtr x="-156" y="8009"/>
                                     </p:animMotion>
-                                    <p:animMotion origin="layout" path="M 0.2816 0.0911 L 0.2879 0.0835" pathEditMode="relative" rAng="0" ptsTypes="AAAAAAAA">
+                                    <p:animMotion origin="layout" path="M 0.1757 -0.2290 L 0.1820 -0.2366" pathEditMode="relative" rAng="0" ptsTypes="AAAAAAAA">
                                       <p:cBhvr>
                                         <p:cTn id="43" dur="100" fill="hold"/>
                                         <p:tgtEl>
@@ -20384,7 +20384,7 @@
                                       </p:cBhvr>
                                       <p:rCtr x="-156" y="8009"/>
                                     </p:animMotion>
-                                    <p:animMotion origin="layout" path="M 0.2879 0.0835 L 0.2917 0.0776" pathEditMode="relative" rAng="0" ptsTypes="AAAAAAAA">
+                                    <p:animMotion origin="layout" path="M 0.1820 -0.2366 L 0.1858 -0.2426" pathEditMode="relative" rAng="0" ptsTypes="AAAAAAAA">
                                       <p:cBhvr>
                                         <p:cTn id="44" dur="100" fill="hold"/>
                                         <p:tgtEl>
@@ -20397,7 +20397,7 @@
                                       </p:cBhvr>
                                       <p:rCtr x="-156" y="8009"/>
                                     </p:animMotion>
-                                    <p:animMotion origin="layout" path="M 0.2917 0.0776 L 0.2980 0.0691" pathEditMode="relative" rAng="0" ptsTypes="AAAAAAAA">
+                                    <p:animMotion origin="layout" path="M 0.1858 -0.2426 L 0.1922 -0.2510" pathEditMode="relative" rAng="0" ptsTypes="AAAAAAAA">
                                       <p:cBhvr>
                                         <p:cTn id="45" dur="100" fill="hold"/>
                                         <p:tgtEl>
@@ -20410,7 +20410,7 @@
                                       </p:cBhvr>
                                       <p:rCtr x="-156" y="8009"/>
                                     </p:animMotion>
-                                    <p:animMotion origin="layout" path="M 0.2980 0.0691 L 0.3025 0.0640" pathEditMode="relative" rAng="0" ptsTypes="AAAAAAAA">
+                                    <p:animMotion origin="layout" path="M 0.1922 -0.2510 L 0.1966 -0.2561" pathEditMode="relative" rAng="0" ptsTypes="AAAAAAAA">
                                       <p:cBhvr>
                                         <p:cTn id="46" dur="100" fill="hold"/>
                                         <p:tgtEl>
@@ -20423,7 +20423,7 @@
                                       </p:cBhvr>
                                       <p:rCtr x="-156" y="8009"/>
                                     </p:animMotion>
-                                    <p:animMotion origin="layout" path="M 0.3025 0.0640 L 0.3088 0.0555" pathEditMode="relative" rAng="0" ptsTypes="AAAAAAAA">
+                                    <p:animMotion origin="layout" path="M 0.1966 -0.2561 L 0.2029 -0.2646" pathEditMode="relative" rAng="0" ptsTypes="AAAAAAAA">
                                       <p:cBhvr>
                                         <p:cTn id="47" dur="100" fill="hold"/>
                                         <p:tgtEl>
@@ -20436,7 +20436,7 @@
                                       </p:cBhvr>
                                       <p:rCtr x="-156" y="8009"/>
                                     </p:animMotion>
-                                    <p:animMotion origin="layout" path="M 0.3088 0.0555 L 0.3126 0.0496" pathEditMode="relative" rAng="0" ptsTypes="AAAAAAAA">
+                                    <p:animMotion origin="layout" path="M 0.2029 -0.2646 L 0.2068 -0.2705" pathEditMode="relative" rAng="0" ptsTypes="AAAAAAAA">
                                       <p:cBhvr>
                                         <p:cTn id="48" dur="100" fill="hold"/>
                                         <p:tgtEl>
@@ -20449,7 +20449,7 @@
                                       </p:cBhvr>
                                       <p:rCtr x="-156" y="8009"/>
                                     </p:animMotion>
-                                    <p:animMotion origin="layout" path="M 0.3126 0.0496 L 0.3190 0.0419" pathEditMode="relative" rAng="0" ptsTypes="AAAAAAAA">
+                                    <p:animMotion origin="layout" path="M 0.2068 -0.2705 L 0.2131 -0.2782" pathEditMode="relative" rAng="0" ptsTypes="AAAAAAAA">
                                       <p:cBhvr>
                                         <p:cTn id="49" dur="100" fill="hold"/>
                                         <p:tgtEl>
@@ -20462,7 +20462,7 @@
                                       </p:cBhvr>
                                       <p:rCtr x="-156" y="8009"/>
                                     </p:animMotion>
-                                    <p:animMotion origin="layout" path="M 0.3190 0.0419 L 0.3234 0.0360" pathEditMode="relative" rAng="0" ptsTypes="AAAAAAAA">
+                                    <p:animMotion origin="layout" path="M 0.2131 -0.2782 L 0.2175 -0.2841" pathEditMode="relative" rAng="0" ptsTypes="AAAAAAAA">
                                       <p:cBhvr>
                                         <p:cTn id="50" dur="100" fill="hold"/>
                                         <p:tgtEl>

--- a/org.mwc.debrief.legacy/test_data/master_template/speed_change/speed_change_temp.pptx
+++ b/org.mwc.debrief.legacy/test_data/master_template/speed_change/speed_change_temp.pptx
@@ -12536,7 +12536,7 @@
                 <a:ea typeface="Open Sans" panose="020B0606030504020204" pitchFamily="34" charset="0"/>
                 <a:cs typeface="Courier New" panose="02070309020205020404" pitchFamily="49" charset="0"/>
               </a:rPr>
-              <a:t>10 Jan 121324</a:t>
+              <a:t>2010-01-12T13:24:11Z</a:t>
             </a:r>
           </a:p>
         </p:txBody>
@@ -12669,7 +12669,7 @@
                 <a:ea typeface="Open Sans" panose="020B0606030504020204" pitchFamily="34" charset="0"/>
                 <a:cs typeface="Courier New" panose="02070309020205020404" pitchFamily="49" charset="0"/>
               </a:rPr>
-              <a:t>10 Jan 121329</a:t>
+              <a:t>2010-01-12T13:29:11Z</a:t>
             </a:r>
           </a:p>
         </p:txBody>
@@ -12802,7 +12802,7 @@
                 <a:ea typeface="Open Sans" panose="020B0606030504020204" pitchFamily="34" charset="0"/>
                 <a:cs typeface="Courier New" panose="02070309020205020404" pitchFamily="49" charset="0"/>
               </a:rPr>
-              <a:t>10 Jan 121334</a:t>
+              <a:t>2010-01-12T13:34:11Z</a:t>
             </a:r>
           </a:p>
         </p:txBody>
@@ -12935,7 +12935,7 @@
                 <a:ea typeface="Open Sans" panose="020B0606030504020204" pitchFamily="34" charset="0"/>
                 <a:cs typeface="Courier New" panose="02070309020205020404" pitchFamily="49" charset="0"/>
               </a:rPr>
-              <a:t>10 Jan 121339</a:t>
+              <a:t>2010-01-12T13:39:11Z</a:t>
             </a:r>
           </a:p>
         </p:txBody>
@@ -13068,7 +13068,7 @@
                 <a:ea typeface="Open Sans" panose="020B0606030504020204" pitchFamily="34" charset="0"/>
                 <a:cs typeface="Courier New" panose="02070309020205020404" pitchFamily="49" charset="0"/>
               </a:rPr>
-              <a:t>10 Jan 121344</a:t>
+              <a:t>2010-01-12T13:44:11Z</a:t>
             </a:r>
           </a:p>
         </p:txBody>
@@ -13201,7 +13201,7 @@
                 <a:ea typeface="Open Sans" panose="020B0606030504020204" pitchFamily="34" charset="0"/>
                 <a:cs typeface="Courier New" panose="02070309020205020404" pitchFamily="49" charset="0"/>
               </a:rPr>
-              <a:t>10 Jan 121349</a:t>
+              <a:t>2010-01-12T13:49:11Z</a:t>
             </a:r>
           </a:p>
         </p:txBody>
@@ -13334,7 +13334,7 @@
                 <a:ea typeface="Open Sans" panose="020B0606030504020204" pitchFamily="34" charset="0"/>
                 <a:cs typeface="Courier New" panose="02070309020205020404" pitchFamily="49" charset="0"/>
               </a:rPr>
-              <a:t>10 Jan 121354</a:t>
+              <a:t>2010-01-12T13:54:11Z</a:t>
             </a:r>
           </a:p>
         </p:txBody>
@@ -13467,7 +13467,7 @@
                 <a:ea typeface="Open Sans" panose="020B0606030504020204" pitchFamily="34" charset="0"/>
                 <a:cs typeface="Courier New" panose="02070309020205020404" pitchFamily="49" charset="0"/>
               </a:rPr>
-              <a:t>10 Jan 121359</a:t>
+              <a:t>2010-01-12T13:59:11Z</a:t>
             </a:r>
           </a:p>
         </p:txBody>
@@ -13600,7 +13600,7 @@
                 <a:ea typeface="Open Sans" panose="020B0606030504020204" pitchFamily="34" charset="0"/>
                 <a:cs typeface="Courier New" panose="02070309020205020404" pitchFamily="49" charset="0"/>
               </a:rPr>
-              <a:t>10 Jan 121404</a:t>
+              <a:t>2010-01-12T14:04:11Z</a:t>
             </a:r>
           </a:p>
         </p:txBody>
@@ -13733,7 +13733,7 @@
                 <a:ea typeface="Open Sans" panose="020B0606030504020204" pitchFamily="34" charset="0"/>
                 <a:cs typeface="Courier New" panose="02070309020205020404" pitchFamily="49" charset="0"/>
               </a:rPr>
-              <a:t>10 Jan 121409</a:t>
+              <a:t>2010-01-12T14:09:11Z</a:t>
             </a:r>
           </a:p>
         </p:txBody>
@@ -13866,7 +13866,7 @@
                 <a:ea typeface="Open Sans" panose="020B0606030504020204" pitchFamily="34" charset="0"/>
                 <a:cs typeface="Courier New" panose="02070309020205020404" pitchFamily="49" charset="0"/>
               </a:rPr>
-              <a:t>10 Jan 121414</a:t>
+              <a:t>2010-01-12T14:14:11Z</a:t>
             </a:r>
           </a:p>
         </p:txBody>
@@ -13999,7 +13999,7 @@
                 <a:ea typeface="Open Sans" panose="020B0606030504020204" pitchFamily="34" charset="0"/>
                 <a:cs typeface="Courier New" panose="02070309020205020404" pitchFamily="49" charset="0"/>
               </a:rPr>
-              <a:t>10 Jan 121419</a:t>
+              <a:t>2010-01-12T14:19:11Z</a:t>
             </a:r>
           </a:p>
         </p:txBody>
@@ -14132,7 +14132,7 @@
                 <a:ea typeface="Open Sans" panose="020B0606030504020204" pitchFamily="34" charset="0"/>
                 <a:cs typeface="Courier New" panose="02070309020205020404" pitchFamily="49" charset="0"/>
               </a:rPr>
-              <a:t>10 Jan 121424</a:t>
+              <a:t>2010-01-12T14:24:11Z</a:t>
             </a:r>
           </a:p>
         </p:txBody>
@@ -14265,7 +14265,7 @@
                 <a:ea typeface="Open Sans" panose="020B0606030504020204" pitchFamily="34" charset="0"/>
                 <a:cs typeface="Courier New" panose="02070309020205020404" pitchFamily="49" charset="0"/>
               </a:rPr>
-              <a:t>10 Jan 121429</a:t>
+              <a:t>2010-01-12T14:29:11Z</a:t>
             </a:r>
           </a:p>
         </p:txBody>
@@ -14398,7 +14398,7 @@
                 <a:ea typeface="Open Sans" panose="020B0606030504020204" pitchFamily="34" charset="0"/>
                 <a:cs typeface="Courier New" panose="02070309020205020404" pitchFamily="49" charset="0"/>
               </a:rPr>
-              <a:t>10 Jan 121434</a:t>
+              <a:t>2010-01-12T14:34:11Z</a:t>
             </a:r>
           </a:p>
         </p:txBody>
@@ -14531,7 +14531,7 @@
                 <a:ea typeface="Open Sans" panose="020B0606030504020204" pitchFamily="34" charset="0"/>
                 <a:cs typeface="Courier New" panose="02070309020205020404" pitchFamily="49" charset="0"/>
               </a:rPr>
-              <a:t>10 Jan 121439</a:t>
+              <a:t>2010-01-12T14:39:11Z</a:t>
             </a:r>
           </a:p>
         </p:txBody>
@@ -14664,7 +14664,7 @@
                 <a:ea typeface="Open Sans" panose="020B0606030504020204" pitchFamily="34" charset="0"/>
                 <a:cs typeface="Courier New" panose="02070309020205020404" pitchFamily="49" charset="0"/>
               </a:rPr>
-              <a:t>10 Jan 121444</a:t>
+              <a:t>2010-01-12T14:44:11Z</a:t>
             </a:r>
           </a:p>
         </p:txBody>
@@ -14797,7 +14797,7 @@
                 <a:ea typeface="Open Sans" panose="020B0606030504020204" pitchFamily="34" charset="0"/>
                 <a:cs typeface="Courier New" panose="02070309020205020404" pitchFamily="49" charset="0"/>
               </a:rPr>
-              <a:t>10 Jan 121449</a:t>
+              <a:t>2010-01-12T14:49:11Z</a:t>
             </a:r>
           </a:p>
         </p:txBody>
@@ -14930,7 +14930,7 @@
                 <a:ea typeface="Open Sans" panose="020B0606030504020204" pitchFamily="34" charset="0"/>
                 <a:cs typeface="Courier New" panose="02070309020205020404" pitchFamily="49" charset="0"/>
               </a:rPr>
-              <a:t>10 Jan 121454</a:t>
+              <a:t>2010-01-12T14:54:11Z</a:t>
             </a:r>
           </a:p>
         </p:txBody>
@@ -15063,7 +15063,7 @@
                 <a:ea typeface="Open Sans" panose="020B0606030504020204" pitchFamily="34" charset="0"/>
                 <a:cs typeface="Courier New" panose="02070309020205020404" pitchFamily="49" charset="0"/>
               </a:rPr>
-              <a:t>10 Jan 121459</a:t>
+              <a:t>2010-01-12T14:59:11Z</a:t>
             </a:r>
           </a:p>
         </p:txBody>
@@ -15196,7 +15196,7 @@
                 <a:ea typeface="Open Sans" panose="020B0606030504020204" pitchFamily="34" charset="0"/>
                 <a:cs typeface="Courier New" panose="02070309020205020404" pitchFamily="49" charset="0"/>
               </a:rPr>
-              <a:t>10 Jan 121504</a:t>
+              <a:t>2010-01-12T15:04:11Z</a:t>
             </a:r>
           </a:p>
         </p:txBody>
@@ -15329,7 +15329,7 @@
                 <a:ea typeface="Open Sans" panose="020B0606030504020204" pitchFamily="34" charset="0"/>
                 <a:cs typeface="Courier New" panose="02070309020205020404" pitchFamily="49" charset="0"/>
               </a:rPr>
-              <a:t>10 Jan 121509</a:t>
+              <a:t>2010-01-12T15:09:11Z</a:t>
             </a:r>
           </a:p>
         </p:txBody>
@@ -15462,7 +15462,7 @@
                 <a:ea typeface="Open Sans" panose="020B0606030504020204" pitchFamily="34" charset="0"/>
                 <a:cs typeface="Courier New" panose="02070309020205020404" pitchFamily="49" charset="0"/>
               </a:rPr>
-              <a:t>10 Jan 121514</a:t>
+              <a:t>2010-01-12T15:14:11Z</a:t>
             </a:r>
           </a:p>
         </p:txBody>
@@ -15595,7 +15595,7 @@
                 <a:ea typeface="Open Sans" panose="020B0606030504020204" pitchFamily="34" charset="0"/>
                 <a:cs typeface="Courier New" panose="02070309020205020404" pitchFamily="49" charset="0"/>
               </a:rPr>
-              <a:t>10 Jan 121519</a:t>
+              <a:t>2010-01-12T15:19:11Z</a:t>
             </a:r>
           </a:p>
         </p:txBody>
@@ -15728,7 +15728,7 @@
                 <a:ea typeface="Open Sans" panose="020B0606030504020204" pitchFamily="34" charset="0"/>
                 <a:cs typeface="Courier New" panose="02070309020205020404" pitchFamily="49" charset="0"/>
               </a:rPr>
-              <a:t>10 Jan 121524</a:t>
+              <a:t>2010-01-12T15:24:11Z</a:t>
             </a:r>
           </a:p>
         </p:txBody>
@@ -15861,7 +15861,7 @@
                 <a:ea typeface="Open Sans" panose="020B0606030504020204" pitchFamily="34" charset="0"/>
                 <a:cs typeface="Courier New" panose="02070309020205020404" pitchFamily="49" charset="0"/>
               </a:rPr>
-              <a:t>10 Jan 121529</a:t>
+              <a:t>2010-01-12T15:29:11Z</a:t>
             </a:r>
           </a:p>
         </p:txBody>
@@ -15994,7 +15994,7 @@
                 <a:ea typeface="Open Sans" panose="020B0606030504020204" pitchFamily="34" charset="0"/>
                 <a:cs typeface="Courier New" panose="02070309020205020404" pitchFamily="49" charset="0"/>
               </a:rPr>
-              <a:t>10 Jan 121534</a:t>
+              <a:t>2010-01-12T15:34:11Z</a:t>
             </a:r>
           </a:p>
         </p:txBody>
@@ -16127,7 +16127,7 @@
                 <a:ea typeface="Open Sans" panose="020B0606030504020204" pitchFamily="34" charset="0"/>
                 <a:cs typeface="Courier New" panose="02070309020205020404" pitchFamily="49" charset="0"/>
               </a:rPr>
-              <a:t>10 Jan 121539</a:t>
+              <a:t>2010-01-12T15:39:11Z</a:t>
             </a:r>
           </a:p>
         </p:txBody>
@@ -16260,7 +16260,7 @@
                 <a:ea typeface="Open Sans" panose="020B0606030504020204" pitchFamily="34" charset="0"/>
                 <a:cs typeface="Courier New" panose="02070309020205020404" pitchFamily="49" charset="0"/>
               </a:rPr>
-              <a:t>10 Jan 121544</a:t>
+              <a:t>2010-01-12T15:44:11Z</a:t>
             </a:r>
           </a:p>
         </p:txBody>
@@ -16393,7 +16393,7 @@
                 <a:ea typeface="Open Sans" panose="020B0606030504020204" pitchFamily="34" charset="0"/>
                 <a:cs typeface="Courier New" panose="02070309020205020404" pitchFamily="49" charset="0"/>
               </a:rPr>
-              <a:t>10 Jan 121549</a:t>
+              <a:t>2010-01-12T15:49:11Z</a:t>
             </a:r>
           </a:p>
         </p:txBody>
@@ -16526,7 +16526,7 @@
                 <a:ea typeface="Open Sans" panose="020B0606030504020204" pitchFamily="34" charset="0"/>
                 <a:cs typeface="Courier New" panose="02070309020205020404" pitchFamily="49" charset="0"/>
               </a:rPr>
-              <a:t>10 Jan 121554</a:t>
+              <a:t>2010-01-12T15:54:11Z</a:t>
             </a:r>
           </a:p>
         </p:txBody>
@@ -16659,7 +16659,7 @@
                 <a:ea typeface="Open Sans" panose="020B0606030504020204" pitchFamily="34" charset="0"/>
                 <a:cs typeface="Courier New" panose="02070309020205020404" pitchFamily="49" charset="0"/>
               </a:rPr>
-              <a:t>10 Jan 121559</a:t>
+              <a:t>2010-01-12T15:59:11Z</a:t>
             </a:r>
           </a:p>
         </p:txBody>
@@ -16792,7 +16792,7 @@
                 <a:ea typeface="Open Sans" panose="020B0606030504020204" pitchFamily="34" charset="0"/>
                 <a:cs typeface="Courier New" panose="02070309020205020404" pitchFamily="49" charset="0"/>
               </a:rPr>
-              <a:t>10 Jan 121604</a:t>
+              <a:t>2010-01-12T16:04:11Z</a:t>
             </a:r>
           </a:p>
         </p:txBody>
@@ -16925,7 +16925,7 @@
                 <a:ea typeface="Open Sans" panose="020B0606030504020204" pitchFamily="34" charset="0"/>
                 <a:cs typeface="Courier New" panose="02070309020205020404" pitchFamily="49" charset="0"/>
               </a:rPr>
-              <a:t>10 Jan 121609</a:t>
+              <a:t>2010-01-12T16:09:11Z</a:t>
             </a:r>
           </a:p>
         </p:txBody>
@@ -17058,7 +17058,7 @@
                 <a:ea typeface="Open Sans" panose="020B0606030504020204" pitchFamily="34" charset="0"/>
                 <a:cs typeface="Courier New" panose="02070309020205020404" pitchFamily="49" charset="0"/>
               </a:rPr>
-              <a:t>10 Jan 121614</a:t>
+              <a:t>2010-01-12T16:14:11Z</a:t>
             </a:r>
           </a:p>
         </p:txBody>
@@ -17191,7 +17191,7 @@
                 <a:ea typeface="Open Sans" panose="020B0606030504020204" pitchFamily="34" charset="0"/>
                 <a:cs typeface="Courier New" panose="02070309020205020404" pitchFamily="49" charset="0"/>
               </a:rPr>
-              <a:t>10 Jan 121619</a:t>
+              <a:t>2010-01-12T16:19:11Z</a:t>
             </a:r>
           </a:p>
         </p:txBody>
@@ -17324,7 +17324,7 @@
                 <a:ea typeface="Open Sans" panose="020B0606030504020204" pitchFamily="34" charset="0"/>
                 <a:cs typeface="Courier New" panose="02070309020205020404" pitchFamily="49" charset="0"/>
               </a:rPr>
-              <a:t>10 Jan 121624</a:t>
+              <a:t>2010-01-12T16:24:11Z</a:t>
             </a:r>
           </a:p>
         </p:txBody>
@@ -17457,7 +17457,7 @@
                 <a:ea typeface="Open Sans" panose="020B0606030504020204" pitchFamily="34" charset="0"/>
                 <a:cs typeface="Courier New" panose="02070309020205020404" pitchFamily="49" charset="0"/>
               </a:rPr>
-              <a:t>10 Jan 121629</a:t>
+              <a:t>2010-01-12T16:29:11Z</a:t>
             </a:r>
           </a:p>
         </p:txBody>
@@ -17590,7 +17590,7 @@
                 <a:ea typeface="Open Sans" panose="020B0606030504020204" pitchFamily="34" charset="0"/>
                 <a:cs typeface="Courier New" panose="02070309020205020404" pitchFamily="49" charset="0"/>
               </a:rPr>
-              <a:t>10 Jan 121634</a:t>
+              <a:t>2010-01-12T16:34:11Z</a:t>
             </a:r>
           </a:p>
         </p:txBody>
@@ -17723,7 +17723,7 @@
                 <a:ea typeface="Open Sans" panose="020B0606030504020204" pitchFamily="34" charset="0"/>
                 <a:cs typeface="Courier New" panose="02070309020205020404" pitchFamily="49" charset="0"/>
               </a:rPr>
-              <a:t>10 Jan 121639</a:t>
+              <a:t>2010-01-12T16:39:11Z</a:t>
             </a:r>
           </a:p>
         </p:txBody>
@@ -17833,8 +17833,143 @@
                               <p:cond delay="0"/>
                             </p:stCondLst>
                             <p:childTnLst>
+                              <p:par>
+                                <p:cTn id="8" presetID="1" presetClass="entr" presetSubtype="0" fill="hold" grpId="0" nodeType="withEffect">
+                                  <p:stCondLst>
+                                    <p:cond delay="0"/>
+                                  </p:stCondLst>
+                                  <p:childTnLst>
+                                    <p:set>
+                                      <p:cBhvr>
+                                        <p:cTn id="9" dur="1" fill="hold">
+                                          <p:stCondLst>
+                                            <p:cond delay="0"/>
+                                          </p:stCondLst>
+                                        </p:cTn>
+                                        <p:tgtEl>
+                                          <p:spTgt spid="604"/>
+                                        </p:tgtEl>
+                                        <p:attrNameLst>
+                                          <p:attrName>style.visibility</p:attrName>
+                                        </p:attrNameLst>
+                                      </p:cBhvr>
+                                      <p:to>
+                                        <p:strVal val="visible"/>
+                                      </p:to>
+                                    </p:set>
+                                  </p:childTnLst>
+                                </p:cTn>
+                              </p:par>
+                              <p:par>
+                                <p:cTn id="8" presetID="1" presetClass="entr" presetSubtype="0" fill="hold" grpId="0" nodeType="withEffect">
+                                  <p:stCondLst>
+                                    <p:cond delay="0"/>
+                                  </p:stCondLst>
+                                  <p:childTnLst>
+                                    <p:set>
+                                      <p:cBhvr>
+                                        <p:cTn id="9" dur="1" fill="hold">
+                                          <p:stCondLst>
+                                            <p:cond delay="0"/>
+                                          </p:stCondLst>
+                                        </p:cTn>
+                                        <p:tgtEl>
+                                          <p:spTgt spid="603"/>
+                                        </p:tgtEl>
+                                        <p:attrNameLst>
+                                          <p:attrName>style.visibility</p:attrName>
+                                        </p:attrNameLst>
+                                      </p:cBhvr>
+                                      <p:to>
+                                        <p:strVal val="visible"/>
+                                      </p:to>
+                                    </p:set>
+                                  </p:childTnLst>
+                                </p:cTn>
+                              </p:par>
+                              <p:par>
+                                <p:cTn id="8" presetID="1" presetClass="entr" presetSubtype="0" fill="hold" grpId="0" nodeType="withEffect">
+                                  <p:stCondLst>
+                                    <p:cond delay="0"/>
+                                  </p:stCondLst>
+                                  <p:childTnLst>
+                                    <p:set>
+                                      <p:cBhvr>
+                                        <p:cTn id="9" dur="1" fill="hold">
+                                          <p:stCondLst>
+                                            <p:cond delay="0"/>
+                                          </p:stCondLst>
+                                        </p:cTn>
+                                        <p:tgtEl>
+                                          <p:spTgt spid="602"/>
+                                        </p:tgtEl>
+                                        <p:attrNameLst>
+                                          <p:attrName>style.visibility</p:attrName>
+                                        </p:attrNameLst>
+                                      </p:cBhvr>
+                                      <p:to>
+                                        <p:strVal val="visible"/>
+                                      </p:to>
+                                    </p:set>
+                                  </p:childTnLst>
+                                </p:cTn>
+                              </p:par>
+                              <p:par>
+                                <p:cTn id="8" presetID="1" presetClass="entr" presetSubtype="0" fill="hold" grpId="0" nodeType="withEffect">
+                                  <p:stCondLst>
+                                    <p:cond delay="0"/>
+                                  </p:stCondLst>
+                                  <p:childTnLst>
+                                    <p:set>
+                                      <p:cBhvr>
+                                        <p:cTn id="9" dur="1" fill="hold">
+                                          <p:stCondLst>
+                                            <p:cond delay="0"/>
+                                          </p:stCondLst>
+                                        </p:cTn>
+                                        <p:tgtEl>
+                                          <p:spTgt spid="601"/>
+                                        </p:tgtEl>
+                                        <p:attrNameLst>
+                                          <p:attrName>style.visibility</p:attrName>
+                                        </p:attrNameLst>
+                                      </p:cBhvr>
+                                      <p:to>
+                                        <p:strVal val="visible"/>
+                                      </p:to>
+                                    </p:set>
+                                  </p:childTnLst>
+                                </p:cTn>
+                              </p:par>
+                              <p:par>
+                                <p:cTn id="8" presetID="1" presetClass="entr" presetSubtype="0" fill="hold" grpId="0" nodeType="withEffect">
+                                  <p:stCondLst>
+                                    <p:cond delay="0"/>
+                                  </p:stCondLst>
+                                  <p:childTnLst>
+                                    <p:set>
+                                      <p:cBhvr>
+                                        <p:cTn id="9" dur="1" fill="hold">
+                                          <p:stCondLst>
+                                            <p:cond delay="0"/>
+                                          </p:stCondLst>
+                                        </p:cTn>
+                                        <p:tgtEl>
+                                          <p:spTgt spid="127"/>
+                                        </p:tgtEl>
+                                        <p:attrNameLst>
+                                          <p:attrName>style.visibility</p:attrName>
+                                        </p:attrNameLst>
+                                      </p:cBhvr>
+                                      <p:to>
+                                        <p:strVal val="visible"/>
+                                      </p:to>
+                                    </p:set>
+                                  </p:childTnLst>
+                                </p:cTn>
+                              </p:par>
                               <p:seq>
-                                <p:cTn id="1" presetID="0" presetClass="path" presetSubtype="0" fill="hold" grpId="0" nodeType="clickEffect">
+                                <p:cTn id="1" presetID="0" presetClass="path" presetSubtype="0" fill="hold" grpId="1" nodeType="withEffect">
                                   <p:stCondLst>
                                     <p:cond delay="0"/>
                                   </p:stCondLst>
@@ -18363,7 +18498,7 @@
                                 </p:cTn>
                               </p:seq>
                               <p:seq>
-                                <p:cTn id="2" presetID="0" presetClass="path" presetSubtype="0" fill="hold" grpId="0" nodeType="clickEffect">
+                                <p:cTn id="2" presetID="0" presetClass="path" presetSubtype="0" fill="hold" grpId="1" nodeType="withEffect">
                                   <p:stCondLst>
                                     <p:cond delay="0"/>
                                   </p:stCondLst>
@@ -18892,7 +19027,7 @@
                                 </p:cTn>
                               </p:seq>
                               <p:seq>
-                                <p:cTn id="3" presetID="0" presetClass="path" presetSubtype="0" fill="hold" grpId="0" nodeType="clickEffect">
+                                <p:cTn id="3" presetID="0" presetClass="path" presetSubtype="0" fill="hold" grpId="1" nodeType="withEffect">
                                   <p:stCondLst>
                                     <p:cond delay="0"/>
                                   </p:stCondLst>
@@ -19421,7 +19556,7 @@
                                 </p:cTn>
                               </p:seq>
                               <p:seq>
-                                <p:cTn id="4" presetID="0" presetClass="path" presetSubtype="0" fill="hold" grpId="0" nodeType="clickEffect">
+                                <p:cTn id="4" presetID="0" presetClass="path" presetSubtype="0" fill="hold" grpId="1" nodeType="withEffect">
                                   <p:stCondLst>
                                     <p:cond delay="0"/>
                                   </p:stCondLst>
@@ -19950,7 +20085,7 @@
                                 </p:cTn>
                               </p:seq>
                               <p:seq>
-                                <p:cTn id="5" presetID="0" presetClass="path" presetSubtype="0" fill="hold" grpId="0" nodeType="clickEffect">
+                                <p:cTn id="5" presetID="0" presetClass="path" presetSubtype="0" fill="hold" grpId="1" nodeType="withEffect">
                                   <p:stCondLst>
                                     <p:cond delay="0"/>
                                   </p:stCondLst>

--- a/org.mwc.debrief.legacy/test_data/master_template/speed_change/speed_change_temp.pptx
+++ b/org.mwc.debrief.legacy/test_data/master_template/speed_change/speed_change_temp.pptx
@@ -208,7 +208,7 @@
           <a:p>
             <a:fld id="{5DBDFAF8-9CD3-4716-8CF2-6121A8FDDE9B}" type="datetimeFigureOut">
               <a:rPr lang="en-US" smtClean="0"/>
-              <a:t>9/27/2018</a:t>
+              <a:t>10/14/2018</a:t>
             </a:fld>
             <a:endParaRPr lang="en-US"/>
           </a:p>
@@ -366,7 +366,7 @@
           <a:p>
             <a:fld id="{C901C09C-499D-45C7-B51C-6D106952E995}" type="slidenum">
               <a:rPr lang="en-US" smtClean="0"/>
-              <a:t>‹#›</a:t>
+              <a:t>‹Nº›</a:t>
             </a:fld>
             <a:endParaRPr lang="en-US"/>
           </a:p>
@@ -763,7 +763,7 @@
           <a:p>
             <a:fld id="{07AF7C9C-3FFC-F543-8CD5-56B058077314}" type="datetimeFigureOut">
               <a:rPr lang="en-US" smtClean="0"/>
-              <a:t>9/27/2018</a:t>
+              <a:t>10/14/2018</a:t>
             </a:fld>
             <a:endParaRPr lang="en-US"/>
           </a:p>
@@ -805,7 +805,7 @@
           <a:p>
             <a:fld id="{E0E3E4AF-3478-F94E-9240-CA1945652EFF}" type="slidenum">
               <a:rPr lang="en-US" smtClean="0"/>
-              <a:t>‹#›</a:t>
+              <a:t>‹Nº›</a:t>
             </a:fld>
             <a:endParaRPr lang="en-US"/>
           </a:p>
@@ -933,7 +933,7 @@
           <a:p>
             <a:fld id="{07AF7C9C-3FFC-F543-8CD5-56B058077314}" type="datetimeFigureOut">
               <a:rPr lang="en-US" smtClean="0"/>
-              <a:t>9/27/2018</a:t>
+              <a:t>10/14/2018</a:t>
             </a:fld>
             <a:endParaRPr lang="en-US"/>
           </a:p>
@@ -975,7 +975,7 @@
           <a:p>
             <a:fld id="{E0E3E4AF-3478-F94E-9240-CA1945652EFF}" type="slidenum">
               <a:rPr lang="en-US" smtClean="0"/>
-              <a:t>‹#›</a:t>
+              <a:t>‹Nº›</a:t>
             </a:fld>
             <a:endParaRPr lang="en-US"/>
           </a:p>
@@ -1113,7 +1113,7 @@
           <a:p>
             <a:fld id="{07AF7C9C-3FFC-F543-8CD5-56B058077314}" type="datetimeFigureOut">
               <a:rPr lang="en-US" smtClean="0"/>
-              <a:t>9/27/2018</a:t>
+              <a:t>10/14/2018</a:t>
             </a:fld>
             <a:endParaRPr lang="en-US"/>
           </a:p>
@@ -1155,7 +1155,7 @@
           <a:p>
             <a:fld id="{E0E3E4AF-3478-F94E-9240-CA1945652EFF}" type="slidenum">
               <a:rPr lang="en-US" smtClean="0"/>
-              <a:t>‹#›</a:t>
+              <a:t>‹Nº›</a:t>
             </a:fld>
             <a:endParaRPr lang="en-US"/>
           </a:p>
@@ -1283,7 +1283,7 @@
           <a:p>
             <a:fld id="{07AF7C9C-3FFC-F543-8CD5-56B058077314}" type="datetimeFigureOut">
               <a:rPr lang="en-US" smtClean="0"/>
-              <a:t>9/27/2018</a:t>
+              <a:t>10/14/2018</a:t>
             </a:fld>
             <a:endParaRPr lang="en-US"/>
           </a:p>
@@ -1325,7 +1325,7 @@
           <a:p>
             <a:fld id="{E0E3E4AF-3478-F94E-9240-CA1945652EFF}" type="slidenum">
               <a:rPr lang="en-US" smtClean="0"/>
-              <a:t>‹#›</a:t>
+              <a:t>‹Nº›</a:t>
             </a:fld>
             <a:endParaRPr lang="en-US"/>
           </a:p>
@@ -1529,7 +1529,7 @@
           <a:p>
             <a:fld id="{07AF7C9C-3FFC-F543-8CD5-56B058077314}" type="datetimeFigureOut">
               <a:rPr lang="en-US" smtClean="0"/>
-              <a:t>9/27/2018</a:t>
+              <a:t>10/14/2018</a:t>
             </a:fld>
             <a:endParaRPr lang="en-US"/>
           </a:p>
@@ -1571,7 +1571,7 @@
           <a:p>
             <a:fld id="{E0E3E4AF-3478-F94E-9240-CA1945652EFF}" type="slidenum">
               <a:rPr lang="en-US" smtClean="0"/>
-              <a:t>‹#›</a:t>
+              <a:t>‹Nº›</a:t>
             </a:fld>
             <a:endParaRPr lang="en-US"/>
           </a:p>
@@ -1817,7 +1817,7 @@
           <a:p>
             <a:fld id="{07AF7C9C-3FFC-F543-8CD5-56B058077314}" type="datetimeFigureOut">
               <a:rPr lang="en-US" smtClean="0"/>
-              <a:t>9/27/2018</a:t>
+              <a:t>10/14/2018</a:t>
             </a:fld>
             <a:endParaRPr lang="en-US"/>
           </a:p>
@@ -1859,7 +1859,7 @@
           <a:p>
             <a:fld id="{E0E3E4AF-3478-F94E-9240-CA1945652EFF}" type="slidenum">
               <a:rPr lang="en-US" smtClean="0"/>
-              <a:t>‹#›</a:t>
+              <a:t>‹Nº›</a:t>
             </a:fld>
             <a:endParaRPr lang="en-US"/>
           </a:p>
@@ -2239,7 +2239,7 @@
           <a:p>
             <a:fld id="{07AF7C9C-3FFC-F543-8CD5-56B058077314}" type="datetimeFigureOut">
               <a:rPr lang="en-US" smtClean="0"/>
-              <a:t>9/27/2018</a:t>
+              <a:t>10/14/2018</a:t>
             </a:fld>
             <a:endParaRPr lang="en-US"/>
           </a:p>
@@ -2281,7 +2281,7 @@
           <a:p>
             <a:fld id="{E0E3E4AF-3478-F94E-9240-CA1945652EFF}" type="slidenum">
               <a:rPr lang="en-US" smtClean="0"/>
-              <a:t>‹#›</a:t>
+              <a:t>‹Nº›</a:t>
             </a:fld>
             <a:endParaRPr lang="en-US"/>
           </a:p>
@@ -2357,7 +2357,7 @@
           <a:p>
             <a:fld id="{07AF7C9C-3FFC-F543-8CD5-56B058077314}" type="datetimeFigureOut">
               <a:rPr lang="en-US" smtClean="0"/>
-              <a:t>9/27/2018</a:t>
+              <a:t>10/14/2018</a:t>
             </a:fld>
             <a:endParaRPr lang="en-US"/>
           </a:p>
@@ -2399,7 +2399,7 @@
           <a:p>
             <a:fld id="{E0E3E4AF-3478-F94E-9240-CA1945652EFF}" type="slidenum">
               <a:rPr lang="en-US" smtClean="0"/>
-              <a:t>‹#›</a:t>
+              <a:t>‹Nº›</a:t>
             </a:fld>
             <a:endParaRPr lang="en-US"/>
           </a:p>
@@ -2452,7 +2452,7 @@
           <a:p>
             <a:fld id="{07AF7C9C-3FFC-F543-8CD5-56B058077314}" type="datetimeFigureOut">
               <a:rPr lang="en-US" smtClean="0"/>
-              <a:t>9/27/2018</a:t>
+              <a:t>10/14/2018</a:t>
             </a:fld>
             <a:endParaRPr lang="en-US"/>
           </a:p>
@@ -2494,7 +2494,7 @@
           <a:p>
             <a:fld id="{E0E3E4AF-3478-F94E-9240-CA1945652EFF}" type="slidenum">
               <a:rPr lang="en-US" smtClean="0"/>
-              <a:t>‹#›</a:t>
+              <a:t>‹Nº›</a:t>
             </a:fld>
             <a:endParaRPr lang="en-US"/>
           </a:p>
@@ -2729,7 +2729,7 @@
           <a:p>
             <a:fld id="{07AF7C9C-3FFC-F543-8CD5-56B058077314}" type="datetimeFigureOut">
               <a:rPr lang="en-US" smtClean="0"/>
-              <a:t>9/27/2018</a:t>
+              <a:t>10/14/2018</a:t>
             </a:fld>
             <a:endParaRPr lang="en-US"/>
           </a:p>
@@ -2771,7 +2771,7 @@
           <a:p>
             <a:fld id="{E0E3E4AF-3478-F94E-9240-CA1945652EFF}" type="slidenum">
               <a:rPr lang="en-US" smtClean="0"/>
-              <a:t>‹#›</a:t>
+              <a:t>‹Nº›</a:t>
             </a:fld>
             <a:endParaRPr lang="en-US"/>
           </a:p>
@@ -2982,7 +2982,7 @@
           <a:p>
             <a:fld id="{07AF7C9C-3FFC-F543-8CD5-56B058077314}" type="datetimeFigureOut">
               <a:rPr lang="en-US" smtClean="0"/>
-              <a:t>9/27/2018</a:t>
+              <a:t>10/14/2018</a:t>
             </a:fld>
             <a:endParaRPr lang="en-US"/>
           </a:p>
@@ -3024,7 +3024,7 @@
           <a:p>
             <a:fld id="{E0E3E4AF-3478-F94E-9240-CA1945652EFF}" type="slidenum">
               <a:rPr lang="en-US" smtClean="0"/>
-              <a:t>‹#›</a:t>
+              <a:t>‹Nº›</a:t>
             </a:fld>
             <a:endParaRPr lang="en-US"/>
           </a:p>
@@ -3195,7 +3195,7 @@
           <a:p>
             <a:fld id="{07AF7C9C-3FFC-F543-8CD5-56B058077314}" type="datetimeFigureOut">
               <a:rPr lang="en-US" smtClean="0"/>
-              <a:t>9/27/2018</a:t>
+              <a:t>10/14/2018</a:t>
             </a:fld>
             <a:endParaRPr lang="en-US"/>
           </a:p>
@@ -3273,7 +3273,7 @@
           <a:p>
             <a:fld id="{E0E3E4AF-3478-F94E-9240-CA1945652EFF}" type="slidenum">
               <a:rPr lang="en-US" smtClean="0"/>
-              <a:t>‹#›</a:t>
+              <a:t>‹Nº›</a:t>
             </a:fld>
             <a:endParaRPr lang="en-US"/>
           </a:p>
@@ -3822,7 +3822,7 @@
                 <a:ea typeface="Open Sans" panose="020B0606030504020204" pitchFamily="34" charset="0"/>
                 <a:cs typeface="Open Sans" panose="020B0606030504020204" pitchFamily="34" charset="0"/>
               </a:rPr>
-              <a:t>AMERICAS CUP </a:t>
+              <a:t>EXERCISE TITLE </a:t>
             </a:r>
           </a:p>
           <a:p>
@@ -3835,7 +3835,7 @@
                 <a:ea typeface="Open Sans" panose="020B0606030504020204" pitchFamily="34" charset="0"/>
                 <a:cs typeface="Open Sans" panose="020B0606030504020204" pitchFamily="34" charset="0"/>
               </a:rPr>
-              <a:t>2018. RACE 2A</a:t>
+              <a:t>2018 SERIAL 12D</a:t>
             </a:r>
           </a:p>
         </p:txBody>
@@ -17760,16 +17760,6 @@
                 <a:latin typeface="Open Sans" panose="020B0606030504020204" pitchFamily="34" charset="0"/>
                 <a:ea typeface="Open Sans" panose="020B0606030504020204" pitchFamily="34" charset="0"/>
                 <a:cs typeface="Open Sans" panose="020B0606030504020204" pitchFamily="34" charset="0"/>
-              </a:rPr>
-              <a:t/>
-            </a:r>
-            <a:r>
-              <a:rPr lang="mr-IN" sz="2000" dirty="0">
-                <a:solidFill>
-                  <a:schemeClr val="bg1"/>
-                </a:solidFill>
-                <a:latin typeface="Open Sans" panose="020B0606030504020204" pitchFamily="34" charset="0"/>
-                <a:ea typeface="Open Sans" panose="020B0606030504020204" pitchFamily="34" charset="0"/>
               </a:rPr>
               <a:t/>
             </a:r>

--- a/org.mwc.debrief.legacy/test_data/master_template/speed_change/speed_change_temp.pptx
+++ b/org.mwc.debrief.legacy/test_data/master_template/speed_change/speed_change_temp.pptx
@@ -3905,7 +3905,7 @@
       </p:pic>
       <p:sp>
         <p:nvSpPr>
-          <p:cNvPr id="2000" name="footprint"/>
+          <p:cNvPr id="20600" name="footprint"/>
           <p:cNvSpPr/>
           <p:nvPr/>
         </p:nvSpPr>
@@ -3946,7 +3946,7 @@
       </p:sp>
       <p:sp>
         <p:nvSpPr>
-          <p:cNvPr id="2001" name="footprint"/>
+          <p:cNvPr id="20601" name="footprint"/>
           <p:cNvSpPr/>
           <p:nvPr/>
         </p:nvSpPr>
@@ -3987,7 +3987,7 @@
       </p:sp>
       <p:sp>
         <p:nvSpPr>
-          <p:cNvPr id="2002" name="footprint"/>
+          <p:cNvPr id="20602" name="footprint"/>
           <p:cNvSpPr/>
           <p:nvPr/>
         </p:nvSpPr>
@@ -4028,7 +4028,7 @@
       </p:sp>
       <p:sp>
         <p:nvSpPr>
-          <p:cNvPr id="2003" name="footprint"/>
+          <p:cNvPr id="20603" name="footprint"/>
           <p:cNvSpPr/>
           <p:nvPr/>
         </p:nvSpPr>
@@ -4069,7 +4069,7 @@
       </p:sp>
       <p:sp>
         <p:nvSpPr>
-          <p:cNvPr id="2004" name="footprint"/>
+          <p:cNvPr id="20604" name="footprint"/>
           <p:cNvSpPr/>
           <p:nvPr/>
         </p:nvSpPr>
@@ -4110,7 +4110,7 @@
       </p:sp>
       <p:sp>
         <p:nvSpPr>
-          <p:cNvPr id="2005" name="footprint"/>
+          <p:cNvPr id="20605" name="footprint"/>
           <p:cNvSpPr/>
           <p:nvPr/>
         </p:nvSpPr>
@@ -4151,7 +4151,7 @@
       </p:sp>
       <p:sp>
         <p:nvSpPr>
-          <p:cNvPr id="2006" name="footprint"/>
+          <p:cNvPr id="20606" name="footprint"/>
           <p:cNvSpPr/>
           <p:nvPr/>
         </p:nvSpPr>
@@ -4192,7 +4192,7 @@
       </p:sp>
       <p:sp>
         <p:nvSpPr>
-          <p:cNvPr id="2007" name="footprint"/>
+          <p:cNvPr id="20607" name="footprint"/>
           <p:cNvSpPr/>
           <p:nvPr/>
         </p:nvSpPr>
@@ -4233,7 +4233,7 @@
       </p:sp>
       <p:sp>
         <p:nvSpPr>
-          <p:cNvPr id="2008" name="footprint"/>
+          <p:cNvPr id="20608" name="footprint"/>
           <p:cNvSpPr/>
           <p:nvPr/>
         </p:nvSpPr>
@@ -4274,7 +4274,7 @@
       </p:sp>
       <p:sp>
         <p:nvSpPr>
-          <p:cNvPr id="2009" name="footprint"/>
+          <p:cNvPr id="20609" name="footprint"/>
           <p:cNvSpPr/>
           <p:nvPr/>
         </p:nvSpPr>
@@ -4315,7 +4315,7 @@
       </p:sp>
       <p:sp>
         <p:nvSpPr>
-          <p:cNvPr id="2010" name="footprint"/>
+          <p:cNvPr id="20610" name="footprint"/>
           <p:cNvSpPr/>
           <p:nvPr/>
         </p:nvSpPr>
@@ -4356,7 +4356,7 @@
       </p:sp>
       <p:sp>
         <p:nvSpPr>
-          <p:cNvPr id="2011" name="footprint"/>
+          <p:cNvPr id="20611" name="footprint"/>
           <p:cNvSpPr/>
           <p:nvPr/>
         </p:nvSpPr>
@@ -4397,7 +4397,7 @@
       </p:sp>
       <p:sp>
         <p:nvSpPr>
-          <p:cNvPr id="2012" name="footprint"/>
+          <p:cNvPr id="20612" name="footprint"/>
           <p:cNvSpPr/>
           <p:nvPr/>
         </p:nvSpPr>
@@ -4438,7 +4438,7 @@
       </p:sp>
       <p:sp>
         <p:nvSpPr>
-          <p:cNvPr id="2013" name="footprint"/>
+          <p:cNvPr id="20613" name="footprint"/>
           <p:cNvSpPr/>
           <p:nvPr/>
         </p:nvSpPr>
@@ -4479,7 +4479,7 @@
       </p:sp>
       <p:sp>
         <p:nvSpPr>
-          <p:cNvPr id="2014" name="footprint"/>
+          <p:cNvPr id="20614" name="footprint"/>
           <p:cNvSpPr/>
           <p:nvPr/>
         </p:nvSpPr>
@@ -4520,7 +4520,7 @@
       </p:sp>
       <p:sp>
         <p:nvSpPr>
-          <p:cNvPr id="2015" name="footprint"/>
+          <p:cNvPr id="20615" name="footprint"/>
           <p:cNvSpPr/>
           <p:nvPr/>
         </p:nvSpPr>
@@ -4561,7 +4561,7 @@
       </p:sp>
       <p:sp>
         <p:nvSpPr>
-          <p:cNvPr id="2016" name="footprint"/>
+          <p:cNvPr id="20616" name="footprint"/>
           <p:cNvSpPr/>
           <p:nvPr/>
         </p:nvSpPr>
@@ -4602,7 +4602,7 @@
       </p:sp>
       <p:sp>
         <p:nvSpPr>
-          <p:cNvPr id="2017" name="footprint"/>
+          <p:cNvPr id="20617" name="footprint"/>
           <p:cNvSpPr/>
           <p:nvPr/>
         </p:nvSpPr>
@@ -4643,7 +4643,7 @@
       </p:sp>
       <p:sp>
         <p:nvSpPr>
-          <p:cNvPr id="2018" name="footprint"/>
+          <p:cNvPr id="20618" name="footprint"/>
           <p:cNvSpPr/>
           <p:nvPr/>
         </p:nvSpPr>
@@ -4684,7 +4684,7 @@
       </p:sp>
       <p:sp>
         <p:nvSpPr>
-          <p:cNvPr id="2019" name="footprint"/>
+          <p:cNvPr id="20619" name="footprint"/>
           <p:cNvSpPr/>
           <p:nvPr/>
         </p:nvSpPr>
@@ -4725,7 +4725,7 @@
       </p:sp>
       <p:sp>
         <p:nvSpPr>
-          <p:cNvPr id="2020" name="footprint"/>
+          <p:cNvPr id="20620" name="footprint"/>
           <p:cNvSpPr/>
           <p:nvPr/>
         </p:nvSpPr>
@@ -4766,7 +4766,7 @@
       </p:sp>
       <p:sp>
         <p:nvSpPr>
-          <p:cNvPr id="2021" name="footprint"/>
+          <p:cNvPr id="20621" name="footprint"/>
           <p:cNvSpPr/>
           <p:nvPr/>
         </p:nvSpPr>
@@ -4807,7 +4807,7 @@
       </p:sp>
       <p:sp>
         <p:nvSpPr>
-          <p:cNvPr id="2022" name="footprint"/>
+          <p:cNvPr id="20622" name="footprint"/>
           <p:cNvSpPr/>
           <p:nvPr/>
         </p:nvSpPr>
@@ -4848,7 +4848,7 @@
       </p:sp>
       <p:sp>
         <p:nvSpPr>
-          <p:cNvPr id="2023" name="footprint"/>
+          <p:cNvPr id="20623" name="footprint"/>
           <p:cNvSpPr/>
           <p:nvPr/>
         </p:nvSpPr>
@@ -4889,7 +4889,7 @@
       </p:sp>
       <p:sp>
         <p:nvSpPr>
-          <p:cNvPr id="2024" name="footprint"/>
+          <p:cNvPr id="20624" name="footprint"/>
           <p:cNvSpPr/>
           <p:nvPr/>
         </p:nvSpPr>
@@ -4930,7 +4930,7 @@
       </p:sp>
       <p:sp>
         <p:nvSpPr>
-          <p:cNvPr id="2025" name="footprint"/>
+          <p:cNvPr id="20625" name="footprint"/>
           <p:cNvSpPr/>
           <p:nvPr/>
         </p:nvSpPr>
@@ -4971,7 +4971,7 @@
       </p:sp>
       <p:sp>
         <p:nvSpPr>
-          <p:cNvPr id="2026" name="footprint"/>
+          <p:cNvPr id="20626" name="footprint"/>
           <p:cNvSpPr/>
           <p:nvPr/>
         </p:nvSpPr>
@@ -5012,7 +5012,7 @@
       </p:sp>
       <p:sp>
         <p:nvSpPr>
-          <p:cNvPr id="2027" name="footprint"/>
+          <p:cNvPr id="20627" name="footprint"/>
           <p:cNvSpPr/>
           <p:nvPr/>
         </p:nvSpPr>
@@ -5053,7 +5053,7 @@
       </p:sp>
       <p:sp>
         <p:nvSpPr>
-          <p:cNvPr id="2028" name="footprint"/>
+          <p:cNvPr id="20628" name="footprint"/>
           <p:cNvSpPr/>
           <p:nvPr/>
         </p:nvSpPr>
@@ -5094,7 +5094,7 @@
       </p:sp>
       <p:sp>
         <p:nvSpPr>
-          <p:cNvPr id="2029" name="footprint"/>
+          <p:cNvPr id="20629" name="footprint"/>
           <p:cNvSpPr/>
           <p:nvPr/>
         </p:nvSpPr>
@@ -5135,7 +5135,7 @@
       </p:sp>
       <p:sp>
         <p:nvSpPr>
-          <p:cNvPr id="2030" name="footprint"/>
+          <p:cNvPr id="20630" name="footprint"/>
           <p:cNvSpPr/>
           <p:nvPr/>
         </p:nvSpPr>
@@ -5176,7 +5176,7 @@
       </p:sp>
       <p:sp>
         <p:nvSpPr>
-          <p:cNvPr id="2031" name="footprint"/>
+          <p:cNvPr id="20631" name="footprint"/>
           <p:cNvSpPr/>
           <p:nvPr/>
         </p:nvSpPr>
@@ -5217,7 +5217,7 @@
       </p:sp>
       <p:sp>
         <p:nvSpPr>
-          <p:cNvPr id="2032" name="footprint"/>
+          <p:cNvPr id="20632" name="footprint"/>
           <p:cNvSpPr/>
           <p:nvPr/>
         </p:nvSpPr>
@@ -5258,7 +5258,7 @@
       </p:sp>
       <p:sp>
         <p:nvSpPr>
-          <p:cNvPr id="2033" name="footprint"/>
+          <p:cNvPr id="20633" name="footprint"/>
           <p:cNvSpPr/>
           <p:nvPr/>
         </p:nvSpPr>
@@ -5299,7 +5299,7 @@
       </p:sp>
       <p:sp>
         <p:nvSpPr>
-          <p:cNvPr id="2034" name="footprint"/>
+          <p:cNvPr id="20634" name="footprint"/>
           <p:cNvSpPr/>
           <p:nvPr/>
         </p:nvSpPr>
@@ -5340,7 +5340,7 @@
       </p:sp>
       <p:sp>
         <p:nvSpPr>
-          <p:cNvPr id="2035" name="footprint"/>
+          <p:cNvPr id="20635" name="footprint"/>
           <p:cNvSpPr/>
           <p:nvPr/>
         </p:nvSpPr>
@@ -5381,7 +5381,7 @@
       </p:sp>
       <p:sp>
         <p:nvSpPr>
-          <p:cNvPr id="2036" name="footprint"/>
+          <p:cNvPr id="20636" name="footprint"/>
           <p:cNvSpPr/>
           <p:nvPr/>
         </p:nvSpPr>
@@ -5422,7 +5422,7 @@
       </p:sp>
       <p:sp>
         <p:nvSpPr>
-          <p:cNvPr id="2037" name="footprint"/>
+          <p:cNvPr id="20637" name="footprint"/>
           <p:cNvSpPr/>
           <p:nvPr/>
         </p:nvSpPr>
@@ -5463,7 +5463,7 @@
       </p:sp>
       <p:sp>
         <p:nvSpPr>
-          <p:cNvPr id="2038" name="footprint"/>
+          <p:cNvPr id="20638" name="footprint"/>
           <p:cNvSpPr/>
           <p:nvPr/>
         </p:nvSpPr>
@@ -5504,7 +5504,7 @@
       </p:sp>
       <p:sp>
         <p:nvSpPr>
-          <p:cNvPr id="2039" name="footprint"/>
+          <p:cNvPr id="20639" name="footprint"/>
           <p:cNvSpPr/>
           <p:nvPr/>
         </p:nvSpPr>
@@ -5545,7 +5545,7 @@
       </p:sp>
       <p:sp>
         <p:nvSpPr>
-          <p:cNvPr id="2040" name="footprint"/>
+          <p:cNvPr id="20640" name="footprint"/>
           <p:cNvSpPr/>
           <p:nvPr/>
         </p:nvSpPr>
@@ -5586,7 +5586,7 @@
       </p:sp>
       <p:sp>
         <p:nvSpPr>
-          <p:cNvPr id="2041" name="footprint"/>
+          <p:cNvPr id="20641" name="footprint"/>
           <p:cNvSpPr/>
           <p:nvPr/>
         </p:nvSpPr>
@@ -5627,7 +5627,7 @@
       </p:sp>
       <p:sp>
         <p:nvSpPr>
-          <p:cNvPr id="2042" name="footprint"/>
+          <p:cNvPr id="20642" name="footprint"/>
           <p:cNvSpPr/>
           <p:nvPr/>
         </p:nvSpPr>
@@ -5668,7 +5668,7 @@
       </p:sp>
       <p:sp>
         <p:nvSpPr>
-          <p:cNvPr id="2043" name="footprint"/>
+          <p:cNvPr id="20643" name="footprint"/>
           <p:cNvSpPr/>
           <p:nvPr/>
         </p:nvSpPr>
@@ -5709,7 +5709,7 @@
       </p:sp>
       <p:sp>
         <p:nvSpPr>
-          <p:cNvPr id="2044" name="footprint"/>
+          <p:cNvPr id="20644" name="footprint"/>
           <p:cNvSpPr/>
           <p:nvPr/>
         </p:nvSpPr>
@@ -5750,7 +5750,7 @@
       </p:sp>
       <p:sp>
         <p:nvSpPr>
-          <p:cNvPr id="2045" name="footprint"/>
+          <p:cNvPr id="20645" name="footprint"/>
           <p:cNvSpPr/>
           <p:nvPr/>
         </p:nvSpPr>
@@ -5791,7 +5791,7 @@
       </p:sp>
       <p:sp>
         <p:nvSpPr>
-          <p:cNvPr id="2046" name="footprint"/>
+          <p:cNvPr id="20646" name="footprint"/>
           <p:cNvSpPr/>
           <p:nvPr/>
         </p:nvSpPr>
@@ -5832,7 +5832,7 @@
       </p:sp>
       <p:sp>
         <p:nvSpPr>
-          <p:cNvPr id="2047" name="footprint"/>
+          <p:cNvPr id="20647" name="footprint"/>
           <p:cNvSpPr/>
           <p:nvPr/>
         </p:nvSpPr>
@@ -5873,7 +5873,7 @@
       </p:sp>
       <p:sp>
         <p:nvSpPr>
-          <p:cNvPr id="2048" name="footprint"/>
+          <p:cNvPr id="20648" name="footprint"/>
           <p:cNvSpPr/>
           <p:nvPr/>
         </p:nvSpPr>
@@ -5914,7 +5914,7 @@
       </p:sp>
       <p:sp>
         <p:nvSpPr>
-          <p:cNvPr id="2049" name="footprint"/>
+          <p:cNvPr id="20649" name="footprint"/>
           <p:cNvSpPr/>
           <p:nvPr/>
         </p:nvSpPr>
@@ -5955,7 +5955,7 @@
       </p:sp>
       <p:sp>
         <p:nvSpPr>
-          <p:cNvPr id="2050" name="footprint"/>
+          <p:cNvPr id="20650" name="footprint"/>
           <p:cNvSpPr/>
           <p:nvPr/>
         </p:nvSpPr>
@@ -5996,7 +5996,7 @@
       </p:sp>
       <p:sp>
         <p:nvSpPr>
-          <p:cNvPr id="2051" name="footprint"/>
+          <p:cNvPr id="20651" name="footprint"/>
           <p:cNvSpPr/>
           <p:nvPr/>
         </p:nvSpPr>
@@ -6037,7 +6037,7 @@
       </p:sp>
       <p:sp>
         <p:nvSpPr>
-          <p:cNvPr id="2052" name="footprint"/>
+          <p:cNvPr id="20652" name="footprint"/>
           <p:cNvSpPr/>
           <p:nvPr/>
         </p:nvSpPr>
@@ -6078,7 +6078,7 @@
       </p:sp>
       <p:sp>
         <p:nvSpPr>
-          <p:cNvPr id="2053" name="footprint"/>
+          <p:cNvPr id="20653" name="footprint"/>
           <p:cNvSpPr/>
           <p:nvPr/>
         </p:nvSpPr>
@@ -6119,7 +6119,7 @@
       </p:sp>
       <p:sp>
         <p:nvSpPr>
-          <p:cNvPr id="2054" name="footprint"/>
+          <p:cNvPr id="20654" name="footprint"/>
           <p:cNvSpPr/>
           <p:nvPr/>
         </p:nvSpPr>
@@ -6160,7 +6160,7 @@
       </p:sp>
       <p:sp>
         <p:nvSpPr>
-          <p:cNvPr id="2055" name="footprint"/>
+          <p:cNvPr id="20655" name="footprint"/>
           <p:cNvSpPr/>
           <p:nvPr/>
         </p:nvSpPr>
@@ -6201,7 +6201,7 @@
       </p:sp>
       <p:sp>
         <p:nvSpPr>
-          <p:cNvPr id="2056" name="footprint"/>
+          <p:cNvPr id="20656" name="footprint"/>
           <p:cNvSpPr/>
           <p:nvPr/>
         </p:nvSpPr>
@@ -6242,7 +6242,7 @@
       </p:sp>
       <p:sp>
         <p:nvSpPr>
-          <p:cNvPr id="2057" name="footprint"/>
+          <p:cNvPr id="20657" name="footprint"/>
           <p:cNvSpPr/>
           <p:nvPr/>
         </p:nvSpPr>
@@ -6283,7 +6283,7 @@
       </p:sp>
       <p:sp>
         <p:nvSpPr>
-          <p:cNvPr id="2058" name="footprint"/>
+          <p:cNvPr id="20658" name="footprint"/>
           <p:cNvSpPr/>
           <p:nvPr/>
         </p:nvSpPr>
@@ -6324,7 +6324,7 @@
       </p:sp>
       <p:sp>
         <p:nvSpPr>
-          <p:cNvPr id="2059" name="footprint"/>
+          <p:cNvPr id="20659" name="footprint"/>
           <p:cNvSpPr/>
           <p:nvPr/>
         </p:nvSpPr>
@@ -6365,7 +6365,7 @@
       </p:sp>
       <p:sp>
         <p:nvSpPr>
-          <p:cNvPr id="2060" name="footprint"/>
+          <p:cNvPr id="20660" name="footprint"/>
           <p:cNvSpPr/>
           <p:nvPr/>
         </p:nvSpPr>
@@ -6406,7 +6406,7 @@
       </p:sp>
       <p:sp>
         <p:nvSpPr>
-          <p:cNvPr id="2061" name="footprint"/>
+          <p:cNvPr id="20661" name="footprint"/>
           <p:cNvSpPr/>
           <p:nvPr/>
         </p:nvSpPr>
@@ -6447,7 +6447,7 @@
       </p:sp>
       <p:sp>
         <p:nvSpPr>
-          <p:cNvPr id="2062" name="footprint"/>
+          <p:cNvPr id="20662" name="footprint"/>
           <p:cNvSpPr/>
           <p:nvPr/>
         </p:nvSpPr>
@@ -6488,7 +6488,7 @@
       </p:sp>
       <p:sp>
         <p:nvSpPr>
-          <p:cNvPr id="2063" name="footprint"/>
+          <p:cNvPr id="20663" name="footprint"/>
           <p:cNvSpPr/>
           <p:nvPr/>
         </p:nvSpPr>
@@ -6529,7 +6529,7 @@
       </p:sp>
       <p:sp>
         <p:nvSpPr>
-          <p:cNvPr id="2064" name="footprint"/>
+          <p:cNvPr id="20664" name="footprint"/>
           <p:cNvSpPr/>
           <p:nvPr/>
         </p:nvSpPr>
@@ -6570,7 +6570,7 @@
       </p:sp>
       <p:sp>
         <p:nvSpPr>
-          <p:cNvPr id="2065" name="footprint"/>
+          <p:cNvPr id="20665" name="footprint"/>
           <p:cNvSpPr/>
           <p:nvPr/>
         </p:nvSpPr>
@@ -6611,7 +6611,7 @@
       </p:sp>
       <p:sp>
         <p:nvSpPr>
-          <p:cNvPr id="2066" name="footprint"/>
+          <p:cNvPr id="20666" name="footprint"/>
           <p:cNvSpPr/>
           <p:nvPr/>
         </p:nvSpPr>
@@ -6652,7 +6652,7 @@
       </p:sp>
       <p:sp>
         <p:nvSpPr>
-          <p:cNvPr id="2067" name="footprint"/>
+          <p:cNvPr id="20667" name="footprint"/>
           <p:cNvSpPr/>
           <p:nvPr/>
         </p:nvSpPr>
@@ -6693,7 +6693,7 @@
       </p:sp>
       <p:sp>
         <p:nvSpPr>
-          <p:cNvPr id="2068" name="footprint"/>
+          <p:cNvPr id="20668" name="footprint"/>
           <p:cNvSpPr/>
           <p:nvPr/>
         </p:nvSpPr>
@@ -6734,7 +6734,7 @@
       </p:sp>
       <p:sp>
         <p:nvSpPr>
-          <p:cNvPr id="2069" name="footprint"/>
+          <p:cNvPr id="20669" name="footprint"/>
           <p:cNvSpPr/>
           <p:nvPr/>
         </p:nvSpPr>
@@ -6775,7 +6775,7 @@
       </p:sp>
       <p:sp>
         <p:nvSpPr>
-          <p:cNvPr id="2070" name="footprint"/>
+          <p:cNvPr id="20670" name="footprint"/>
           <p:cNvSpPr/>
           <p:nvPr/>
         </p:nvSpPr>
@@ -6816,7 +6816,7 @@
       </p:sp>
       <p:sp>
         <p:nvSpPr>
-          <p:cNvPr id="2071" name="footprint"/>
+          <p:cNvPr id="20671" name="footprint"/>
           <p:cNvSpPr/>
           <p:nvPr/>
         </p:nvSpPr>
@@ -6857,7 +6857,7 @@
       </p:sp>
       <p:sp>
         <p:nvSpPr>
-          <p:cNvPr id="2072" name="footprint"/>
+          <p:cNvPr id="20672" name="footprint"/>
           <p:cNvSpPr/>
           <p:nvPr/>
         </p:nvSpPr>
@@ -6898,7 +6898,7 @@
       </p:sp>
       <p:sp>
         <p:nvSpPr>
-          <p:cNvPr id="2073" name="footprint"/>
+          <p:cNvPr id="20673" name="footprint"/>
           <p:cNvSpPr/>
           <p:nvPr/>
         </p:nvSpPr>
@@ -6939,7 +6939,7 @@
       </p:sp>
       <p:sp>
         <p:nvSpPr>
-          <p:cNvPr id="2074" name="footprint"/>
+          <p:cNvPr id="20674" name="footprint"/>
           <p:cNvSpPr/>
           <p:nvPr/>
         </p:nvSpPr>
@@ -6980,7 +6980,7 @@
       </p:sp>
       <p:sp>
         <p:nvSpPr>
-          <p:cNvPr id="2075" name="footprint"/>
+          <p:cNvPr id="20675" name="footprint"/>
           <p:cNvSpPr/>
           <p:nvPr/>
         </p:nvSpPr>
@@ -7021,7 +7021,7 @@
       </p:sp>
       <p:sp>
         <p:nvSpPr>
-          <p:cNvPr id="2076" name="footprint"/>
+          <p:cNvPr id="20676" name="footprint"/>
           <p:cNvSpPr/>
           <p:nvPr/>
         </p:nvSpPr>
@@ -7062,7 +7062,7 @@
       </p:sp>
       <p:sp>
         <p:nvSpPr>
-          <p:cNvPr id="2077" name="footprint"/>
+          <p:cNvPr id="20677" name="footprint"/>
           <p:cNvSpPr/>
           <p:nvPr/>
         </p:nvSpPr>
@@ -7103,7 +7103,7 @@
       </p:sp>
       <p:sp>
         <p:nvSpPr>
-          <p:cNvPr id="2078" name="footprint"/>
+          <p:cNvPr id="20678" name="footprint"/>
           <p:cNvSpPr/>
           <p:nvPr/>
         </p:nvSpPr>
@@ -7144,7 +7144,7 @@
       </p:sp>
       <p:sp>
         <p:nvSpPr>
-          <p:cNvPr id="2079" name="footprint"/>
+          <p:cNvPr id="20679" name="footprint"/>
           <p:cNvSpPr/>
           <p:nvPr/>
         </p:nvSpPr>
@@ -7185,7 +7185,7 @@
       </p:sp>
       <p:sp>
         <p:nvSpPr>
-          <p:cNvPr id="2080" name="footprint"/>
+          <p:cNvPr id="20680" name="footprint"/>
           <p:cNvSpPr/>
           <p:nvPr/>
         </p:nvSpPr>
@@ -7226,7 +7226,7 @@
       </p:sp>
       <p:sp>
         <p:nvSpPr>
-          <p:cNvPr id="2081" name="footprint"/>
+          <p:cNvPr id="20681" name="footprint"/>
           <p:cNvSpPr/>
           <p:nvPr/>
         </p:nvSpPr>
@@ -7267,7 +7267,7 @@
       </p:sp>
       <p:sp>
         <p:nvSpPr>
-          <p:cNvPr id="2082" name="footprint"/>
+          <p:cNvPr id="20682" name="footprint"/>
           <p:cNvSpPr/>
           <p:nvPr/>
         </p:nvSpPr>
@@ -7308,7 +7308,7 @@
       </p:sp>
       <p:sp>
         <p:nvSpPr>
-          <p:cNvPr id="2083" name="footprint"/>
+          <p:cNvPr id="20683" name="footprint"/>
           <p:cNvSpPr/>
           <p:nvPr/>
         </p:nvSpPr>
@@ -7349,7 +7349,7 @@
       </p:sp>
       <p:sp>
         <p:nvSpPr>
-          <p:cNvPr id="2084" name="footprint"/>
+          <p:cNvPr id="20684" name="footprint"/>
           <p:cNvSpPr/>
           <p:nvPr/>
         </p:nvSpPr>
@@ -7390,7 +7390,7 @@
       </p:sp>
       <p:sp>
         <p:nvSpPr>
-          <p:cNvPr id="2085" name="footprint"/>
+          <p:cNvPr id="20685" name="footprint"/>
           <p:cNvSpPr/>
           <p:nvPr/>
         </p:nvSpPr>
@@ -7431,7 +7431,7 @@
       </p:sp>
       <p:sp>
         <p:nvSpPr>
-          <p:cNvPr id="2086" name="footprint"/>
+          <p:cNvPr id="20686" name="footprint"/>
           <p:cNvSpPr/>
           <p:nvPr/>
         </p:nvSpPr>
@@ -7472,7 +7472,7 @@
       </p:sp>
       <p:sp>
         <p:nvSpPr>
-          <p:cNvPr id="2087" name="footprint"/>
+          <p:cNvPr id="20687" name="footprint"/>
           <p:cNvSpPr/>
           <p:nvPr/>
         </p:nvSpPr>
@@ -7513,7 +7513,7 @@
       </p:sp>
       <p:sp>
         <p:nvSpPr>
-          <p:cNvPr id="2088" name="footprint"/>
+          <p:cNvPr id="20688" name="footprint"/>
           <p:cNvSpPr/>
           <p:nvPr/>
         </p:nvSpPr>
@@ -7554,7 +7554,7 @@
       </p:sp>
       <p:sp>
         <p:nvSpPr>
-          <p:cNvPr id="2089" name="footprint"/>
+          <p:cNvPr id="20689" name="footprint"/>
           <p:cNvSpPr/>
           <p:nvPr/>
         </p:nvSpPr>
@@ -7595,7 +7595,7 @@
       </p:sp>
       <p:sp>
         <p:nvSpPr>
-          <p:cNvPr id="2090" name="footprint"/>
+          <p:cNvPr id="20690" name="footprint"/>
           <p:cNvSpPr/>
           <p:nvPr/>
         </p:nvSpPr>
@@ -7636,7 +7636,7 @@
       </p:sp>
       <p:sp>
         <p:nvSpPr>
-          <p:cNvPr id="2091" name="footprint"/>
+          <p:cNvPr id="20691" name="footprint"/>
           <p:cNvSpPr/>
           <p:nvPr/>
         </p:nvSpPr>
@@ -7677,7 +7677,7 @@
       </p:sp>
       <p:sp>
         <p:nvSpPr>
-          <p:cNvPr id="2092" name="footprint"/>
+          <p:cNvPr id="20692" name="footprint"/>
           <p:cNvSpPr/>
           <p:nvPr/>
         </p:nvSpPr>
@@ -7718,7 +7718,7 @@
       </p:sp>
       <p:sp>
         <p:nvSpPr>
-          <p:cNvPr id="2093" name="footprint"/>
+          <p:cNvPr id="20693" name="footprint"/>
           <p:cNvSpPr/>
           <p:nvPr/>
         </p:nvSpPr>
@@ -7759,7 +7759,7 @@
       </p:sp>
       <p:sp>
         <p:nvSpPr>
-          <p:cNvPr id="2094" name="footprint"/>
+          <p:cNvPr id="20694" name="footprint"/>
           <p:cNvSpPr/>
           <p:nvPr/>
         </p:nvSpPr>
@@ -7800,7 +7800,7 @@
       </p:sp>
       <p:sp>
         <p:nvSpPr>
-          <p:cNvPr id="2095" name="footprint"/>
+          <p:cNvPr id="20695" name="footprint"/>
           <p:cNvSpPr/>
           <p:nvPr/>
         </p:nvSpPr>
@@ -7841,7 +7841,7 @@
       </p:sp>
       <p:sp>
         <p:nvSpPr>
-          <p:cNvPr id="2096" name="footprint"/>
+          <p:cNvPr id="20696" name="footprint"/>
           <p:cNvSpPr/>
           <p:nvPr/>
         </p:nvSpPr>
@@ -7882,7 +7882,7 @@
       </p:sp>
       <p:sp>
         <p:nvSpPr>
-          <p:cNvPr id="2097" name="footprint"/>
+          <p:cNvPr id="20697" name="footprint"/>
           <p:cNvSpPr/>
           <p:nvPr/>
         </p:nvSpPr>
@@ -7923,7 +7923,7 @@
       </p:sp>
       <p:sp>
         <p:nvSpPr>
-          <p:cNvPr id="2098" name="footprint"/>
+          <p:cNvPr id="20698" name="footprint"/>
           <p:cNvSpPr/>
           <p:nvPr/>
         </p:nvSpPr>
@@ -7964,7 +7964,7 @@
       </p:sp>
       <p:sp>
         <p:nvSpPr>
-          <p:cNvPr id="2099" name="footprint"/>
+          <p:cNvPr id="20699" name="footprint"/>
           <p:cNvSpPr/>
           <p:nvPr/>
         </p:nvSpPr>
@@ -8005,7 +8005,7 @@
       </p:sp>
       <p:sp>
         <p:nvSpPr>
-          <p:cNvPr id="2100" name="footprint"/>
+          <p:cNvPr id="20700" name="footprint"/>
           <p:cNvSpPr/>
           <p:nvPr/>
         </p:nvSpPr>
@@ -8046,7 +8046,7 @@
       </p:sp>
       <p:sp>
         <p:nvSpPr>
-          <p:cNvPr id="2101" name="footprint"/>
+          <p:cNvPr id="20701" name="footprint"/>
           <p:cNvSpPr/>
           <p:nvPr/>
         </p:nvSpPr>
@@ -8087,7 +8087,7 @@
       </p:sp>
       <p:sp>
         <p:nvSpPr>
-          <p:cNvPr id="2102" name="footprint"/>
+          <p:cNvPr id="20702" name="footprint"/>
           <p:cNvSpPr/>
           <p:nvPr/>
         </p:nvSpPr>
@@ -8128,7 +8128,7 @@
       </p:sp>
       <p:sp>
         <p:nvSpPr>
-          <p:cNvPr id="2103" name="footprint"/>
+          <p:cNvPr id="20703" name="footprint"/>
           <p:cNvSpPr/>
           <p:nvPr/>
         </p:nvSpPr>
@@ -8169,7 +8169,7 @@
       </p:sp>
       <p:sp>
         <p:nvSpPr>
-          <p:cNvPr id="2104" name="footprint"/>
+          <p:cNvPr id="20704" name="footprint"/>
           <p:cNvSpPr/>
           <p:nvPr/>
         </p:nvSpPr>
@@ -8210,7 +8210,7 @@
       </p:sp>
       <p:sp>
         <p:nvSpPr>
-          <p:cNvPr id="2105" name="footprint"/>
+          <p:cNvPr id="20705" name="footprint"/>
           <p:cNvSpPr/>
           <p:nvPr/>
         </p:nvSpPr>
@@ -8251,7 +8251,7 @@
       </p:sp>
       <p:sp>
         <p:nvSpPr>
-          <p:cNvPr id="2106" name="footprint"/>
+          <p:cNvPr id="20706" name="footprint"/>
           <p:cNvSpPr/>
           <p:nvPr/>
         </p:nvSpPr>
@@ -8292,7 +8292,7 @@
       </p:sp>
       <p:sp>
         <p:nvSpPr>
-          <p:cNvPr id="2107" name="footprint"/>
+          <p:cNvPr id="20707" name="footprint"/>
           <p:cNvSpPr/>
           <p:nvPr/>
         </p:nvSpPr>
@@ -8333,7 +8333,7 @@
       </p:sp>
       <p:sp>
         <p:nvSpPr>
-          <p:cNvPr id="2108" name="footprint"/>
+          <p:cNvPr id="20708" name="footprint"/>
           <p:cNvSpPr/>
           <p:nvPr/>
         </p:nvSpPr>
@@ -8374,7 +8374,7 @@
       </p:sp>
       <p:sp>
         <p:nvSpPr>
-          <p:cNvPr id="2109" name="footprint"/>
+          <p:cNvPr id="20709" name="footprint"/>
           <p:cNvSpPr/>
           <p:nvPr/>
         </p:nvSpPr>
@@ -8415,7 +8415,7 @@
       </p:sp>
       <p:sp>
         <p:nvSpPr>
-          <p:cNvPr id="2110" name="footprint"/>
+          <p:cNvPr id="20710" name="footprint"/>
           <p:cNvSpPr/>
           <p:nvPr/>
         </p:nvSpPr>
@@ -8456,7 +8456,7 @@
       </p:sp>
       <p:sp>
         <p:nvSpPr>
-          <p:cNvPr id="2111" name="footprint"/>
+          <p:cNvPr id="20711" name="footprint"/>
           <p:cNvSpPr/>
           <p:nvPr/>
         </p:nvSpPr>
@@ -8497,7 +8497,7 @@
       </p:sp>
       <p:sp>
         <p:nvSpPr>
-          <p:cNvPr id="2112" name="footprint"/>
+          <p:cNvPr id="20712" name="footprint"/>
           <p:cNvSpPr/>
           <p:nvPr/>
         </p:nvSpPr>
@@ -8538,7 +8538,7 @@
       </p:sp>
       <p:sp>
         <p:nvSpPr>
-          <p:cNvPr id="2113" name="footprint"/>
+          <p:cNvPr id="20713" name="footprint"/>
           <p:cNvSpPr/>
           <p:nvPr/>
         </p:nvSpPr>
@@ -8579,7 +8579,7 @@
       </p:sp>
       <p:sp>
         <p:nvSpPr>
-          <p:cNvPr id="2114" name="footprint"/>
+          <p:cNvPr id="20714" name="footprint"/>
           <p:cNvSpPr/>
           <p:nvPr/>
         </p:nvSpPr>
@@ -8620,7 +8620,7 @@
       </p:sp>
       <p:sp>
         <p:nvSpPr>
-          <p:cNvPr id="2115" name="footprint"/>
+          <p:cNvPr id="20715" name="footprint"/>
           <p:cNvSpPr/>
           <p:nvPr/>
         </p:nvSpPr>
@@ -8661,7 +8661,7 @@
       </p:sp>
       <p:sp>
         <p:nvSpPr>
-          <p:cNvPr id="2116" name="footprint"/>
+          <p:cNvPr id="20716" name="footprint"/>
           <p:cNvSpPr/>
           <p:nvPr/>
         </p:nvSpPr>
@@ -8702,7 +8702,7 @@
       </p:sp>
       <p:sp>
         <p:nvSpPr>
-          <p:cNvPr id="2117" name="footprint"/>
+          <p:cNvPr id="20717" name="footprint"/>
           <p:cNvSpPr/>
           <p:nvPr/>
         </p:nvSpPr>
@@ -8743,7 +8743,7 @@
       </p:sp>
       <p:sp>
         <p:nvSpPr>
-          <p:cNvPr id="2118" name="footprint"/>
+          <p:cNvPr id="20718" name="footprint"/>
           <p:cNvSpPr/>
           <p:nvPr/>
         </p:nvSpPr>
@@ -8784,7 +8784,7 @@
       </p:sp>
       <p:sp>
         <p:nvSpPr>
-          <p:cNvPr id="2119" name="footprint"/>
+          <p:cNvPr id="20719" name="footprint"/>
           <p:cNvSpPr/>
           <p:nvPr/>
         </p:nvSpPr>
@@ -8825,7 +8825,7 @@
       </p:sp>
       <p:sp>
         <p:nvSpPr>
-          <p:cNvPr id="2120" name="footprint"/>
+          <p:cNvPr id="20720" name="footprint"/>
           <p:cNvSpPr/>
           <p:nvPr/>
         </p:nvSpPr>
@@ -8866,7 +8866,7 @@
       </p:sp>
       <p:sp>
         <p:nvSpPr>
-          <p:cNvPr id="2121" name="footprint"/>
+          <p:cNvPr id="20721" name="footprint"/>
           <p:cNvSpPr/>
           <p:nvPr/>
         </p:nvSpPr>
@@ -8907,7 +8907,7 @@
       </p:sp>
       <p:sp>
         <p:nvSpPr>
-          <p:cNvPr id="2122" name="footprint"/>
+          <p:cNvPr id="20722" name="footprint"/>
           <p:cNvSpPr/>
           <p:nvPr/>
         </p:nvSpPr>
@@ -8948,7 +8948,7 @@
       </p:sp>
       <p:sp>
         <p:nvSpPr>
-          <p:cNvPr id="2123" name="footprint"/>
+          <p:cNvPr id="20723" name="footprint"/>
           <p:cNvSpPr/>
           <p:nvPr/>
         </p:nvSpPr>
@@ -8989,7 +8989,7 @@
       </p:sp>
       <p:sp>
         <p:nvSpPr>
-          <p:cNvPr id="2124" name="footprint"/>
+          <p:cNvPr id="20724" name="footprint"/>
           <p:cNvSpPr/>
           <p:nvPr/>
         </p:nvSpPr>
@@ -9030,7 +9030,7 @@
       </p:sp>
       <p:sp>
         <p:nvSpPr>
-          <p:cNvPr id="2125" name="footprint"/>
+          <p:cNvPr id="20725" name="footprint"/>
           <p:cNvSpPr/>
           <p:nvPr/>
         </p:nvSpPr>
@@ -9071,7 +9071,7 @@
       </p:sp>
       <p:sp>
         <p:nvSpPr>
-          <p:cNvPr id="2126" name="footprint"/>
+          <p:cNvPr id="20726" name="footprint"/>
           <p:cNvSpPr/>
           <p:nvPr/>
         </p:nvSpPr>
@@ -9112,7 +9112,7 @@
       </p:sp>
       <p:sp>
         <p:nvSpPr>
-          <p:cNvPr id="2127" name="footprint"/>
+          <p:cNvPr id="20727" name="footprint"/>
           <p:cNvSpPr/>
           <p:nvPr/>
         </p:nvSpPr>
@@ -9153,7 +9153,7 @@
       </p:sp>
       <p:sp>
         <p:nvSpPr>
-          <p:cNvPr id="2128" name="footprint"/>
+          <p:cNvPr id="20728" name="footprint"/>
           <p:cNvSpPr/>
           <p:nvPr/>
         </p:nvSpPr>
@@ -9194,7 +9194,7 @@
       </p:sp>
       <p:sp>
         <p:nvSpPr>
-          <p:cNvPr id="2129" name="footprint"/>
+          <p:cNvPr id="20729" name="footprint"/>
           <p:cNvSpPr/>
           <p:nvPr/>
         </p:nvSpPr>
@@ -9235,7 +9235,7 @@
       </p:sp>
       <p:sp>
         <p:nvSpPr>
-          <p:cNvPr id="2130" name="footprint"/>
+          <p:cNvPr id="20730" name="footprint"/>
           <p:cNvSpPr/>
           <p:nvPr/>
         </p:nvSpPr>
@@ -9276,7 +9276,7 @@
       </p:sp>
       <p:sp>
         <p:nvSpPr>
-          <p:cNvPr id="2131" name="footprint"/>
+          <p:cNvPr id="20731" name="footprint"/>
           <p:cNvSpPr/>
           <p:nvPr/>
         </p:nvSpPr>
@@ -9317,7 +9317,7 @@
       </p:sp>
       <p:sp>
         <p:nvSpPr>
-          <p:cNvPr id="2132" name="footprint"/>
+          <p:cNvPr id="20732" name="footprint"/>
           <p:cNvSpPr/>
           <p:nvPr/>
         </p:nvSpPr>
@@ -9358,7 +9358,7 @@
       </p:sp>
       <p:sp>
         <p:nvSpPr>
-          <p:cNvPr id="2133" name="footprint"/>
+          <p:cNvPr id="20733" name="footprint"/>
           <p:cNvSpPr/>
           <p:nvPr/>
         </p:nvSpPr>
@@ -9399,7 +9399,7 @@
       </p:sp>
       <p:sp>
         <p:nvSpPr>
-          <p:cNvPr id="2134" name="footprint"/>
+          <p:cNvPr id="20734" name="footprint"/>
           <p:cNvSpPr/>
           <p:nvPr/>
         </p:nvSpPr>
@@ -9440,7 +9440,7 @@
       </p:sp>
       <p:sp>
         <p:nvSpPr>
-          <p:cNvPr id="2135" name="footprint"/>
+          <p:cNvPr id="20735" name="footprint"/>
           <p:cNvSpPr/>
           <p:nvPr/>
         </p:nvSpPr>
@@ -9481,7 +9481,7 @@
       </p:sp>
       <p:sp>
         <p:nvSpPr>
-          <p:cNvPr id="2136" name="footprint"/>
+          <p:cNvPr id="20736" name="footprint"/>
           <p:cNvSpPr/>
           <p:nvPr/>
         </p:nvSpPr>
@@ -9522,7 +9522,7 @@
       </p:sp>
       <p:sp>
         <p:nvSpPr>
-          <p:cNvPr id="2137" name="footprint"/>
+          <p:cNvPr id="20737" name="footprint"/>
           <p:cNvSpPr/>
           <p:nvPr/>
         </p:nvSpPr>
@@ -9563,7 +9563,7 @@
       </p:sp>
       <p:sp>
         <p:nvSpPr>
-          <p:cNvPr id="2138" name="footprint"/>
+          <p:cNvPr id="20738" name="footprint"/>
           <p:cNvSpPr/>
           <p:nvPr/>
         </p:nvSpPr>
@@ -9604,7 +9604,7 @@
       </p:sp>
       <p:sp>
         <p:nvSpPr>
-          <p:cNvPr id="2139" name="footprint"/>
+          <p:cNvPr id="20739" name="footprint"/>
           <p:cNvSpPr/>
           <p:nvPr/>
         </p:nvSpPr>
@@ -9645,7 +9645,7 @@
       </p:sp>
       <p:sp>
         <p:nvSpPr>
-          <p:cNvPr id="2140" name="footprint"/>
+          <p:cNvPr id="20740" name="footprint"/>
           <p:cNvSpPr/>
           <p:nvPr/>
         </p:nvSpPr>
@@ -9686,7 +9686,7 @@
       </p:sp>
       <p:sp>
         <p:nvSpPr>
-          <p:cNvPr id="2141" name="footprint"/>
+          <p:cNvPr id="20741" name="footprint"/>
           <p:cNvSpPr/>
           <p:nvPr/>
         </p:nvSpPr>
@@ -9727,7 +9727,7 @@
       </p:sp>
       <p:sp>
         <p:nvSpPr>
-          <p:cNvPr id="2142" name="footprint"/>
+          <p:cNvPr id="20742" name="footprint"/>
           <p:cNvSpPr/>
           <p:nvPr/>
         </p:nvSpPr>
@@ -9768,7 +9768,7 @@
       </p:sp>
       <p:sp>
         <p:nvSpPr>
-          <p:cNvPr id="2143" name="footprint"/>
+          <p:cNvPr id="20743" name="footprint"/>
           <p:cNvSpPr/>
           <p:nvPr/>
         </p:nvSpPr>
@@ -9809,7 +9809,7 @@
       </p:sp>
       <p:sp>
         <p:nvSpPr>
-          <p:cNvPr id="2144" name="footprint"/>
+          <p:cNvPr id="20744" name="footprint"/>
           <p:cNvSpPr/>
           <p:nvPr/>
         </p:nvSpPr>
@@ -9850,7 +9850,7 @@
       </p:sp>
       <p:sp>
         <p:nvSpPr>
-          <p:cNvPr id="2145" name="footprint"/>
+          <p:cNvPr id="20745" name="footprint"/>
           <p:cNvSpPr/>
           <p:nvPr/>
         </p:nvSpPr>
@@ -9891,7 +9891,7 @@
       </p:sp>
       <p:sp>
         <p:nvSpPr>
-          <p:cNvPr id="2146" name="footprint"/>
+          <p:cNvPr id="20746" name="footprint"/>
           <p:cNvSpPr/>
           <p:nvPr/>
         </p:nvSpPr>
@@ -9932,7 +9932,7 @@
       </p:sp>
       <p:sp>
         <p:nvSpPr>
-          <p:cNvPr id="2147" name="footprint"/>
+          <p:cNvPr id="20747" name="footprint"/>
           <p:cNvSpPr/>
           <p:nvPr/>
         </p:nvSpPr>
@@ -9973,7 +9973,7 @@
       </p:sp>
       <p:sp>
         <p:nvSpPr>
-          <p:cNvPr id="2148" name="footprint"/>
+          <p:cNvPr id="20748" name="footprint"/>
           <p:cNvSpPr/>
           <p:nvPr/>
         </p:nvSpPr>
@@ -10014,7 +10014,7 @@
       </p:sp>
       <p:sp>
         <p:nvSpPr>
-          <p:cNvPr id="2149" name="footprint"/>
+          <p:cNvPr id="20749" name="footprint"/>
           <p:cNvSpPr/>
           <p:nvPr/>
         </p:nvSpPr>
@@ -10055,7 +10055,7 @@
       </p:sp>
       <p:sp>
         <p:nvSpPr>
-          <p:cNvPr id="2150" name="footprint"/>
+          <p:cNvPr id="20750" name="footprint"/>
           <p:cNvSpPr/>
           <p:nvPr/>
         </p:nvSpPr>
@@ -10096,7 +10096,7 @@
       </p:sp>
       <p:sp>
         <p:nvSpPr>
-          <p:cNvPr id="2151" name="footprint"/>
+          <p:cNvPr id="20751" name="footprint"/>
           <p:cNvSpPr/>
           <p:nvPr/>
         </p:nvSpPr>
@@ -10137,7 +10137,7 @@
       </p:sp>
       <p:sp>
         <p:nvSpPr>
-          <p:cNvPr id="2152" name="footprint"/>
+          <p:cNvPr id="20752" name="footprint"/>
           <p:cNvSpPr/>
           <p:nvPr/>
         </p:nvSpPr>
@@ -10178,7 +10178,7 @@
       </p:sp>
       <p:sp>
         <p:nvSpPr>
-          <p:cNvPr id="2153" name="footprint"/>
+          <p:cNvPr id="20753" name="footprint"/>
           <p:cNvSpPr/>
           <p:nvPr/>
         </p:nvSpPr>
@@ -10219,7 +10219,7 @@
       </p:sp>
       <p:sp>
         <p:nvSpPr>
-          <p:cNvPr id="2154" name="footprint"/>
+          <p:cNvPr id="20754" name="footprint"/>
           <p:cNvSpPr/>
           <p:nvPr/>
         </p:nvSpPr>
@@ -10260,7 +10260,7 @@
       </p:sp>
       <p:sp>
         <p:nvSpPr>
-          <p:cNvPr id="2155" name="footprint"/>
+          <p:cNvPr id="20755" name="footprint"/>
           <p:cNvSpPr/>
           <p:nvPr/>
         </p:nvSpPr>
@@ -10301,7 +10301,7 @@
       </p:sp>
       <p:sp>
         <p:nvSpPr>
-          <p:cNvPr id="2156" name="footprint"/>
+          <p:cNvPr id="20756" name="footprint"/>
           <p:cNvSpPr/>
           <p:nvPr/>
         </p:nvSpPr>
@@ -10342,7 +10342,7 @@
       </p:sp>
       <p:sp>
         <p:nvSpPr>
-          <p:cNvPr id="2157" name="footprint"/>
+          <p:cNvPr id="20757" name="footprint"/>
           <p:cNvSpPr/>
           <p:nvPr/>
         </p:nvSpPr>
@@ -10383,7 +10383,7 @@
       </p:sp>
       <p:sp>
         <p:nvSpPr>
-          <p:cNvPr id="2158" name="footprint"/>
+          <p:cNvPr id="20758" name="footprint"/>
           <p:cNvSpPr/>
           <p:nvPr/>
         </p:nvSpPr>
@@ -10424,7 +10424,7 @@
       </p:sp>
       <p:sp>
         <p:nvSpPr>
-          <p:cNvPr id="2159" name="footprint"/>
+          <p:cNvPr id="20759" name="footprint"/>
           <p:cNvSpPr/>
           <p:nvPr/>
         </p:nvSpPr>
@@ -10465,7 +10465,7 @@
       </p:sp>
       <p:sp>
         <p:nvSpPr>
-          <p:cNvPr id="2160" name="footprint"/>
+          <p:cNvPr id="20760" name="footprint"/>
           <p:cNvSpPr/>
           <p:nvPr/>
         </p:nvSpPr>
@@ -10506,7 +10506,7 @@
       </p:sp>
       <p:sp>
         <p:nvSpPr>
-          <p:cNvPr id="2161" name="footprint"/>
+          <p:cNvPr id="20761" name="footprint"/>
           <p:cNvSpPr/>
           <p:nvPr/>
         </p:nvSpPr>
@@ -10547,7 +10547,7 @@
       </p:sp>
       <p:sp>
         <p:nvSpPr>
-          <p:cNvPr id="2162" name="footprint"/>
+          <p:cNvPr id="20762" name="footprint"/>
           <p:cNvSpPr/>
           <p:nvPr/>
         </p:nvSpPr>
@@ -10588,7 +10588,7 @@
       </p:sp>
       <p:sp>
         <p:nvSpPr>
-          <p:cNvPr id="2163" name="footprint"/>
+          <p:cNvPr id="20763" name="footprint"/>
           <p:cNvSpPr/>
           <p:nvPr/>
         </p:nvSpPr>
@@ -10629,7 +10629,7 @@
       </p:sp>
       <p:sp>
         <p:nvSpPr>
-          <p:cNvPr id="2164" name="footprint"/>
+          <p:cNvPr id="20764" name="footprint"/>
           <p:cNvSpPr/>
           <p:nvPr/>
         </p:nvSpPr>
@@ -10670,7 +10670,7 @@
       </p:sp>
       <p:sp>
         <p:nvSpPr>
-          <p:cNvPr id="2165" name="footprint"/>
+          <p:cNvPr id="20765" name="footprint"/>
           <p:cNvSpPr/>
           <p:nvPr/>
         </p:nvSpPr>
@@ -10711,7 +10711,7 @@
       </p:sp>
       <p:sp>
         <p:nvSpPr>
-          <p:cNvPr id="2166" name="footprint"/>
+          <p:cNvPr id="20766" name="footprint"/>
           <p:cNvSpPr/>
           <p:nvPr/>
         </p:nvSpPr>
@@ -10752,7 +10752,7 @@
       </p:sp>
       <p:sp>
         <p:nvSpPr>
-          <p:cNvPr id="2167" name="footprint"/>
+          <p:cNvPr id="20767" name="footprint"/>
           <p:cNvSpPr/>
           <p:nvPr/>
         </p:nvSpPr>
@@ -10793,7 +10793,7 @@
       </p:sp>
       <p:sp>
         <p:nvSpPr>
-          <p:cNvPr id="2168" name="footprint"/>
+          <p:cNvPr id="20768" name="footprint"/>
           <p:cNvSpPr/>
           <p:nvPr/>
         </p:nvSpPr>
@@ -10834,7 +10834,7 @@
       </p:sp>
       <p:sp>
         <p:nvSpPr>
-          <p:cNvPr id="2169" name="footprint"/>
+          <p:cNvPr id="20769" name="footprint"/>
           <p:cNvSpPr/>
           <p:nvPr/>
         </p:nvSpPr>
@@ -10875,7 +10875,7 @@
       </p:sp>
       <p:sp>
         <p:nvSpPr>
-          <p:cNvPr id="2170" name="footprint"/>
+          <p:cNvPr id="20770" name="footprint"/>
           <p:cNvSpPr/>
           <p:nvPr/>
         </p:nvSpPr>
@@ -10916,7 +10916,7 @@
       </p:sp>
       <p:sp>
         <p:nvSpPr>
-          <p:cNvPr id="2171" name="footprint"/>
+          <p:cNvPr id="20771" name="footprint"/>
           <p:cNvSpPr/>
           <p:nvPr/>
         </p:nvSpPr>
@@ -10957,7 +10957,7 @@
       </p:sp>
       <p:sp>
         <p:nvSpPr>
-          <p:cNvPr id="2172" name="footprint"/>
+          <p:cNvPr id="20772" name="footprint"/>
           <p:cNvSpPr/>
           <p:nvPr/>
         </p:nvSpPr>
@@ -10998,7 +10998,7 @@
       </p:sp>
       <p:sp>
         <p:nvSpPr>
-          <p:cNvPr id="2173" name="footprint"/>
+          <p:cNvPr id="20773" name="footprint"/>
           <p:cNvSpPr/>
           <p:nvPr/>
         </p:nvSpPr>
@@ -11039,7 +11039,7 @@
       </p:sp>
       <p:sp>
         <p:nvSpPr>
-          <p:cNvPr id="2174" name="footprint"/>
+          <p:cNvPr id="20774" name="footprint"/>
           <p:cNvSpPr/>
           <p:nvPr/>
         </p:nvSpPr>
@@ -11080,7 +11080,7 @@
       </p:sp>
       <p:sp>
         <p:nvSpPr>
-          <p:cNvPr id="2175" name="footprint"/>
+          <p:cNvPr id="20775" name="footprint"/>
           <p:cNvSpPr/>
           <p:nvPr/>
         </p:nvSpPr>
@@ -11121,7 +11121,7 @@
       </p:sp>
       <p:sp>
         <p:nvSpPr>
-          <p:cNvPr id="2176" name="footprint"/>
+          <p:cNvPr id="20776" name="footprint"/>
           <p:cNvSpPr/>
           <p:nvPr/>
         </p:nvSpPr>
@@ -11162,7 +11162,7 @@
       </p:sp>
       <p:sp>
         <p:nvSpPr>
-          <p:cNvPr id="2177" name="footprint"/>
+          <p:cNvPr id="20777" name="footprint"/>
           <p:cNvSpPr/>
           <p:nvPr/>
         </p:nvSpPr>
@@ -11203,7 +11203,7 @@
       </p:sp>
       <p:sp>
         <p:nvSpPr>
-          <p:cNvPr id="2178" name="footprint"/>
+          <p:cNvPr id="20778" name="footprint"/>
           <p:cNvSpPr/>
           <p:nvPr/>
         </p:nvSpPr>
@@ -11244,7 +11244,7 @@
       </p:sp>
       <p:sp>
         <p:nvSpPr>
-          <p:cNvPr id="2179" name="footprint"/>
+          <p:cNvPr id="20779" name="footprint"/>
           <p:cNvSpPr/>
           <p:nvPr/>
         </p:nvSpPr>
@@ -11285,7 +11285,7 @@
       </p:sp>
       <p:sp>
         <p:nvSpPr>
-          <p:cNvPr id="2180" name="footprint"/>
+          <p:cNvPr id="20780" name="footprint"/>
           <p:cNvSpPr/>
           <p:nvPr/>
         </p:nvSpPr>
@@ -11326,7 +11326,7 @@
       </p:sp>
       <p:sp>
         <p:nvSpPr>
-          <p:cNvPr id="2181" name="footprint"/>
+          <p:cNvPr id="20781" name="footprint"/>
           <p:cNvSpPr/>
           <p:nvPr/>
         </p:nvSpPr>
@@ -11367,7 +11367,7 @@
       </p:sp>
       <p:sp>
         <p:nvSpPr>
-          <p:cNvPr id="2182" name="footprint"/>
+          <p:cNvPr id="20782" name="footprint"/>
           <p:cNvSpPr/>
           <p:nvPr/>
         </p:nvSpPr>
@@ -11408,7 +11408,7 @@
       </p:sp>
       <p:sp>
         <p:nvSpPr>
-          <p:cNvPr id="2183" name="footprint"/>
+          <p:cNvPr id="20783" name="footprint"/>
           <p:cNvSpPr/>
           <p:nvPr/>
         </p:nvSpPr>
@@ -11449,7 +11449,7 @@
       </p:sp>
       <p:sp>
         <p:nvSpPr>
-          <p:cNvPr id="2184" name="footprint"/>
+          <p:cNvPr id="20784" name="footprint"/>
           <p:cNvSpPr/>
           <p:nvPr/>
         </p:nvSpPr>
@@ -11490,7 +11490,7 @@
       </p:sp>
       <p:sp>
         <p:nvSpPr>
-          <p:cNvPr id="2185" name="footprint"/>
+          <p:cNvPr id="20785" name="footprint"/>
           <p:cNvSpPr/>
           <p:nvPr/>
         </p:nvSpPr>
@@ -11531,7 +11531,7 @@
       </p:sp>
       <p:sp>
         <p:nvSpPr>
-          <p:cNvPr id="2186" name="footprint"/>
+          <p:cNvPr id="20786" name="footprint"/>
           <p:cNvSpPr/>
           <p:nvPr/>
         </p:nvSpPr>
@@ -11572,7 +11572,7 @@
       </p:sp>
       <p:sp>
         <p:nvSpPr>
-          <p:cNvPr id="2187" name="footprint"/>
+          <p:cNvPr id="20787" name="footprint"/>
           <p:cNvSpPr/>
           <p:nvPr/>
         </p:nvSpPr>
@@ -11613,7 +11613,7 @@
       </p:sp>
       <p:sp>
         <p:nvSpPr>
-          <p:cNvPr id="2188" name="footprint"/>
+          <p:cNvPr id="20788" name="footprint"/>
           <p:cNvSpPr/>
           <p:nvPr/>
         </p:nvSpPr>
@@ -11654,7 +11654,7 @@
       </p:sp>
       <p:sp>
         <p:nvSpPr>
-          <p:cNvPr id="2189" name="footprint"/>
+          <p:cNvPr id="20789" name="footprint"/>
           <p:cNvSpPr/>
           <p:nvPr/>
         </p:nvSpPr>
@@ -11695,7 +11695,7 @@
       </p:sp>
       <p:sp>
         <p:nvSpPr>
-          <p:cNvPr id="2190" name="footprint"/>
+          <p:cNvPr id="20790" name="footprint"/>
           <p:cNvSpPr/>
           <p:nvPr/>
         </p:nvSpPr>
@@ -11736,7 +11736,7 @@
       </p:sp>
       <p:sp>
         <p:nvSpPr>
-          <p:cNvPr id="2191" name="footprint"/>
+          <p:cNvPr id="20791" name="footprint"/>
           <p:cNvSpPr/>
           <p:nvPr/>
         </p:nvSpPr>
@@ -11777,7 +11777,7 @@
       </p:sp>
       <p:sp>
         <p:nvSpPr>
-          <p:cNvPr id="2192" name="footprint"/>
+          <p:cNvPr id="20792" name="footprint"/>
           <p:cNvSpPr/>
           <p:nvPr/>
         </p:nvSpPr>
@@ -11818,7 +11818,7 @@
       </p:sp>
       <p:sp>
         <p:nvSpPr>
-          <p:cNvPr id="2193" name="footprint"/>
+          <p:cNvPr id="20793" name="footprint"/>
           <p:cNvSpPr/>
           <p:nvPr/>
         </p:nvSpPr>
@@ -11859,7 +11859,7 @@
       </p:sp>
       <p:sp>
         <p:nvSpPr>
-          <p:cNvPr id="2194" name="footprint"/>
+          <p:cNvPr id="20794" name="footprint"/>
           <p:cNvSpPr/>
           <p:nvPr/>
         </p:nvSpPr>
@@ -11900,7 +11900,7 @@
       </p:sp>
       <p:sp>
         <p:nvSpPr>
-          <p:cNvPr id="2195" name="footprint"/>
+          <p:cNvPr id="20795" name="footprint"/>
           <p:cNvSpPr/>
           <p:nvPr/>
         </p:nvSpPr>
@@ -11941,7 +11941,7 @@
       </p:sp>
       <p:sp>
         <p:nvSpPr>
-          <p:cNvPr id="2196" name="footprint"/>
+          <p:cNvPr id="20796" name="footprint"/>
           <p:cNvSpPr/>
           <p:nvPr/>
         </p:nvSpPr>
@@ -11982,7 +11982,7 @@
       </p:sp>
       <p:sp>
         <p:nvSpPr>
-          <p:cNvPr id="2197" name="footprint"/>
+          <p:cNvPr id="20797" name="footprint"/>
           <p:cNvSpPr/>
           <p:nvPr/>
         </p:nvSpPr>
@@ -12023,7 +12023,7 @@
       </p:sp>
       <p:sp>
         <p:nvSpPr>
-          <p:cNvPr id="2198" name="footprint"/>
+          <p:cNvPr id="20798" name="footprint"/>
           <p:cNvSpPr/>
           <p:nvPr/>
         </p:nvSpPr>
@@ -12064,7 +12064,7 @@
       </p:sp>
       <p:sp>
         <p:nvSpPr>
-          <p:cNvPr id="2199" name="footprint"/>
+          <p:cNvPr id="20799" name="footprint"/>
           <p:cNvSpPr/>
           <p:nvPr/>
         </p:nvSpPr>
@@ -20627,7 +20627,7 @@
                                           </p:stCondLst>
                                         </p:cTn>
                                         <p:tgtEl>
-                                          <p:spTgt spid="2000"/>
+                                          <p:spTgt spid="20600"/>
                                         </p:tgtEl>
                                         <p:attrNameLst>
                                           <p:attrName>style.visibility</p:attrName>
@@ -20654,7 +20654,7 @@
                                           </p:stCondLst>
                                         </p:cTn>
                                         <p:tgtEl>
-                                          <p:spTgt spid="2001"/>
+                                          <p:spTgt spid="20601"/>
                                         </p:tgtEl>
                                         <p:attrNameLst>
                                           <p:attrName>style.visibility</p:attrName>
@@ -20681,7 +20681,7 @@
                                           </p:stCondLst>
                                         </p:cTn>
                                         <p:tgtEl>
-                                          <p:spTgt spid="2002"/>
+                                          <p:spTgt spid="20602"/>
                                         </p:tgtEl>
                                         <p:attrNameLst>
                                           <p:attrName>style.visibility</p:attrName>
@@ -20708,7 +20708,7 @@
                                           </p:stCondLst>
                                         </p:cTn>
                                         <p:tgtEl>
-                                          <p:spTgt spid="2003"/>
+                                          <p:spTgt spid="20603"/>
                                         </p:tgtEl>
                                         <p:attrNameLst>
                                           <p:attrName>style.visibility</p:attrName>
@@ -20735,7 +20735,7 @@
                                           </p:stCondLst>
                                         </p:cTn>
                                         <p:tgtEl>
-                                          <p:spTgt spid="2004"/>
+                                          <p:spTgt spid="20604"/>
                                         </p:tgtEl>
                                         <p:attrNameLst>
                                           <p:attrName>style.visibility</p:attrName>
@@ -20762,7 +20762,7 @@
                                           </p:stCondLst>
                                         </p:cTn>
                                         <p:tgtEl>
-                                          <p:spTgt spid="2005"/>
+                                          <p:spTgt spid="20605"/>
                                         </p:tgtEl>
                                         <p:attrNameLst>
                                           <p:attrName>style.visibility</p:attrName>
@@ -20789,7 +20789,7 @@
                                           </p:stCondLst>
                                         </p:cTn>
                                         <p:tgtEl>
-                                          <p:spTgt spid="2006"/>
+                                          <p:spTgt spid="20606"/>
                                         </p:tgtEl>
                                         <p:attrNameLst>
                                           <p:attrName>style.visibility</p:attrName>
@@ -20816,7 +20816,7 @@
                                           </p:stCondLst>
                                         </p:cTn>
                                         <p:tgtEl>
-                                          <p:spTgt spid="2007"/>
+                                          <p:spTgt spid="20607"/>
                                         </p:tgtEl>
                                         <p:attrNameLst>
                                           <p:attrName>style.visibility</p:attrName>
@@ -20843,7 +20843,7 @@
                                           </p:stCondLst>
                                         </p:cTn>
                                         <p:tgtEl>
-                                          <p:spTgt spid="2008"/>
+                                          <p:spTgt spid="20608"/>
                                         </p:tgtEl>
                                         <p:attrNameLst>
                                           <p:attrName>style.visibility</p:attrName>
@@ -20870,7 +20870,7 @@
                                           </p:stCondLst>
                                         </p:cTn>
                                         <p:tgtEl>
-                                          <p:spTgt spid="2009"/>
+                                          <p:spTgt spid="20609"/>
                                         </p:tgtEl>
                                         <p:attrNameLst>
                                           <p:attrName>style.visibility</p:attrName>
@@ -20897,7 +20897,7 @@
                                           </p:stCondLst>
                                         </p:cTn>
                                         <p:tgtEl>
-                                          <p:spTgt spid="2010"/>
+                                          <p:spTgt spid="20610"/>
                                         </p:tgtEl>
                                         <p:attrNameLst>
                                           <p:attrName>style.visibility</p:attrName>
@@ -20924,7 +20924,7 @@
                                           </p:stCondLst>
                                         </p:cTn>
                                         <p:tgtEl>
-                                          <p:spTgt spid="2011"/>
+                                          <p:spTgt spid="20611"/>
                                         </p:tgtEl>
                                         <p:attrNameLst>
                                           <p:attrName>style.visibility</p:attrName>
@@ -20951,7 +20951,7 @@
                                           </p:stCondLst>
                                         </p:cTn>
                                         <p:tgtEl>
-                                          <p:spTgt spid="2012"/>
+                                          <p:spTgt spid="20612"/>
                                         </p:tgtEl>
                                         <p:attrNameLst>
                                           <p:attrName>style.visibility</p:attrName>
@@ -20978,7 +20978,7 @@
                                           </p:stCondLst>
                                         </p:cTn>
                                         <p:tgtEl>
-                                          <p:spTgt spid="2013"/>
+                                          <p:spTgt spid="20613"/>
                                         </p:tgtEl>
                                         <p:attrNameLst>
                                           <p:attrName>style.visibility</p:attrName>
@@ -21005,7 +21005,7 @@
                                           </p:stCondLst>
                                         </p:cTn>
                                         <p:tgtEl>
-                                          <p:spTgt spid="2014"/>
+                                          <p:spTgt spid="20614"/>
                                         </p:tgtEl>
                                         <p:attrNameLst>
                                           <p:attrName>style.visibility</p:attrName>
@@ -21032,7 +21032,7 @@
                                           </p:stCondLst>
                                         </p:cTn>
                                         <p:tgtEl>
-                                          <p:spTgt spid="2015"/>
+                                          <p:spTgt spid="20615"/>
                                         </p:tgtEl>
                                         <p:attrNameLst>
                                           <p:attrName>style.visibility</p:attrName>
@@ -21059,7 +21059,7 @@
                                           </p:stCondLst>
                                         </p:cTn>
                                         <p:tgtEl>
-                                          <p:spTgt spid="2016"/>
+                                          <p:spTgt spid="20616"/>
                                         </p:tgtEl>
                                         <p:attrNameLst>
                                           <p:attrName>style.visibility</p:attrName>
@@ -21086,7 +21086,7 @@
                                           </p:stCondLst>
                                         </p:cTn>
                                         <p:tgtEl>
-                                          <p:spTgt spid="2017"/>
+                                          <p:spTgt spid="20617"/>
                                         </p:tgtEl>
                                         <p:attrNameLst>
                                           <p:attrName>style.visibility</p:attrName>
@@ -21113,7 +21113,7 @@
                                           </p:stCondLst>
                                         </p:cTn>
                                         <p:tgtEl>
-                                          <p:spTgt spid="2018"/>
+                                          <p:spTgt spid="20618"/>
                                         </p:tgtEl>
                                         <p:attrNameLst>
                                           <p:attrName>style.visibility</p:attrName>
@@ -21140,7 +21140,7 @@
                                           </p:stCondLst>
                                         </p:cTn>
                                         <p:tgtEl>
-                                          <p:spTgt spid="2019"/>
+                                          <p:spTgt spid="20619"/>
                                         </p:tgtEl>
                                         <p:attrNameLst>
                                           <p:attrName>style.visibility</p:attrName>
@@ -21167,7 +21167,7 @@
                                           </p:stCondLst>
                                         </p:cTn>
                                         <p:tgtEl>
-                                          <p:spTgt spid="2020"/>
+                                          <p:spTgt spid="20620"/>
                                         </p:tgtEl>
                                         <p:attrNameLst>
                                           <p:attrName>style.visibility</p:attrName>
@@ -21194,7 +21194,7 @@
                                           </p:stCondLst>
                                         </p:cTn>
                                         <p:tgtEl>
-                                          <p:spTgt spid="2021"/>
+                                          <p:spTgt spid="20621"/>
                                         </p:tgtEl>
                                         <p:attrNameLst>
                                           <p:attrName>style.visibility</p:attrName>
@@ -21221,7 +21221,7 @@
                                           </p:stCondLst>
                                         </p:cTn>
                                         <p:tgtEl>
-                                          <p:spTgt spid="2022"/>
+                                          <p:spTgt spid="20622"/>
                                         </p:tgtEl>
                                         <p:attrNameLst>
                                           <p:attrName>style.visibility</p:attrName>
@@ -21248,7 +21248,7 @@
                                           </p:stCondLst>
                                         </p:cTn>
                                         <p:tgtEl>
-                                          <p:spTgt spid="2023"/>
+                                          <p:spTgt spid="20623"/>
                                         </p:tgtEl>
                                         <p:attrNameLst>
                                           <p:attrName>style.visibility</p:attrName>
@@ -21275,7 +21275,7 @@
                                           </p:stCondLst>
                                         </p:cTn>
                                         <p:tgtEl>
-                                          <p:spTgt spid="2024"/>
+                                          <p:spTgt spid="20624"/>
                                         </p:tgtEl>
                                         <p:attrNameLst>
                                           <p:attrName>style.visibility</p:attrName>
@@ -21302,7 +21302,7 @@
                                           </p:stCondLst>
                                         </p:cTn>
                                         <p:tgtEl>
-                                          <p:spTgt spid="2025"/>
+                                          <p:spTgt spid="20625"/>
                                         </p:tgtEl>
                                         <p:attrNameLst>
                                           <p:attrName>style.visibility</p:attrName>
@@ -21329,7 +21329,7 @@
                                           </p:stCondLst>
                                         </p:cTn>
                                         <p:tgtEl>
-                                          <p:spTgt spid="2026"/>
+                                          <p:spTgt spid="20626"/>
                                         </p:tgtEl>
                                         <p:attrNameLst>
                                           <p:attrName>style.visibility</p:attrName>
@@ -21356,7 +21356,7 @@
                                           </p:stCondLst>
                                         </p:cTn>
                                         <p:tgtEl>
-                                          <p:spTgt spid="2027"/>
+                                          <p:spTgt spid="20627"/>
                                         </p:tgtEl>
                                         <p:attrNameLst>
                                           <p:attrName>style.visibility</p:attrName>
@@ -21383,7 +21383,7 @@
                                           </p:stCondLst>
                                         </p:cTn>
                                         <p:tgtEl>
-                                          <p:spTgt spid="2028"/>
+                                          <p:spTgt spid="20628"/>
                                         </p:tgtEl>
                                         <p:attrNameLst>
                                           <p:attrName>style.visibility</p:attrName>
@@ -21410,7 +21410,7 @@
                                           </p:stCondLst>
                                         </p:cTn>
                                         <p:tgtEl>
-                                          <p:spTgt spid="2029"/>
+                                          <p:spTgt spid="20629"/>
                                         </p:tgtEl>
                                         <p:attrNameLst>
                                           <p:attrName>style.visibility</p:attrName>
@@ -21437,7 +21437,7 @@
                                           </p:stCondLst>
                                         </p:cTn>
                                         <p:tgtEl>
-                                          <p:spTgt spid="2030"/>
+                                          <p:spTgt spid="20630"/>
                                         </p:tgtEl>
                                         <p:attrNameLst>
                                           <p:attrName>style.visibility</p:attrName>
@@ -21464,7 +21464,7 @@
                                           </p:stCondLst>
                                         </p:cTn>
                                         <p:tgtEl>
-                                          <p:spTgt spid="2031"/>
+                                          <p:spTgt spid="20631"/>
                                         </p:tgtEl>
                                         <p:attrNameLst>
                                           <p:attrName>style.visibility</p:attrName>
@@ -21491,7 +21491,7 @@
                                           </p:stCondLst>
                                         </p:cTn>
                                         <p:tgtEl>
-                                          <p:spTgt spid="2032"/>
+                                          <p:spTgt spid="20632"/>
                                         </p:tgtEl>
                                         <p:attrNameLst>
                                           <p:attrName>style.visibility</p:attrName>
@@ -21518,7 +21518,7 @@
                                           </p:stCondLst>
                                         </p:cTn>
                                         <p:tgtEl>
-                                          <p:spTgt spid="2033"/>
+                                          <p:spTgt spid="20633"/>
                                         </p:tgtEl>
                                         <p:attrNameLst>
                                           <p:attrName>style.visibility</p:attrName>
@@ -21545,7 +21545,7 @@
                                           </p:stCondLst>
                                         </p:cTn>
                                         <p:tgtEl>
-                                          <p:spTgt spid="2034"/>
+                                          <p:spTgt spid="20634"/>
                                         </p:tgtEl>
                                         <p:attrNameLst>
                                           <p:attrName>style.visibility</p:attrName>
@@ -21572,7 +21572,7 @@
                                           </p:stCondLst>
                                         </p:cTn>
                                         <p:tgtEl>
-                                          <p:spTgt spid="2035"/>
+                                          <p:spTgt spid="20635"/>
                                         </p:tgtEl>
                                         <p:attrNameLst>
                                           <p:attrName>style.visibility</p:attrName>
@@ -21599,7 +21599,7 @@
                                           </p:stCondLst>
                                         </p:cTn>
                                         <p:tgtEl>
-                                          <p:spTgt spid="2036"/>
+                                          <p:spTgt spid="20636"/>
                                         </p:tgtEl>
                                         <p:attrNameLst>
                                           <p:attrName>style.visibility</p:attrName>
@@ -21626,7 +21626,7 @@
                                           </p:stCondLst>
                                         </p:cTn>
                                         <p:tgtEl>
-                                          <p:spTgt spid="2037"/>
+                                          <p:spTgt spid="20637"/>
                                         </p:tgtEl>
                                         <p:attrNameLst>
                                           <p:attrName>style.visibility</p:attrName>
@@ -21653,7 +21653,7 @@
                                           </p:stCondLst>
                                         </p:cTn>
                                         <p:tgtEl>
-                                          <p:spTgt spid="2038"/>
+                                          <p:spTgt spid="20638"/>
                                         </p:tgtEl>
                                         <p:attrNameLst>
                                           <p:attrName>style.visibility</p:attrName>
@@ -21680,7 +21680,7 @@
                                           </p:stCondLst>
                                         </p:cTn>
                                         <p:tgtEl>
-                                          <p:spTgt spid="2039"/>
+                                          <p:spTgt spid="20639"/>
                                         </p:tgtEl>
                                         <p:attrNameLst>
                                           <p:attrName>style.visibility</p:attrName>
@@ -21707,7 +21707,7 @@
                                           </p:stCondLst>
                                         </p:cTn>
                                         <p:tgtEl>
-                                          <p:spTgt spid="2040"/>
+                                          <p:spTgt spid="20640"/>
                                         </p:tgtEl>
                                         <p:attrNameLst>
                                           <p:attrName>style.visibility</p:attrName>
@@ -21734,7 +21734,7 @@
                                           </p:stCondLst>
                                         </p:cTn>
                                         <p:tgtEl>
-                                          <p:spTgt spid="2041"/>
+                                          <p:spTgt spid="20641"/>
                                         </p:tgtEl>
                                         <p:attrNameLst>
                                           <p:attrName>style.visibility</p:attrName>
@@ -21761,7 +21761,7 @@
                                           </p:stCondLst>
                                         </p:cTn>
                                         <p:tgtEl>
-                                          <p:spTgt spid="2042"/>
+                                          <p:spTgt spid="20642"/>
                                         </p:tgtEl>
                                         <p:attrNameLst>
                                           <p:attrName>style.visibility</p:attrName>
@@ -21788,7 +21788,7 @@
                                           </p:stCondLst>
                                         </p:cTn>
                                         <p:tgtEl>
-                                          <p:spTgt spid="2043"/>
+                                          <p:spTgt spid="20643"/>
                                         </p:tgtEl>
                                         <p:attrNameLst>
                                           <p:attrName>style.visibility</p:attrName>
@@ -21815,7 +21815,7 @@
                                           </p:stCondLst>
                                         </p:cTn>
                                         <p:tgtEl>
-                                          <p:spTgt spid="2044"/>
+                                          <p:spTgt spid="20644"/>
                                         </p:tgtEl>
                                         <p:attrNameLst>
                                           <p:attrName>style.visibility</p:attrName>
@@ -21842,7 +21842,7 @@
                                           </p:stCondLst>
                                         </p:cTn>
                                         <p:tgtEl>
-                                          <p:spTgt spid="2045"/>
+                                          <p:spTgt spid="20645"/>
                                         </p:tgtEl>
                                         <p:attrNameLst>
                                           <p:attrName>style.visibility</p:attrName>
@@ -21869,7 +21869,7 @@
                                           </p:stCondLst>
                                         </p:cTn>
                                         <p:tgtEl>
-                                          <p:spTgt spid="2046"/>
+                                          <p:spTgt spid="20646"/>
                                         </p:tgtEl>
                                         <p:attrNameLst>
                                           <p:attrName>style.visibility</p:attrName>
@@ -21896,7 +21896,7 @@
                                           </p:stCondLst>
                                         </p:cTn>
                                         <p:tgtEl>
-                                          <p:spTgt spid="2047"/>
+                                          <p:spTgt spid="20647"/>
                                         </p:tgtEl>
                                         <p:attrNameLst>
                                           <p:attrName>style.visibility</p:attrName>
@@ -21923,7 +21923,7 @@
                                           </p:stCondLst>
                                         </p:cTn>
                                         <p:tgtEl>
-                                          <p:spTgt spid="2048"/>
+                                          <p:spTgt spid="20648"/>
                                         </p:tgtEl>
                                         <p:attrNameLst>
                                           <p:attrName>style.visibility</p:attrName>
@@ -21950,7 +21950,7 @@
                                           </p:stCondLst>
                                         </p:cTn>
                                         <p:tgtEl>
-                                          <p:spTgt spid="2049"/>
+                                          <p:spTgt spid="20649"/>
                                         </p:tgtEl>
                                         <p:attrNameLst>
                                           <p:attrName>style.visibility</p:attrName>
@@ -21977,7 +21977,7 @@
                                           </p:stCondLst>
                                         </p:cTn>
                                         <p:tgtEl>
-                                          <p:spTgt spid="2050"/>
+                                          <p:spTgt spid="20650"/>
                                         </p:tgtEl>
                                         <p:attrNameLst>
                                           <p:attrName>style.visibility</p:attrName>
@@ -22004,7 +22004,7 @@
                                           </p:stCondLst>
                                         </p:cTn>
                                         <p:tgtEl>
-                                          <p:spTgt spid="2051"/>
+                                          <p:spTgt spid="20651"/>
                                         </p:tgtEl>
                                         <p:attrNameLst>
                                           <p:attrName>style.visibility</p:attrName>
@@ -22031,7 +22031,7 @@
                                           </p:stCondLst>
                                         </p:cTn>
                                         <p:tgtEl>
-                                          <p:spTgt spid="2052"/>
+                                          <p:spTgt spid="20652"/>
                                         </p:tgtEl>
                                         <p:attrNameLst>
                                           <p:attrName>style.visibility</p:attrName>
@@ -22058,7 +22058,7 @@
                                           </p:stCondLst>
                                         </p:cTn>
                                         <p:tgtEl>
-                                          <p:spTgt spid="2053"/>
+                                          <p:spTgt spid="20653"/>
                                         </p:tgtEl>
                                         <p:attrNameLst>
                                           <p:attrName>style.visibility</p:attrName>
@@ -22085,7 +22085,7 @@
                                           </p:stCondLst>
                                         </p:cTn>
                                         <p:tgtEl>
-                                          <p:spTgt spid="2054"/>
+                                          <p:spTgt spid="20654"/>
                                         </p:tgtEl>
                                         <p:attrNameLst>
                                           <p:attrName>style.visibility</p:attrName>
@@ -22112,7 +22112,7 @@
                                           </p:stCondLst>
                                         </p:cTn>
                                         <p:tgtEl>
-                                          <p:spTgt spid="2055"/>
+                                          <p:spTgt spid="20655"/>
                                         </p:tgtEl>
                                         <p:attrNameLst>
                                           <p:attrName>style.visibility</p:attrName>
@@ -22139,7 +22139,7 @@
                                           </p:stCondLst>
                                         </p:cTn>
                                         <p:tgtEl>
-                                          <p:spTgt spid="2056"/>
+                                          <p:spTgt spid="20656"/>
                                         </p:tgtEl>
                                         <p:attrNameLst>
                                           <p:attrName>style.visibility</p:attrName>
@@ -22166,7 +22166,7 @@
                                           </p:stCondLst>
                                         </p:cTn>
                                         <p:tgtEl>
-                                          <p:spTgt spid="2057"/>
+                                          <p:spTgt spid="20657"/>
                                         </p:tgtEl>
                                         <p:attrNameLst>
                                           <p:attrName>style.visibility</p:attrName>
@@ -22193,7 +22193,7 @@
                                           </p:stCondLst>
                                         </p:cTn>
                                         <p:tgtEl>
-                                          <p:spTgt spid="2058"/>
+                                          <p:spTgt spid="20658"/>
                                         </p:tgtEl>
                                         <p:attrNameLst>
                                           <p:attrName>style.visibility</p:attrName>
@@ -22220,7 +22220,7 @@
                                           </p:stCondLst>
                                         </p:cTn>
                                         <p:tgtEl>
-                                          <p:spTgt spid="2059"/>
+                                          <p:spTgt spid="20659"/>
                                         </p:tgtEl>
                                         <p:attrNameLst>
                                           <p:attrName>style.visibility</p:attrName>
@@ -22247,7 +22247,7 @@
                                           </p:stCondLst>
                                         </p:cTn>
                                         <p:tgtEl>
-                                          <p:spTgt spid="2060"/>
+                                          <p:spTgt spid="20660"/>
                                         </p:tgtEl>
                                         <p:attrNameLst>
                                           <p:attrName>style.visibility</p:attrName>
@@ -22274,7 +22274,7 @@
                                           </p:stCondLst>
                                         </p:cTn>
                                         <p:tgtEl>
-                                          <p:spTgt spid="2061"/>
+                                          <p:spTgt spid="20661"/>
                                         </p:tgtEl>
                                         <p:attrNameLst>
                                           <p:attrName>style.visibility</p:attrName>
@@ -22301,7 +22301,7 @@
                                           </p:stCondLst>
                                         </p:cTn>
                                         <p:tgtEl>
-                                          <p:spTgt spid="2062"/>
+                                          <p:spTgt spid="20662"/>
                                         </p:tgtEl>
                                         <p:attrNameLst>
                                           <p:attrName>style.visibility</p:attrName>
@@ -22328,7 +22328,7 @@
                                           </p:stCondLst>
                                         </p:cTn>
                                         <p:tgtEl>
-                                          <p:spTgt spid="2063"/>
+                                          <p:spTgt spid="20663"/>
                                         </p:tgtEl>
                                         <p:attrNameLst>
                                           <p:attrName>style.visibility</p:attrName>
@@ -22355,7 +22355,7 @@
                                           </p:stCondLst>
                                         </p:cTn>
                                         <p:tgtEl>
-                                          <p:spTgt spid="2064"/>
+                                          <p:spTgt spid="20664"/>
                                         </p:tgtEl>
                                         <p:attrNameLst>
                                           <p:attrName>style.visibility</p:attrName>
@@ -22382,7 +22382,7 @@
                                           </p:stCondLst>
                                         </p:cTn>
                                         <p:tgtEl>
-                                          <p:spTgt spid="2065"/>
+                                          <p:spTgt spid="20665"/>
                                         </p:tgtEl>
                                         <p:attrNameLst>
                                           <p:attrName>style.visibility</p:attrName>
@@ -22409,7 +22409,7 @@
                                           </p:stCondLst>
                                         </p:cTn>
                                         <p:tgtEl>
-                                          <p:spTgt spid="2066"/>
+                                          <p:spTgt spid="20666"/>
                                         </p:tgtEl>
                                         <p:attrNameLst>
                                           <p:attrName>style.visibility</p:attrName>
@@ -22436,7 +22436,7 @@
                                           </p:stCondLst>
                                         </p:cTn>
                                         <p:tgtEl>
-                                          <p:spTgt spid="2067"/>
+                                          <p:spTgt spid="20667"/>
                                         </p:tgtEl>
                                         <p:attrNameLst>
                                           <p:attrName>style.visibility</p:attrName>
@@ -22463,7 +22463,7 @@
                                           </p:stCondLst>
                                         </p:cTn>
                                         <p:tgtEl>
-                                          <p:spTgt spid="2068"/>
+                                          <p:spTgt spid="20668"/>
                                         </p:tgtEl>
                                         <p:attrNameLst>
                                           <p:attrName>style.visibility</p:attrName>
@@ -22490,7 +22490,7 @@
                                           </p:stCondLst>
                                         </p:cTn>
                                         <p:tgtEl>
-                                          <p:spTgt spid="2069"/>
+                                          <p:spTgt spid="20669"/>
                                         </p:tgtEl>
                                         <p:attrNameLst>
                                           <p:attrName>style.visibility</p:attrName>
@@ -22517,7 +22517,7 @@
                                           </p:stCondLst>
                                         </p:cTn>
                                         <p:tgtEl>
-                                          <p:spTgt spid="2070"/>
+                                          <p:spTgt spid="20670"/>
                                         </p:tgtEl>
                                         <p:attrNameLst>
                                           <p:attrName>style.visibility</p:attrName>
@@ -22544,7 +22544,7 @@
                                           </p:stCondLst>
                                         </p:cTn>
                                         <p:tgtEl>
-                                          <p:spTgt spid="2071"/>
+                                          <p:spTgt spid="20671"/>
                                         </p:tgtEl>
                                         <p:attrNameLst>
                                           <p:attrName>style.visibility</p:attrName>
@@ -22571,7 +22571,7 @@
                                           </p:stCondLst>
                                         </p:cTn>
                                         <p:tgtEl>
-                                          <p:spTgt spid="2072"/>
+                                          <p:spTgt spid="20672"/>
                                         </p:tgtEl>
                                         <p:attrNameLst>
                                           <p:attrName>style.visibility</p:attrName>
@@ -22598,7 +22598,7 @@
                                           </p:stCondLst>
                                         </p:cTn>
                                         <p:tgtEl>
-                                          <p:spTgt spid="2073"/>
+                                          <p:spTgt spid="20673"/>
                                         </p:tgtEl>
                                         <p:attrNameLst>
                                           <p:attrName>style.visibility</p:attrName>
@@ -22625,7 +22625,7 @@
                                           </p:stCondLst>
                                         </p:cTn>
                                         <p:tgtEl>
-                                          <p:spTgt spid="2074"/>
+                                          <p:spTgt spid="20674"/>
                                         </p:tgtEl>
                                         <p:attrNameLst>
                                           <p:attrName>style.visibility</p:attrName>
@@ -22652,7 +22652,7 @@
                                           </p:stCondLst>
                                         </p:cTn>
                                         <p:tgtEl>
-                                          <p:spTgt spid="2075"/>
+                                          <p:spTgt spid="20675"/>
                                         </p:tgtEl>
                                         <p:attrNameLst>
                                           <p:attrName>style.visibility</p:attrName>
@@ -22679,7 +22679,7 @@
                                           </p:stCondLst>
                                         </p:cTn>
                                         <p:tgtEl>
-                                          <p:spTgt spid="2076"/>
+                                          <p:spTgt spid="20676"/>
                                         </p:tgtEl>
                                         <p:attrNameLst>
                                           <p:attrName>style.visibility</p:attrName>
@@ -22706,7 +22706,7 @@
                                           </p:stCondLst>
                                         </p:cTn>
                                         <p:tgtEl>
-                                          <p:spTgt spid="2077"/>
+                                          <p:spTgt spid="20677"/>
                                         </p:tgtEl>
                                         <p:attrNameLst>
                                           <p:attrName>style.visibility</p:attrName>
@@ -22733,7 +22733,7 @@
                                           </p:stCondLst>
                                         </p:cTn>
                                         <p:tgtEl>
-                                          <p:spTgt spid="2078"/>
+                                          <p:spTgt spid="20678"/>
                                         </p:tgtEl>
                                         <p:attrNameLst>
                                           <p:attrName>style.visibility</p:attrName>
@@ -22760,7 +22760,7 @@
                                           </p:stCondLst>
                                         </p:cTn>
                                         <p:tgtEl>
-                                          <p:spTgt spid="2079"/>
+                                          <p:spTgt spid="20679"/>
                                         </p:tgtEl>
                                         <p:attrNameLst>
                                           <p:attrName>style.visibility</p:attrName>
@@ -22787,7 +22787,7 @@
                                           </p:stCondLst>
                                         </p:cTn>
                                         <p:tgtEl>
-                                          <p:spTgt spid="2080"/>
+                                          <p:spTgt spid="20680"/>
                                         </p:tgtEl>
                                         <p:attrNameLst>
                                           <p:attrName>style.visibility</p:attrName>
@@ -22814,7 +22814,7 @@
                                           </p:stCondLst>
                                         </p:cTn>
                                         <p:tgtEl>
-                                          <p:spTgt spid="2081"/>
+                                          <p:spTgt spid="20681"/>
                                         </p:tgtEl>
                                         <p:attrNameLst>
                                           <p:attrName>style.visibility</p:attrName>
@@ -22841,7 +22841,7 @@
                                           </p:stCondLst>
                                         </p:cTn>
                                         <p:tgtEl>
-                                          <p:spTgt spid="2082"/>
+                                          <p:spTgt spid="20682"/>
                                         </p:tgtEl>
                                         <p:attrNameLst>
                                           <p:attrName>style.visibility</p:attrName>
@@ -22868,7 +22868,7 @@
                                           </p:stCondLst>
                                         </p:cTn>
                                         <p:tgtEl>
-                                          <p:spTgt spid="2083"/>
+                                          <p:spTgt spid="20683"/>
                                         </p:tgtEl>
                                         <p:attrNameLst>
                                           <p:attrName>style.visibility</p:attrName>
@@ -22895,7 +22895,7 @@
                                           </p:stCondLst>
                                         </p:cTn>
                                         <p:tgtEl>
-                                          <p:spTgt spid="2084"/>
+                                          <p:spTgt spid="20684"/>
                                         </p:tgtEl>
                                         <p:attrNameLst>
                                           <p:attrName>style.visibility</p:attrName>
@@ -22922,7 +22922,7 @@
                                           </p:stCondLst>
                                         </p:cTn>
                                         <p:tgtEl>
-                                          <p:spTgt spid="2085"/>
+                                          <p:spTgt spid="20685"/>
                                         </p:tgtEl>
                                         <p:attrNameLst>
                                           <p:attrName>style.visibility</p:attrName>
@@ -22949,7 +22949,7 @@
                                           </p:stCondLst>
                                         </p:cTn>
                                         <p:tgtEl>
-                                          <p:spTgt spid="2086"/>
+                                          <p:spTgt spid="20686"/>
                                         </p:tgtEl>
                                         <p:attrNameLst>
                                           <p:attrName>style.visibility</p:attrName>
@@ -22976,7 +22976,7 @@
                                           </p:stCondLst>
                                         </p:cTn>
                                         <p:tgtEl>
-                                          <p:spTgt spid="2087"/>
+                                          <p:spTgt spid="20687"/>
                                         </p:tgtEl>
                                         <p:attrNameLst>
                                           <p:attrName>style.visibility</p:attrName>
@@ -23003,7 +23003,7 @@
                                           </p:stCondLst>
                                         </p:cTn>
                                         <p:tgtEl>
-                                          <p:spTgt spid="2088"/>
+                                          <p:spTgt spid="20688"/>
                                         </p:tgtEl>
                                         <p:attrNameLst>
                                           <p:attrName>style.visibility</p:attrName>
@@ -23030,7 +23030,7 @@
                                           </p:stCondLst>
                                         </p:cTn>
                                         <p:tgtEl>
-                                          <p:spTgt spid="2089"/>
+                                          <p:spTgt spid="20689"/>
                                         </p:tgtEl>
                                         <p:attrNameLst>
                                           <p:attrName>style.visibility</p:attrName>
@@ -23057,7 +23057,7 @@
                                           </p:stCondLst>
                                         </p:cTn>
                                         <p:tgtEl>
-                                          <p:spTgt spid="2090"/>
+                                          <p:spTgt spid="20690"/>
                                         </p:tgtEl>
                                         <p:attrNameLst>
                                           <p:attrName>style.visibility</p:attrName>
@@ -23084,7 +23084,7 @@
                                           </p:stCondLst>
                                         </p:cTn>
                                         <p:tgtEl>
-                                          <p:spTgt spid="2091"/>
+                                          <p:spTgt spid="20691"/>
                                         </p:tgtEl>
                                         <p:attrNameLst>
                                           <p:attrName>style.visibility</p:attrName>
@@ -23111,7 +23111,7 @@
                                           </p:stCondLst>
                                         </p:cTn>
                                         <p:tgtEl>
-                                          <p:spTgt spid="2092"/>
+                                          <p:spTgt spid="20692"/>
                                         </p:tgtEl>
                                         <p:attrNameLst>
                                           <p:attrName>style.visibility</p:attrName>
@@ -23138,7 +23138,7 @@
                                           </p:stCondLst>
                                         </p:cTn>
                                         <p:tgtEl>
-                                          <p:spTgt spid="2093"/>
+                                          <p:spTgt spid="20693"/>
                                         </p:tgtEl>
                                         <p:attrNameLst>
                                           <p:attrName>style.visibility</p:attrName>
@@ -23165,7 +23165,7 @@
                                           </p:stCondLst>
                                         </p:cTn>
                                         <p:tgtEl>
-                                          <p:spTgt spid="2094"/>
+                                          <p:spTgt spid="20694"/>
                                         </p:tgtEl>
                                         <p:attrNameLst>
                                           <p:attrName>style.visibility</p:attrName>
@@ -23192,7 +23192,7 @@
                                           </p:stCondLst>
                                         </p:cTn>
                                         <p:tgtEl>
-                                          <p:spTgt spid="2095"/>
+                                          <p:spTgt spid="20695"/>
                                         </p:tgtEl>
                                         <p:attrNameLst>
                                           <p:attrName>style.visibility</p:attrName>
@@ -23219,7 +23219,7 @@
                                           </p:stCondLst>
                                         </p:cTn>
                                         <p:tgtEl>
-                                          <p:spTgt spid="2096"/>
+                                          <p:spTgt spid="20696"/>
                                         </p:tgtEl>
                                         <p:attrNameLst>
                                           <p:attrName>style.visibility</p:attrName>
@@ -23246,7 +23246,7 @@
                                           </p:stCondLst>
                                         </p:cTn>
                                         <p:tgtEl>
-                                          <p:spTgt spid="2097"/>
+                                          <p:spTgt spid="20697"/>
                                         </p:tgtEl>
                                         <p:attrNameLst>
                                           <p:attrName>style.visibility</p:attrName>
@@ -23273,7 +23273,7 @@
                                           </p:stCondLst>
                                         </p:cTn>
                                         <p:tgtEl>
-                                          <p:spTgt spid="2098"/>
+                                          <p:spTgt spid="20698"/>
                                         </p:tgtEl>
                                         <p:attrNameLst>
                                           <p:attrName>style.visibility</p:attrName>
@@ -23300,7 +23300,7 @@
                                           </p:stCondLst>
                                         </p:cTn>
                                         <p:tgtEl>
-                                          <p:spTgt spid="2099"/>
+                                          <p:spTgt spid="20699"/>
                                         </p:tgtEl>
                                         <p:attrNameLst>
                                           <p:attrName>style.visibility</p:attrName>
@@ -23327,7 +23327,7 @@
                                           </p:stCondLst>
                                         </p:cTn>
                                         <p:tgtEl>
-                                          <p:spTgt spid="2100"/>
+                                          <p:spTgt spid="20700"/>
                                         </p:tgtEl>
                                         <p:attrNameLst>
                                           <p:attrName>style.visibility</p:attrName>
@@ -23354,7 +23354,7 @@
                                           </p:stCondLst>
                                         </p:cTn>
                                         <p:tgtEl>
-                                          <p:spTgt spid="2101"/>
+                                          <p:spTgt spid="20701"/>
                                         </p:tgtEl>
                                         <p:attrNameLst>
                                           <p:attrName>style.visibility</p:attrName>
@@ -23381,7 +23381,7 @@
                                           </p:stCondLst>
                                         </p:cTn>
                                         <p:tgtEl>
-                                          <p:spTgt spid="2102"/>
+                                          <p:spTgt spid="20702"/>
                                         </p:tgtEl>
                                         <p:attrNameLst>
                                           <p:attrName>style.visibility</p:attrName>
@@ -23408,7 +23408,7 @@
                                           </p:stCondLst>
                                         </p:cTn>
                                         <p:tgtEl>
-                                          <p:spTgt spid="2103"/>
+                                          <p:spTgt spid="20703"/>
                                         </p:tgtEl>
                                         <p:attrNameLst>
                                           <p:attrName>style.visibility</p:attrName>
@@ -23435,7 +23435,7 @@
                                           </p:stCondLst>
                                         </p:cTn>
                                         <p:tgtEl>
-                                          <p:spTgt spid="2104"/>
+                                          <p:spTgt spid="20704"/>
                                         </p:tgtEl>
                                         <p:attrNameLst>
                                           <p:attrName>style.visibility</p:attrName>
@@ -23462,7 +23462,7 @@
                                           </p:stCondLst>
                                         </p:cTn>
                                         <p:tgtEl>
-                                          <p:spTgt spid="2105"/>
+                                          <p:spTgt spid="20705"/>
                                         </p:tgtEl>
                                         <p:attrNameLst>
                                           <p:attrName>style.visibility</p:attrName>
@@ -23489,7 +23489,7 @@
                                           </p:stCondLst>
                                         </p:cTn>
                                         <p:tgtEl>
-                                          <p:spTgt spid="2106"/>
+                                          <p:spTgt spid="20706"/>
                                         </p:tgtEl>
                                         <p:attrNameLst>
                                           <p:attrName>style.visibility</p:attrName>
@@ -23516,7 +23516,7 @@
                                           </p:stCondLst>
                                         </p:cTn>
                                         <p:tgtEl>
-                                          <p:spTgt spid="2107"/>
+                                          <p:spTgt spid="20707"/>
                                         </p:tgtEl>
                                         <p:attrNameLst>
                                           <p:attrName>style.visibility</p:attrName>
@@ -23543,7 +23543,7 @@
                                           </p:stCondLst>
                                         </p:cTn>
                                         <p:tgtEl>
-                                          <p:spTgt spid="2108"/>
+                                          <p:spTgt spid="20708"/>
                                         </p:tgtEl>
                                         <p:attrNameLst>
                                           <p:attrName>style.visibility</p:attrName>
@@ -23570,7 +23570,7 @@
                                           </p:stCondLst>
                                         </p:cTn>
                                         <p:tgtEl>
-                                          <p:spTgt spid="2109"/>
+                                          <p:spTgt spid="20709"/>
                                         </p:tgtEl>
                                         <p:attrNameLst>
                                           <p:attrName>style.visibility</p:attrName>
@@ -23597,7 +23597,7 @@
                                           </p:stCondLst>
                                         </p:cTn>
                                         <p:tgtEl>
-                                          <p:spTgt spid="2110"/>
+                                          <p:spTgt spid="20710"/>
                                         </p:tgtEl>
                                         <p:attrNameLst>
                                           <p:attrName>style.visibility</p:attrName>
@@ -23624,7 +23624,7 @@
                                           </p:stCondLst>
                                         </p:cTn>
                                         <p:tgtEl>
-                                          <p:spTgt spid="2111"/>
+                                          <p:spTgt spid="20711"/>
                                         </p:tgtEl>
                                         <p:attrNameLst>
                                           <p:attrName>style.visibility</p:attrName>
@@ -23651,7 +23651,7 @@
                                           </p:stCondLst>
                                         </p:cTn>
                                         <p:tgtEl>
-                                          <p:spTgt spid="2112"/>
+                                          <p:spTgt spid="20712"/>
                                         </p:tgtEl>
                                         <p:attrNameLst>
                                           <p:attrName>style.visibility</p:attrName>
@@ -23678,7 +23678,7 @@
                                           </p:stCondLst>
                                         </p:cTn>
                                         <p:tgtEl>
-                                          <p:spTgt spid="2113"/>
+                                          <p:spTgt spid="20713"/>
                                         </p:tgtEl>
                                         <p:attrNameLst>
                                           <p:attrName>style.visibility</p:attrName>
@@ -23705,7 +23705,7 @@
                                           </p:stCondLst>
                                         </p:cTn>
                                         <p:tgtEl>
-                                          <p:spTgt spid="2114"/>
+                                          <p:spTgt spid="20714"/>
                                         </p:tgtEl>
                                         <p:attrNameLst>
                                           <p:attrName>style.visibility</p:attrName>
@@ -23732,7 +23732,7 @@
                                           </p:stCondLst>
                                         </p:cTn>
                                         <p:tgtEl>
-                                          <p:spTgt spid="2115"/>
+                                          <p:spTgt spid="20715"/>
                                         </p:tgtEl>
                                         <p:attrNameLst>
                                           <p:attrName>style.visibility</p:attrName>
@@ -23759,7 +23759,7 @@
                                           </p:stCondLst>
                                         </p:cTn>
                                         <p:tgtEl>
-                                          <p:spTgt spid="2116"/>
+                                          <p:spTgt spid="20716"/>
                                         </p:tgtEl>
                                         <p:attrNameLst>
                                           <p:attrName>style.visibility</p:attrName>
@@ -23786,7 +23786,7 @@
                                           </p:stCondLst>
                                         </p:cTn>
                                         <p:tgtEl>
-                                          <p:spTgt spid="2117"/>
+                                          <p:spTgt spid="20717"/>
                                         </p:tgtEl>
                                         <p:attrNameLst>
                                           <p:attrName>style.visibility</p:attrName>
@@ -23813,7 +23813,7 @@
                                           </p:stCondLst>
                                         </p:cTn>
                                         <p:tgtEl>
-                                          <p:spTgt spid="2118"/>
+                                          <p:spTgt spid="20718"/>
                                         </p:tgtEl>
                                         <p:attrNameLst>
                                           <p:attrName>style.visibility</p:attrName>
@@ -23840,7 +23840,7 @@
                                           </p:stCondLst>
                                         </p:cTn>
                                         <p:tgtEl>
-                                          <p:spTgt spid="2119"/>
+                                          <p:spTgt spid="20719"/>
                                         </p:tgtEl>
                                         <p:attrNameLst>
                                           <p:attrName>style.visibility</p:attrName>
@@ -23867,7 +23867,7 @@
                                           </p:stCondLst>
                                         </p:cTn>
                                         <p:tgtEl>
-                                          <p:spTgt spid="2120"/>
+                                          <p:spTgt spid="20720"/>
                                         </p:tgtEl>
                                         <p:attrNameLst>
                                           <p:attrName>style.visibility</p:attrName>
@@ -23894,7 +23894,7 @@
                                           </p:stCondLst>
                                         </p:cTn>
                                         <p:tgtEl>
-                                          <p:spTgt spid="2121"/>
+                                          <p:spTgt spid="20721"/>
                                         </p:tgtEl>
                                         <p:attrNameLst>
                                           <p:attrName>style.visibility</p:attrName>
@@ -23921,7 +23921,7 @@
                                           </p:stCondLst>
                                         </p:cTn>
                                         <p:tgtEl>
-                                          <p:spTgt spid="2122"/>
+                                          <p:spTgt spid="20722"/>
                                         </p:tgtEl>
                                         <p:attrNameLst>
                                           <p:attrName>style.visibility</p:attrName>
@@ -23948,7 +23948,7 @@
                                           </p:stCondLst>
                                         </p:cTn>
                                         <p:tgtEl>
-                                          <p:spTgt spid="2123"/>
+                                          <p:spTgt spid="20723"/>
                                         </p:tgtEl>
                                         <p:attrNameLst>
                                           <p:attrName>style.visibility</p:attrName>
@@ -23975,7 +23975,7 @@
                                           </p:stCondLst>
                                         </p:cTn>
                                         <p:tgtEl>
-                                          <p:spTgt spid="2124"/>
+                                          <p:spTgt spid="20724"/>
                                         </p:tgtEl>
                                         <p:attrNameLst>
                                           <p:attrName>style.visibility</p:attrName>
@@ -24002,7 +24002,7 @@
                                           </p:stCondLst>
                                         </p:cTn>
                                         <p:tgtEl>
-                                          <p:spTgt spid="2125"/>
+                                          <p:spTgt spid="20725"/>
                                         </p:tgtEl>
                                         <p:attrNameLst>
                                           <p:attrName>style.visibility</p:attrName>
@@ -24029,7 +24029,7 @@
                                           </p:stCondLst>
                                         </p:cTn>
                                         <p:tgtEl>
-                                          <p:spTgt spid="2126"/>
+                                          <p:spTgt spid="20726"/>
                                         </p:tgtEl>
                                         <p:attrNameLst>
                                           <p:attrName>style.visibility</p:attrName>
@@ -24056,7 +24056,7 @@
                                           </p:stCondLst>
                                         </p:cTn>
                                         <p:tgtEl>
-                                          <p:spTgt spid="2127"/>
+                                          <p:spTgt spid="20727"/>
                                         </p:tgtEl>
                                         <p:attrNameLst>
                                           <p:attrName>style.visibility</p:attrName>
@@ -24083,7 +24083,7 @@
                                           </p:stCondLst>
                                         </p:cTn>
                                         <p:tgtEl>
-                                          <p:spTgt spid="2128"/>
+                                          <p:spTgt spid="20728"/>
                                         </p:tgtEl>
                                         <p:attrNameLst>
                                           <p:attrName>style.visibility</p:attrName>
@@ -24110,7 +24110,7 @@
                                           </p:stCondLst>
                                         </p:cTn>
                                         <p:tgtEl>
-                                          <p:spTgt spid="2129"/>
+                                          <p:spTgt spid="20729"/>
                                         </p:tgtEl>
                                         <p:attrNameLst>
                                           <p:attrName>style.visibility</p:attrName>
@@ -24137,7 +24137,7 @@
                                           </p:stCondLst>
                                         </p:cTn>
                                         <p:tgtEl>
-                                          <p:spTgt spid="2130"/>
+                                          <p:spTgt spid="20730"/>
                                         </p:tgtEl>
                                         <p:attrNameLst>
                                           <p:attrName>style.visibility</p:attrName>
@@ -24164,7 +24164,7 @@
                                           </p:stCondLst>
                                         </p:cTn>
                                         <p:tgtEl>
-                                          <p:spTgt spid="2131"/>
+                                          <p:spTgt spid="20731"/>
                                         </p:tgtEl>
                                         <p:attrNameLst>
                                           <p:attrName>style.visibility</p:attrName>
@@ -24191,7 +24191,7 @@
                                           </p:stCondLst>
                                         </p:cTn>
                                         <p:tgtEl>
-                                          <p:spTgt spid="2132"/>
+                                          <p:spTgt spid="20732"/>
                                         </p:tgtEl>
                                         <p:attrNameLst>
                                           <p:attrName>style.visibility</p:attrName>
@@ -24218,7 +24218,7 @@
                                           </p:stCondLst>
                                         </p:cTn>
                                         <p:tgtEl>
-                                          <p:spTgt spid="2133"/>
+                                          <p:spTgt spid="20733"/>
                                         </p:tgtEl>
                                         <p:attrNameLst>
                                           <p:attrName>style.visibility</p:attrName>
@@ -24245,7 +24245,7 @@
                                           </p:stCondLst>
                                         </p:cTn>
                                         <p:tgtEl>
-                                          <p:spTgt spid="2134"/>
+                                          <p:spTgt spid="20734"/>
                                         </p:tgtEl>
                                         <p:attrNameLst>
                                           <p:attrName>style.visibility</p:attrName>
@@ -24272,7 +24272,7 @@
                                           </p:stCondLst>
                                         </p:cTn>
                                         <p:tgtEl>
-                                          <p:spTgt spid="2135"/>
+                                          <p:spTgt spid="20735"/>
                                         </p:tgtEl>
                                         <p:attrNameLst>
                                           <p:attrName>style.visibility</p:attrName>
@@ -24299,7 +24299,7 @@
                                           </p:stCondLst>
                                         </p:cTn>
                                         <p:tgtEl>
-                                          <p:spTgt spid="2136"/>
+                                          <p:spTgt spid="20736"/>
                                         </p:tgtEl>
                                         <p:attrNameLst>
                                           <p:attrName>style.visibility</p:attrName>
@@ -24326,7 +24326,7 @@
                                           </p:stCondLst>
                                         </p:cTn>
                                         <p:tgtEl>
-                                          <p:spTgt spid="2137"/>
+                                          <p:spTgt spid="20737"/>
                                         </p:tgtEl>
                                         <p:attrNameLst>
                                           <p:attrName>style.visibility</p:attrName>
@@ -24353,7 +24353,7 @@
                                           </p:stCondLst>
                                         </p:cTn>
                                         <p:tgtEl>
-                                          <p:spTgt spid="2138"/>
+                                          <p:spTgt spid="20738"/>
                                         </p:tgtEl>
                                         <p:attrNameLst>
                                           <p:attrName>style.visibility</p:attrName>
@@ -24380,7 +24380,7 @@
                                           </p:stCondLst>
                                         </p:cTn>
                                         <p:tgtEl>
-                                          <p:spTgt spid="2139"/>
+                                          <p:spTgt spid="20739"/>
                                         </p:tgtEl>
                                         <p:attrNameLst>
                                           <p:attrName>style.visibility</p:attrName>
@@ -24407,7 +24407,7 @@
                                           </p:stCondLst>
                                         </p:cTn>
                                         <p:tgtEl>
-                                          <p:spTgt spid="2140"/>
+                                          <p:spTgt spid="20740"/>
                                         </p:tgtEl>
                                         <p:attrNameLst>
                                           <p:attrName>style.visibility</p:attrName>
@@ -24434,7 +24434,7 @@
                                           </p:stCondLst>
                                         </p:cTn>
                                         <p:tgtEl>
-                                          <p:spTgt spid="2141"/>
+                                          <p:spTgt spid="20741"/>
                                         </p:tgtEl>
                                         <p:attrNameLst>
                                           <p:attrName>style.visibility</p:attrName>
@@ -24461,7 +24461,7 @@
                                           </p:stCondLst>
                                         </p:cTn>
                                         <p:tgtEl>
-                                          <p:spTgt spid="2142"/>
+                                          <p:spTgt spid="20742"/>
                                         </p:tgtEl>
                                         <p:attrNameLst>
                                           <p:attrName>style.visibility</p:attrName>
@@ -24488,7 +24488,7 @@
                                           </p:stCondLst>
                                         </p:cTn>
                                         <p:tgtEl>
-                                          <p:spTgt spid="2143"/>
+                                          <p:spTgt spid="20743"/>
                                         </p:tgtEl>
                                         <p:attrNameLst>
                                           <p:attrName>style.visibility</p:attrName>
@@ -24515,7 +24515,7 @@
                                           </p:stCondLst>
                                         </p:cTn>
                                         <p:tgtEl>
-                                          <p:spTgt spid="2144"/>
+                                          <p:spTgt spid="20744"/>
                                         </p:tgtEl>
                                         <p:attrNameLst>
                                           <p:attrName>style.visibility</p:attrName>
@@ -24542,7 +24542,7 @@
                                           </p:stCondLst>
                                         </p:cTn>
                                         <p:tgtEl>
-                                          <p:spTgt spid="2145"/>
+                                          <p:spTgt spid="20745"/>
                                         </p:tgtEl>
                                         <p:attrNameLst>
                                           <p:attrName>style.visibility</p:attrName>
@@ -24569,7 +24569,7 @@
                                           </p:stCondLst>
                                         </p:cTn>
                                         <p:tgtEl>
-                                          <p:spTgt spid="2146"/>
+                                          <p:spTgt spid="20746"/>
                                         </p:tgtEl>
                                         <p:attrNameLst>
                                           <p:attrName>style.visibility</p:attrName>
@@ -24596,7 +24596,7 @@
                                           </p:stCondLst>
                                         </p:cTn>
                                         <p:tgtEl>
-                                          <p:spTgt spid="2147"/>
+                                          <p:spTgt spid="20747"/>
                                         </p:tgtEl>
                                         <p:attrNameLst>
                                           <p:attrName>style.visibility</p:attrName>
@@ -24623,7 +24623,7 @@
                                           </p:stCondLst>
                                         </p:cTn>
                                         <p:tgtEl>
-                                          <p:spTgt spid="2148"/>
+                                          <p:spTgt spid="20748"/>
                                         </p:tgtEl>
                                         <p:attrNameLst>
                                           <p:attrName>style.visibility</p:attrName>
@@ -24650,7 +24650,7 @@
                                           </p:stCondLst>
                                         </p:cTn>
                                         <p:tgtEl>
-                                          <p:spTgt spid="2149"/>
+                                          <p:spTgt spid="20749"/>
                                         </p:tgtEl>
                                         <p:attrNameLst>
                                           <p:attrName>style.visibility</p:attrName>
@@ -24677,7 +24677,7 @@
                                           </p:stCondLst>
                                         </p:cTn>
                                         <p:tgtEl>
-                                          <p:spTgt spid="2150"/>
+                                          <p:spTgt spid="20750"/>
                                         </p:tgtEl>
                                         <p:attrNameLst>
                                           <p:attrName>style.visibility</p:attrName>
@@ -24704,7 +24704,7 @@
                                           </p:stCondLst>
                                         </p:cTn>
                                         <p:tgtEl>
-                                          <p:spTgt spid="2151"/>
+                                          <p:spTgt spid="20751"/>
                                         </p:tgtEl>
                                         <p:attrNameLst>
                                           <p:attrName>style.visibility</p:attrName>
@@ -24731,7 +24731,7 @@
                                           </p:stCondLst>
                                         </p:cTn>
                                         <p:tgtEl>
-                                          <p:spTgt spid="2152"/>
+                                          <p:spTgt spid="20752"/>
                                         </p:tgtEl>
                                         <p:attrNameLst>
                                           <p:attrName>style.visibility</p:attrName>
@@ -24758,7 +24758,7 @@
                                           </p:stCondLst>
                                         </p:cTn>
                                         <p:tgtEl>
-                                          <p:spTgt spid="2153"/>
+                                          <p:spTgt spid="20753"/>
                                         </p:tgtEl>
                                         <p:attrNameLst>
                                           <p:attrName>style.visibility</p:attrName>
@@ -24785,7 +24785,7 @@
                                           </p:stCondLst>
                                         </p:cTn>
                                         <p:tgtEl>
-                                          <p:spTgt spid="2154"/>
+                                          <p:spTgt spid="20754"/>
                                         </p:tgtEl>
                                         <p:attrNameLst>
                                           <p:attrName>style.visibility</p:attrName>
@@ -24812,7 +24812,7 @@
                                           </p:stCondLst>
                                         </p:cTn>
                                         <p:tgtEl>
-                                          <p:spTgt spid="2155"/>
+                                          <p:spTgt spid="20755"/>
                                         </p:tgtEl>
                                         <p:attrNameLst>
                                           <p:attrName>style.visibility</p:attrName>
@@ -24839,7 +24839,7 @@
                                           </p:stCondLst>
                                         </p:cTn>
                                         <p:tgtEl>
-                                          <p:spTgt spid="2156"/>
+                                          <p:spTgt spid="20756"/>
                                         </p:tgtEl>
                                         <p:attrNameLst>
                                           <p:attrName>style.visibility</p:attrName>
@@ -24866,7 +24866,7 @@
                                           </p:stCondLst>
                                         </p:cTn>
                                         <p:tgtEl>
-                                          <p:spTgt spid="2157"/>
+                                          <p:spTgt spid="20757"/>
                                         </p:tgtEl>
                                         <p:attrNameLst>
                                           <p:attrName>style.visibility</p:attrName>
@@ -24893,7 +24893,7 @@
                                           </p:stCondLst>
                                         </p:cTn>
                                         <p:tgtEl>
-                                          <p:spTgt spid="2158"/>
+                                          <p:spTgt spid="20758"/>
                                         </p:tgtEl>
                                         <p:attrNameLst>
                                           <p:attrName>style.visibility</p:attrName>
@@ -24920,7 +24920,7 @@
                                           </p:stCondLst>
                                         </p:cTn>
                                         <p:tgtEl>
-                                          <p:spTgt spid="2159"/>
+                                          <p:spTgt spid="20759"/>
                                         </p:tgtEl>
                                         <p:attrNameLst>
                                           <p:attrName>style.visibility</p:attrName>
@@ -24947,7 +24947,7 @@
                                           </p:stCondLst>
                                         </p:cTn>
                                         <p:tgtEl>
-                                          <p:spTgt spid="2160"/>
+                                          <p:spTgt spid="20760"/>
                                         </p:tgtEl>
                                         <p:attrNameLst>
                                           <p:attrName>style.visibility</p:attrName>
@@ -24974,7 +24974,7 @@
                                           </p:stCondLst>
                                         </p:cTn>
                                         <p:tgtEl>
-                                          <p:spTgt spid="2161"/>
+                                          <p:spTgt spid="20761"/>
                                         </p:tgtEl>
                                         <p:attrNameLst>
                                           <p:attrName>style.visibility</p:attrName>
@@ -25001,7 +25001,7 @@
                                           </p:stCondLst>
                                         </p:cTn>
                                         <p:tgtEl>
-                                          <p:spTgt spid="2162"/>
+                                          <p:spTgt spid="20762"/>
                                         </p:tgtEl>
                                         <p:attrNameLst>
                                           <p:attrName>style.visibility</p:attrName>
@@ -25028,7 +25028,7 @@
                                           </p:stCondLst>
                                         </p:cTn>
                                         <p:tgtEl>
-                                          <p:spTgt spid="2163"/>
+                                          <p:spTgt spid="20763"/>
                                         </p:tgtEl>
                                         <p:attrNameLst>
                                           <p:attrName>style.visibility</p:attrName>
@@ -25055,7 +25055,7 @@
                                           </p:stCondLst>
                                         </p:cTn>
                                         <p:tgtEl>
-                                          <p:spTgt spid="2164"/>
+                                          <p:spTgt spid="20764"/>
                                         </p:tgtEl>
                                         <p:attrNameLst>
                                           <p:attrName>style.visibility</p:attrName>
@@ -25082,7 +25082,7 @@
                                           </p:stCondLst>
                                         </p:cTn>
                                         <p:tgtEl>
-                                          <p:spTgt spid="2165"/>
+                                          <p:spTgt spid="20765"/>
                                         </p:tgtEl>
                                         <p:attrNameLst>
                                           <p:attrName>style.visibility</p:attrName>
@@ -25109,7 +25109,7 @@
                                           </p:stCondLst>
                                         </p:cTn>
                                         <p:tgtEl>
-                                          <p:spTgt spid="2166"/>
+                                          <p:spTgt spid="20766"/>
                                         </p:tgtEl>
                                         <p:attrNameLst>
                                           <p:attrName>style.visibility</p:attrName>
@@ -25136,7 +25136,7 @@
                                           </p:stCondLst>
                                         </p:cTn>
                                         <p:tgtEl>
-                                          <p:spTgt spid="2167"/>
+                                          <p:spTgt spid="20767"/>
                                         </p:tgtEl>
                                         <p:attrNameLst>
                                           <p:attrName>style.visibility</p:attrName>
@@ -25163,7 +25163,7 @@
                                           </p:stCondLst>
                                         </p:cTn>
                                         <p:tgtEl>
-                                          <p:spTgt spid="2168"/>
+                                          <p:spTgt spid="20768"/>
                                         </p:tgtEl>
                                         <p:attrNameLst>
                                           <p:attrName>style.visibility</p:attrName>
@@ -25190,7 +25190,7 @@
                                           </p:stCondLst>
                                         </p:cTn>
                                         <p:tgtEl>
-                                          <p:spTgt spid="2169"/>
+                                          <p:spTgt spid="20769"/>
                                         </p:tgtEl>
                                         <p:attrNameLst>
                                           <p:attrName>style.visibility</p:attrName>
@@ -25217,7 +25217,7 @@
                                           </p:stCondLst>
                                         </p:cTn>
                                         <p:tgtEl>
-                                          <p:spTgt spid="2170"/>
+                                          <p:spTgt spid="20770"/>
                                         </p:tgtEl>
                                         <p:attrNameLst>
                                           <p:attrName>style.visibility</p:attrName>
@@ -25244,7 +25244,7 @@
                                           </p:stCondLst>
                                         </p:cTn>
                                         <p:tgtEl>
-                                          <p:spTgt spid="2171"/>
+                                          <p:spTgt spid="20771"/>
                                         </p:tgtEl>
                                         <p:attrNameLst>
                                           <p:attrName>style.visibility</p:attrName>
@@ -25271,7 +25271,7 @@
                                           </p:stCondLst>
                                         </p:cTn>
                                         <p:tgtEl>
-                                          <p:spTgt spid="2172"/>
+                                          <p:spTgt spid="20772"/>
                                         </p:tgtEl>
                                         <p:attrNameLst>
                                           <p:attrName>style.visibility</p:attrName>
@@ -25298,7 +25298,7 @@
                                           </p:stCondLst>
                                         </p:cTn>
                                         <p:tgtEl>
-                                          <p:spTgt spid="2173"/>
+                                          <p:spTgt spid="20773"/>
                                         </p:tgtEl>
                                         <p:attrNameLst>
                                           <p:attrName>style.visibility</p:attrName>
@@ -25325,7 +25325,7 @@
                                           </p:stCondLst>
                                         </p:cTn>
                                         <p:tgtEl>
-                                          <p:spTgt spid="2174"/>
+                                          <p:spTgt spid="20774"/>
                                         </p:tgtEl>
                                         <p:attrNameLst>
                                           <p:attrName>style.visibility</p:attrName>
@@ -25352,7 +25352,7 @@
                                           </p:stCondLst>
                                         </p:cTn>
                                         <p:tgtEl>
-                                          <p:spTgt spid="2175"/>
+                                          <p:spTgt spid="20775"/>
                                         </p:tgtEl>
                                         <p:attrNameLst>
                                           <p:attrName>style.visibility</p:attrName>
@@ -25379,7 +25379,7 @@
                                           </p:stCondLst>
                                         </p:cTn>
                                         <p:tgtEl>
-                                          <p:spTgt spid="2176"/>
+                                          <p:spTgt spid="20776"/>
                                         </p:tgtEl>
                                         <p:attrNameLst>
                                           <p:attrName>style.visibility</p:attrName>
@@ -25406,7 +25406,7 @@
                                           </p:stCondLst>
                                         </p:cTn>
                                         <p:tgtEl>
-                                          <p:spTgt spid="2177"/>
+                                          <p:spTgt spid="20777"/>
                                         </p:tgtEl>
                                         <p:attrNameLst>
                                           <p:attrName>style.visibility</p:attrName>
@@ -25433,7 +25433,7 @@
                                           </p:stCondLst>
                                         </p:cTn>
                                         <p:tgtEl>
-                                          <p:spTgt spid="2178"/>
+                                          <p:spTgt spid="20778"/>
                                         </p:tgtEl>
                                         <p:attrNameLst>
                                           <p:attrName>style.visibility</p:attrName>
@@ -25460,7 +25460,7 @@
                                           </p:stCondLst>
                                         </p:cTn>
                                         <p:tgtEl>
-                                          <p:spTgt spid="2179"/>
+                                          <p:spTgt spid="20779"/>
                                         </p:tgtEl>
                                         <p:attrNameLst>
                                           <p:attrName>style.visibility</p:attrName>
@@ -25487,7 +25487,7 @@
                                           </p:stCondLst>
                                         </p:cTn>
                                         <p:tgtEl>
-                                          <p:spTgt spid="2180"/>
+                                          <p:spTgt spid="20780"/>
                                         </p:tgtEl>
                                         <p:attrNameLst>
                                           <p:attrName>style.visibility</p:attrName>
@@ -25514,7 +25514,7 @@
                                           </p:stCondLst>
                                         </p:cTn>
                                         <p:tgtEl>
-                                          <p:spTgt spid="2181"/>
+                                          <p:spTgt spid="20781"/>
                                         </p:tgtEl>
                                         <p:attrNameLst>
                                           <p:attrName>style.visibility</p:attrName>
@@ -25541,7 +25541,7 @@
                                           </p:stCondLst>
                                         </p:cTn>
                                         <p:tgtEl>
-                                          <p:spTgt spid="2182"/>
+                                          <p:spTgt spid="20782"/>
                                         </p:tgtEl>
                                         <p:attrNameLst>
                                           <p:attrName>style.visibility</p:attrName>
@@ -25568,7 +25568,7 @@
                                           </p:stCondLst>
                                         </p:cTn>
                                         <p:tgtEl>
-                                          <p:spTgt spid="2183"/>
+                                          <p:spTgt spid="20783"/>
                                         </p:tgtEl>
                                         <p:attrNameLst>
                                           <p:attrName>style.visibility</p:attrName>
@@ -25595,7 +25595,7 @@
                                           </p:stCondLst>
                                         </p:cTn>
                                         <p:tgtEl>
-                                          <p:spTgt spid="2184"/>
+                                          <p:spTgt spid="20784"/>
                                         </p:tgtEl>
                                         <p:attrNameLst>
                                           <p:attrName>style.visibility</p:attrName>
@@ -25622,7 +25622,7 @@
                                           </p:stCondLst>
                                         </p:cTn>
                                         <p:tgtEl>
-                                          <p:spTgt spid="2185"/>
+                                          <p:spTgt spid="20785"/>
                                         </p:tgtEl>
                                         <p:attrNameLst>
                                           <p:attrName>style.visibility</p:attrName>
@@ -25649,7 +25649,7 @@
                                           </p:stCondLst>
                                         </p:cTn>
                                         <p:tgtEl>
-                                          <p:spTgt spid="2186"/>
+                                          <p:spTgt spid="20786"/>
                                         </p:tgtEl>
                                         <p:attrNameLst>
                                           <p:attrName>style.visibility</p:attrName>
@@ -25676,7 +25676,7 @@
                                           </p:stCondLst>
                                         </p:cTn>
                                         <p:tgtEl>
-                                          <p:spTgt spid="2187"/>
+                                          <p:spTgt spid="20787"/>
                                         </p:tgtEl>
                                         <p:attrNameLst>
                                           <p:attrName>style.visibility</p:attrName>
@@ -25703,7 +25703,7 @@
                                           </p:stCondLst>
                                         </p:cTn>
                                         <p:tgtEl>
-                                          <p:spTgt spid="2188"/>
+                                          <p:spTgt spid="20788"/>
                                         </p:tgtEl>
                                         <p:attrNameLst>
                                           <p:attrName>style.visibility</p:attrName>
@@ -25730,7 +25730,7 @@
                                           </p:stCondLst>
                                         </p:cTn>
                                         <p:tgtEl>
-                                          <p:spTgt spid="2189"/>
+                                          <p:spTgt spid="20789"/>
                                         </p:tgtEl>
                                         <p:attrNameLst>
                                           <p:attrName>style.visibility</p:attrName>
@@ -25757,7 +25757,7 @@
                                           </p:stCondLst>
                                         </p:cTn>
                                         <p:tgtEl>
-                                          <p:spTgt spid="2190"/>
+                                          <p:spTgt spid="20790"/>
                                         </p:tgtEl>
                                         <p:attrNameLst>
                                           <p:attrName>style.visibility</p:attrName>
@@ -25784,7 +25784,7 @@
                                           </p:stCondLst>
                                         </p:cTn>
                                         <p:tgtEl>
-                                          <p:spTgt spid="2191"/>
+                                          <p:spTgt spid="20791"/>
                                         </p:tgtEl>
                                         <p:attrNameLst>
                                           <p:attrName>style.visibility</p:attrName>
@@ -25811,7 +25811,7 @@
                                           </p:stCondLst>
                                         </p:cTn>
                                         <p:tgtEl>
-                                          <p:spTgt spid="2192"/>
+                                          <p:spTgt spid="20792"/>
                                         </p:tgtEl>
                                         <p:attrNameLst>
                                           <p:attrName>style.visibility</p:attrName>
@@ -25838,7 +25838,7 @@
                                           </p:stCondLst>
                                         </p:cTn>
                                         <p:tgtEl>
-                                          <p:spTgt spid="2193"/>
+                                          <p:spTgt spid="20793"/>
                                         </p:tgtEl>
                                         <p:attrNameLst>
                                           <p:attrName>style.visibility</p:attrName>
@@ -25865,7 +25865,7 @@
                                           </p:stCondLst>
                                         </p:cTn>
                                         <p:tgtEl>
-                                          <p:spTgt spid="2194"/>
+                                          <p:spTgt spid="20794"/>
                                         </p:tgtEl>
                                         <p:attrNameLst>
                                           <p:attrName>style.visibility</p:attrName>
@@ -25892,7 +25892,7 @@
                                           </p:stCondLst>
                                         </p:cTn>
                                         <p:tgtEl>
-                                          <p:spTgt spid="2195"/>
+                                          <p:spTgt spid="20795"/>
                                         </p:tgtEl>
                                         <p:attrNameLst>
                                           <p:attrName>style.visibility</p:attrName>
@@ -25919,7 +25919,7 @@
                                           </p:stCondLst>
                                         </p:cTn>
                                         <p:tgtEl>
-                                          <p:spTgt spid="2196"/>
+                                          <p:spTgt spid="20796"/>
                                         </p:tgtEl>
                                         <p:attrNameLst>
                                           <p:attrName>style.visibility</p:attrName>
@@ -25946,7 +25946,7 @@
                                           </p:stCondLst>
                                         </p:cTn>
                                         <p:tgtEl>
-                                          <p:spTgt spid="2197"/>
+                                          <p:spTgt spid="20797"/>
                                         </p:tgtEl>
                                         <p:attrNameLst>
                                           <p:attrName>style.visibility</p:attrName>
@@ -25973,7 +25973,7 @@
                                           </p:stCondLst>
                                         </p:cTn>
                                         <p:tgtEl>
-                                          <p:spTgt spid="2198"/>
+                                          <p:spTgt spid="20798"/>
                                         </p:tgtEl>
                                         <p:attrNameLst>
                                           <p:attrName>style.visibility</p:attrName>
@@ -26000,7 +26000,7 @@
                                           </p:stCondLst>
                                         </p:cTn>
                                         <p:tgtEl>
-                                          <p:spTgt spid="2199"/>
+                                          <p:spTgt spid="20799"/>
                                         </p:tgtEl>
                                         <p:attrNameLst>
                                           <p:attrName>style.visibility</p:attrName>

--- a/org.mwc.debrief.legacy/test_data/master_template/speed_change/speed_change_temp.pptx
+++ b/org.mwc.debrief.legacy/test_data/master_template/speed_change/speed_change_temp.pptx
@@ -3905,7 +3905,7 @@
       </p:pic>
       <p:sp>
         <p:nvSpPr>
-          <p:cNvPr id="20600" name="footprint"/>
+          <p:cNvPr id="30000" name="footprint"/>
           <p:cNvSpPr/>
           <p:nvPr/>
         </p:nvSpPr>
@@ -3946,7 +3946,7 @@
       </p:sp>
       <p:sp>
         <p:nvSpPr>
-          <p:cNvPr id="20601" name="footprint"/>
+          <p:cNvPr id="30001" name="footprint"/>
           <p:cNvSpPr/>
           <p:nvPr/>
         </p:nvSpPr>
@@ -3987,7 +3987,7 @@
       </p:sp>
       <p:sp>
         <p:nvSpPr>
-          <p:cNvPr id="20602" name="footprint"/>
+          <p:cNvPr id="30002" name="footprint"/>
           <p:cNvSpPr/>
           <p:nvPr/>
         </p:nvSpPr>
@@ -4028,7 +4028,7 @@
       </p:sp>
       <p:sp>
         <p:nvSpPr>
-          <p:cNvPr id="20603" name="footprint"/>
+          <p:cNvPr id="30003" name="footprint"/>
           <p:cNvSpPr/>
           <p:nvPr/>
         </p:nvSpPr>
@@ -4069,7 +4069,7 @@
       </p:sp>
       <p:sp>
         <p:nvSpPr>
-          <p:cNvPr id="20604" name="footprint"/>
+          <p:cNvPr id="30004" name="footprint"/>
           <p:cNvSpPr/>
           <p:nvPr/>
         </p:nvSpPr>
@@ -4110,7 +4110,7 @@
       </p:sp>
       <p:sp>
         <p:nvSpPr>
-          <p:cNvPr id="20605" name="footprint"/>
+          <p:cNvPr id="30005" name="footprint"/>
           <p:cNvSpPr/>
           <p:nvPr/>
         </p:nvSpPr>
@@ -4151,7 +4151,7 @@
       </p:sp>
       <p:sp>
         <p:nvSpPr>
-          <p:cNvPr id="20606" name="footprint"/>
+          <p:cNvPr id="30006" name="footprint"/>
           <p:cNvSpPr/>
           <p:nvPr/>
         </p:nvSpPr>
@@ -4192,7 +4192,7 @@
       </p:sp>
       <p:sp>
         <p:nvSpPr>
-          <p:cNvPr id="20607" name="footprint"/>
+          <p:cNvPr id="30007" name="footprint"/>
           <p:cNvSpPr/>
           <p:nvPr/>
         </p:nvSpPr>
@@ -4233,7 +4233,7 @@
       </p:sp>
       <p:sp>
         <p:nvSpPr>
-          <p:cNvPr id="20608" name="footprint"/>
+          <p:cNvPr id="30008" name="footprint"/>
           <p:cNvSpPr/>
           <p:nvPr/>
         </p:nvSpPr>
@@ -4274,7 +4274,7 @@
       </p:sp>
       <p:sp>
         <p:nvSpPr>
-          <p:cNvPr id="20609" name="footprint"/>
+          <p:cNvPr id="30009" name="footprint"/>
           <p:cNvSpPr/>
           <p:nvPr/>
         </p:nvSpPr>
@@ -4315,7 +4315,7 @@
       </p:sp>
       <p:sp>
         <p:nvSpPr>
-          <p:cNvPr id="20610" name="footprint"/>
+          <p:cNvPr id="30010" name="footprint"/>
           <p:cNvSpPr/>
           <p:nvPr/>
         </p:nvSpPr>
@@ -4356,7 +4356,7 @@
       </p:sp>
       <p:sp>
         <p:nvSpPr>
-          <p:cNvPr id="20611" name="footprint"/>
+          <p:cNvPr id="30011" name="footprint"/>
           <p:cNvSpPr/>
           <p:nvPr/>
         </p:nvSpPr>
@@ -4397,7 +4397,7 @@
       </p:sp>
       <p:sp>
         <p:nvSpPr>
-          <p:cNvPr id="20612" name="footprint"/>
+          <p:cNvPr id="30012" name="footprint"/>
           <p:cNvSpPr/>
           <p:nvPr/>
         </p:nvSpPr>
@@ -4438,7 +4438,7 @@
       </p:sp>
       <p:sp>
         <p:nvSpPr>
-          <p:cNvPr id="20613" name="footprint"/>
+          <p:cNvPr id="30013" name="footprint"/>
           <p:cNvSpPr/>
           <p:nvPr/>
         </p:nvSpPr>
@@ -4479,7 +4479,7 @@
       </p:sp>
       <p:sp>
         <p:nvSpPr>
-          <p:cNvPr id="20614" name="footprint"/>
+          <p:cNvPr id="30014" name="footprint"/>
           <p:cNvSpPr/>
           <p:nvPr/>
         </p:nvSpPr>
@@ -4520,7 +4520,7 @@
       </p:sp>
       <p:sp>
         <p:nvSpPr>
-          <p:cNvPr id="20615" name="footprint"/>
+          <p:cNvPr id="30015" name="footprint"/>
           <p:cNvSpPr/>
           <p:nvPr/>
         </p:nvSpPr>
@@ -4561,7 +4561,7 @@
       </p:sp>
       <p:sp>
         <p:nvSpPr>
-          <p:cNvPr id="20616" name="footprint"/>
+          <p:cNvPr id="30016" name="footprint"/>
           <p:cNvSpPr/>
           <p:nvPr/>
         </p:nvSpPr>
@@ -4602,7 +4602,7 @@
       </p:sp>
       <p:sp>
         <p:nvSpPr>
-          <p:cNvPr id="20617" name="footprint"/>
+          <p:cNvPr id="30017" name="footprint"/>
           <p:cNvSpPr/>
           <p:nvPr/>
         </p:nvSpPr>
@@ -4643,7 +4643,7 @@
       </p:sp>
       <p:sp>
         <p:nvSpPr>
-          <p:cNvPr id="20618" name="footprint"/>
+          <p:cNvPr id="30018" name="footprint"/>
           <p:cNvSpPr/>
           <p:nvPr/>
         </p:nvSpPr>
@@ -4684,7 +4684,7 @@
       </p:sp>
       <p:sp>
         <p:nvSpPr>
-          <p:cNvPr id="20619" name="footprint"/>
+          <p:cNvPr id="30019" name="footprint"/>
           <p:cNvSpPr/>
           <p:nvPr/>
         </p:nvSpPr>
@@ -4725,7 +4725,7 @@
       </p:sp>
       <p:sp>
         <p:nvSpPr>
-          <p:cNvPr id="20620" name="footprint"/>
+          <p:cNvPr id="30020" name="footprint"/>
           <p:cNvSpPr/>
           <p:nvPr/>
         </p:nvSpPr>
@@ -4766,7 +4766,7 @@
       </p:sp>
       <p:sp>
         <p:nvSpPr>
-          <p:cNvPr id="20621" name="footprint"/>
+          <p:cNvPr id="30021" name="footprint"/>
           <p:cNvSpPr/>
           <p:nvPr/>
         </p:nvSpPr>
@@ -4807,7 +4807,7 @@
       </p:sp>
       <p:sp>
         <p:nvSpPr>
-          <p:cNvPr id="20622" name="footprint"/>
+          <p:cNvPr id="30022" name="footprint"/>
           <p:cNvSpPr/>
           <p:nvPr/>
         </p:nvSpPr>
@@ -4848,7 +4848,7 @@
       </p:sp>
       <p:sp>
         <p:nvSpPr>
-          <p:cNvPr id="20623" name="footprint"/>
+          <p:cNvPr id="30023" name="footprint"/>
           <p:cNvSpPr/>
           <p:nvPr/>
         </p:nvSpPr>
@@ -4889,7 +4889,7 @@
       </p:sp>
       <p:sp>
         <p:nvSpPr>
-          <p:cNvPr id="20624" name="footprint"/>
+          <p:cNvPr id="30024" name="footprint"/>
           <p:cNvSpPr/>
           <p:nvPr/>
         </p:nvSpPr>
@@ -4930,7 +4930,7 @@
       </p:sp>
       <p:sp>
         <p:nvSpPr>
-          <p:cNvPr id="20625" name="footprint"/>
+          <p:cNvPr id="30025" name="footprint"/>
           <p:cNvSpPr/>
           <p:nvPr/>
         </p:nvSpPr>
@@ -4971,7 +4971,7 @@
       </p:sp>
       <p:sp>
         <p:nvSpPr>
-          <p:cNvPr id="20626" name="footprint"/>
+          <p:cNvPr id="30026" name="footprint"/>
           <p:cNvSpPr/>
           <p:nvPr/>
         </p:nvSpPr>
@@ -5012,7 +5012,7 @@
       </p:sp>
       <p:sp>
         <p:nvSpPr>
-          <p:cNvPr id="20627" name="footprint"/>
+          <p:cNvPr id="30027" name="footprint"/>
           <p:cNvSpPr/>
           <p:nvPr/>
         </p:nvSpPr>
@@ -5053,7 +5053,7 @@
       </p:sp>
       <p:sp>
         <p:nvSpPr>
-          <p:cNvPr id="20628" name="footprint"/>
+          <p:cNvPr id="30028" name="footprint"/>
           <p:cNvSpPr/>
           <p:nvPr/>
         </p:nvSpPr>
@@ -5094,7 +5094,7 @@
       </p:sp>
       <p:sp>
         <p:nvSpPr>
-          <p:cNvPr id="20629" name="footprint"/>
+          <p:cNvPr id="30029" name="footprint"/>
           <p:cNvSpPr/>
           <p:nvPr/>
         </p:nvSpPr>
@@ -5135,7 +5135,7 @@
       </p:sp>
       <p:sp>
         <p:nvSpPr>
-          <p:cNvPr id="20630" name="footprint"/>
+          <p:cNvPr id="30030" name="footprint"/>
           <p:cNvSpPr/>
           <p:nvPr/>
         </p:nvSpPr>
@@ -5176,7 +5176,7 @@
       </p:sp>
       <p:sp>
         <p:nvSpPr>
-          <p:cNvPr id="20631" name="footprint"/>
+          <p:cNvPr id="30031" name="footprint"/>
           <p:cNvSpPr/>
           <p:nvPr/>
         </p:nvSpPr>
@@ -5217,7 +5217,7 @@
       </p:sp>
       <p:sp>
         <p:nvSpPr>
-          <p:cNvPr id="20632" name="footprint"/>
+          <p:cNvPr id="30032" name="footprint"/>
           <p:cNvSpPr/>
           <p:nvPr/>
         </p:nvSpPr>
@@ -5258,7 +5258,7 @@
       </p:sp>
       <p:sp>
         <p:nvSpPr>
-          <p:cNvPr id="20633" name="footprint"/>
+          <p:cNvPr id="30033" name="footprint"/>
           <p:cNvSpPr/>
           <p:nvPr/>
         </p:nvSpPr>
@@ -5299,7 +5299,7 @@
       </p:sp>
       <p:sp>
         <p:nvSpPr>
-          <p:cNvPr id="20634" name="footprint"/>
+          <p:cNvPr id="30034" name="footprint"/>
           <p:cNvSpPr/>
           <p:nvPr/>
         </p:nvSpPr>
@@ -5340,7 +5340,7 @@
       </p:sp>
       <p:sp>
         <p:nvSpPr>
-          <p:cNvPr id="20635" name="footprint"/>
+          <p:cNvPr id="30035" name="footprint"/>
           <p:cNvSpPr/>
           <p:nvPr/>
         </p:nvSpPr>
@@ -5381,7 +5381,7 @@
       </p:sp>
       <p:sp>
         <p:nvSpPr>
-          <p:cNvPr id="20636" name="footprint"/>
+          <p:cNvPr id="30036" name="footprint"/>
           <p:cNvSpPr/>
           <p:nvPr/>
         </p:nvSpPr>
@@ -5422,7 +5422,7 @@
       </p:sp>
       <p:sp>
         <p:nvSpPr>
-          <p:cNvPr id="20637" name="footprint"/>
+          <p:cNvPr id="30037" name="footprint"/>
           <p:cNvSpPr/>
           <p:nvPr/>
         </p:nvSpPr>
@@ -5463,7 +5463,7 @@
       </p:sp>
       <p:sp>
         <p:nvSpPr>
-          <p:cNvPr id="20638" name="footprint"/>
+          <p:cNvPr id="30038" name="footprint"/>
           <p:cNvSpPr/>
           <p:nvPr/>
         </p:nvSpPr>
@@ -5504,7 +5504,7 @@
       </p:sp>
       <p:sp>
         <p:nvSpPr>
-          <p:cNvPr id="20639" name="footprint"/>
+          <p:cNvPr id="30039" name="footprint"/>
           <p:cNvSpPr/>
           <p:nvPr/>
         </p:nvSpPr>
@@ -5545,7 +5545,7 @@
       </p:sp>
       <p:sp>
         <p:nvSpPr>
-          <p:cNvPr id="20640" name="footprint"/>
+          <p:cNvPr id="30040" name="footprint"/>
           <p:cNvSpPr/>
           <p:nvPr/>
         </p:nvSpPr>
@@ -5586,7 +5586,7 @@
       </p:sp>
       <p:sp>
         <p:nvSpPr>
-          <p:cNvPr id="20641" name="footprint"/>
+          <p:cNvPr id="30041" name="footprint"/>
           <p:cNvSpPr/>
           <p:nvPr/>
         </p:nvSpPr>
@@ -5627,7 +5627,7 @@
       </p:sp>
       <p:sp>
         <p:nvSpPr>
-          <p:cNvPr id="20642" name="footprint"/>
+          <p:cNvPr id="30042" name="footprint"/>
           <p:cNvSpPr/>
           <p:nvPr/>
         </p:nvSpPr>
@@ -5668,7 +5668,7 @@
       </p:sp>
       <p:sp>
         <p:nvSpPr>
-          <p:cNvPr id="20643" name="footprint"/>
+          <p:cNvPr id="30043" name="footprint"/>
           <p:cNvSpPr/>
           <p:nvPr/>
         </p:nvSpPr>
@@ -5709,7 +5709,7 @@
       </p:sp>
       <p:sp>
         <p:nvSpPr>
-          <p:cNvPr id="20644" name="footprint"/>
+          <p:cNvPr id="30044" name="footprint"/>
           <p:cNvSpPr/>
           <p:nvPr/>
         </p:nvSpPr>
@@ -5750,7 +5750,7 @@
       </p:sp>
       <p:sp>
         <p:nvSpPr>
-          <p:cNvPr id="20645" name="footprint"/>
+          <p:cNvPr id="30045" name="footprint"/>
           <p:cNvSpPr/>
           <p:nvPr/>
         </p:nvSpPr>
@@ -5791,7 +5791,7 @@
       </p:sp>
       <p:sp>
         <p:nvSpPr>
-          <p:cNvPr id="20646" name="footprint"/>
+          <p:cNvPr id="30046" name="footprint"/>
           <p:cNvSpPr/>
           <p:nvPr/>
         </p:nvSpPr>
@@ -5832,7 +5832,7 @@
       </p:sp>
       <p:sp>
         <p:nvSpPr>
-          <p:cNvPr id="20647" name="footprint"/>
+          <p:cNvPr id="30047" name="footprint"/>
           <p:cNvSpPr/>
           <p:nvPr/>
         </p:nvSpPr>
@@ -5873,7 +5873,7 @@
       </p:sp>
       <p:sp>
         <p:nvSpPr>
-          <p:cNvPr id="20648" name="footprint"/>
+          <p:cNvPr id="30048" name="footprint"/>
           <p:cNvSpPr/>
           <p:nvPr/>
         </p:nvSpPr>
@@ -5914,7 +5914,7 @@
       </p:sp>
       <p:sp>
         <p:nvSpPr>
-          <p:cNvPr id="20649" name="footprint"/>
+          <p:cNvPr id="30049" name="footprint"/>
           <p:cNvSpPr/>
           <p:nvPr/>
         </p:nvSpPr>
@@ -5955,7 +5955,7 @@
       </p:sp>
       <p:sp>
         <p:nvSpPr>
-          <p:cNvPr id="20650" name="footprint"/>
+          <p:cNvPr id="30050" name="footprint"/>
           <p:cNvSpPr/>
           <p:nvPr/>
         </p:nvSpPr>
@@ -5996,7 +5996,7 @@
       </p:sp>
       <p:sp>
         <p:nvSpPr>
-          <p:cNvPr id="20651" name="footprint"/>
+          <p:cNvPr id="30051" name="footprint"/>
           <p:cNvSpPr/>
           <p:nvPr/>
         </p:nvSpPr>
@@ -6037,7 +6037,7 @@
       </p:sp>
       <p:sp>
         <p:nvSpPr>
-          <p:cNvPr id="20652" name="footprint"/>
+          <p:cNvPr id="30052" name="footprint"/>
           <p:cNvSpPr/>
           <p:nvPr/>
         </p:nvSpPr>
@@ -6078,7 +6078,7 @@
       </p:sp>
       <p:sp>
         <p:nvSpPr>
-          <p:cNvPr id="20653" name="footprint"/>
+          <p:cNvPr id="30053" name="footprint"/>
           <p:cNvSpPr/>
           <p:nvPr/>
         </p:nvSpPr>
@@ -6119,7 +6119,7 @@
       </p:sp>
       <p:sp>
         <p:nvSpPr>
-          <p:cNvPr id="20654" name="footprint"/>
+          <p:cNvPr id="30054" name="footprint"/>
           <p:cNvSpPr/>
           <p:nvPr/>
         </p:nvSpPr>
@@ -6160,7 +6160,7 @@
       </p:sp>
       <p:sp>
         <p:nvSpPr>
-          <p:cNvPr id="20655" name="footprint"/>
+          <p:cNvPr id="30055" name="footprint"/>
           <p:cNvSpPr/>
           <p:nvPr/>
         </p:nvSpPr>
@@ -6201,7 +6201,7 @@
       </p:sp>
       <p:sp>
         <p:nvSpPr>
-          <p:cNvPr id="20656" name="footprint"/>
+          <p:cNvPr id="30056" name="footprint"/>
           <p:cNvSpPr/>
           <p:nvPr/>
         </p:nvSpPr>
@@ -6242,7 +6242,7 @@
       </p:sp>
       <p:sp>
         <p:nvSpPr>
-          <p:cNvPr id="20657" name="footprint"/>
+          <p:cNvPr id="30057" name="footprint"/>
           <p:cNvSpPr/>
           <p:nvPr/>
         </p:nvSpPr>
@@ -6283,7 +6283,7 @@
       </p:sp>
       <p:sp>
         <p:nvSpPr>
-          <p:cNvPr id="20658" name="footprint"/>
+          <p:cNvPr id="30058" name="footprint"/>
           <p:cNvSpPr/>
           <p:nvPr/>
         </p:nvSpPr>
@@ -6324,7 +6324,7 @@
       </p:sp>
       <p:sp>
         <p:nvSpPr>
-          <p:cNvPr id="20659" name="footprint"/>
+          <p:cNvPr id="30059" name="footprint"/>
           <p:cNvSpPr/>
           <p:nvPr/>
         </p:nvSpPr>
@@ -6365,7 +6365,7 @@
       </p:sp>
       <p:sp>
         <p:nvSpPr>
-          <p:cNvPr id="20660" name="footprint"/>
+          <p:cNvPr id="30060" name="footprint"/>
           <p:cNvSpPr/>
           <p:nvPr/>
         </p:nvSpPr>
@@ -6406,7 +6406,7 @@
       </p:sp>
       <p:sp>
         <p:nvSpPr>
-          <p:cNvPr id="20661" name="footprint"/>
+          <p:cNvPr id="30061" name="footprint"/>
           <p:cNvSpPr/>
           <p:nvPr/>
         </p:nvSpPr>
@@ -6447,7 +6447,7 @@
       </p:sp>
       <p:sp>
         <p:nvSpPr>
-          <p:cNvPr id="20662" name="footprint"/>
+          <p:cNvPr id="30062" name="footprint"/>
           <p:cNvSpPr/>
           <p:nvPr/>
         </p:nvSpPr>
@@ -6488,7 +6488,7 @@
       </p:sp>
       <p:sp>
         <p:nvSpPr>
-          <p:cNvPr id="20663" name="footprint"/>
+          <p:cNvPr id="30063" name="footprint"/>
           <p:cNvSpPr/>
           <p:nvPr/>
         </p:nvSpPr>
@@ -6529,7 +6529,7 @@
       </p:sp>
       <p:sp>
         <p:nvSpPr>
-          <p:cNvPr id="20664" name="footprint"/>
+          <p:cNvPr id="30064" name="footprint"/>
           <p:cNvSpPr/>
           <p:nvPr/>
         </p:nvSpPr>
@@ -6570,7 +6570,7 @@
       </p:sp>
       <p:sp>
         <p:nvSpPr>
-          <p:cNvPr id="20665" name="footprint"/>
+          <p:cNvPr id="30065" name="footprint"/>
           <p:cNvSpPr/>
           <p:nvPr/>
         </p:nvSpPr>
@@ -6611,7 +6611,7 @@
       </p:sp>
       <p:sp>
         <p:nvSpPr>
-          <p:cNvPr id="20666" name="footprint"/>
+          <p:cNvPr id="30066" name="footprint"/>
           <p:cNvSpPr/>
           <p:nvPr/>
         </p:nvSpPr>
@@ -6652,7 +6652,7 @@
       </p:sp>
       <p:sp>
         <p:nvSpPr>
-          <p:cNvPr id="20667" name="footprint"/>
+          <p:cNvPr id="30067" name="footprint"/>
           <p:cNvSpPr/>
           <p:nvPr/>
         </p:nvSpPr>
@@ -6693,7 +6693,7 @@
       </p:sp>
       <p:sp>
         <p:nvSpPr>
-          <p:cNvPr id="20668" name="footprint"/>
+          <p:cNvPr id="30068" name="footprint"/>
           <p:cNvSpPr/>
           <p:nvPr/>
         </p:nvSpPr>
@@ -6734,7 +6734,7 @@
       </p:sp>
       <p:sp>
         <p:nvSpPr>
-          <p:cNvPr id="20669" name="footprint"/>
+          <p:cNvPr id="30069" name="footprint"/>
           <p:cNvSpPr/>
           <p:nvPr/>
         </p:nvSpPr>
@@ -6775,7 +6775,7 @@
       </p:sp>
       <p:sp>
         <p:nvSpPr>
-          <p:cNvPr id="20670" name="footprint"/>
+          <p:cNvPr id="30070" name="footprint"/>
           <p:cNvSpPr/>
           <p:nvPr/>
         </p:nvSpPr>
@@ -6816,7 +6816,7 @@
       </p:sp>
       <p:sp>
         <p:nvSpPr>
-          <p:cNvPr id="20671" name="footprint"/>
+          <p:cNvPr id="30071" name="footprint"/>
           <p:cNvSpPr/>
           <p:nvPr/>
         </p:nvSpPr>
@@ -6857,7 +6857,7 @@
       </p:sp>
       <p:sp>
         <p:nvSpPr>
-          <p:cNvPr id="20672" name="footprint"/>
+          <p:cNvPr id="30072" name="footprint"/>
           <p:cNvSpPr/>
           <p:nvPr/>
         </p:nvSpPr>
@@ -6898,7 +6898,7 @@
       </p:sp>
       <p:sp>
         <p:nvSpPr>
-          <p:cNvPr id="20673" name="footprint"/>
+          <p:cNvPr id="30073" name="footprint"/>
           <p:cNvSpPr/>
           <p:nvPr/>
         </p:nvSpPr>
@@ -6939,7 +6939,7 @@
       </p:sp>
       <p:sp>
         <p:nvSpPr>
-          <p:cNvPr id="20674" name="footprint"/>
+          <p:cNvPr id="30074" name="footprint"/>
           <p:cNvSpPr/>
           <p:nvPr/>
         </p:nvSpPr>
@@ -6980,7 +6980,7 @@
       </p:sp>
       <p:sp>
         <p:nvSpPr>
-          <p:cNvPr id="20675" name="footprint"/>
+          <p:cNvPr id="30075" name="footprint"/>
           <p:cNvSpPr/>
           <p:nvPr/>
         </p:nvSpPr>
@@ -7021,7 +7021,7 @@
       </p:sp>
       <p:sp>
         <p:nvSpPr>
-          <p:cNvPr id="20676" name="footprint"/>
+          <p:cNvPr id="30076" name="footprint"/>
           <p:cNvSpPr/>
           <p:nvPr/>
         </p:nvSpPr>
@@ -7062,7 +7062,7 @@
       </p:sp>
       <p:sp>
         <p:nvSpPr>
-          <p:cNvPr id="20677" name="footprint"/>
+          <p:cNvPr id="30077" name="footprint"/>
           <p:cNvSpPr/>
           <p:nvPr/>
         </p:nvSpPr>
@@ -7103,7 +7103,7 @@
       </p:sp>
       <p:sp>
         <p:nvSpPr>
-          <p:cNvPr id="20678" name="footprint"/>
+          <p:cNvPr id="30078" name="footprint"/>
           <p:cNvSpPr/>
           <p:nvPr/>
         </p:nvSpPr>
@@ -7144,7 +7144,7 @@
       </p:sp>
       <p:sp>
         <p:nvSpPr>
-          <p:cNvPr id="20679" name="footprint"/>
+          <p:cNvPr id="30079" name="footprint"/>
           <p:cNvSpPr/>
           <p:nvPr/>
         </p:nvSpPr>
@@ -7185,7 +7185,7 @@
       </p:sp>
       <p:sp>
         <p:nvSpPr>
-          <p:cNvPr id="20680" name="footprint"/>
+          <p:cNvPr id="30080" name="footprint"/>
           <p:cNvSpPr/>
           <p:nvPr/>
         </p:nvSpPr>
@@ -7226,7 +7226,7 @@
       </p:sp>
       <p:sp>
         <p:nvSpPr>
-          <p:cNvPr id="20681" name="footprint"/>
+          <p:cNvPr id="30081" name="footprint"/>
           <p:cNvSpPr/>
           <p:nvPr/>
         </p:nvSpPr>
@@ -7267,7 +7267,7 @@
       </p:sp>
       <p:sp>
         <p:nvSpPr>
-          <p:cNvPr id="20682" name="footprint"/>
+          <p:cNvPr id="30082" name="footprint"/>
           <p:cNvSpPr/>
           <p:nvPr/>
         </p:nvSpPr>
@@ -7308,7 +7308,7 @@
       </p:sp>
       <p:sp>
         <p:nvSpPr>
-          <p:cNvPr id="20683" name="footprint"/>
+          <p:cNvPr id="30083" name="footprint"/>
           <p:cNvSpPr/>
           <p:nvPr/>
         </p:nvSpPr>
@@ -7349,7 +7349,7 @@
       </p:sp>
       <p:sp>
         <p:nvSpPr>
-          <p:cNvPr id="20684" name="footprint"/>
+          <p:cNvPr id="30084" name="footprint"/>
           <p:cNvSpPr/>
           <p:nvPr/>
         </p:nvSpPr>
@@ -7390,7 +7390,7 @@
       </p:sp>
       <p:sp>
         <p:nvSpPr>
-          <p:cNvPr id="20685" name="footprint"/>
+          <p:cNvPr id="30085" name="footprint"/>
           <p:cNvSpPr/>
           <p:nvPr/>
         </p:nvSpPr>
@@ -7431,7 +7431,7 @@
       </p:sp>
       <p:sp>
         <p:nvSpPr>
-          <p:cNvPr id="20686" name="footprint"/>
+          <p:cNvPr id="30086" name="footprint"/>
           <p:cNvSpPr/>
           <p:nvPr/>
         </p:nvSpPr>
@@ -7472,7 +7472,7 @@
       </p:sp>
       <p:sp>
         <p:nvSpPr>
-          <p:cNvPr id="20687" name="footprint"/>
+          <p:cNvPr id="30087" name="footprint"/>
           <p:cNvSpPr/>
           <p:nvPr/>
         </p:nvSpPr>
@@ -7513,7 +7513,7 @@
       </p:sp>
       <p:sp>
         <p:nvSpPr>
-          <p:cNvPr id="20688" name="footprint"/>
+          <p:cNvPr id="30088" name="footprint"/>
           <p:cNvSpPr/>
           <p:nvPr/>
         </p:nvSpPr>
@@ -7554,7 +7554,7 @@
       </p:sp>
       <p:sp>
         <p:nvSpPr>
-          <p:cNvPr id="20689" name="footprint"/>
+          <p:cNvPr id="30089" name="footprint"/>
           <p:cNvSpPr/>
           <p:nvPr/>
         </p:nvSpPr>
@@ -7595,7 +7595,7 @@
       </p:sp>
       <p:sp>
         <p:nvSpPr>
-          <p:cNvPr id="20690" name="footprint"/>
+          <p:cNvPr id="30090" name="footprint"/>
           <p:cNvSpPr/>
           <p:nvPr/>
         </p:nvSpPr>
@@ -7636,7 +7636,7 @@
       </p:sp>
       <p:sp>
         <p:nvSpPr>
-          <p:cNvPr id="20691" name="footprint"/>
+          <p:cNvPr id="30091" name="footprint"/>
           <p:cNvSpPr/>
           <p:nvPr/>
         </p:nvSpPr>
@@ -7677,7 +7677,7 @@
       </p:sp>
       <p:sp>
         <p:nvSpPr>
-          <p:cNvPr id="20692" name="footprint"/>
+          <p:cNvPr id="30092" name="footprint"/>
           <p:cNvSpPr/>
           <p:nvPr/>
         </p:nvSpPr>
@@ -7718,7 +7718,7 @@
       </p:sp>
       <p:sp>
         <p:nvSpPr>
-          <p:cNvPr id="20693" name="footprint"/>
+          <p:cNvPr id="30093" name="footprint"/>
           <p:cNvSpPr/>
           <p:nvPr/>
         </p:nvSpPr>
@@ -7759,7 +7759,7 @@
       </p:sp>
       <p:sp>
         <p:nvSpPr>
-          <p:cNvPr id="20694" name="footprint"/>
+          <p:cNvPr id="30094" name="footprint"/>
           <p:cNvSpPr/>
           <p:nvPr/>
         </p:nvSpPr>
@@ -7800,7 +7800,7 @@
       </p:sp>
       <p:sp>
         <p:nvSpPr>
-          <p:cNvPr id="20695" name="footprint"/>
+          <p:cNvPr id="30095" name="footprint"/>
           <p:cNvSpPr/>
           <p:nvPr/>
         </p:nvSpPr>
@@ -7841,7 +7841,7 @@
       </p:sp>
       <p:sp>
         <p:nvSpPr>
-          <p:cNvPr id="20696" name="footprint"/>
+          <p:cNvPr id="30096" name="footprint"/>
           <p:cNvSpPr/>
           <p:nvPr/>
         </p:nvSpPr>
@@ -7882,7 +7882,7 @@
       </p:sp>
       <p:sp>
         <p:nvSpPr>
-          <p:cNvPr id="20697" name="footprint"/>
+          <p:cNvPr id="30097" name="footprint"/>
           <p:cNvSpPr/>
           <p:nvPr/>
         </p:nvSpPr>
@@ -7923,7 +7923,7 @@
       </p:sp>
       <p:sp>
         <p:nvSpPr>
-          <p:cNvPr id="20698" name="footprint"/>
+          <p:cNvPr id="30098" name="footprint"/>
           <p:cNvSpPr/>
           <p:nvPr/>
         </p:nvSpPr>
@@ -7964,7 +7964,7 @@
       </p:sp>
       <p:sp>
         <p:nvSpPr>
-          <p:cNvPr id="20699" name="footprint"/>
+          <p:cNvPr id="30099" name="footprint"/>
           <p:cNvSpPr/>
           <p:nvPr/>
         </p:nvSpPr>
@@ -8005,7 +8005,7 @@
       </p:sp>
       <p:sp>
         <p:nvSpPr>
-          <p:cNvPr id="20700" name="footprint"/>
+          <p:cNvPr id="30100" name="footprint"/>
           <p:cNvSpPr/>
           <p:nvPr/>
         </p:nvSpPr>
@@ -8046,7 +8046,7 @@
       </p:sp>
       <p:sp>
         <p:nvSpPr>
-          <p:cNvPr id="20701" name="footprint"/>
+          <p:cNvPr id="30101" name="footprint"/>
           <p:cNvSpPr/>
           <p:nvPr/>
         </p:nvSpPr>
@@ -8087,7 +8087,7 @@
       </p:sp>
       <p:sp>
         <p:nvSpPr>
-          <p:cNvPr id="20702" name="footprint"/>
+          <p:cNvPr id="30102" name="footprint"/>
           <p:cNvSpPr/>
           <p:nvPr/>
         </p:nvSpPr>
@@ -8128,7 +8128,7 @@
       </p:sp>
       <p:sp>
         <p:nvSpPr>
-          <p:cNvPr id="20703" name="footprint"/>
+          <p:cNvPr id="30103" name="footprint"/>
           <p:cNvSpPr/>
           <p:nvPr/>
         </p:nvSpPr>
@@ -8169,7 +8169,7 @@
       </p:sp>
       <p:sp>
         <p:nvSpPr>
-          <p:cNvPr id="20704" name="footprint"/>
+          <p:cNvPr id="30104" name="footprint"/>
           <p:cNvSpPr/>
           <p:nvPr/>
         </p:nvSpPr>
@@ -8210,7 +8210,7 @@
       </p:sp>
       <p:sp>
         <p:nvSpPr>
-          <p:cNvPr id="20705" name="footprint"/>
+          <p:cNvPr id="30105" name="footprint"/>
           <p:cNvSpPr/>
           <p:nvPr/>
         </p:nvSpPr>
@@ -8251,7 +8251,7 @@
       </p:sp>
       <p:sp>
         <p:nvSpPr>
-          <p:cNvPr id="20706" name="footprint"/>
+          <p:cNvPr id="30106" name="footprint"/>
           <p:cNvSpPr/>
           <p:nvPr/>
         </p:nvSpPr>
@@ -8292,7 +8292,7 @@
       </p:sp>
       <p:sp>
         <p:nvSpPr>
-          <p:cNvPr id="20707" name="footprint"/>
+          <p:cNvPr id="30107" name="footprint"/>
           <p:cNvSpPr/>
           <p:nvPr/>
         </p:nvSpPr>
@@ -8333,7 +8333,7 @@
       </p:sp>
       <p:sp>
         <p:nvSpPr>
-          <p:cNvPr id="20708" name="footprint"/>
+          <p:cNvPr id="30108" name="footprint"/>
           <p:cNvSpPr/>
           <p:nvPr/>
         </p:nvSpPr>
@@ -8374,7 +8374,7 @@
       </p:sp>
       <p:sp>
         <p:nvSpPr>
-          <p:cNvPr id="20709" name="footprint"/>
+          <p:cNvPr id="30109" name="footprint"/>
           <p:cNvSpPr/>
           <p:nvPr/>
         </p:nvSpPr>
@@ -8415,7 +8415,7 @@
       </p:sp>
       <p:sp>
         <p:nvSpPr>
-          <p:cNvPr id="20710" name="footprint"/>
+          <p:cNvPr id="30110" name="footprint"/>
           <p:cNvSpPr/>
           <p:nvPr/>
         </p:nvSpPr>
@@ -8456,7 +8456,7 @@
       </p:sp>
       <p:sp>
         <p:nvSpPr>
-          <p:cNvPr id="20711" name="footprint"/>
+          <p:cNvPr id="30111" name="footprint"/>
           <p:cNvSpPr/>
           <p:nvPr/>
         </p:nvSpPr>
@@ -8497,7 +8497,7 @@
       </p:sp>
       <p:sp>
         <p:nvSpPr>
-          <p:cNvPr id="20712" name="footprint"/>
+          <p:cNvPr id="30112" name="footprint"/>
           <p:cNvSpPr/>
           <p:nvPr/>
         </p:nvSpPr>
@@ -8538,7 +8538,7 @@
       </p:sp>
       <p:sp>
         <p:nvSpPr>
-          <p:cNvPr id="20713" name="footprint"/>
+          <p:cNvPr id="30113" name="footprint"/>
           <p:cNvSpPr/>
           <p:nvPr/>
         </p:nvSpPr>
@@ -8579,7 +8579,7 @@
       </p:sp>
       <p:sp>
         <p:nvSpPr>
-          <p:cNvPr id="20714" name="footprint"/>
+          <p:cNvPr id="30114" name="footprint"/>
           <p:cNvSpPr/>
           <p:nvPr/>
         </p:nvSpPr>
@@ -8620,7 +8620,7 @@
       </p:sp>
       <p:sp>
         <p:nvSpPr>
-          <p:cNvPr id="20715" name="footprint"/>
+          <p:cNvPr id="30115" name="footprint"/>
           <p:cNvSpPr/>
           <p:nvPr/>
         </p:nvSpPr>
@@ -8661,7 +8661,7 @@
       </p:sp>
       <p:sp>
         <p:nvSpPr>
-          <p:cNvPr id="20716" name="footprint"/>
+          <p:cNvPr id="30116" name="footprint"/>
           <p:cNvSpPr/>
           <p:nvPr/>
         </p:nvSpPr>
@@ -8702,7 +8702,7 @@
       </p:sp>
       <p:sp>
         <p:nvSpPr>
-          <p:cNvPr id="20717" name="footprint"/>
+          <p:cNvPr id="30117" name="footprint"/>
           <p:cNvSpPr/>
           <p:nvPr/>
         </p:nvSpPr>
@@ -8743,7 +8743,7 @@
       </p:sp>
       <p:sp>
         <p:nvSpPr>
-          <p:cNvPr id="20718" name="footprint"/>
+          <p:cNvPr id="30118" name="footprint"/>
           <p:cNvSpPr/>
           <p:nvPr/>
         </p:nvSpPr>
@@ -8784,7 +8784,7 @@
       </p:sp>
       <p:sp>
         <p:nvSpPr>
-          <p:cNvPr id="20719" name="footprint"/>
+          <p:cNvPr id="30119" name="footprint"/>
           <p:cNvSpPr/>
           <p:nvPr/>
         </p:nvSpPr>
@@ -8825,7 +8825,7 @@
       </p:sp>
       <p:sp>
         <p:nvSpPr>
-          <p:cNvPr id="20720" name="footprint"/>
+          <p:cNvPr id="30120" name="footprint"/>
           <p:cNvSpPr/>
           <p:nvPr/>
         </p:nvSpPr>
@@ -8866,7 +8866,7 @@
       </p:sp>
       <p:sp>
         <p:nvSpPr>
-          <p:cNvPr id="20721" name="footprint"/>
+          <p:cNvPr id="30121" name="footprint"/>
           <p:cNvSpPr/>
           <p:nvPr/>
         </p:nvSpPr>
@@ -8907,7 +8907,7 @@
       </p:sp>
       <p:sp>
         <p:nvSpPr>
-          <p:cNvPr id="20722" name="footprint"/>
+          <p:cNvPr id="30122" name="footprint"/>
           <p:cNvSpPr/>
           <p:nvPr/>
         </p:nvSpPr>
@@ -8948,7 +8948,7 @@
       </p:sp>
       <p:sp>
         <p:nvSpPr>
-          <p:cNvPr id="20723" name="footprint"/>
+          <p:cNvPr id="30123" name="footprint"/>
           <p:cNvSpPr/>
           <p:nvPr/>
         </p:nvSpPr>
@@ -8989,7 +8989,7 @@
       </p:sp>
       <p:sp>
         <p:nvSpPr>
-          <p:cNvPr id="20724" name="footprint"/>
+          <p:cNvPr id="30124" name="footprint"/>
           <p:cNvSpPr/>
           <p:nvPr/>
         </p:nvSpPr>
@@ -9030,7 +9030,7 @@
       </p:sp>
       <p:sp>
         <p:nvSpPr>
-          <p:cNvPr id="20725" name="footprint"/>
+          <p:cNvPr id="30125" name="footprint"/>
           <p:cNvSpPr/>
           <p:nvPr/>
         </p:nvSpPr>
@@ -9071,7 +9071,7 @@
       </p:sp>
       <p:sp>
         <p:nvSpPr>
-          <p:cNvPr id="20726" name="footprint"/>
+          <p:cNvPr id="30126" name="footprint"/>
           <p:cNvSpPr/>
           <p:nvPr/>
         </p:nvSpPr>
@@ -9112,7 +9112,7 @@
       </p:sp>
       <p:sp>
         <p:nvSpPr>
-          <p:cNvPr id="20727" name="footprint"/>
+          <p:cNvPr id="30127" name="footprint"/>
           <p:cNvSpPr/>
           <p:nvPr/>
         </p:nvSpPr>
@@ -9153,7 +9153,7 @@
       </p:sp>
       <p:sp>
         <p:nvSpPr>
-          <p:cNvPr id="20728" name="footprint"/>
+          <p:cNvPr id="30128" name="footprint"/>
           <p:cNvSpPr/>
           <p:nvPr/>
         </p:nvSpPr>
@@ -9194,7 +9194,7 @@
       </p:sp>
       <p:sp>
         <p:nvSpPr>
-          <p:cNvPr id="20729" name="footprint"/>
+          <p:cNvPr id="30129" name="footprint"/>
           <p:cNvSpPr/>
           <p:nvPr/>
         </p:nvSpPr>
@@ -9235,7 +9235,7 @@
       </p:sp>
       <p:sp>
         <p:nvSpPr>
-          <p:cNvPr id="20730" name="footprint"/>
+          <p:cNvPr id="30130" name="footprint"/>
           <p:cNvSpPr/>
           <p:nvPr/>
         </p:nvSpPr>
@@ -9276,7 +9276,7 @@
       </p:sp>
       <p:sp>
         <p:nvSpPr>
-          <p:cNvPr id="20731" name="footprint"/>
+          <p:cNvPr id="30131" name="footprint"/>
           <p:cNvSpPr/>
           <p:nvPr/>
         </p:nvSpPr>
@@ -9317,7 +9317,7 @@
       </p:sp>
       <p:sp>
         <p:nvSpPr>
-          <p:cNvPr id="20732" name="footprint"/>
+          <p:cNvPr id="30132" name="footprint"/>
           <p:cNvSpPr/>
           <p:nvPr/>
         </p:nvSpPr>
@@ -9358,7 +9358,7 @@
       </p:sp>
       <p:sp>
         <p:nvSpPr>
-          <p:cNvPr id="20733" name="footprint"/>
+          <p:cNvPr id="30133" name="footprint"/>
           <p:cNvSpPr/>
           <p:nvPr/>
         </p:nvSpPr>
@@ -9399,7 +9399,7 @@
       </p:sp>
       <p:sp>
         <p:nvSpPr>
-          <p:cNvPr id="20734" name="footprint"/>
+          <p:cNvPr id="30134" name="footprint"/>
           <p:cNvSpPr/>
           <p:nvPr/>
         </p:nvSpPr>
@@ -9440,7 +9440,7 @@
       </p:sp>
       <p:sp>
         <p:nvSpPr>
-          <p:cNvPr id="20735" name="footprint"/>
+          <p:cNvPr id="30135" name="footprint"/>
           <p:cNvSpPr/>
           <p:nvPr/>
         </p:nvSpPr>
@@ -9481,7 +9481,7 @@
       </p:sp>
       <p:sp>
         <p:nvSpPr>
-          <p:cNvPr id="20736" name="footprint"/>
+          <p:cNvPr id="30136" name="footprint"/>
           <p:cNvSpPr/>
           <p:nvPr/>
         </p:nvSpPr>
@@ -9522,7 +9522,7 @@
       </p:sp>
       <p:sp>
         <p:nvSpPr>
-          <p:cNvPr id="20737" name="footprint"/>
+          <p:cNvPr id="30137" name="footprint"/>
           <p:cNvSpPr/>
           <p:nvPr/>
         </p:nvSpPr>
@@ -9563,7 +9563,7 @@
       </p:sp>
       <p:sp>
         <p:nvSpPr>
-          <p:cNvPr id="20738" name="footprint"/>
+          <p:cNvPr id="30138" name="footprint"/>
           <p:cNvSpPr/>
           <p:nvPr/>
         </p:nvSpPr>
@@ -9604,7 +9604,7 @@
       </p:sp>
       <p:sp>
         <p:nvSpPr>
-          <p:cNvPr id="20739" name="footprint"/>
+          <p:cNvPr id="30139" name="footprint"/>
           <p:cNvSpPr/>
           <p:nvPr/>
         </p:nvSpPr>
@@ -9645,7 +9645,7 @@
       </p:sp>
       <p:sp>
         <p:nvSpPr>
-          <p:cNvPr id="20740" name="footprint"/>
+          <p:cNvPr id="30140" name="footprint"/>
           <p:cNvSpPr/>
           <p:nvPr/>
         </p:nvSpPr>
@@ -9686,7 +9686,7 @@
       </p:sp>
       <p:sp>
         <p:nvSpPr>
-          <p:cNvPr id="20741" name="footprint"/>
+          <p:cNvPr id="30141" name="footprint"/>
           <p:cNvSpPr/>
           <p:nvPr/>
         </p:nvSpPr>
@@ -9727,7 +9727,7 @@
       </p:sp>
       <p:sp>
         <p:nvSpPr>
-          <p:cNvPr id="20742" name="footprint"/>
+          <p:cNvPr id="30142" name="footprint"/>
           <p:cNvSpPr/>
           <p:nvPr/>
         </p:nvSpPr>
@@ -9768,7 +9768,7 @@
       </p:sp>
       <p:sp>
         <p:nvSpPr>
-          <p:cNvPr id="20743" name="footprint"/>
+          <p:cNvPr id="30143" name="footprint"/>
           <p:cNvSpPr/>
           <p:nvPr/>
         </p:nvSpPr>
@@ -9809,7 +9809,7 @@
       </p:sp>
       <p:sp>
         <p:nvSpPr>
-          <p:cNvPr id="20744" name="footprint"/>
+          <p:cNvPr id="30144" name="footprint"/>
           <p:cNvSpPr/>
           <p:nvPr/>
         </p:nvSpPr>
@@ -9850,7 +9850,7 @@
       </p:sp>
       <p:sp>
         <p:nvSpPr>
-          <p:cNvPr id="20745" name="footprint"/>
+          <p:cNvPr id="30145" name="footprint"/>
           <p:cNvSpPr/>
           <p:nvPr/>
         </p:nvSpPr>
@@ -9891,7 +9891,7 @@
       </p:sp>
       <p:sp>
         <p:nvSpPr>
-          <p:cNvPr id="20746" name="footprint"/>
+          <p:cNvPr id="30146" name="footprint"/>
           <p:cNvSpPr/>
           <p:nvPr/>
         </p:nvSpPr>
@@ -9932,7 +9932,7 @@
       </p:sp>
       <p:sp>
         <p:nvSpPr>
-          <p:cNvPr id="20747" name="footprint"/>
+          <p:cNvPr id="30147" name="footprint"/>
           <p:cNvSpPr/>
           <p:nvPr/>
         </p:nvSpPr>
@@ -9973,7 +9973,7 @@
       </p:sp>
       <p:sp>
         <p:nvSpPr>
-          <p:cNvPr id="20748" name="footprint"/>
+          <p:cNvPr id="30148" name="footprint"/>
           <p:cNvSpPr/>
           <p:nvPr/>
         </p:nvSpPr>
@@ -10014,7 +10014,7 @@
       </p:sp>
       <p:sp>
         <p:nvSpPr>
-          <p:cNvPr id="20749" name="footprint"/>
+          <p:cNvPr id="30149" name="footprint"/>
           <p:cNvSpPr/>
           <p:nvPr/>
         </p:nvSpPr>
@@ -10055,7 +10055,7 @@
       </p:sp>
       <p:sp>
         <p:nvSpPr>
-          <p:cNvPr id="20750" name="footprint"/>
+          <p:cNvPr id="30150" name="footprint"/>
           <p:cNvSpPr/>
           <p:nvPr/>
         </p:nvSpPr>
@@ -10096,7 +10096,7 @@
       </p:sp>
       <p:sp>
         <p:nvSpPr>
-          <p:cNvPr id="20751" name="footprint"/>
+          <p:cNvPr id="30151" name="footprint"/>
           <p:cNvSpPr/>
           <p:nvPr/>
         </p:nvSpPr>
@@ -10137,7 +10137,7 @@
       </p:sp>
       <p:sp>
         <p:nvSpPr>
-          <p:cNvPr id="20752" name="footprint"/>
+          <p:cNvPr id="30152" name="footprint"/>
           <p:cNvSpPr/>
           <p:nvPr/>
         </p:nvSpPr>
@@ -10178,7 +10178,7 @@
       </p:sp>
       <p:sp>
         <p:nvSpPr>
-          <p:cNvPr id="20753" name="footprint"/>
+          <p:cNvPr id="30153" name="footprint"/>
           <p:cNvSpPr/>
           <p:nvPr/>
         </p:nvSpPr>
@@ -10219,7 +10219,7 @@
       </p:sp>
       <p:sp>
         <p:nvSpPr>
-          <p:cNvPr id="20754" name="footprint"/>
+          <p:cNvPr id="30154" name="footprint"/>
           <p:cNvSpPr/>
           <p:nvPr/>
         </p:nvSpPr>
@@ -10260,7 +10260,7 @@
       </p:sp>
       <p:sp>
         <p:nvSpPr>
-          <p:cNvPr id="20755" name="footprint"/>
+          <p:cNvPr id="30155" name="footprint"/>
           <p:cNvSpPr/>
           <p:nvPr/>
         </p:nvSpPr>
@@ -10301,7 +10301,7 @@
       </p:sp>
       <p:sp>
         <p:nvSpPr>
-          <p:cNvPr id="20756" name="footprint"/>
+          <p:cNvPr id="30156" name="footprint"/>
           <p:cNvSpPr/>
           <p:nvPr/>
         </p:nvSpPr>
@@ -10342,7 +10342,7 @@
       </p:sp>
       <p:sp>
         <p:nvSpPr>
-          <p:cNvPr id="20757" name="footprint"/>
+          <p:cNvPr id="30157" name="footprint"/>
           <p:cNvSpPr/>
           <p:nvPr/>
         </p:nvSpPr>
@@ -10383,7 +10383,7 @@
       </p:sp>
       <p:sp>
         <p:nvSpPr>
-          <p:cNvPr id="20758" name="footprint"/>
+          <p:cNvPr id="30158" name="footprint"/>
           <p:cNvSpPr/>
           <p:nvPr/>
         </p:nvSpPr>
@@ -10424,7 +10424,7 @@
       </p:sp>
       <p:sp>
         <p:nvSpPr>
-          <p:cNvPr id="20759" name="footprint"/>
+          <p:cNvPr id="30159" name="footprint"/>
           <p:cNvSpPr/>
           <p:nvPr/>
         </p:nvSpPr>
@@ -10465,7 +10465,7 @@
       </p:sp>
       <p:sp>
         <p:nvSpPr>
-          <p:cNvPr id="20760" name="footprint"/>
+          <p:cNvPr id="30160" name="footprint"/>
           <p:cNvSpPr/>
           <p:nvPr/>
         </p:nvSpPr>
@@ -10506,7 +10506,7 @@
       </p:sp>
       <p:sp>
         <p:nvSpPr>
-          <p:cNvPr id="20761" name="footprint"/>
+          <p:cNvPr id="30161" name="footprint"/>
           <p:cNvSpPr/>
           <p:nvPr/>
         </p:nvSpPr>
@@ -10547,7 +10547,7 @@
       </p:sp>
       <p:sp>
         <p:nvSpPr>
-          <p:cNvPr id="20762" name="footprint"/>
+          <p:cNvPr id="30162" name="footprint"/>
           <p:cNvSpPr/>
           <p:nvPr/>
         </p:nvSpPr>
@@ -10588,7 +10588,7 @@
       </p:sp>
       <p:sp>
         <p:nvSpPr>
-          <p:cNvPr id="20763" name="footprint"/>
+          <p:cNvPr id="30163" name="footprint"/>
           <p:cNvSpPr/>
           <p:nvPr/>
         </p:nvSpPr>
@@ -10629,7 +10629,7 @@
       </p:sp>
       <p:sp>
         <p:nvSpPr>
-          <p:cNvPr id="20764" name="footprint"/>
+          <p:cNvPr id="30164" name="footprint"/>
           <p:cNvSpPr/>
           <p:nvPr/>
         </p:nvSpPr>
@@ -10670,7 +10670,7 @@
       </p:sp>
       <p:sp>
         <p:nvSpPr>
-          <p:cNvPr id="20765" name="footprint"/>
+          <p:cNvPr id="30165" name="footprint"/>
           <p:cNvSpPr/>
           <p:nvPr/>
         </p:nvSpPr>
@@ -10711,7 +10711,7 @@
       </p:sp>
       <p:sp>
         <p:nvSpPr>
-          <p:cNvPr id="20766" name="footprint"/>
+          <p:cNvPr id="30166" name="footprint"/>
           <p:cNvSpPr/>
           <p:nvPr/>
         </p:nvSpPr>
@@ -10752,7 +10752,7 @@
       </p:sp>
       <p:sp>
         <p:nvSpPr>
-          <p:cNvPr id="20767" name="footprint"/>
+          <p:cNvPr id="30167" name="footprint"/>
           <p:cNvSpPr/>
           <p:nvPr/>
         </p:nvSpPr>
@@ -10793,7 +10793,7 @@
       </p:sp>
       <p:sp>
         <p:nvSpPr>
-          <p:cNvPr id="20768" name="footprint"/>
+          <p:cNvPr id="30168" name="footprint"/>
           <p:cNvSpPr/>
           <p:nvPr/>
         </p:nvSpPr>
@@ -10834,7 +10834,7 @@
       </p:sp>
       <p:sp>
         <p:nvSpPr>
-          <p:cNvPr id="20769" name="footprint"/>
+          <p:cNvPr id="30169" name="footprint"/>
           <p:cNvSpPr/>
           <p:nvPr/>
         </p:nvSpPr>
@@ -10875,7 +10875,7 @@
       </p:sp>
       <p:sp>
         <p:nvSpPr>
-          <p:cNvPr id="20770" name="footprint"/>
+          <p:cNvPr id="30170" name="footprint"/>
           <p:cNvSpPr/>
           <p:nvPr/>
         </p:nvSpPr>
@@ -10916,7 +10916,7 @@
       </p:sp>
       <p:sp>
         <p:nvSpPr>
-          <p:cNvPr id="20771" name="footprint"/>
+          <p:cNvPr id="30171" name="footprint"/>
           <p:cNvSpPr/>
           <p:nvPr/>
         </p:nvSpPr>
@@ -10957,7 +10957,7 @@
       </p:sp>
       <p:sp>
         <p:nvSpPr>
-          <p:cNvPr id="20772" name="footprint"/>
+          <p:cNvPr id="30172" name="footprint"/>
           <p:cNvSpPr/>
           <p:nvPr/>
         </p:nvSpPr>
@@ -10998,7 +10998,7 @@
       </p:sp>
       <p:sp>
         <p:nvSpPr>
-          <p:cNvPr id="20773" name="footprint"/>
+          <p:cNvPr id="30173" name="footprint"/>
           <p:cNvSpPr/>
           <p:nvPr/>
         </p:nvSpPr>
@@ -11039,7 +11039,7 @@
       </p:sp>
       <p:sp>
         <p:nvSpPr>
-          <p:cNvPr id="20774" name="footprint"/>
+          <p:cNvPr id="30174" name="footprint"/>
           <p:cNvSpPr/>
           <p:nvPr/>
         </p:nvSpPr>
@@ -11080,7 +11080,7 @@
       </p:sp>
       <p:sp>
         <p:nvSpPr>
-          <p:cNvPr id="20775" name="footprint"/>
+          <p:cNvPr id="30175" name="footprint"/>
           <p:cNvSpPr/>
           <p:nvPr/>
         </p:nvSpPr>
@@ -11121,7 +11121,7 @@
       </p:sp>
       <p:sp>
         <p:nvSpPr>
-          <p:cNvPr id="20776" name="footprint"/>
+          <p:cNvPr id="30176" name="footprint"/>
           <p:cNvSpPr/>
           <p:nvPr/>
         </p:nvSpPr>
@@ -11162,7 +11162,7 @@
       </p:sp>
       <p:sp>
         <p:nvSpPr>
-          <p:cNvPr id="20777" name="footprint"/>
+          <p:cNvPr id="30177" name="footprint"/>
           <p:cNvSpPr/>
           <p:nvPr/>
         </p:nvSpPr>
@@ -11203,7 +11203,7 @@
       </p:sp>
       <p:sp>
         <p:nvSpPr>
-          <p:cNvPr id="20778" name="footprint"/>
+          <p:cNvPr id="30178" name="footprint"/>
           <p:cNvSpPr/>
           <p:nvPr/>
         </p:nvSpPr>
@@ -11244,7 +11244,7 @@
       </p:sp>
       <p:sp>
         <p:nvSpPr>
-          <p:cNvPr id="20779" name="footprint"/>
+          <p:cNvPr id="30179" name="footprint"/>
           <p:cNvSpPr/>
           <p:nvPr/>
         </p:nvSpPr>
@@ -11285,7 +11285,7 @@
       </p:sp>
       <p:sp>
         <p:nvSpPr>
-          <p:cNvPr id="20780" name="footprint"/>
+          <p:cNvPr id="30180" name="footprint"/>
           <p:cNvSpPr/>
           <p:nvPr/>
         </p:nvSpPr>
@@ -11326,7 +11326,7 @@
       </p:sp>
       <p:sp>
         <p:nvSpPr>
-          <p:cNvPr id="20781" name="footprint"/>
+          <p:cNvPr id="30181" name="footprint"/>
           <p:cNvSpPr/>
           <p:nvPr/>
         </p:nvSpPr>
@@ -11367,7 +11367,7 @@
       </p:sp>
       <p:sp>
         <p:nvSpPr>
-          <p:cNvPr id="20782" name="footprint"/>
+          <p:cNvPr id="30182" name="footprint"/>
           <p:cNvSpPr/>
           <p:nvPr/>
         </p:nvSpPr>
@@ -11408,7 +11408,7 @@
       </p:sp>
       <p:sp>
         <p:nvSpPr>
-          <p:cNvPr id="20783" name="footprint"/>
+          <p:cNvPr id="30183" name="footprint"/>
           <p:cNvSpPr/>
           <p:nvPr/>
         </p:nvSpPr>
@@ -11449,7 +11449,7 @@
       </p:sp>
       <p:sp>
         <p:nvSpPr>
-          <p:cNvPr id="20784" name="footprint"/>
+          <p:cNvPr id="30184" name="footprint"/>
           <p:cNvSpPr/>
           <p:nvPr/>
         </p:nvSpPr>
@@ -11490,7 +11490,7 @@
       </p:sp>
       <p:sp>
         <p:nvSpPr>
-          <p:cNvPr id="20785" name="footprint"/>
+          <p:cNvPr id="30185" name="footprint"/>
           <p:cNvSpPr/>
           <p:nvPr/>
         </p:nvSpPr>
@@ -11531,7 +11531,7 @@
       </p:sp>
       <p:sp>
         <p:nvSpPr>
-          <p:cNvPr id="20786" name="footprint"/>
+          <p:cNvPr id="30186" name="footprint"/>
           <p:cNvSpPr/>
           <p:nvPr/>
         </p:nvSpPr>
@@ -11572,7 +11572,7 @@
       </p:sp>
       <p:sp>
         <p:nvSpPr>
-          <p:cNvPr id="20787" name="footprint"/>
+          <p:cNvPr id="30187" name="footprint"/>
           <p:cNvSpPr/>
           <p:nvPr/>
         </p:nvSpPr>
@@ -11613,7 +11613,7 @@
       </p:sp>
       <p:sp>
         <p:nvSpPr>
-          <p:cNvPr id="20788" name="footprint"/>
+          <p:cNvPr id="30188" name="footprint"/>
           <p:cNvSpPr/>
           <p:nvPr/>
         </p:nvSpPr>
@@ -11654,7 +11654,7 @@
       </p:sp>
       <p:sp>
         <p:nvSpPr>
-          <p:cNvPr id="20789" name="footprint"/>
+          <p:cNvPr id="30189" name="footprint"/>
           <p:cNvSpPr/>
           <p:nvPr/>
         </p:nvSpPr>
@@ -11695,7 +11695,7 @@
       </p:sp>
       <p:sp>
         <p:nvSpPr>
-          <p:cNvPr id="20790" name="footprint"/>
+          <p:cNvPr id="30190" name="footprint"/>
           <p:cNvSpPr/>
           <p:nvPr/>
         </p:nvSpPr>
@@ -11736,7 +11736,7 @@
       </p:sp>
       <p:sp>
         <p:nvSpPr>
-          <p:cNvPr id="20791" name="footprint"/>
+          <p:cNvPr id="30191" name="footprint"/>
           <p:cNvSpPr/>
           <p:nvPr/>
         </p:nvSpPr>
@@ -11777,7 +11777,7 @@
       </p:sp>
       <p:sp>
         <p:nvSpPr>
-          <p:cNvPr id="20792" name="footprint"/>
+          <p:cNvPr id="30192" name="footprint"/>
           <p:cNvSpPr/>
           <p:nvPr/>
         </p:nvSpPr>
@@ -11818,7 +11818,7 @@
       </p:sp>
       <p:sp>
         <p:nvSpPr>
-          <p:cNvPr id="20793" name="footprint"/>
+          <p:cNvPr id="30193" name="footprint"/>
           <p:cNvSpPr/>
           <p:nvPr/>
         </p:nvSpPr>
@@ -11859,7 +11859,7 @@
       </p:sp>
       <p:sp>
         <p:nvSpPr>
-          <p:cNvPr id="20794" name="footprint"/>
+          <p:cNvPr id="30194" name="footprint"/>
           <p:cNvSpPr/>
           <p:nvPr/>
         </p:nvSpPr>
@@ -11900,7 +11900,7 @@
       </p:sp>
       <p:sp>
         <p:nvSpPr>
-          <p:cNvPr id="20795" name="footprint"/>
+          <p:cNvPr id="30195" name="footprint"/>
           <p:cNvSpPr/>
           <p:nvPr/>
         </p:nvSpPr>
@@ -11941,7 +11941,7 @@
       </p:sp>
       <p:sp>
         <p:nvSpPr>
-          <p:cNvPr id="20796" name="footprint"/>
+          <p:cNvPr id="30196" name="footprint"/>
           <p:cNvSpPr/>
           <p:nvPr/>
         </p:nvSpPr>
@@ -11982,7 +11982,7 @@
       </p:sp>
       <p:sp>
         <p:nvSpPr>
-          <p:cNvPr id="20797" name="footprint"/>
+          <p:cNvPr id="30197" name="footprint"/>
           <p:cNvSpPr/>
           <p:nvPr/>
         </p:nvSpPr>
@@ -12023,7 +12023,7 @@
       </p:sp>
       <p:sp>
         <p:nvSpPr>
-          <p:cNvPr id="20798" name="footprint"/>
+          <p:cNvPr id="30198" name="footprint"/>
           <p:cNvSpPr/>
           <p:nvPr/>
         </p:nvSpPr>
@@ -12064,7 +12064,7 @@
       </p:sp>
       <p:sp>
         <p:nvSpPr>
-          <p:cNvPr id="20799" name="footprint"/>
+          <p:cNvPr id="30199" name="footprint"/>
           <p:cNvSpPr/>
           <p:nvPr/>
         </p:nvSpPr>
@@ -12166,7 +12166,7 @@
       </p:sp>
       <p:sp>
         <p:nvSpPr>
-          <p:cNvPr id="601" name="marker"/>
+          <p:cNvPr id="10001" name="marker"/>
           <p:cNvSpPr/>
           <p:nvPr/>
         </p:nvSpPr>
@@ -12227,7 +12227,7 @@
       </p:sp>
       <p:sp>
         <p:nvSpPr>
-          <p:cNvPr id="602" name="marker"/>
+          <p:cNvPr id="10002" name="marker"/>
           <p:cNvSpPr/>
           <p:nvPr/>
         </p:nvSpPr>
@@ -12288,7 +12288,7 @@
       </p:sp>
       <p:sp>
         <p:nvSpPr>
-          <p:cNvPr id="603" name="marker"/>
+          <p:cNvPr id="10003" name="marker"/>
           <p:cNvSpPr/>
           <p:nvPr/>
         </p:nvSpPr>
@@ -12349,7 +12349,7 @@
       </p:sp>
       <p:sp>
         <p:nvSpPr>
-          <p:cNvPr id="604" name="marker"/>
+          <p:cNvPr id="10004" name="marker"/>
           <p:cNvSpPr/>
           <p:nvPr/>
         </p:nvSpPr>
@@ -17837,7 +17837,7 @@
                                           </p:stCondLst>
                                         </p:cTn>
                                         <p:tgtEl>
-                                          <p:spTgt spid="604"/>
+                                          <p:spTgt spid="10004"/>
                                         </p:tgtEl>
                                         <p:attrNameLst>
                                           <p:attrName>style.visibility</p:attrName>
@@ -17864,7 +17864,7 @@
                                           </p:stCondLst>
                                         </p:cTn>
                                         <p:tgtEl>
-                                          <p:spTgt spid="603"/>
+                                          <p:spTgt spid="10003"/>
                                         </p:tgtEl>
                                         <p:attrNameLst>
                                           <p:attrName>style.visibility</p:attrName>
@@ -17891,7 +17891,7 @@
                                           </p:stCondLst>
                                         </p:cTn>
                                         <p:tgtEl>
-                                          <p:spTgt spid="602"/>
+                                          <p:spTgt spid="10002"/>
                                         </p:tgtEl>
                                         <p:attrNameLst>
                                           <p:attrName>style.visibility</p:attrName>
@@ -17918,7 +17918,7 @@
                                           </p:stCondLst>
                                         </p:cTn>
                                         <p:tgtEl>
-                                          <p:spTgt spid="601"/>
+                                          <p:spTgt spid="10001"/>
                                         </p:tgtEl>
                                         <p:attrNameLst>
                                           <p:attrName>style.visibility</p:attrName>
@@ -18497,7 +18497,7 @@
                                       <p:cBhvr>
                                         <p:cTn id="8" dur="100" fill="hold"/>
                                         <p:tgtEl>
-                                          <p:spTgt spid="601"/>
+                                          <p:spTgt spid="10001"/>
                                         </p:tgtEl>
                                         <p:attrNameLst>
                                           <p:attrName>ppt_x</p:attrName>
@@ -18510,7 +18510,7 @@
                                       <p:cBhvr>
                                         <p:cTn id="9" dur="100" fill="hold"/>
                                         <p:tgtEl>
-                                          <p:spTgt spid="601"/>
+                                          <p:spTgt spid="10001"/>
                                         </p:tgtEl>
                                         <p:attrNameLst>
                                           <p:attrName>ppt_x</p:attrName>
@@ -18523,7 +18523,7 @@
                                       <p:cBhvr>
                                         <p:cTn id="10" dur="100" fill="hold"/>
                                         <p:tgtEl>
-                                          <p:spTgt spid="601"/>
+                                          <p:spTgt spid="10001"/>
                                         </p:tgtEl>
                                         <p:attrNameLst>
                                           <p:attrName>ppt_x</p:attrName>
@@ -18536,7 +18536,7 @@
                                       <p:cBhvr>
                                         <p:cTn id="11" dur="100" fill="hold"/>
                                         <p:tgtEl>
-                                          <p:spTgt spid="601"/>
+                                          <p:spTgt spid="10001"/>
                                         </p:tgtEl>
                                         <p:attrNameLst>
                                           <p:attrName>ppt_x</p:attrName>
@@ -18549,7 +18549,7 @@
                                       <p:cBhvr>
                                         <p:cTn id="12" dur="100" fill="hold"/>
                                         <p:tgtEl>
-                                          <p:spTgt spid="601"/>
+                                          <p:spTgt spid="10001"/>
                                         </p:tgtEl>
                                         <p:attrNameLst>
                                           <p:attrName>ppt_x</p:attrName>
@@ -18562,7 +18562,7 @@
                                       <p:cBhvr>
                                         <p:cTn id="13" dur="100" fill="hold"/>
                                         <p:tgtEl>
-                                          <p:spTgt spid="601"/>
+                                          <p:spTgt spid="10001"/>
                                         </p:tgtEl>
                                         <p:attrNameLst>
                                           <p:attrName>ppt_x</p:attrName>
@@ -18575,7 +18575,7 @@
                                       <p:cBhvr>
                                         <p:cTn id="14" dur="100" fill="hold"/>
                                         <p:tgtEl>
-                                          <p:spTgt spid="601"/>
+                                          <p:spTgt spid="10001"/>
                                         </p:tgtEl>
                                         <p:attrNameLst>
                                           <p:attrName>ppt_x</p:attrName>
@@ -18588,7 +18588,7 @@
                                       <p:cBhvr>
                                         <p:cTn id="15" dur="100" fill="hold"/>
                                         <p:tgtEl>
-                                          <p:spTgt spid="601"/>
+                                          <p:spTgt spid="10001"/>
                                         </p:tgtEl>
                                         <p:attrNameLst>
                                           <p:attrName>ppt_x</p:attrName>
@@ -18601,7 +18601,7 @@
                                       <p:cBhvr>
                                         <p:cTn id="16" dur="100" fill="hold"/>
                                         <p:tgtEl>
-                                          <p:spTgt spid="601"/>
+                                          <p:spTgt spid="10001"/>
                                         </p:tgtEl>
                                         <p:attrNameLst>
                                           <p:attrName>ppt_x</p:attrName>
@@ -18614,7 +18614,7 @@
                                       <p:cBhvr>
                                         <p:cTn id="17" dur="100" fill="hold"/>
                                         <p:tgtEl>
-                                          <p:spTgt spid="601"/>
+                                          <p:spTgt spid="10001"/>
                                         </p:tgtEl>
                                         <p:attrNameLst>
                                           <p:attrName>ppt_x</p:attrName>
@@ -18627,7 +18627,7 @@
                                       <p:cBhvr>
                                         <p:cTn id="18" dur="100" fill="hold"/>
                                         <p:tgtEl>
-                                          <p:spTgt spid="601"/>
+                                          <p:spTgt spid="10001"/>
                                         </p:tgtEl>
                                         <p:attrNameLst>
                                           <p:attrName>ppt_x</p:attrName>
@@ -18640,7 +18640,7 @@
                                       <p:cBhvr>
                                         <p:cTn id="19" dur="100" fill="hold"/>
                                         <p:tgtEl>
-                                          <p:spTgt spid="601"/>
+                                          <p:spTgt spid="10001"/>
                                         </p:tgtEl>
                                         <p:attrNameLst>
                                           <p:attrName>ppt_x</p:attrName>
@@ -18653,7 +18653,7 @@
                                       <p:cBhvr>
                                         <p:cTn id="20" dur="100" fill="hold"/>
                                         <p:tgtEl>
-                                          <p:spTgt spid="601"/>
+                                          <p:spTgt spid="10001"/>
                                         </p:tgtEl>
                                         <p:attrNameLst>
                                           <p:attrName>ppt_x</p:attrName>
@@ -18666,7 +18666,7 @@
                                       <p:cBhvr>
                                         <p:cTn id="21" dur="100" fill="hold"/>
                                         <p:tgtEl>
-                                          <p:spTgt spid="601"/>
+                                          <p:spTgt spid="10001"/>
                                         </p:tgtEl>
                                         <p:attrNameLst>
                                           <p:attrName>ppt_x</p:attrName>
@@ -18679,7 +18679,7 @@
                                       <p:cBhvr>
                                         <p:cTn id="22" dur="100" fill="hold"/>
                                         <p:tgtEl>
-                                          <p:spTgt spid="601"/>
+                                          <p:spTgt spid="10001"/>
                                         </p:tgtEl>
                                         <p:attrNameLst>
                                           <p:attrName>ppt_x</p:attrName>
@@ -18692,7 +18692,7 @@
                                       <p:cBhvr>
                                         <p:cTn id="23" dur="100" fill="hold"/>
                                         <p:tgtEl>
-                                          <p:spTgt spid="601"/>
+                                          <p:spTgt spid="10001"/>
                                         </p:tgtEl>
                                         <p:attrNameLst>
                                           <p:attrName>ppt_x</p:attrName>
@@ -18705,7 +18705,7 @@
                                       <p:cBhvr>
                                         <p:cTn id="24" dur="100" fill="hold"/>
                                         <p:tgtEl>
-                                          <p:spTgt spid="601"/>
+                                          <p:spTgt spid="10001"/>
                                         </p:tgtEl>
                                         <p:attrNameLst>
                                           <p:attrName>ppt_x</p:attrName>
@@ -18718,7 +18718,7 @@
                                       <p:cBhvr>
                                         <p:cTn id="25" dur="100" fill="hold"/>
                                         <p:tgtEl>
-                                          <p:spTgt spid="601"/>
+                                          <p:spTgt spid="10001"/>
                                         </p:tgtEl>
                                         <p:attrNameLst>
                                           <p:attrName>ppt_x</p:attrName>
@@ -18731,7 +18731,7 @@
                                       <p:cBhvr>
                                         <p:cTn id="26" dur="100" fill="hold"/>
                                         <p:tgtEl>
-                                          <p:spTgt spid="601"/>
+                                          <p:spTgt spid="10001"/>
                                         </p:tgtEl>
                                         <p:attrNameLst>
                                           <p:attrName>ppt_x</p:attrName>
@@ -18744,7 +18744,7 @@
                                       <p:cBhvr>
                                         <p:cTn id="27" dur="100" fill="hold"/>
                                         <p:tgtEl>
-                                          <p:spTgt spid="601"/>
+                                          <p:spTgt spid="10001"/>
                                         </p:tgtEl>
                                         <p:attrNameLst>
                                           <p:attrName>ppt_x</p:attrName>
@@ -18757,7 +18757,7 @@
                                       <p:cBhvr>
                                         <p:cTn id="28" dur="100" fill="hold"/>
                                         <p:tgtEl>
-                                          <p:spTgt spid="601"/>
+                                          <p:spTgt spid="10001"/>
                                         </p:tgtEl>
                                         <p:attrNameLst>
                                           <p:attrName>ppt_x</p:attrName>
@@ -18770,7 +18770,7 @@
                                       <p:cBhvr>
                                         <p:cTn id="29" dur="100" fill="hold"/>
                                         <p:tgtEl>
-                                          <p:spTgt spid="601"/>
+                                          <p:spTgt spid="10001"/>
                                         </p:tgtEl>
                                         <p:attrNameLst>
                                           <p:attrName>ppt_x</p:attrName>
@@ -18783,7 +18783,7 @@
                                       <p:cBhvr>
                                         <p:cTn id="30" dur="100" fill="hold"/>
                                         <p:tgtEl>
-                                          <p:spTgt spid="601"/>
+                                          <p:spTgt spid="10001"/>
                                         </p:tgtEl>
                                         <p:attrNameLst>
                                           <p:attrName>ppt_x</p:attrName>
@@ -18796,7 +18796,7 @@
                                       <p:cBhvr>
                                         <p:cTn id="31" dur="100" fill="hold"/>
                                         <p:tgtEl>
-                                          <p:spTgt spid="601"/>
+                                          <p:spTgt spid="10001"/>
                                         </p:tgtEl>
                                         <p:attrNameLst>
                                           <p:attrName>ppt_x</p:attrName>
@@ -18809,7 +18809,7 @@
                                       <p:cBhvr>
                                         <p:cTn id="32" dur="100" fill="hold"/>
                                         <p:tgtEl>
-                                          <p:spTgt spid="601"/>
+                                          <p:spTgt spid="10001"/>
                                         </p:tgtEl>
                                         <p:attrNameLst>
                                           <p:attrName>ppt_x</p:attrName>
@@ -18822,7 +18822,7 @@
                                       <p:cBhvr>
                                         <p:cTn id="33" dur="100" fill="hold"/>
                                         <p:tgtEl>
-                                          <p:spTgt spid="601"/>
+                                          <p:spTgt spid="10001"/>
                                         </p:tgtEl>
                                         <p:attrNameLst>
                                           <p:attrName>ppt_x</p:attrName>
@@ -18835,7 +18835,7 @@
                                       <p:cBhvr>
                                         <p:cTn id="34" dur="100" fill="hold"/>
                                         <p:tgtEl>
-                                          <p:spTgt spid="601"/>
+                                          <p:spTgt spid="10001"/>
                                         </p:tgtEl>
                                         <p:attrNameLst>
                                           <p:attrName>ppt_x</p:attrName>
@@ -18848,7 +18848,7 @@
                                       <p:cBhvr>
                                         <p:cTn id="35" dur="100" fill="hold"/>
                                         <p:tgtEl>
-                                          <p:spTgt spid="601"/>
+                                          <p:spTgt spid="10001"/>
                                         </p:tgtEl>
                                         <p:attrNameLst>
                                           <p:attrName>ppt_x</p:attrName>
@@ -18861,7 +18861,7 @@
                                       <p:cBhvr>
                                         <p:cTn id="36" dur="100" fill="hold"/>
                                         <p:tgtEl>
-                                          <p:spTgt spid="601"/>
+                                          <p:spTgt spid="10001"/>
                                         </p:tgtEl>
                                         <p:attrNameLst>
                                           <p:attrName>ppt_x</p:attrName>
@@ -18874,7 +18874,7 @@
                                       <p:cBhvr>
                                         <p:cTn id="37" dur="100" fill="hold"/>
                                         <p:tgtEl>
-                                          <p:spTgt spid="601"/>
+                                          <p:spTgt spid="10001"/>
                                         </p:tgtEl>
                                         <p:attrNameLst>
                                           <p:attrName>ppt_x</p:attrName>
@@ -18887,7 +18887,7 @@
                                       <p:cBhvr>
                                         <p:cTn id="38" dur="100" fill="hold"/>
                                         <p:tgtEl>
-                                          <p:spTgt spid="601"/>
+                                          <p:spTgt spid="10001"/>
                                         </p:tgtEl>
                                         <p:attrNameLst>
                                           <p:attrName>ppt_x</p:attrName>
@@ -18900,7 +18900,7 @@
                                       <p:cBhvr>
                                         <p:cTn id="39" dur="100" fill="hold"/>
                                         <p:tgtEl>
-                                          <p:spTgt spid="601"/>
+                                          <p:spTgt spid="10001"/>
                                         </p:tgtEl>
                                         <p:attrNameLst>
                                           <p:attrName>ppt_x</p:attrName>
@@ -18913,7 +18913,7 @@
                                       <p:cBhvr>
                                         <p:cTn id="40" dur="100" fill="hold"/>
                                         <p:tgtEl>
-                                          <p:spTgt spid="601"/>
+                                          <p:spTgt spid="10001"/>
                                         </p:tgtEl>
                                         <p:attrNameLst>
                                           <p:attrName>ppt_x</p:attrName>
@@ -18926,7 +18926,7 @@
                                       <p:cBhvr>
                                         <p:cTn id="41" dur="100" fill="hold"/>
                                         <p:tgtEl>
-                                          <p:spTgt spid="601"/>
+                                          <p:spTgt spid="10001"/>
                                         </p:tgtEl>
                                         <p:attrNameLst>
                                           <p:attrName>ppt_x</p:attrName>
@@ -18939,7 +18939,7 @@
                                       <p:cBhvr>
                                         <p:cTn id="42" dur="100" fill="hold"/>
                                         <p:tgtEl>
-                                          <p:spTgt spid="601"/>
+                                          <p:spTgt spid="10001"/>
                                         </p:tgtEl>
                                         <p:attrNameLst>
                                           <p:attrName>ppt_x</p:attrName>
@@ -18952,7 +18952,7 @@
                                       <p:cBhvr>
                                         <p:cTn id="43" dur="100" fill="hold"/>
                                         <p:tgtEl>
-                                          <p:spTgt spid="601"/>
+                                          <p:spTgt spid="10001"/>
                                         </p:tgtEl>
                                         <p:attrNameLst>
                                           <p:attrName>ppt_x</p:attrName>
@@ -18965,7 +18965,7 @@
                                       <p:cBhvr>
                                         <p:cTn id="44" dur="100" fill="hold"/>
                                         <p:tgtEl>
-                                          <p:spTgt spid="601"/>
+                                          <p:spTgt spid="10001"/>
                                         </p:tgtEl>
                                         <p:attrNameLst>
                                           <p:attrName>ppt_x</p:attrName>
@@ -18978,7 +18978,7 @@
                                       <p:cBhvr>
                                         <p:cTn id="45" dur="100" fill="hold"/>
                                         <p:tgtEl>
-                                          <p:spTgt spid="601"/>
+                                          <p:spTgt spid="10001"/>
                                         </p:tgtEl>
                                         <p:attrNameLst>
                                           <p:attrName>ppt_x</p:attrName>
@@ -18991,7 +18991,7 @@
                                       <p:cBhvr>
                                         <p:cTn id="46" dur="100" fill="hold"/>
                                         <p:tgtEl>
-                                          <p:spTgt spid="601"/>
+                                          <p:spTgt spid="10001"/>
                                         </p:tgtEl>
                                         <p:attrNameLst>
                                           <p:attrName>ppt_x</p:attrName>
@@ -19004,7 +19004,7 @@
                                       <p:cBhvr>
                                         <p:cTn id="47" dur="100" fill="hold"/>
                                         <p:tgtEl>
-                                          <p:spTgt spid="601"/>
+                                          <p:spTgt spid="10001"/>
                                         </p:tgtEl>
                                         <p:attrNameLst>
                                           <p:attrName>ppt_x</p:attrName>
@@ -19026,7 +19026,7 @@
                                       <p:cBhvr>
                                         <p:cTn id="9" dur="100" fill="hold"/>
                                         <p:tgtEl>
-                                          <p:spTgt spid="602"/>
+                                          <p:spTgt spid="10002"/>
                                         </p:tgtEl>
                                         <p:attrNameLst>
                                           <p:attrName>ppt_x</p:attrName>
@@ -19039,7 +19039,7 @@
                                       <p:cBhvr>
                                         <p:cTn id="10" dur="100" fill="hold"/>
                                         <p:tgtEl>
-                                          <p:spTgt spid="602"/>
+                                          <p:spTgt spid="10002"/>
                                         </p:tgtEl>
                                         <p:attrNameLst>
                                           <p:attrName>ppt_x</p:attrName>
@@ -19052,7 +19052,7 @@
                                       <p:cBhvr>
                                         <p:cTn id="11" dur="100" fill="hold"/>
                                         <p:tgtEl>
-                                          <p:spTgt spid="602"/>
+                                          <p:spTgt spid="10002"/>
                                         </p:tgtEl>
                                         <p:attrNameLst>
                                           <p:attrName>ppt_x</p:attrName>
@@ -19065,7 +19065,7 @@
                                       <p:cBhvr>
                                         <p:cTn id="12" dur="100" fill="hold"/>
                                         <p:tgtEl>
-                                          <p:spTgt spid="602"/>
+                                          <p:spTgt spid="10002"/>
                                         </p:tgtEl>
                                         <p:attrNameLst>
                                           <p:attrName>ppt_x</p:attrName>
@@ -19078,7 +19078,7 @@
                                       <p:cBhvr>
                                         <p:cTn id="13" dur="100" fill="hold"/>
                                         <p:tgtEl>
-                                          <p:spTgt spid="602"/>
+                                          <p:spTgt spid="10002"/>
                                         </p:tgtEl>
                                         <p:attrNameLst>
                                           <p:attrName>ppt_x</p:attrName>
@@ -19091,7 +19091,7 @@
                                       <p:cBhvr>
                                         <p:cTn id="14" dur="100" fill="hold"/>
                                         <p:tgtEl>
-                                          <p:spTgt spid="602"/>
+                                          <p:spTgt spid="10002"/>
                                         </p:tgtEl>
                                         <p:attrNameLst>
                                           <p:attrName>ppt_x</p:attrName>
@@ -19104,7 +19104,7 @@
                                       <p:cBhvr>
                                         <p:cTn id="15" dur="100" fill="hold"/>
                                         <p:tgtEl>
-                                          <p:spTgt spid="602"/>
+                                          <p:spTgt spid="10002"/>
                                         </p:tgtEl>
                                         <p:attrNameLst>
                                           <p:attrName>ppt_x</p:attrName>
@@ -19117,7 +19117,7 @@
                                       <p:cBhvr>
                                         <p:cTn id="16" dur="100" fill="hold"/>
                                         <p:tgtEl>
-                                          <p:spTgt spid="602"/>
+                                          <p:spTgt spid="10002"/>
                                         </p:tgtEl>
                                         <p:attrNameLst>
                                           <p:attrName>ppt_x</p:attrName>
@@ -19130,7 +19130,7 @@
                                       <p:cBhvr>
                                         <p:cTn id="17" dur="100" fill="hold"/>
                                         <p:tgtEl>
-                                          <p:spTgt spid="602"/>
+                                          <p:spTgt spid="10002"/>
                                         </p:tgtEl>
                                         <p:attrNameLst>
                                           <p:attrName>ppt_x</p:attrName>
@@ -19143,7 +19143,7 @@
                                       <p:cBhvr>
                                         <p:cTn id="18" dur="100" fill="hold"/>
                                         <p:tgtEl>
-                                          <p:spTgt spid="602"/>
+                                          <p:spTgt spid="10002"/>
                                         </p:tgtEl>
                                         <p:attrNameLst>
                                           <p:attrName>ppt_x</p:attrName>
@@ -19156,7 +19156,7 @@
                                       <p:cBhvr>
                                         <p:cTn id="19" dur="100" fill="hold"/>
                                         <p:tgtEl>
-                                          <p:spTgt spid="602"/>
+                                          <p:spTgt spid="10002"/>
                                         </p:tgtEl>
                                         <p:attrNameLst>
                                           <p:attrName>ppt_x</p:attrName>
@@ -19169,7 +19169,7 @@
                                       <p:cBhvr>
                                         <p:cTn id="20" dur="100" fill="hold"/>
                                         <p:tgtEl>
-                                          <p:spTgt spid="602"/>
+                                          <p:spTgt spid="10002"/>
                                         </p:tgtEl>
                                         <p:attrNameLst>
                                           <p:attrName>ppt_x</p:attrName>
@@ -19182,7 +19182,7 @@
                                       <p:cBhvr>
                                         <p:cTn id="21" dur="100" fill="hold"/>
                                         <p:tgtEl>
-                                          <p:spTgt spid="602"/>
+                                          <p:spTgt spid="10002"/>
                                         </p:tgtEl>
                                         <p:attrNameLst>
                                           <p:attrName>ppt_x</p:attrName>
@@ -19195,7 +19195,7 @@
                                       <p:cBhvr>
                                         <p:cTn id="22" dur="100" fill="hold"/>
                                         <p:tgtEl>
-                                          <p:spTgt spid="602"/>
+                                          <p:spTgt spid="10002"/>
                                         </p:tgtEl>
                                         <p:attrNameLst>
                                           <p:attrName>ppt_x</p:attrName>
@@ -19208,7 +19208,7 @@
                                       <p:cBhvr>
                                         <p:cTn id="23" dur="100" fill="hold"/>
                                         <p:tgtEl>
-                                          <p:spTgt spid="602"/>
+                                          <p:spTgt spid="10002"/>
                                         </p:tgtEl>
                                         <p:attrNameLst>
                                           <p:attrName>ppt_x</p:attrName>
@@ -19221,7 +19221,7 @@
                                       <p:cBhvr>
                                         <p:cTn id="24" dur="100" fill="hold"/>
                                         <p:tgtEl>
-                                          <p:spTgt spid="602"/>
+                                          <p:spTgt spid="10002"/>
                                         </p:tgtEl>
                                         <p:attrNameLst>
                                           <p:attrName>ppt_x</p:attrName>
@@ -19234,7 +19234,7 @@
                                       <p:cBhvr>
                                         <p:cTn id="25" dur="100" fill="hold"/>
                                         <p:tgtEl>
-                                          <p:spTgt spid="602"/>
+                                          <p:spTgt spid="10002"/>
                                         </p:tgtEl>
                                         <p:attrNameLst>
                                           <p:attrName>ppt_x</p:attrName>
@@ -19247,7 +19247,7 @@
                                       <p:cBhvr>
                                         <p:cTn id="26" dur="100" fill="hold"/>
                                         <p:tgtEl>
-                                          <p:spTgt spid="602"/>
+                                          <p:spTgt spid="10002"/>
                                         </p:tgtEl>
                                         <p:attrNameLst>
                                           <p:attrName>ppt_x</p:attrName>
@@ -19260,7 +19260,7 @@
                                       <p:cBhvr>
                                         <p:cTn id="27" dur="100" fill="hold"/>
                                         <p:tgtEl>
-                                          <p:spTgt spid="602"/>
+                                          <p:spTgt spid="10002"/>
                                         </p:tgtEl>
                                         <p:attrNameLst>
                                           <p:attrName>ppt_x</p:attrName>
@@ -19273,7 +19273,7 @@
                                       <p:cBhvr>
                                         <p:cTn id="28" dur="100" fill="hold"/>
                                         <p:tgtEl>
-                                          <p:spTgt spid="602"/>
+                                          <p:spTgt spid="10002"/>
                                         </p:tgtEl>
                                         <p:attrNameLst>
                                           <p:attrName>ppt_x</p:attrName>
@@ -19286,7 +19286,7 @@
                                       <p:cBhvr>
                                         <p:cTn id="29" dur="100" fill="hold"/>
                                         <p:tgtEl>
-                                          <p:spTgt spid="602"/>
+                                          <p:spTgt spid="10002"/>
                                         </p:tgtEl>
                                         <p:attrNameLst>
                                           <p:attrName>ppt_x</p:attrName>
@@ -19299,7 +19299,7 @@
                                       <p:cBhvr>
                                         <p:cTn id="30" dur="100" fill="hold"/>
                                         <p:tgtEl>
-                                          <p:spTgt spid="602"/>
+                                          <p:spTgt spid="10002"/>
                                         </p:tgtEl>
                                         <p:attrNameLst>
                                           <p:attrName>ppt_x</p:attrName>
@@ -19312,7 +19312,7 @@
                                       <p:cBhvr>
                                         <p:cTn id="31" dur="100" fill="hold"/>
                                         <p:tgtEl>
-                                          <p:spTgt spid="602"/>
+                                          <p:spTgt spid="10002"/>
                                         </p:tgtEl>
                                         <p:attrNameLst>
                                           <p:attrName>ppt_x</p:attrName>
@@ -19325,7 +19325,7 @@
                                       <p:cBhvr>
                                         <p:cTn id="32" dur="100" fill="hold"/>
                                         <p:tgtEl>
-                                          <p:spTgt spid="602"/>
+                                          <p:spTgt spid="10002"/>
                                         </p:tgtEl>
                                         <p:attrNameLst>
                                           <p:attrName>ppt_x</p:attrName>
@@ -19338,7 +19338,7 @@
                                       <p:cBhvr>
                                         <p:cTn id="33" dur="100" fill="hold"/>
                                         <p:tgtEl>
-                                          <p:spTgt spid="602"/>
+                                          <p:spTgt spid="10002"/>
                                         </p:tgtEl>
                                         <p:attrNameLst>
                                           <p:attrName>ppt_x</p:attrName>
@@ -19351,7 +19351,7 @@
                                       <p:cBhvr>
                                         <p:cTn id="34" dur="100" fill="hold"/>
                                         <p:tgtEl>
-                                          <p:spTgt spid="602"/>
+                                          <p:spTgt spid="10002"/>
                                         </p:tgtEl>
                                         <p:attrNameLst>
                                           <p:attrName>ppt_x</p:attrName>
@@ -19364,7 +19364,7 @@
                                       <p:cBhvr>
                                         <p:cTn id="35" dur="100" fill="hold"/>
                                         <p:tgtEl>
-                                          <p:spTgt spid="602"/>
+                                          <p:spTgt spid="10002"/>
                                         </p:tgtEl>
                                         <p:attrNameLst>
                                           <p:attrName>ppt_x</p:attrName>
@@ -19377,7 +19377,7 @@
                                       <p:cBhvr>
                                         <p:cTn id="36" dur="100" fill="hold"/>
                                         <p:tgtEl>
-                                          <p:spTgt spid="602"/>
+                                          <p:spTgt spid="10002"/>
                                         </p:tgtEl>
                                         <p:attrNameLst>
                                           <p:attrName>ppt_x</p:attrName>
@@ -19390,7 +19390,7 @@
                                       <p:cBhvr>
                                         <p:cTn id="37" dur="100" fill="hold"/>
                                         <p:tgtEl>
-                                          <p:spTgt spid="602"/>
+                                          <p:spTgt spid="10002"/>
                                         </p:tgtEl>
                                         <p:attrNameLst>
                                           <p:attrName>ppt_x</p:attrName>
@@ -19403,7 +19403,7 @@
                                       <p:cBhvr>
                                         <p:cTn id="38" dur="100" fill="hold"/>
                                         <p:tgtEl>
-                                          <p:spTgt spid="602"/>
+                                          <p:spTgt spid="10002"/>
                                         </p:tgtEl>
                                         <p:attrNameLst>
                                           <p:attrName>ppt_x</p:attrName>
@@ -19416,7 +19416,7 @@
                                       <p:cBhvr>
                                         <p:cTn id="39" dur="100" fill="hold"/>
                                         <p:tgtEl>
-                                          <p:spTgt spid="602"/>
+                                          <p:spTgt spid="10002"/>
                                         </p:tgtEl>
                                         <p:attrNameLst>
                                           <p:attrName>ppt_x</p:attrName>
@@ -19429,7 +19429,7 @@
                                       <p:cBhvr>
                                         <p:cTn id="40" dur="100" fill="hold"/>
                                         <p:tgtEl>
-                                          <p:spTgt spid="602"/>
+                                          <p:spTgt spid="10002"/>
                                         </p:tgtEl>
                                         <p:attrNameLst>
                                           <p:attrName>ppt_x</p:attrName>
@@ -19442,7 +19442,7 @@
                                       <p:cBhvr>
                                         <p:cTn id="41" dur="100" fill="hold"/>
                                         <p:tgtEl>
-                                          <p:spTgt spid="602"/>
+                                          <p:spTgt spid="10002"/>
                                         </p:tgtEl>
                                         <p:attrNameLst>
                                           <p:attrName>ppt_x</p:attrName>
@@ -19455,7 +19455,7 @@
                                       <p:cBhvr>
                                         <p:cTn id="42" dur="100" fill="hold"/>
                                         <p:tgtEl>
-                                          <p:spTgt spid="602"/>
+                                          <p:spTgt spid="10002"/>
                                         </p:tgtEl>
                                         <p:attrNameLst>
                                           <p:attrName>ppt_x</p:attrName>
@@ -19468,7 +19468,7 @@
                                       <p:cBhvr>
                                         <p:cTn id="43" dur="100" fill="hold"/>
                                         <p:tgtEl>
-                                          <p:spTgt spid="602"/>
+                                          <p:spTgt spid="10002"/>
                                         </p:tgtEl>
                                         <p:attrNameLst>
                                           <p:attrName>ppt_x</p:attrName>
@@ -19481,7 +19481,7 @@
                                       <p:cBhvr>
                                         <p:cTn id="44" dur="100" fill="hold"/>
                                         <p:tgtEl>
-                                          <p:spTgt spid="602"/>
+                                          <p:spTgt spid="10002"/>
                                         </p:tgtEl>
                                         <p:attrNameLst>
                                           <p:attrName>ppt_x</p:attrName>
@@ -19494,7 +19494,7 @@
                                       <p:cBhvr>
                                         <p:cTn id="45" dur="100" fill="hold"/>
                                         <p:tgtEl>
-                                          <p:spTgt spid="602"/>
+                                          <p:spTgt spid="10002"/>
                                         </p:tgtEl>
                                         <p:attrNameLst>
                                           <p:attrName>ppt_x</p:attrName>
@@ -19507,7 +19507,7 @@
                                       <p:cBhvr>
                                         <p:cTn id="46" dur="100" fill="hold"/>
                                         <p:tgtEl>
-                                          <p:spTgt spid="602"/>
+                                          <p:spTgt spid="10002"/>
                                         </p:tgtEl>
                                         <p:attrNameLst>
                                           <p:attrName>ppt_x</p:attrName>
@@ -19520,7 +19520,7 @@
                                       <p:cBhvr>
                                         <p:cTn id="47" dur="100" fill="hold"/>
                                         <p:tgtEl>
-                                          <p:spTgt spid="602"/>
+                                          <p:spTgt spid="10002"/>
                                         </p:tgtEl>
                                         <p:attrNameLst>
                                           <p:attrName>ppt_x</p:attrName>
@@ -19533,7 +19533,7 @@
                                       <p:cBhvr>
                                         <p:cTn id="48" dur="100" fill="hold"/>
                                         <p:tgtEl>
-                                          <p:spTgt spid="602"/>
+                                          <p:spTgt spid="10002"/>
                                         </p:tgtEl>
                                         <p:attrNameLst>
                                           <p:attrName>ppt_x</p:attrName>
@@ -19555,7 +19555,7 @@
                                       <p:cBhvr>
                                         <p:cTn id="10" dur="100" fill="hold"/>
                                         <p:tgtEl>
-                                          <p:spTgt spid="603"/>
+                                          <p:spTgt spid="10003"/>
                                         </p:tgtEl>
                                         <p:attrNameLst>
                                           <p:attrName>ppt_x</p:attrName>
@@ -19568,7 +19568,7 @@
                                       <p:cBhvr>
                                         <p:cTn id="11" dur="100" fill="hold"/>
                                         <p:tgtEl>
-                                          <p:spTgt spid="603"/>
+                                          <p:spTgt spid="10003"/>
                                         </p:tgtEl>
                                         <p:attrNameLst>
                                           <p:attrName>ppt_x</p:attrName>
@@ -19581,7 +19581,7 @@
                                       <p:cBhvr>
                                         <p:cTn id="12" dur="100" fill="hold"/>
                                         <p:tgtEl>
-                                          <p:spTgt spid="603"/>
+                                          <p:spTgt spid="10003"/>
                                         </p:tgtEl>
                                         <p:attrNameLst>
                                           <p:attrName>ppt_x</p:attrName>
@@ -19594,7 +19594,7 @@
                                       <p:cBhvr>
                                         <p:cTn id="13" dur="100" fill="hold"/>
                                         <p:tgtEl>
-                                          <p:spTgt spid="603"/>
+                                          <p:spTgt spid="10003"/>
                                         </p:tgtEl>
                                         <p:attrNameLst>
                                           <p:attrName>ppt_x</p:attrName>
@@ -19607,7 +19607,7 @@
                                       <p:cBhvr>
                                         <p:cTn id="14" dur="100" fill="hold"/>
                                         <p:tgtEl>
-                                          <p:spTgt spid="603"/>
+                                          <p:spTgt spid="10003"/>
                                         </p:tgtEl>
                                         <p:attrNameLst>
                                           <p:attrName>ppt_x</p:attrName>
@@ -19620,7 +19620,7 @@
                                       <p:cBhvr>
                                         <p:cTn id="15" dur="100" fill="hold"/>
                                         <p:tgtEl>
-                                          <p:spTgt spid="603"/>
+                                          <p:spTgt spid="10003"/>
                                         </p:tgtEl>
                                         <p:attrNameLst>
                                           <p:attrName>ppt_x</p:attrName>
@@ -19633,7 +19633,7 @@
                                       <p:cBhvr>
                                         <p:cTn id="16" dur="100" fill="hold"/>
                                         <p:tgtEl>
-                                          <p:spTgt spid="603"/>
+                                          <p:spTgt spid="10003"/>
                                         </p:tgtEl>
                                         <p:attrNameLst>
                                           <p:attrName>ppt_x</p:attrName>
@@ -19646,7 +19646,7 @@
                                       <p:cBhvr>
                                         <p:cTn id="17" dur="100" fill="hold"/>
                                         <p:tgtEl>
-                                          <p:spTgt spid="603"/>
+                                          <p:spTgt spid="10003"/>
                                         </p:tgtEl>
                                         <p:attrNameLst>
                                           <p:attrName>ppt_x</p:attrName>
@@ -19659,7 +19659,7 @@
                                       <p:cBhvr>
                                         <p:cTn id="18" dur="100" fill="hold"/>
                                         <p:tgtEl>
-                                          <p:spTgt spid="603"/>
+                                          <p:spTgt spid="10003"/>
                                         </p:tgtEl>
                                         <p:attrNameLst>
                                           <p:attrName>ppt_x</p:attrName>
@@ -19672,7 +19672,7 @@
                                       <p:cBhvr>
                                         <p:cTn id="19" dur="100" fill="hold"/>
                                         <p:tgtEl>
-                                          <p:spTgt spid="603"/>
+                                          <p:spTgt spid="10003"/>
                                         </p:tgtEl>
                                         <p:attrNameLst>
                                           <p:attrName>ppt_x</p:attrName>
@@ -19685,7 +19685,7 @@
                                       <p:cBhvr>
                                         <p:cTn id="20" dur="100" fill="hold"/>
                                         <p:tgtEl>
-                                          <p:spTgt spid="603"/>
+                                          <p:spTgt spid="10003"/>
                                         </p:tgtEl>
                                         <p:attrNameLst>
                                           <p:attrName>ppt_x</p:attrName>
@@ -19698,7 +19698,7 @@
                                       <p:cBhvr>
                                         <p:cTn id="21" dur="100" fill="hold"/>
                                         <p:tgtEl>
-                                          <p:spTgt spid="603"/>
+                                          <p:spTgt spid="10003"/>
                                         </p:tgtEl>
                                         <p:attrNameLst>
                                           <p:attrName>ppt_x</p:attrName>
@@ -19711,7 +19711,7 @@
                                       <p:cBhvr>
                                         <p:cTn id="22" dur="100" fill="hold"/>
                                         <p:tgtEl>
-                                          <p:spTgt spid="603"/>
+                                          <p:spTgt spid="10003"/>
                                         </p:tgtEl>
                                         <p:attrNameLst>
                                           <p:attrName>ppt_x</p:attrName>
@@ -19724,7 +19724,7 @@
                                       <p:cBhvr>
                                         <p:cTn id="23" dur="100" fill="hold"/>
                                         <p:tgtEl>
-                                          <p:spTgt spid="603"/>
+                                          <p:spTgt spid="10003"/>
                                         </p:tgtEl>
                                         <p:attrNameLst>
                                           <p:attrName>ppt_x</p:attrName>
@@ -19737,7 +19737,7 @@
                                       <p:cBhvr>
                                         <p:cTn id="24" dur="100" fill="hold"/>
                                         <p:tgtEl>
-                                          <p:spTgt spid="603"/>
+                                          <p:spTgt spid="10003"/>
                                         </p:tgtEl>
                                         <p:attrNameLst>
                                           <p:attrName>ppt_x</p:attrName>
@@ -19750,7 +19750,7 @@
                                       <p:cBhvr>
                                         <p:cTn id="25" dur="100" fill="hold"/>
                                         <p:tgtEl>
-                                          <p:spTgt spid="603"/>
+                                          <p:spTgt spid="10003"/>
                                         </p:tgtEl>
                                         <p:attrNameLst>
                                           <p:attrName>ppt_x</p:attrName>
@@ -19763,7 +19763,7 @@
                                       <p:cBhvr>
                                         <p:cTn id="26" dur="100" fill="hold"/>
                                         <p:tgtEl>
-                                          <p:spTgt spid="603"/>
+                                          <p:spTgt spid="10003"/>
                                         </p:tgtEl>
                                         <p:attrNameLst>
                                           <p:attrName>ppt_x</p:attrName>
@@ -19776,7 +19776,7 @@
                                       <p:cBhvr>
                                         <p:cTn id="27" dur="100" fill="hold"/>
                                         <p:tgtEl>
-                                          <p:spTgt spid="603"/>
+                                          <p:spTgt spid="10003"/>
                                         </p:tgtEl>
                                         <p:attrNameLst>
                                           <p:attrName>ppt_x</p:attrName>
@@ -19789,7 +19789,7 @@
                                       <p:cBhvr>
                                         <p:cTn id="28" dur="100" fill="hold"/>
                                         <p:tgtEl>
-                                          <p:spTgt spid="603"/>
+                                          <p:spTgt spid="10003"/>
                                         </p:tgtEl>
                                         <p:attrNameLst>
                                           <p:attrName>ppt_x</p:attrName>
@@ -19802,7 +19802,7 @@
                                       <p:cBhvr>
                                         <p:cTn id="29" dur="100" fill="hold"/>
                                         <p:tgtEl>
-                                          <p:spTgt spid="603"/>
+                                          <p:spTgt spid="10003"/>
                                         </p:tgtEl>
                                         <p:attrNameLst>
                                           <p:attrName>ppt_x</p:attrName>
@@ -19815,7 +19815,7 @@
                                       <p:cBhvr>
                                         <p:cTn id="30" dur="100" fill="hold"/>
                                         <p:tgtEl>
-                                          <p:spTgt spid="603"/>
+                                          <p:spTgt spid="10003"/>
                                         </p:tgtEl>
                                         <p:attrNameLst>
                                           <p:attrName>ppt_x</p:attrName>
@@ -19828,7 +19828,7 @@
                                       <p:cBhvr>
                                         <p:cTn id="31" dur="100" fill="hold"/>
                                         <p:tgtEl>
-                                          <p:spTgt spid="603"/>
+                                          <p:spTgt spid="10003"/>
                                         </p:tgtEl>
                                         <p:attrNameLst>
                                           <p:attrName>ppt_x</p:attrName>
@@ -19841,7 +19841,7 @@
                                       <p:cBhvr>
                                         <p:cTn id="32" dur="100" fill="hold"/>
                                         <p:tgtEl>
-                                          <p:spTgt spid="603"/>
+                                          <p:spTgt spid="10003"/>
                                         </p:tgtEl>
                                         <p:attrNameLst>
                                           <p:attrName>ppt_x</p:attrName>
@@ -19854,7 +19854,7 @@
                                       <p:cBhvr>
                                         <p:cTn id="33" dur="100" fill="hold"/>
                                         <p:tgtEl>
-                                          <p:spTgt spid="603"/>
+                                          <p:spTgt spid="10003"/>
                                         </p:tgtEl>
                                         <p:attrNameLst>
                                           <p:attrName>ppt_x</p:attrName>
@@ -19867,7 +19867,7 @@
                                       <p:cBhvr>
                                         <p:cTn id="34" dur="100" fill="hold"/>
                                         <p:tgtEl>
-                                          <p:spTgt spid="603"/>
+                                          <p:spTgt spid="10003"/>
                                         </p:tgtEl>
                                         <p:attrNameLst>
                                           <p:attrName>ppt_x</p:attrName>
@@ -19880,7 +19880,7 @@
                                       <p:cBhvr>
                                         <p:cTn id="35" dur="100" fill="hold"/>
                                         <p:tgtEl>
-                                          <p:spTgt spid="603"/>
+                                          <p:spTgt spid="10003"/>
                                         </p:tgtEl>
                                         <p:attrNameLst>
                                           <p:attrName>ppt_x</p:attrName>
@@ -19893,7 +19893,7 @@
                                       <p:cBhvr>
                                         <p:cTn id="36" dur="100" fill="hold"/>
                                         <p:tgtEl>
-                                          <p:spTgt spid="603"/>
+                                          <p:spTgt spid="10003"/>
                                         </p:tgtEl>
                                         <p:attrNameLst>
                                           <p:attrName>ppt_x</p:attrName>
@@ -19906,7 +19906,7 @@
                                       <p:cBhvr>
                                         <p:cTn id="37" dur="100" fill="hold"/>
                                         <p:tgtEl>
-                                          <p:spTgt spid="603"/>
+                                          <p:spTgt spid="10003"/>
                                         </p:tgtEl>
                                         <p:attrNameLst>
                                           <p:attrName>ppt_x</p:attrName>
@@ -19919,7 +19919,7 @@
                                       <p:cBhvr>
                                         <p:cTn id="38" dur="100" fill="hold"/>
                                         <p:tgtEl>
-                                          <p:spTgt spid="603"/>
+                                          <p:spTgt spid="10003"/>
                                         </p:tgtEl>
                                         <p:attrNameLst>
                                           <p:attrName>ppt_x</p:attrName>
@@ -19932,7 +19932,7 @@
                                       <p:cBhvr>
                                         <p:cTn id="39" dur="100" fill="hold"/>
                                         <p:tgtEl>
-                                          <p:spTgt spid="603"/>
+                                          <p:spTgt spid="10003"/>
                                         </p:tgtEl>
                                         <p:attrNameLst>
                                           <p:attrName>ppt_x</p:attrName>
@@ -19945,7 +19945,7 @@
                                       <p:cBhvr>
                                         <p:cTn id="40" dur="100" fill="hold"/>
                                         <p:tgtEl>
-                                          <p:spTgt spid="603"/>
+                                          <p:spTgt spid="10003"/>
                                         </p:tgtEl>
                                         <p:attrNameLst>
                                           <p:attrName>ppt_x</p:attrName>
@@ -19958,7 +19958,7 @@
                                       <p:cBhvr>
                                         <p:cTn id="41" dur="100" fill="hold"/>
                                         <p:tgtEl>
-                                          <p:spTgt spid="603"/>
+                                          <p:spTgt spid="10003"/>
                                         </p:tgtEl>
                                         <p:attrNameLst>
                                           <p:attrName>ppt_x</p:attrName>
@@ -19971,7 +19971,7 @@
                                       <p:cBhvr>
                                         <p:cTn id="42" dur="100" fill="hold"/>
                                         <p:tgtEl>
-                                          <p:spTgt spid="603"/>
+                                          <p:spTgt spid="10003"/>
                                         </p:tgtEl>
                                         <p:attrNameLst>
                                           <p:attrName>ppt_x</p:attrName>
@@ -19984,7 +19984,7 @@
                                       <p:cBhvr>
                                         <p:cTn id="43" dur="100" fill="hold"/>
                                         <p:tgtEl>
-                                          <p:spTgt spid="603"/>
+                                          <p:spTgt spid="10003"/>
                                         </p:tgtEl>
                                         <p:attrNameLst>
                                           <p:attrName>ppt_x</p:attrName>
@@ -19997,7 +19997,7 @@
                                       <p:cBhvr>
                                         <p:cTn id="44" dur="100" fill="hold"/>
                                         <p:tgtEl>
-                                          <p:spTgt spid="603"/>
+                                          <p:spTgt spid="10003"/>
                                         </p:tgtEl>
                                         <p:attrNameLst>
                                           <p:attrName>ppt_x</p:attrName>
@@ -20010,7 +20010,7 @@
                                       <p:cBhvr>
                                         <p:cTn id="45" dur="100" fill="hold"/>
                                         <p:tgtEl>
-                                          <p:spTgt spid="603"/>
+                                          <p:spTgt spid="10003"/>
                                         </p:tgtEl>
                                         <p:attrNameLst>
                                           <p:attrName>ppt_x</p:attrName>
@@ -20023,7 +20023,7 @@
                                       <p:cBhvr>
                                         <p:cTn id="46" dur="100" fill="hold"/>
                                         <p:tgtEl>
-                                          <p:spTgt spid="603"/>
+                                          <p:spTgt spid="10003"/>
                                         </p:tgtEl>
                                         <p:attrNameLst>
                                           <p:attrName>ppt_x</p:attrName>
@@ -20036,7 +20036,7 @@
                                       <p:cBhvr>
                                         <p:cTn id="47" dur="100" fill="hold"/>
                                         <p:tgtEl>
-                                          <p:spTgt spid="603"/>
+                                          <p:spTgt spid="10003"/>
                                         </p:tgtEl>
                                         <p:attrNameLst>
                                           <p:attrName>ppt_x</p:attrName>
@@ -20049,7 +20049,7 @@
                                       <p:cBhvr>
                                         <p:cTn id="48" dur="100" fill="hold"/>
                                         <p:tgtEl>
-                                          <p:spTgt spid="603"/>
+                                          <p:spTgt spid="10003"/>
                                         </p:tgtEl>
                                         <p:attrNameLst>
                                           <p:attrName>ppt_x</p:attrName>
@@ -20062,7 +20062,7 @@
                                       <p:cBhvr>
                                         <p:cTn id="49" dur="100" fill="hold"/>
                                         <p:tgtEl>
-                                          <p:spTgt spid="603"/>
+                                          <p:spTgt spid="10003"/>
                                         </p:tgtEl>
                                         <p:attrNameLst>
                                           <p:attrName>ppt_x</p:attrName>
@@ -20084,7 +20084,7 @@
                                       <p:cBhvr>
                                         <p:cTn id="11" dur="100" fill="hold"/>
                                         <p:tgtEl>
-                                          <p:spTgt spid="604"/>
+                                          <p:spTgt spid="10004"/>
                                         </p:tgtEl>
                                         <p:attrNameLst>
                                           <p:attrName>ppt_x</p:attrName>
@@ -20097,7 +20097,7 @@
                                       <p:cBhvr>
                                         <p:cTn id="12" dur="100" fill="hold"/>
                                         <p:tgtEl>
-                                          <p:spTgt spid="604"/>
+                                          <p:spTgt spid="10004"/>
                                         </p:tgtEl>
                                         <p:attrNameLst>
                                           <p:attrName>ppt_x</p:attrName>
@@ -20110,7 +20110,7 @@
                                       <p:cBhvr>
                                         <p:cTn id="13" dur="100" fill="hold"/>
                                         <p:tgtEl>
-                                          <p:spTgt spid="604"/>
+                                          <p:spTgt spid="10004"/>
                                         </p:tgtEl>
                                         <p:attrNameLst>
                                           <p:attrName>ppt_x</p:attrName>
@@ -20123,7 +20123,7 @@
                                       <p:cBhvr>
                                         <p:cTn id="14" dur="100" fill="hold"/>
                                         <p:tgtEl>
-                                          <p:spTgt spid="604"/>
+                                          <p:spTgt spid="10004"/>
                                         </p:tgtEl>
                                         <p:attrNameLst>
                                           <p:attrName>ppt_x</p:attrName>
@@ -20136,7 +20136,7 @@
                                       <p:cBhvr>
                                         <p:cTn id="15" dur="100" fill="hold"/>
                                         <p:tgtEl>
-                                          <p:spTgt spid="604"/>
+                                          <p:spTgt spid="10004"/>
                                         </p:tgtEl>
                                         <p:attrNameLst>
                                           <p:attrName>ppt_x</p:attrName>
@@ -20149,7 +20149,7 @@
                                       <p:cBhvr>
                                         <p:cTn id="16" dur="100" fill="hold"/>
                                         <p:tgtEl>
-                                          <p:spTgt spid="604"/>
+                                          <p:spTgt spid="10004"/>
                                         </p:tgtEl>
                                         <p:attrNameLst>
                                           <p:attrName>ppt_x</p:attrName>
@@ -20162,7 +20162,7 @@
                                       <p:cBhvr>
                                         <p:cTn id="17" dur="100" fill="hold"/>
                                         <p:tgtEl>
-                                          <p:spTgt spid="604"/>
+                                          <p:spTgt spid="10004"/>
                                         </p:tgtEl>
                                         <p:attrNameLst>
                                           <p:attrName>ppt_x</p:attrName>
@@ -20175,7 +20175,7 @@
                                       <p:cBhvr>
                                         <p:cTn id="18" dur="100" fill="hold"/>
                                         <p:tgtEl>
-                                          <p:spTgt spid="604"/>
+                                          <p:spTgt spid="10004"/>
                                         </p:tgtEl>
                                         <p:attrNameLst>
                                           <p:attrName>ppt_x</p:attrName>
@@ -20188,7 +20188,7 @@
                                       <p:cBhvr>
                                         <p:cTn id="19" dur="100" fill="hold"/>
                                         <p:tgtEl>
-                                          <p:spTgt spid="604"/>
+                                          <p:spTgt spid="10004"/>
                                         </p:tgtEl>
                                         <p:attrNameLst>
                                           <p:attrName>ppt_x</p:attrName>
@@ -20201,7 +20201,7 @@
                                       <p:cBhvr>
                                         <p:cTn id="20" dur="100" fill="hold"/>
                                         <p:tgtEl>
-                                          <p:spTgt spid="604"/>
+                                          <p:spTgt spid="10004"/>
                                         </p:tgtEl>
                                         <p:attrNameLst>
                                           <p:attrName>ppt_x</p:attrName>
@@ -20214,7 +20214,7 @@
                                       <p:cBhvr>
                                         <p:cTn id="21" dur="100" fill="hold"/>
                                         <p:tgtEl>
-                                          <p:spTgt spid="604"/>
+                                          <p:spTgt spid="10004"/>
                                         </p:tgtEl>
                                         <p:attrNameLst>
                                           <p:attrName>ppt_x</p:attrName>
@@ -20227,7 +20227,7 @@
                                       <p:cBhvr>
                                         <p:cTn id="22" dur="100" fill="hold"/>
                                         <p:tgtEl>
-                                          <p:spTgt spid="604"/>
+                                          <p:spTgt spid="10004"/>
                                         </p:tgtEl>
                                         <p:attrNameLst>
                                           <p:attrName>ppt_x</p:attrName>
@@ -20240,7 +20240,7 @@
                                       <p:cBhvr>
                                         <p:cTn id="23" dur="100" fill="hold"/>
                                         <p:tgtEl>
-                                          <p:spTgt spid="604"/>
+                                          <p:spTgt spid="10004"/>
                                         </p:tgtEl>
                                         <p:attrNameLst>
                                           <p:attrName>ppt_x</p:attrName>
@@ -20253,7 +20253,7 @@
                                       <p:cBhvr>
                                         <p:cTn id="24" dur="100" fill="hold"/>
                                         <p:tgtEl>
-                                          <p:spTgt spid="604"/>
+                                          <p:spTgt spid="10004"/>
                                         </p:tgtEl>
                                         <p:attrNameLst>
                                           <p:attrName>ppt_x</p:attrName>
@@ -20266,7 +20266,7 @@
                                       <p:cBhvr>
                                         <p:cTn id="25" dur="100" fill="hold"/>
                                         <p:tgtEl>
-                                          <p:spTgt spid="604"/>
+                                          <p:spTgt spid="10004"/>
                                         </p:tgtEl>
                                         <p:attrNameLst>
                                           <p:attrName>ppt_x</p:attrName>
@@ -20279,7 +20279,7 @@
                                       <p:cBhvr>
                                         <p:cTn id="26" dur="100" fill="hold"/>
                                         <p:tgtEl>
-                                          <p:spTgt spid="604"/>
+                                          <p:spTgt spid="10004"/>
                                         </p:tgtEl>
                                         <p:attrNameLst>
                                           <p:attrName>ppt_x</p:attrName>
@@ -20292,7 +20292,7 @@
                                       <p:cBhvr>
                                         <p:cTn id="27" dur="100" fill="hold"/>
                                         <p:tgtEl>
-                                          <p:spTgt spid="604"/>
+                                          <p:spTgt spid="10004"/>
                                         </p:tgtEl>
                                         <p:attrNameLst>
                                           <p:attrName>ppt_x</p:attrName>
@@ -20305,7 +20305,7 @@
                                       <p:cBhvr>
                                         <p:cTn id="28" dur="100" fill="hold"/>
                                         <p:tgtEl>
-                                          <p:spTgt spid="604"/>
+                                          <p:spTgt spid="10004"/>
                                         </p:tgtEl>
                                         <p:attrNameLst>
                                           <p:attrName>ppt_x</p:attrName>
@@ -20318,7 +20318,7 @@
                                       <p:cBhvr>
                                         <p:cTn id="29" dur="100" fill="hold"/>
                                         <p:tgtEl>
-                                          <p:spTgt spid="604"/>
+                                          <p:spTgt spid="10004"/>
                                         </p:tgtEl>
                                         <p:attrNameLst>
                                           <p:attrName>ppt_x</p:attrName>
@@ -20331,7 +20331,7 @@
                                       <p:cBhvr>
                                         <p:cTn id="30" dur="100" fill="hold"/>
                                         <p:tgtEl>
-                                          <p:spTgt spid="604"/>
+                                          <p:spTgt spid="10004"/>
                                         </p:tgtEl>
                                         <p:attrNameLst>
                                           <p:attrName>ppt_x</p:attrName>
@@ -20344,7 +20344,7 @@
                                       <p:cBhvr>
                                         <p:cTn id="31" dur="100" fill="hold"/>
                                         <p:tgtEl>
-                                          <p:spTgt spid="604"/>
+                                          <p:spTgt spid="10004"/>
                                         </p:tgtEl>
                                         <p:attrNameLst>
                                           <p:attrName>ppt_x</p:attrName>
@@ -20357,7 +20357,7 @@
                                       <p:cBhvr>
                                         <p:cTn id="32" dur="100" fill="hold"/>
                                         <p:tgtEl>
-                                          <p:spTgt spid="604"/>
+                                          <p:spTgt spid="10004"/>
                                         </p:tgtEl>
                                         <p:attrNameLst>
                                           <p:attrName>ppt_x</p:attrName>
@@ -20370,7 +20370,7 @@
                                       <p:cBhvr>
                                         <p:cTn id="33" dur="100" fill="hold"/>
                                         <p:tgtEl>
-                                          <p:spTgt spid="604"/>
+                                          <p:spTgt spid="10004"/>
                                         </p:tgtEl>
                                         <p:attrNameLst>
                                           <p:attrName>ppt_x</p:attrName>
@@ -20383,7 +20383,7 @@
                                       <p:cBhvr>
                                         <p:cTn id="34" dur="100" fill="hold"/>
                                         <p:tgtEl>
-                                          <p:spTgt spid="604"/>
+                                          <p:spTgt spid="10004"/>
                                         </p:tgtEl>
                                         <p:attrNameLst>
                                           <p:attrName>ppt_x</p:attrName>
@@ -20396,7 +20396,7 @@
                                       <p:cBhvr>
                                         <p:cTn id="35" dur="100" fill="hold"/>
                                         <p:tgtEl>
-                                          <p:spTgt spid="604"/>
+                                          <p:spTgt spid="10004"/>
                                         </p:tgtEl>
                                         <p:attrNameLst>
                                           <p:attrName>ppt_x</p:attrName>
@@ -20409,7 +20409,7 @@
                                       <p:cBhvr>
                                         <p:cTn id="36" dur="100" fill="hold"/>
                                         <p:tgtEl>
-                                          <p:spTgt spid="604"/>
+                                          <p:spTgt spid="10004"/>
                                         </p:tgtEl>
                                         <p:attrNameLst>
                                           <p:attrName>ppt_x</p:attrName>
@@ -20422,7 +20422,7 @@
                                       <p:cBhvr>
                                         <p:cTn id="37" dur="100" fill="hold"/>
                                         <p:tgtEl>
-                                          <p:spTgt spid="604"/>
+                                          <p:spTgt spid="10004"/>
                                         </p:tgtEl>
                                         <p:attrNameLst>
                                           <p:attrName>ppt_x</p:attrName>
@@ -20435,7 +20435,7 @@
                                       <p:cBhvr>
                                         <p:cTn id="38" dur="100" fill="hold"/>
                                         <p:tgtEl>
-                                          <p:spTgt spid="604"/>
+                                          <p:spTgt spid="10004"/>
                                         </p:tgtEl>
                                         <p:attrNameLst>
                                           <p:attrName>ppt_x</p:attrName>
@@ -20448,7 +20448,7 @@
                                       <p:cBhvr>
                                         <p:cTn id="39" dur="100" fill="hold"/>
                                         <p:tgtEl>
-                                          <p:spTgt spid="604"/>
+                                          <p:spTgt spid="10004"/>
                                         </p:tgtEl>
                                         <p:attrNameLst>
                                           <p:attrName>ppt_x</p:attrName>
@@ -20461,7 +20461,7 @@
                                       <p:cBhvr>
                                         <p:cTn id="40" dur="100" fill="hold"/>
                                         <p:tgtEl>
-                                          <p:spTgt spid="604"/>
+                                          <p:spTgt spid="10004"/>
                                         </p:tgtEl>
                                         <p:attrNameLst>
                                           <p:attrName>ppt_x</p:attrName>
@@ -20474,7 +20474,7 @@
                                       <p:cBhvr>
                                         <p:cTn id="41" dur="100" fill="hold"/>
                                         <p:tgtEl>
-                                          <p:spTgt spid="604"/>
+                                          <p:spTgt spid="10004"/>
                                         </p:tgtEl>
                                         <p:attrNameLst>
                                           <p:attrName>ppt_x</p:attrName>
@@ -20487,7 +20487,7 @@
                                       <p:cBhvr>
                                         <p:cTn id="42" dur="100" fill="hold"/>
                                         <p:tgtEl>
-                                          <p:spTgt spid="604"/>
+                                          <p:spTgt spid="10004"/>
                                         </p:tgtEl>
                                         <p:attrNameLst>
                                           <p:attrName>ppt_x</p:attrName>
@@ -20500,7 +20500,7 @@
                                       <p:cBhvr>
                                         <p:cTn id="43" dur="100" fill="hold"/>
                                         <p:tgtEl>
-                                          <p:spTgt spid="604"/>
+                                          <p:spTgt spid="10004"/>
                                         </p:tgtEl>
                                         <p:attrNameLst>
                                           <p:attrName>ppt_x</p:attrName>
@@ -20513,7 +20513,7 @@
                                       <p:cBhvr>
                                         <p:cTn id="44" dur="100" fill="hold"/>
                                         <p:tgtEl>
-                                          <p:spTgt spid="604"/>
+                                          <p:spTgt spid="10004"/>
                                         </p:tgtEl>
                                         <p:attrNameLst>
                                           <p:attrName>ppt_x</p:attrName>
@@ -20526,7 +20526,7 @@
                                       <p:cBhvr>
                                         <p:cTn id="45" dur="100" fill="hold"/>
                                         <p:tgtEl>
-                                          <p:spTgt spid="604"/>
+                                          <p:spTgt spid="10004"/>
                                         </p:tgtEl>
                                         <p:attrNameLst>
                                           <p:attrName>ppt_x</p:attrName>
@@ -20539,7 +20539,7 @@
                                       <p:cBhvr>
                                         <p:cTn id="46" dur="100" fill="hold"/>
                                         <p:tgtEl>
-                                          <p:spTgt spid="604"/>
+                                          <p:spTgt spid="10004"/>
                                         </p:tgtEl>
                                         <p:attrNameLst>
                                           <p:attrName>ppt_x</p:attrName>
@@ -20552,7 +20552,7 @@
                                       <p:cBhvr>
                                         <p:cTn id="47" dur="100" fill="hold"/>
                                         <p:tgtEl>
-                                          <p:spTgt spid="604"/>
+                                          <p:spTgt spid="10004"/>
                                         </p:tgtEl>
                                         <p:attrNameLst>
                                           <p:attrName>ppt_x</p:attrName>
@@ -20565,7 +20565,7 @@
                                       <p:cBhvr>
                                         <p:cTn id="48" dur="100" fill="hold"/>
                                         <p:tgtEl>
-                                          <p:spTgt spid="604"/>
+                                          <p:spTgt spid="10004"/>
                                         </p:tgtEl>
                                         <p:attrNameLst>
                                           <p:attrName>ppt_x</p:attrName>
@@ -20578,7 +20578,7 @@
                                       <p:cBhvr>
                                         <p:cTn id="49" dur="100" fill="hold"/>
                                         <p:tgtEl>
-                                          <p:spTgt spid="604"/>
+                                          <p:spTgt spid="10004"/>
                                         </p:tgtEl>
                                         <p:attrNameLst>
                                           <p:attrName>ppt_x</p:attrName>
@@ -20591,7 +20591,7 @@
                                       <p:cBhvr>
                                         <p:cTn id="50" dur="100" fill="hold"/>
                                         <p:tgtEl>
-                                          <p:spTgt spid="604"/>
+                                          <p:spTgt spid="10004"/>
                                         </p:tgtEl>
                                         <p:attrNameLst>
                                           <p:attrName>ppt_x</p:attrName>
@@ -20617,7 +20617,7 @@
                                           </p:stCondLst>
                                         </p:cTn>
                                         <p:tgtEl>
-                                          <p:spTgt spid="20600"/>
+                                          <p:spTgt spid="30000"/>
                                         </p:tgtEl>
                                         <p:attrNameLst>
                                           <p:attrName>style.visibility</p:attrName>
@@ -20644,7 +20644,7 @@
                                           </p:stCondLst>
                                         </p:cTn>
                                         <p:tgtEl>
-                                          <p:spTgt spid="20601"/>
+                                          <p:spTgt spid="30001"/>
                                         </p:tgtEl>
                                         <p:attrNameLst>
                                           <p:attrName>style.visibility</p:attrName>
@@ -20671,7 +20671,7 @@
                                           </p:stCondLst>
                                         </p:cTn>
                                         <p:tgtEl>
-                                          <p:spTgt spid="20602"/>
+                                          <p:spTgt spid="30002"/>
                                         </p:tgtEl>
                                         <p:attrNameLst>
                                           <p:attrName>style.visibility</p:attrName>
@@ -20698,7 +20698,7 @@
                                           </p:stCondLst>
                                         </p:cTn>
                                         <p:tgtEl>
-                                          <p:spTgt spid="20603"/>
+                                          <p:spTgt spid="30003"/>
                                         </p:tgtEl>
                                         <p:attrNameLst>
                                           <p:attrName>style.visibility</p:attrName>
@@ -20725,7 +20725,7 @@
                                           </p:stCondLst>
                                         </p:cTn>
                                         <p:tgtEl>
-                                          <p:spTgt spid="20604"/>
+                                          <p:spTgt spid="30004"/>
                                         </p:tgtEl>
                                         <p:attrNameLst>
                                           <p:attrName>style.visibility</p:attrName>
@@ -20752,7 +20752,7 @@
                                           </p:stCondLst>
                                         </p:cTn>
                                         <p:tgtEl>
-                                          <p:spTgt spid="20605"/>
+                                          <p:spTgt spid="30005"/>
                                         </p:tgtEl>
                                         <p:attrNameLst>
                                           <p:attrName>style.visibility</p:attrName>
@@ -20779,7 +20779,7 @@
                                           </p:stCondLst>
                                         </p:cTn>
                                         <p:tgtEl>
-                                          <p:spTgt spid="20606"/>
+                                          <p:spTgt spid="30006"/>
                                         </p:tgtEl>
                                         <p:attrNameLst>
                                           <p:attrName>style.visibility</p:attrName>
@@ -20806,7 +20806,7 @@
                                           </p:stCondLst>
                                         </p:cTn>
                                         <p:tgtEl>
-                                          <p:spTgt spid="20607"/>
+                                          <p:spTgt spid="30007"/>
                                         </p:tgtEl>
                                         <p:attrNameLst>
                                           <p:attrName>style.visibility</p:attrName>
@@ -20833,7 +20833,7 @@
                                           </p:stCondLst>
                                         </p:cTn>
                                         <p:tgtEl>
-                                          <p:spTgt spid="20608"/>
+                                          <p:spTgt spid="30008"/>
                                         </p:tgtEl>
                                         <p:attrNameLst>
                                           <p:attrName>style.visibility</p:attrName>
@@ -20860,7 +20860,7 @@
                                           </p:stCondLst>
                                         </p:cTn>
                                         <p:tgtEl>
-                                          <p:spTgt spid="20609"/>
+                                          <p:spTgt spid="30009"/>
                                         </p:tgtEl>
                                         <p:attrNameLst>
                                           <p:attrName>style.visibility</p:attrName>
@@ -20887,7 +20887,7 @@
                                           </p:stCondLst>
                                         </p:cTn>
                                         <p:tgtEl>
-                                          <p:spTgt spid="20610"/>
+                                          <p:spTgt spid="30010"/>
                                         </p:tgtEl>
                                         <p:attrNameLst>
                                           <p:attrName>style.visibility</p:attrName>
@@ -20914,7 +20914,7 @@
                                           </p:stCondLst>
                                         </p:cTn>
                                         <p:tgtEl>
-                                          <p:spTgt spid="20611"/>
+                                          <p:spTgt spid="30011"/>
                                         </p:tgtEl>
                                         <p:attrNameLst>
                                           <p:attrName>style.visibility</p:attrName>
@@ -20941,7 +20941,7 @@
                                           </p:stCondLst>
                                         </p:cTn>
                                         <p:tgtEl>
-                                          <p:spTgt spid="20612"/>
+                                          <p:spTgt spid="30012"/>
                                         </p:tgtEl>
                                         <p:attrNameLst>
                                           <p:attrName>style.visibility</p:attrName>
@@ -20968,7 +20968,7 @@
                                           </p:stCondLst>
                                         </p:cTn>
                                         <p:tgtEl>
-                                          <p:spTgt spid="20613"/>
+                                          <p:spTgt spid="30013"/>
                                         </p:tgtEl>
                                         <p:attrNameLst>
                                           <p:attrName>style.visibility</p:attrName>
@@ -20995,7 +20995,7 @@
                                           </p:stCondLst>
                                         </p:cTn>
                                         <p:tgtEl>
-                                          <p:spTgt spid="20614"/>
+                                          <p:spTgt spid="30014"/>
                                         </p:tgtEl>
                                         <p:attrNameLst>
                                           <p:attrName>style.visibility</p:attrName>
@@ -21022,7 +21022,7 @@
                                           </p:stCondLst>
                                         </p:cTn>
                                         <p:tgtEl>
-                                          <p:spTgt spid="20615"/>
+                                          <p:spTgt spid="30015"/>
                                         </p:tgtEl>
                                         <p:attrNameLst>
                                           <p:attrName>style.visibility</p:attrName>
@@ -21049,7 +21049,7 @@
                                           </p:stCondLst>
                                         </p:cTn>
                                         <p:tgtEl>
-                                          <p:spTgt spid="20616"/>
+                                          <p:spTgt spid="30016"/>
                                         </p:tgtEl>
                                         <p:attrNameLst>
                                           <p:attrName>style.visibility</p:attrName>
@@ -21076,7 +21076,7 @@
                                           </p:stCondLst>
                                         </p:cTn>
                                         <p:tgtEl>
-                                          <p:spTgt spid="20617"/>
+                                          <p:spTgt spid="30017"/>
                                         </p:tgtEl>
                                         <p:attrNameLst>
                                           <p:attrName>style.visibility</p:attrName>
@@ -21103,7 +21103,7 @@
                                           </p:stCondLst>
                                         </p:cTn>
                                         <p:tgtEl>
-                                          <p:spTgt spid="20618"/>
+                                          <p:spTgt spid="30018"/>
                                         </p:tgtEl>
                                         <p:attrNameLst>
                                           <p:attrName>style.visibility</p:attrName>
@@ -21130,7 +21130,7 @@
                                           </p:stCondLst>
                                         </p:cTn>
                                         <p:tgtEl>
-                                          <p:spTgt spid="20619"/>
+                                          <p:spTgt spid="30019"/>
                                         </p:tgtEl>
                                         <p:attrNameLst>
                                           <p:attrName>style.visibility</p:attrName>
@@ -21157,7 +21157,7 @@
                                           </p:stCondLst>
                                         </p:cTn>
                                         <p:tgtEl>
-                                          <p:spTgt spid="20620"/>
+                                          <p:spTgt spid="30020"/>
                                         </p:tgtEl>
                                         <p:attrNameLst>
                                           <p:attrName>style.visibility</p:attrName>
@@ -21184,7 +21184,7 @@
                                           </p:stCondLst>
                                         </p:cTn>
                                         <p:tgtEl>
-                                          <p:spTgt spid="20621"/>
+                                          <p:spTgt spid="30021"/>
                                         </p:tgtEl>
                                         <p:attrNameLst>
                                           <p:attrName>style.visibility</p:attrName>
@@ -21211,7 +21211,7 @@
                                           </p:stCondLst>
                                         </p:cTn>
                                         <p:tgtEl>
-                                          <p:spTgt spid="20622"/>
+                                          <p:spTgt spid="30022"/>
                                         </p:tgtEl>
                                         <p:attrNameLst>
                                           <p:attrName>style.visibility</p:attrName>
@@ -21238,7 +21238,7 @@
                                           </p:stCondLst>
                                         </p:cTn>
                                         <p:tgtEl>
-                                          <p:spTgt spid="20623"/>
+                                          <p:spTgt spid="30023"/>
                                         </p:tgtEl>
                                         <p:attrNameLst>
                                           <p:attrName>style.visibility</p:attrName>
@@ -21265,7 +21265,7 @@
                                           </p:stCondLst>
                                         </p:cTn>
                                         <p:tgtEl>
-                                          <p:spTgt spid="20624"/>
+                                          <p:spTgt spid="30024"/>
                                         </p:tgtEl>
                                         <p:attrNameLst>
                                           <p:attrName>style.visibility</p:attrName>
@@ -21292,7 +21292,7 @@
                                           </p:stCondLst>
                                         </p:cTn>
                                         <p:tgtEl>
-                                          <p:spTgt spid="20625"/>
+                                          <p:spTgt spid="30025"/>
                                         </p:tgtEl>
                                         <p:attrNameLst>
                                           <p:attrName>style.visibility</p:attrName>
@@ -21319,7 +21319,7 @@
                                           </p:stCondLst>
                                         </p:cTn>
                                         <p:tgtEl>
-                                          <p:spTgt spid="20626"/>
+                                          <p:spTgt spid="30026"/>
                                         </p:tgtEl>
                                         <p:attrNameLst>
                                           <p:attrName>style.visibility</p:attrName>
@@ -21346,7 +21346,7 @@
                                           </p:stCondLst>
                                         </p:cTn>
                                         <p:tgtEl>
-                                          <p:spTgt spid="20627"/>
+                                          <p:spTgt spid="30027"/>
                                         </p:tgtEl>
                                         <p:attrNameLst>
                                           <p:attrName>style.visibility</p:attrName>
@@ -21373,7 +21373,7 @@
                                           </p:stCondLst>
                                         </p:cTn>
                                         <p:tgtEl>
-                                          <p:spTgt spid="20628"/>
+                                          <p:spTgt spid="30028"/>
                                         </p:tgtEl>
                                         <p:attrNameLst>
                                           <p:attrName>style.visibility</p:attrName>
@@ -21400,7 +21400,7 @@
                                           </p:stCondLst>
                                         </p:cTn>
                                         <p:tgtEl>
-                                          <p:spTgt spid="20629"/>
+                                          <p:spTgt spid="30029"/>
                                         </p:tgtEl>
                                         <p:attrNameLst>
                                           <p:attrName>style.visibility</p:attrName>
@@ -21427,7 +21427,7 @@
                                           </p:stCondLst>
                                         </p:cTn>
                                         <p:tgtEl>
-                                          <p:spTgt spid="20630"/>
+                                          <p:spTgt spid="30030"/>
                                         </p:tgtEl>
                                         <p:attrNameLst>
                                           <p:attrName>style.visibility</p:attrName>
@@ -21454,7 +21454,7 @@
                                           </p:stCondLst>
                                         </p:cTn>
                                         <p:tgtEl>
-                                          <p:spTgt spid="20631"/>
+                                          <p:spTgt spid="30031"/>
                                         </p:tgtEl>
                                         <p:attrNameLst>
                                           <p:attrName>style.visibility</p:attrName>
@@ -21481,7 +21481,7 @@
                                           </p:stCondLst>
                                         </p:cTn>
                                         <p:tgtEl>
-                                          <p:spTgt spid="20632"/>
+                                          <p:spTgt spid="30032"/>
                                         </p:tgtEl>
                                         <p:attrNameLst>
                                           <p:attrName>style.visibility</p:attrName>
@@ -21508,7 +21508,7 @@
                                           </p:stCondLst>
                                         </p:cTn>
                                         <p:tgtEl>
-                                          <p:spTgt spid="20633"/>
+                                          <p:spTgt spid="30033"/>
                                         </p:tgtEl>
                                         <p:attrNameLst>
                                           <p:attrName>style.visibility</p:attrName>
@@ -21535,7 +21535,7 @@
                                           </p:stCondLst>
                                         </p:cTn>
                                         <p:tgtEl>
-                                          <p:spTgt spid="20634"/>
+                                          <p:spTgt spid="30034"/>
                                         </p:tgtEl>
                                         <p:attrNameLst>
                                           <p:attrName>style.visibility</p:attrName>
@@ -21562,7 +21562,7 @@
                                           </p:stCondLst>
                                         </p:cTn>
                                         <p:tgtEl>
-                                          <p:spTgt spid="20635"/>
+                                          <p:spTgt spid="30035"/>
                                         </p:tgtEl>
                                         <p:attrNameLst>
                                           <p:attrName>style.visibility</p:attrName>
@@ -21589,7 +21589,7 @@
                                           </p:stCondLst>
                                         </p:cTn>
                                         <p:tgtEl>
-                                          <p:spTgt spid="20636"/>
+                                          <p:spTgt spid="30036"/>
                                         </p:tgtEl>
                                         <p:attrNameLst>
                                           <p:attrName>style.visibility</p:attrName>
@@ -21616,7 +21616,7 @@
                                           </p:stCondLst>
                                         </p:cTn>
                                         <p:tgtEl>
-                                          <p:spTgt spid="20637"/>
+                                          <p:spTgt spid="30037"/>
                                         </p:tgtEl>
                                         <p:attrNameLst>
                                           <p:attrName>style.visibility</p:attrName>
@@ -21643,7 +21643,7 @@
                                           </p:stCondLst>
                                         </p:cTn>
                                         <p:tgtEl>
-                                          <p:spTgt spid="20638"/>
+                                          <p:spTgt spid="30038"/>
                                         </p:tgtEl>
                                         <p:attrNameLst>
                                           <p:attrName>style.visibility</p:attrName>
@@ -21670,7 +21670,7 @@
                                           </p:stCondLst>
                                         </p:cTn>
                                         <p:tgtEl>
-                                          <p:spTgt spid="20639"/>
+                                          <p:spTgt spid="30039"/>
                                         </p:tgtEl>
                                         <p:attrNameLst>
                                           <p:attrName>style.visibility</p:attrName>
@@ -21697,7 +21697,7 @@
                                           </p:stCondLst>
                                         </p:cTn>
                                         <p:tgtEl>
-                                          <p:spTgt spid="20640"/>
+                                          <p:spTgt spid="30040"/>
                                         </p:tgtEl>
                                         <p:attrNameLst>
                                           <p:attrName>style.visibility</p:attrName>
@@ -21724,7 +21724,7 @@
                                           </p:stCondLst>
                                         </p:cTn>
                                         <p:tgtEl>
-                                          <p:spTgt spid="20641"/>
+                                          <p:spTgt spid="30041"/>
                                         </p:tgtEl>
                                         <p:attrNameLst>
                                           <p:attrName>style.visibility</p:attrName>
@@ -21751,7 +21751,7 @@
                                           </p:stCondLst>
                                         </p:cTn>
                                         <p:tgtEl>
-                                          <p:spTgt spid="20642"/>
+                                          <p:spTgt spid="30042"/>
                                         </p:tgtEl>
                                         <p:attrNameLst>
                                           <p:attrName>style.visibility</p:attrName>
@@ -21778,7 +21778,7 @@
                                           </p:stCondLst>
                                         </p:cTn>
                                         <p:tgtEl>
-                                          <p:spTgt spid="20643"/>
+                                          <p:spTgt spid="30043"/>
                                         </p:tgtEl>
                                         <p:attrNameLst>
                                           <p:attrName>style.visibility</p:attrName>
@@ -21805,7 +21805,7 @@
                                           </p:stCondLst>
                                         </p:cTn>
                                         <p:tgtEl>
-                                          <p:spTgt spid="20644"/>
+                                          <p:spTgt spid="30044"/>
                                         </p:tgtEl>
                                         <p:attrNameLst>
                                           <p:attrName>style.visibility</p:attrName>
@@ -21832,7 +21832,7 @@
                                           </p:stCondLst>
                                         </p:cTn>
                                         <p:tgtEl>
-                                          <p:spTgt spid="20645"/>
+                                          <p:spTgt spid="30045"/>
                                         </p:tgtEl>
                                         <p:attrNameLst>
                                           <p:attrName>style.visibility</p:attrName>
@@ -21859,7 +21859,7 @@
                                           </p:stCondLst>
                                         </p:cTn>
                                         <p:tgtEl>
-                                          <p:spTgt spid="20646"/>
+                                          <p:spTgt spid="30046"/>
                                         </p:tgtEl>
                                         <p:attrNameLst>
                                           <p:attrName>style.visibility</p:attrName>
@@ -21886,7 +21886,7 @@
                                           </p:stCondLst>
                                         </p:cTn>
                                         <p:tgtEl>
-                                          <p:spTgt spid="20647"/>
+                                          <p:spTgt spid="30047"/>
                                         </p:tgtEl>
                                         <p:attrNameLst>
                                           <p:attrName>style.visibility</p:attrName>
@@ -21913,7 +21913,7 @@
                                           </p:stCondLst>
                                         </p:cTn>
                                         <p:tgtEl>
-                                          <p:spTgt spid="20648"/>
+                                          <p:spTgt spid="30048"/>
                                         </p:tgtEl>
                                         <p:attrNameLst>
                                           <p:attrName>style.visibility</p:attrName>
@@ -21940,7 +21940,7 @@
                                           </p:stCondLst>
                                         </p:cTn>
                                         <p:tgtEl>
-                                          <p:spTgt spid="20649"/>
+                                          <p:spTgt spid="30049"/>
                                         </p:tgtEl>
                                         <p:attrNameLst>
                                           <p:attrName>style.visibility</p:attrName>
@@ -21967,7 +21967,7 @@
                                           </p:stCondLst>
                                         </p:cTn>
                                         <p:tgtEl>
-                                          <p:spTgt spid="20650"/>
+                                          <p:spTgt spid="30050"/>
                                         </p:tgtEl>
                                         <p:attrNameLst>
                                           <p:attrName>style.visibility</p:attrName>
@@ -21994,7 +21994,7 @@
                                           </p:stCondLst>
                                         </p:cTn>
                                         <p:tgtEl>
-                                          <p:spTgt spid="20651"/>
+                                          <p:spTgt spid="30051"/>
                                         </p:tgtEl>
                                         <p:attrNameLst>
                                           <p:attrName>style.visibility</p:attrName>
@@ -22021,7 +22021,7 @@
                                           </p:stCondLst>
                                         </p:cTn>
                                         <p:tgtEl>
-                                          <p:spTgt spid="20652"/>
+                                          <p:spTgt spid="30052"/>
                                         </p:tgtEl>
                                         <p:attrNameLst>
                                           <p:attrName>style.visibility</p:attrName>
@@ -22048,7 +22048,7 @@
                                           </p:stCondLst>
                                         </p:cTn>
                                         <p:tgtEl>
-                                          <p:spTgt spid="20653"/>
+                                          <p:spTgt spid="30053"/>
                                         </p:tgtEl>
                                         <p:attrNameLst>
                                           <p:attrName>style.visibility</p:attrName>
@@ -22075,7 +22075,7 @@
                                           </p:stCondLst>
                                         </p:cTn>
                                         <p:tgtEl>
-                                          <p:spTgt spid="20654"/>
+                                          <p:spTgt spid="30054"/>
                                         </p:tgtEl>
                                         <p:attrNameLst>
                                           <p:attrName>style.visibility</p:attrName>
@@ -22102,7 +22102,7 @@
                                           </p:stCondLst>
                                         </p:cTn>
                                         <p:tgtEl>
-                                          <p:spTgt spid="20655"/>
+                                          <p:spTgt spid="30055"/>
                                         </p:tgtEl>
                                         <p:attrNameLst>
                                           <p:attrName>style.visibility</p:attrName>
@@ -22129,7 +22129,7 @@
                                           </p:stCondLst>
                                         </p:cTn>
                                         <p:tgtEl>
-                                          <p:spTgt spid="20656"/>
+                                          <p:spTgt spid="30056"/>
                                         </p:tgtEl>
                                         <p:attrNameLst>
                                           <p:attrName>style.visibility</p:attrName>
@@ -22156,7 +22156,7 @@
                                           </p:stCondLst>
                                         </p:cTn>
                                         <p:tgtEl>
-                                          <p:spTgt spid="20657"/>
+                                          <p:spTgt spid="30057"/>
                                         </p:tgtEl>
                                         <p:attrNameLst>
                                           <p:attrName>style.visibility</p:attrName>
@@ -22183,7 +22183,7 @@
                                           </p:stCondLst>
                                         </p:cTn>
                                         <p:tgtEl>
-                                          <p:spTgt spid="20658"/>
+                                          <p:spTgt spid="30058"/>
                                         </p:tgtEl>
                                         <p:attrNameLst>
                                           <p:attrName>style.visibility</p:attrName>
@@ -22210,7 +22210,7 @@
                                           </p:stCondLst>
                                         </p:cTn>
                                         <p:tgtEl>
-                                          <p:spTgt spid="20659"/>
+                                          <p:spTgt spid="30059"/>
                                         </p:tgtEl>
                                         <p:attrNameLst>
                                           <p:attrName>style.visibility</p:attrName>
@@ -22237,7 +22237,7 @@
                                           </p:stCondLst>
                                         </p:cTn>
                                         <p:tgtEl>
-                                          <p:spTgt spid="20660"/>
+                                          <p:spTgt spid="30060"/>
                                         </p:tgtEl>
                                         <p:attrNameLst>
                                           <p:attrName>style.visibility</p:attrName>
@@ -22264,7 +22264,7 @@
                                           </p:stCondLst>
                                         </p:cTn>
                                         <p:tgtEl>
-                                          <p:spTgt spid="20661"/>
+                                          <p:spTgt spid="30061"/>
                                         </p:tgtEl>
                                         <p:attrNameLst>
                                           <p:attrName>style.visibility</p:attrName>
@@ -22291,7 +22291,7 @@
                                           </p:stCondLst>
                                         </p:cTn>
                                         <p:tgtEl>
-                                          <p:spTgt spid="20662"/>
+                                          <p:spTgt spid="30062"/>
                                         </p:tgtEl>
                                         <p:attrNameLst>
                                           <p:attrName>style.visibility</p:attrName>
@@ -22318,7 +22318,7 @@
                                           </p:stCondLst>
                                         </p:cTn>
                                         <p:tgtEl>
-                                          <p:spTgt spid="20663"/>
+                                          <p:spTgt spid="30063"/>
                                         </p:tgtEl>
                                         <p:attrNameLst>
                                           <p:attrName>style.visibility</p:attrName>
@@ -22345,7 +22345,7 @@
                                           </p:stCondLst>
                                         </p:cTn>
                                         <p:tgtEl>
-                                          <p:spTgt spid="20664"/>
+                                          <p:spTgt spid="30064"/>
                                         </p:tgtEl>
                                         <p:attrNameLst>
                                           <p:attrName>style.visibility</p:attrName>
@@ -22372,7 +22372,7 @@
                                           </p:stCondLst>
                                         </p:cTn>
                                         <p:tgtEl>
-                                          <p:spTgt spid="20665"/>
+                                          <p:spTgt spid="30065"/>
                                         </p:tgtEl>
                                         <p:attrNameLst>
                                           <p:attrName>style.visibility</p:attrName>
@@ -22399,7 +22399,7 @@
                                           </p:stCondLst>
                                         </p:cTn>
                                         <p:tgtEl>
-                                          <p:spTgt spid="20666"/>
+                                          <p:spTgt spid="30066"/>
                                         </p:tgtEl>
                                         <p:attrNameLst>
                                           <p:attrName>style.visibility</p:attrName>
@@ -22426,7 +22426,7 @@
                                           </p:stCondLst>
                                         </p:cTn>
                                         <p:tgtEl>
-                                          <p:spTgt spid="20667"/>
+                                          <p:spTgt spid="30067"/>
                                         </p:tgtEl>
                                         <p:attrNameLst>
                                           <p:attrName>style.visibility</p:attrName>
@@ -22453,7 +22453,7 @@
                                           </p:stCondLst>
                                         </p:cTn>
                                         <p:tgtEl>
-                                          <p:spTgt spid="20668"/>
+                                          <p:spTgt spid="30068"/>
                                         </p:tgtEl>
                                         <p:attrNameLst>
                                           <p:attrName>style.visibility</p:attrName>
@@ -22480,7 +22480,7 @@
                                           </p:stCondLst>
                                         </p:cTn>
                                         <p:tgtEl>
-                                          <p:spTgt spid="20669"/>
+                                          <p:spTgt spid="30069"/>
                                         </p:tgtEl>
                                         <p:attrNameLst>
                                           <p:attrName>style.visibility</p:attrName>
@@ -22507,7 +22507,7 @@
                                           </p:stCondLst>
                                         </p:cTn>
                                         <p:tgtEl>
-                                          <p:spTgt spid="20670"/>
+                                          <p:spTgt spid="30070"/>
                                         </p:tgtEl>
                                         <p:attrNameLst>
                                           <p:attrName>style.visibility</p:attrName>
@@ -22534,7 +22534,7 @@
                                           </p:stCondLst>
                                         </p:cTn>
                                         <p:tgtEl>
-                                          <p:spTgt spid="20671"/>
+                                          <p:spTgt spid="30071"/>
                                         </p:tgtEl>
                                         <p:attrNameLst>
                                           <p:attrName>style.visibility</p:attrName>
@@ -22561,7 +22561,7 @@
                                           </p:stCondLst>
                                         </p:cTn>
                                         <p:tgtEl>
-                                          <p:spTgt spid="20672"/>
+                                          <p:spTgt spid="30072"/>
                                         </p:tgtEl>
                                         <p:attrNameLst>
                                           <p:attrName>style.visibility</p:attrName>
@@ -22588,7 +22588,7 @@
                                           </p:stCondLst>
                                         </p:cTn>
                                         <p:tgtEl>
-                                          <p:spTgt spid="20673"/>
+                                          <p:spTgt spid="30073"/>
                                         </p:tgtEl>
                                         <p:attrNameLst>
                                           <p:attrName>style.visibility</p:attrName>
@@ -22615,7 +22615,7 @@
                                           </p:stCondLst>
                                         </p:cTn>
                                         <p:tgtEl>
-                                          <p:spTgt spid="20674"/>
+                                          <p:spTgt spid="30074"/>
                                         </p:tgtEl>
                                         <p:attrNameLst>
                                           <p:attrName>style.visibility</p:attrName>
@@ -22642,7 +22642,7 @@
                                           </p:stCondLst>
                                         </p:cTn>
                                         <p:tgtEl>
-                                          <p:spTgt spid="20675"/>
+                                          <p:spTgt spid="30075"/>
                                         </p:tgtEl>
                                         <p:attrNameLst>
                                           <p:attrName>style.visibility</p:attrName>
@@ -22669,7 +22669,7 @@
                                           </p:stCondLst>
                                         </p:cTn>
                                         <p:tgtEl>
-                                          <p:spTgt spid="20676"/>
+                                          <p:spTgt spid="30076"/>
                                         </p:tgtEl>
                                         <p:attrNameLst>
                                           <p:attrName>style.visibility</p:attrName>
@@ -22696,7 +22696,7 @@
                                           </p:stCondLst>
                                         </p:cTn>
                                         <p:tgtEl>
-                                          <p:spTgt spid="20677"/>
+                                          <p:spTgt spid="30077"/>
                                         </p:tgtEl>
                                         <p:attrNameLst>
                                           <p:attrName>style.visibility</p:attrName>
@@ -22723,7 +22723,7 @@
                                           </p:stCondLst>
                                         </p:cTn>
                                         <p:tgtEl>
-                                          <p:spTgt spid="20678"/>
+                                          <p:spTgt spid="30078"/>
                                         </p:tgtEl>
                                         <p:attrNameLst>
                                           <p:attrName>style.visibility</p:attrName>
@@ -22750,7 +22750,7 @@
                                           </p:stCondLst>
                                         </p:cTn>
                                         <p:tgtEl>
-                                          <p:spTgt spid="20679"/>
+                                          <p:spTgt spid="30079"/>
                                         </p:tgtEl>
                                         <p:attrNameLst>
                                           <p:attrName>style.visibility</p:attrName>
@@ -22777,7 +22777,7 @@
                                           </p:stCondLst>
                                         </p:cTn>
                                         <p:tgtEl>
-                                          <p:spTgt spid="20680"/>
+                                          <p:spTgt spid="30080"/>
                                         </p:tgtEl>
                                         <p:attrNameLst>
                                           <p:attrName>style.visibility</p:attrName>
@@ -22804,7 +22804,7 @@
                                           </p:stCondLst>
                                         </p:cTn>
                                         <p:tgtEl>
-                                          <p:spTgt spid="20681"/>
+                                          <p:spTgt spid="30081"/>
                                         </p:tgtEl>
                                         <p:attrNameLst>
                                           <p:attrName>style.visibility</p:attrName>
@@ -22831,7 +22831,7 @@
                                           </p:stCondLst>
                                         </p:cTn>
                                         <p:tgtEl>
-                                          <p:spTgt spid="20682"/>
+                                          <p:spTgt spid="30082"/>
                                         </p:tgtEl>
                                         <p:attrNameLst>
                                           <p:attrName>style.visibility</p:attrName>
@@ -22858,7 +22858,7 @@
                                           </p:stCondLst>
                                         </p:cTn>
                                         <p:tgtEl>
-                                          <p:spTgt spid="20683"/>
+                                          <p:spTgt spid="30083"/>
                                         </p:tgtEl>
                                         <p:attrNameLst>
                                           <p:attrName>style.visibility</p:attrName>
@@ -22885,7 +22885,7 @@
                                           </p:stCondLst>
                                         </p:cTn>
                                         <p:tgtEl>
-                                          <p:spTgt spid="20684"/>
+                                          <p:spTgt spid="30084"/>
                                         </p:tgtEl>
                                         <p:attrNameLst>
                                           <p:attrName>style.visibility</p:attrName>
@@ -22912,7 +22912,7 @@
                                           </p:stCondLst>
                                         </p:cTn>
                                         <p:tgtEl>
-                                          <p:spTgt spid="20685"/>
+                                          <p:spTgt spid="30085"/>
                                         </p:tgtEl>
                                         <p:attrNameLst>
                                           <p:attrName>style.visibility</p:attrName>
@@ -22939,7 +22939,7 @@
                                           </p:stCondLst>
                                         </p:cTn>
                                         <p:tgtEl>
-                                          <p:spTgt spid="20686"/>
+                                          <p:spTgt spid="30086"/>
                                         </p:tgtEl>
                                         <p:attrNameLst>
                                           <p:attrName>style.visibility</p:attrName>
@@ -22966,7 +22966,7 @@
                                           </p:stCondLst>
                                         </p:cTn>
                                         <p:tgtEl>
-                                          <p:spTgt spid="20687"/>
+                                          <p:spTgt spid="30087"/>
                                         </p:tgtEl>
                                         <p:attrNameLst>
                                           <p:attrName>style.visibility</p:attrName>
@@ -22993,7 +22993,7 @@
                                           </p:stCondLst>
                                         </p:cTn>
                                         <p:tgtEl>
-                                          <p:spTgt spid="20688"/>
+                                          <p:spTgt spid="30088"/>
                                         </p:tgtEl>
                                         <p:attrNameLst>
                                           <p:attrName>style.visibility</p:attrName>
@@ -23020,7 +23020,7 @@
                                           </p:stCondLst>
                                         </p:cTn>
                                         <p:tgtEl>
-                                          <p:spTgt spid="20689"/>
+                                          <p:spTgt spid="30089"/>
                                         </p:tgtEl>
                                         <p:attrNameLst>
                                           <p:attrName>style.visibility</p:attrName>
@@ -23047,7 +23047,7 @@
                                           </p:stCondLst>
                                         </p:cTn>
                                         <p:tgtEl>
-                                          <p:spTgt spid="20690"/>
+                                          <p:spTgt spid="30090"/>
                                         </p:tgtEl>
                                         <p:attrNameLst>
                                           <p:attrName>style.visibility</p:attrName>
@@ -23074,7 +23074,7 @@
                                           </p:stCondLst>
                                         </p:cTn>
                                         <p:tgtEl>
-                                          <p:spTgt spid="20691"/>
+                                          <p:spTgt spid="30091"/>
                                         </p:tgtEl>
                                         <p:attrNameLst>
                                           <p:attrName>style.visibility</p:attrName>
@@ -23101,7 +23101,7 @@
                                           </p:stCondLst>
                                         </p:cTn>
                                         <p:tgtEl>
-                                          <p:spTgt spid="20692"/>
+                                          <p:spTgt spid="30092"/>
                                         </p:tgtEl>
                                         <p:attrNameLst>
                                           <p:attrName>style.visibility</p:attrName>
@@ -23128,7 +23128,7 @@
                                           </p:stCondLst>
                                         </p:cTn>
                                         <p:tgtEl>
-                                          <p:spTgt spid="20693"/>
+                                          <p:spTgt spid="30093"/>
                                         </p:tgtEl>
                                         <p:attrNameLst>
                                           <p:attrName>style.visibility</p:attrName>
@@ -23155,7 +23155,7 @@
                                           </p:stCondLst>
                                         </p:cTn>
                                         <p:tgtEl>
-                                          <p:spTgt spid="20694"/>
+                                          <p:spTgt spid="30094"/>
                                         </p:tgtEl>
                                         <p:attrNameLst>
                                           <p:attrName>style.visibility</p:attrName>
@@ -23182,7 +23182,7 @@
                                           </p:stCondLst>
                                         </p:cTn>
                                         <p:tgtEl>
-                                          <p:spTgt spid="20695"/>
+                                          <p:spTgt spid="30095"/>
                                         </p:tgtEl>
                                         <p:attrNameLst>
                                           <p:attrName>style.visibility</p:attrName>
@@ -23209,7 +23209,7 @@
                                           </p:stCondLst>
                                         </p:cTn>
                                         <p:tgtEl>
-                                          <p:spTgt spid="20696"/>
+                                          <p:spTgt spid="30096"/>
                                         </p:tgtEl>
                                         <p:attrNameLst>
                                           <p:attrName>style.visibility</p:attrName>
@@ -23236,7 +23236,7 @@
                                           </p:stCondLst>
                                         </p:cTn>
                                         <p:tgtEl>
-                                          <p:spTgt spid="20697"/>
+                                          <p:spTgt spid="30097"/>
                                         </p:tgtEl>
                                         <p:attrNameLst>
                                           <p:attrName>style.visibility</p:attrName>
@@ -23263,7 +23263,7 @@
                                           </p:stCondLst>
                                         </p:cTn>
                                         <p:tgtEl>
-                                          <p:spTgt spid="20698"/>
+                                          <p:spTgt spid="30098"/>
                                         </p:tgtEl>
                                         <p:attrNameLst>
                                           <p:attrName>style.visibility</p:attrName>
@@ -23290,7 +23290,7 @@
                                           </p:stCondLst>
                                         </p:cTn>
                                         <p:tgtEl>
-                                          <p:spTgt spid="20699"/>
+                                          <p:spTgt spid="30099"/>
                                         </p:tgtEl>
                                         <p:attrNameLst>
                                           <p:attrName>style.visibility</p:attrName>
@@ -23317,7 +23317,7 @@
                                           </p:stCondLst>
                                         </p:cTn>
                                         <p:tgtEl>
-                                          <p:spTgt spid="20700"/>
+                                          <p:spTgt spid="30100"/>
                                         </p:tgtEl>
                                         <p:attrNameLst>
                                           <p:attrName>style.visibility</p:attrName>
@@ -23344,7 +23344,7 @@
                                           </p:stCondLst>
                                         </p:cTn>
                                         <p:tgtEl>
-                                          <p:spTgt spid="20701"/>
+                                          <p:spTgt spid="30101"/>
                                         </p:tgtEl>
                                         <p:attrNameLst>
                                           <p:attrName>style.visibility</p:attrName>
@@ -23371,7 +23371,7 @@
                                           </p:stCondLst>
                                         </p:cTn>
                                         <p:tgtEl>
-                                          <p:spTgt spid="20702"/>
+                                          <p:spTgt spid="30102"/>
                                         </p:tgtEl>
                                         <p:attrNameLst>
                                           <p:attrName>style.visibility</p:attrName>
@@ -23398,7 +23398,7 @@
                                           </p:stCondLst>
                                         </p:cTn>
                                         <p:tgtEl>
-                                          <p:spTgt spid="20703"/>
+                                          <p:spTgt spid="30103"/>
                                         </p:tgtEl>
                                         <p:attrNameLst>
                                           <p:attrName>style.visibility</p:attrName>
@@ -23425,7 +23425,7 @@
                                           </p:stCondLst>
                                         </p:cTn>
                                         <p:tgtEl>
-                                          <p:spTgt spid="20704"/>
+                                          <p:spTgt spid="30104"/>
                                         </p:tgtEl>
                                         <p:attrNameLst>
                                           <p:attrName>style.visibility</p:attrName>
@@ -23452,7 +23452,7 @@
                                           </p:stCondLst>
                                         </p:cTn>
                                         <p:tgtEl>
-                                          <p:spTgt spid="20705"/>
+                                          <p:spTgt spid="30105"/>
                                         </p:tgtEl>
                                         <p:attrNameLst>
                                           <p:attrName>style.visibility</p:attrName>
@@ -23479,7 +23479,7 @@
                                           </p:stCondLst>
                                         </p:cTn>
                                         <p:tgtEl>
-                                          <p:spTgt spid="20706"/>
+                                          <p:spTgt spid="30106"/>
                                         </p:tgtEl>
                                         <p:attrNameLst>
                                           <p:attrName>style.visibility</p:attrName>
@@ -23506,7 +23506,7 @@
                                           </p:stCondLst>
                                         </p:cTn>
                                         <p:tgtEl>
-                                          <p:spTgt spid="20707"/>
+                                          <p:spTgt spid="30107"/>
                                         </p:tgtEl>
                                         <p:attrNameLst>
                                           <p:attrName>style.visibility</p:attrName>
@@ -23533,7 +23533,7 @@
                                           </p:stCondLst>
                                         </p:cTn>
                                         <p:tgtEl>
-                                          <p:spTgt spid="20708"/>
+                                          <p:spTgt spid="30108"/>
                                         </p:tgtEl>
                                         <p:attrNameLst>
                                           <p:attrName>style.visibility</p:attrName>
@@ -23560,7 +23560,7 @@
                                           </p:stCondLst>
                                         </p:cTn>
                                         <p:tgtEl>
-                                          <p:spTgt spid="20709"/>
+                                          <p:spTgt spid="30109"/>
                                         </p:tgtEl>
                                         <p:attrNameLst>
                                           <p:attrName>style.visibility</p:attrName>
@@ -23587,7 +23587,7 @@
                                           </p:stCondLst>
                                         </p:cTn>
                                         <p:tgtEl>
-                                          <p:spTgt spid="20710"/>
+                                          <p:spTgt spid="30110"/>
                                         </p:tgtEl>
                                         <p:attrNameLst>
                                           <p:attrName>style.visibility</p:attrName>
@@ -23614,7 +23614,7 @@
                                           </p:stCondLst>
                                         </p:cTn>
                                         <p:tgtEl>
-                                          <p:spTgt spid="20711"/>
+                                          <p:spTgt spid="30111"/>
                                         </p:tgtEl>
                                         <p:attrNameLst>
                                           <p:attrName>style.visibility</p:attrName>
@@ -23641,7 +23641,7 @@
                                           </p:stCondLst>
                                         </p:cTn>
                                         <p:tgtEl>
-                                          <p:spTgt spid="20712"/>
+                                          <p:spTgt spid="30112"/>
                                         </p:tgtEl>
                                         <p:attrNameLst>
                                           <p:attrName>style.visibility</p:attrName>
@@ -23668,7 +23668,7 @@
                                           </p:stCondLst>
                                         </p:cTn>
                                         <p:tgtEl>
-                                          <p:spTgt spid="20713"/>
+                                          <p:spTgt spid="30113"/>
                                         </p:tgtEl>
                                         <p:attrNameLst>
                                           <p:attrName>style.visibility</p:attrName>
@@ -23695,7 +23695,7 @@
                                           </p:stCondLst>
                                         </p:cTn>
                                         <p:tgtEl>
-                                          <p:spTgt spid="20714"/>
+                                          <p:spTgt spid="30114"/>
                                         </p:tgtEl>
                                         <p:attrNameLst>
                                           <p:attrName>style.visibility</p:attrName>
@@ -23722,7 +23722,7 @@
                                           </p:stCondLst>
                                         </p:cTn>
                                         <p:tgtEl>
-                                          <p:spTgt spid="20715"/>
+                                          <p:spTgt spid="30115"/>
                                         </p:tgtEl>
                                         <p:attrNameLst>
                                           <p:attrName>style.visibility</p:attrName>
@@ -23749,7 +23749,7 @@
                                           </p:stCondLst>
                                         </p:cTn>
                                         <p:tgtEl>
-                                          <p:spTgt spid="20716"/>
+                                          <p:spTgt spid="30116"/>
                                         </p:tgtEl>
                                         <p:attrNameLst>
                                           <p:attrName>style.visibility</p:attrName>
@@ -23776,7 +23776,7 @@
                                           </p:stCondLst>
                                         </p:cTn>
                                         <p:tgtEl>
-                                          <p:spTgt spid="20717"/>
+                                          <p:spTgt spid="30117"/>
                                         </p:tgtEl>
                                         <p:attrNameLst>
                                           <p:attrName>style.visibility</p:attrName>
@@ -23803,7 +23803,7 @@
                                           </p:stCondLst>
                                         </p:cTn>
                                         <p:tgtEl>
-                                          <p:spTgt spid="20718"/>
+                                          <p:spTgt spid="30118"/>
                                         </p:tgtEl>
                                         <p:attrNameLst>
                                           <p:attrName>style.visibility</p:attrName>
@@ -23830,7 +23830,7 @@
                                           </p:stCondLst>
                                         </p:cTn>
                                         <p:tgtEl>
-                                          <p:spTgt spid="20719"/>
+                                          <p:spTgt spid="30119"/>
                                         </p:tgtEl>
                                         <p:attrNameLst>
                                           <p:attrName>style.visibility</p:attrName>
@@ -23857,7 +23857,7 @@
                                           </p:stCondLst>
                                         </p:cTn>
                                         <p:tgtEl>
-                                          <p:spTgt spid="20720"/>
+                                          <p:spTgt spid="30120"/>
                                         </p:tgtEl>
                                         <p:attrNameLst>
                                           <p:attrName>style.visibility</p:attrName>
@@ -23884,7 +23884,7 @@
                                           </p:stCondLst>
                                         </p:cTn>
                                         <p:tgtEl>
-                                          <p:spTgt spid="20721"/>
+                                          <p:spTgt spid="30121"/>
                                         </p:tgtEl>
                                         <p:attrNameLst>
                                           <p:attrName>style.visibility</p:attrName>
@@ -23911,7 +23911,7 @@
                                           </p:stCondLst>
                                         </p:cTn>
                                         <p:tgtEl>
-                                          <p:spTgt spid="20722"/>
+                                          <p:spTgt spid="30122"/>
                                         </p:tgtEl>
                                         <p:attrNameLst>
                                           <p:attrName>style.visibility</p:attrName>
@@ -23938,7 +23938,7 @@
                                           </p:stCondLst>
                                         </p:cTn>
                                         <p:tgtEl>
-                                          <p:spTgt spid="20723"/>
+                                          <p:spTgt spid="30123"/>
                                         </p:tgtEl>
                                         <p:attrNameLst>
                                           <p:attrName>style.visibility</p:attrName>
@@ -23965,7 +23965,7 @@
                                           </p:stCondLst>
                                         </p:cTn>
                                         <p:tgtEl>
-                                          <p:spTgt spid="20724"/>
+                                          <p:spTgt spid="30124"/>
                                         </p:tgtEl>
                                         <p:attrNameLst>
                                           <p:attrName>style.visibility</p:attrName>
@@ -23992,7 +23992,7 @@
                                           </p:stCondLst>
                                         </p:cTn>
                                         <p:tgtEl>
-                                          <p:spTgt spid="20725"/>
+                                          <p:spTgt spid="30125"/>
                                         </p:tgtEl>
                                         <p:attrNameLst>
                                           <p:attrName>style.visibility</p:attrName>
@@ -24019,7 +24019,7 @@
                                           </p:stCondLst>
                                         </p:cTn>
                                         <p:tgtEl>
-                                          <p:spTgt spid="20726"/>
+                                          <p:spTgt spid="30126"/>
                                         </p:tgtEl>
                                         <p:attrNameLst>
                                           <p:attrName>style.visibility</p:attrName>
@@ -24046,7 +24046,7 @@
                                           </p:stCondLst>
                                         </p:cTn>
                                         <p:tgtEl>
-                                          <p:spTgt spid="20727"/>
+                                          <p:spTgt spid="30127"/>
                                         </p:tgtEl>
                                         <p:attrNameLst>
                                           <p:attrName>style.visibility</p:attrName>
@@ -24073,7 +24073,7 @@
                                           </p:stCondLst>
                                         </p:cTn>
                                         <p:tgtEl>
-                                          <p:spTgt spid="20728"/>
+                                          <p:spTgt spid="30128"/>
                                         </p:tgtEl>
                                         <p:attrNameLst>
                                           <p:attrName>style.visibility</p:attrName>
@@ -24100,7 +24100,7 @@
                                           </p:stCondLst>
                                         </p:cTn>
                                         <p:tgtEl>
-                                          <p:spTgt spid="20729"/>
+                                          <p:spTgt spid="30129"/>
                                         </p:tgtEl>
                                         <p:attrNameLst>
                                           <p:attrName>style.visibility</p:attrName>
@@ -24127,7 +24127,7 @@
                                           </p:stCondLst>
                                         </p:cTn>
                                         <p:tgtEl>
-                                          <p:spTgt spid="20730"/>
+                                          <p:spTgt spid="30130"/>
                                         </p:tgtEl>
                                         <p:attrNameLst>
                                           <p:attrName>style.visibility</p:attrName>
@@ -24154,7 +24154,7 @@
                                           </p:stCondLst>
                                         </p:cTn>
                                         <p:tgtEl>
-                                          <p:spTgt spid="20731"/>
+                                          <p:spTgt spid="30131"/>
                                         </p:tgtEl>
                                         <p:attrNameLst>
                                           <p:attrName>style.visibility</p:attrName>
@@ -24181,7 +24181,7 @@
                                           </p:stCondLst>
                                         </p:cTn>
                                         <p:tgtEl>
-                                          <p:spTgt spid="20732"/>
+                                          <p:spTgt spid="30132"/>
                                         </p:tgtEl>
                                         <p:attrNameLst>
                                           <p:attrName>style.visibility</p:attrName>
@@ -24208,7 +24208,7 @@
                                           </p:stCondLst>
                                         </p:cTn>
                                         <p:tgtEl>
-                                          <p:spTgt spid="20733"/>
+                                          <p:spTgt spid="30133"/>
                                         </p:tgtEl>
                                         <p:attrNameLst>
                                           <p:attrName>style.visibility</p:attrName>
@@ -24235,7 +24235,7 @@
                                           </p:stCondLst>
                                         </p:cTn>
                                         <p:tgtEl>
-                                          <p:spTgt spid="20734"/>
+                                          <p:spTgt spid="30134"/>
                                         </p:tgtEl>
                                         <p:attrNameLst>
                                           <p:attrName>style.visibility</p:attrName>
@@ -24262,7 +24262,7 @@
                                           </p:stCondLst>
                                         </p:cTn>
                                         <p:tgtEl>
-                                          <p:spTgt spid="20735"/>
+                                          <p:spTgt spid="30135"/>
                                         </p:tgtEl>
                                         <p:attrNameLst>
                                           <p:attrName>style.visibility</p:attrName>
@@ -24289,7 +24289,7 @@
                                           </p:stCondLst>
                                         </p:cTn>
                                         <p:tgtEl>
-                                          <p:spTgt spid="20736"/>
+                                          <p:spTgt spid="30136"/>
                                         </p:tgtEl>
                                         <p:attrNameLst>
                                           <p:attrName>style.visibility</p:attrName>
@@ -24316,7 +24316,7 @@
                                           </p:stCondLst>
                                         </p:cTn>
                                         <p:tgtEl>
-                                          <p:spTgt spid="20737"/>
+                                          <p:spTgt spid="30137"/>
                                         </p:tgtEl>
                                         <p:attrNameLst>
                                           <p:attrName>style.visibility</p:attrName>
@@ -24343,7 +24343,7 @@
                                           </p:stCondLst>
                                         </p:cTn>
                                         <p:tgtEl>
-                                          <p:spTgt spid="20738"/>
+                                          <p:spTgt spid="30138"/>
                                         </p:tgtEl>
                                         <p:attrNameLst>
                                           <p:attrName>style.visibility</p:attrName>
@@ -24370,7 +24370,7 @@
                                           </p:stCondLst>
                                         </p:cTn>
                                         <p:tgtEl>
-                                          <p:spTgt spid="20739"/>
+                                          <p:spTgt spid="30139"/>
                                         </p:tgtEl>
                                         <p:attrNameLst>
                                           <p:attrName>style.visibility</p:attrName>
@@ -24397,7 +24397,7 @@
                                           </p:stCondLst>
                                         </p:cTn>
                                         <p:tgtEl>
-                                          <p:spTgt spid="20740"/>
+                                          <p:spTgt spid="30140"/>
                                         </p:tgtEl>
                                         <p:attrNameLst>
                                           <p:attrName>style.visibility</p:attrName>
@@ -24424,7 +24424,7 @@
                                           </p:stCondLst>
                                         </p:cTn>
                                         <p:tgtEl>
-                                          <p:spTgt spid="20741"/>
+                                          <p:spTgt spid="30141"/>
                                         </p:tgtEl>
                                         <p:attrNameLst>
                                           <p:attrName>style.visibility</p:attrName>
@@ -24451,7 +24451,7 @@
                                           </p:stCondLst>
                                         </p:cTn>
                                         <p:tgtEl>
-                                          <p:spTgt spid="20742"/>
+                                          <p:spTgt spid="30142"/>
                                         </p:tgtEl>
                                         <p:attrNameLst>
                                           <p:attrName>style.visibility</p:attrName>
@@ -24478,7 +24478,7 @@
                                           </p:stCondLst>
                                         </p:cTn>
                                         <p:tgtEl>
-                                          <p:spTgt spid="20743"/>
+                                          <p:spTgt spid="30143"/>
                                         </p:tgtEl>
                                         <p:attrNameLst>
                                           <p:attrName>style.visibility</p:attrName>
@@ -24505,7 +24505,7 @@
                                           </p:stCondLst>
                                         </p:cTn>
                                         <p:tgtEl>
-                                          <p:spTgt spid="20744"/>
+                                          <p:spTgt spid="30144"/>
                                         </p:tgtEl>
                                         <p:attrNameLst>
                                           <p:attrName>style.visibility</p:attrName>
@@ -24532,7 +24532,7 @@
                                           </p:stCondLst>
                                         </p:cTn>
                                         <p:tgtEl>
-                                          <p:spTgt spid="20745"/>
+                                          <p:spTgt spid="30145"/>
                                         </p:tgtEl>
                                         <p:attrNameLst>
                                           <p:attrName>style.visibility</p:attrName>
@@ -24559,7 +24559,7 @@
                                           </p:stCondLst>
                                         </p:cTn>
                                         <p:tgtEl>
-                                          <p:spTgt spid="20746"/>
+                                          <p:spTgt spid="30146"/>
                                         </p:tgtEl>
                                         <p:attrNameLst>
                                           <p:attrName>style.visibility</p:attrName>
@@ -24586,7 +24586,7 @@
                                           </p:stCondLst>
                                         </p:cTn>
                                         <p:tgtEl>
-                                          <p:spTgt spid="20747"/>
+                                          <p:spTgt spid="30147"/>
                                         </p:tgtEl>
                                         <p:attrNameLst>
                                           <p:attrName>style.visibility</p:attrName>
@@ -24613,7 +24613,7 @@
                                           </p:stCondLst>
                                         </p:cTn>
                                         <p:tgtEl>
-                                          <p:spTgt spid="20748"/>
+                                          <p:spTgt spid="30148"/>
                                         </p:tgtEl>
                                         <p:attrNameLst>
                                           <p:attrName>style.visibility</p:attrName>
@@ -24640,7 +24640,7 @@
                                           </p:stCondLst>
                                         </p:cTn>
                                         <p:tgtEl>
-                                          <p:spTgt spid="20749"/>
+                                          <p:spTgt spid="30149"/>
                                         </p:tgtEl>
                                         <p:attrNameLst>
                                           <p:attrName>style.visibility</p:attrName>
@@ -24667,7 +24667,7 @@
                                           </p:stCondLst>
                                         </p:cTn>
                                         <p:tgtEl>
-                                          <p:spTgt spid="20750"/>
+                                          <p:spTgt spid="30150"/>
                                         </p:tgtEl>
                                         <p:attrNameLst>
                                           <p:attrName>style.visibility</p:attrName>
@@ -24694,7 +24694,7 @@
                                           </p:stCondLst>
                                         </p:cTn>
                                         <p:tgtEl>
-                                          <p:spTgt spid="20751"/>
+                                          <p:spTgt spid="30151"/>
                                         </p:tgtEl>
                                         <p:attrNameLst>
                                           <p:attrName>style.visibility</p:attrName>
@@ -24721,7 +24721,7 @@
                                           </p:stCondLst>
                                         </p:cTn>
                                         <p:tgtEl>
-                                          <p:spTgt spid="20752"/>
+                                          <p:spTgt spid="30152"/>
                                         </p:tgtEl>
                                         <p:attrNameLst>
                                           <p:attrName>style.visibility</p:attrName>
@@ -24748,7 +24748,7 @@
                                           </p:stCondLst>
                                         </p:cTn>
                                         <p:tgtEl>
-                                          <p:spTgt spid="20753"/>
+                                          <p:spTgt spid="30153"/>
                                         </p:tgtEl>
                                         <p:attrNameLst>
                                           <p:attrName>style.visibility</p:attrName>
@@ -24775,7 +24775,7 @@
                                           </p:stCondLst>
                                         </p:cTn>
                                         <p:tgtEl>
-                                          <p:spTgt spid="20754"/>
+                                          <p:spTgt spid="30154"/>
                                         </p:tgtEl>
                                         <p:attrNameLst>
                                           <p:attrName>style.visibility</p:attrName>
@@ -24802,7 +24802,7 @@
                                           </p:stCondLst>
                                         </p:cTn>
                                         <p:tgtEl>
-                                          <p:spTgt spid="20755"/>
+                                          <p:spTgt spid="30155"/>
                                         </p:tgtEl>
                                         <p:attrNameLst>
                                           <p:attrName>style.visibility</p:attrName>
@@ -24829,7 +24829,7 @@
                                           </p:stCondLst>
                                         </p:cTn>
                                         <p:tgtEl>
-                                          <p:spTgt spid="20756"/>
+                                          <p:spTgt spid="30156"/>
                                         </p:tgtEl>
                                         <p:attrNameLst>
                                           <p:attrName>style.visibility</p:attrName>
@@ -24856,7 +24856,7 @@
                                           </p:stCondLst>
                                         </p:cTn>
                                         <p:tgtEl>
-                                          <p:spTgt spid="20757"/>
+                                          <p:spTgt spid="30157"/>
                                         </p:tgtEl>
                                         <p:attrNameLst>
                                           <p:attrName>style.visibility</p:attrName>
@@ -24883,7 +24883,7 @@
                                           </p:stCondLst>
                                         </p:cTn>
                                         <p:tgtEl>
-                                          <p:spTgt spid="20758"/>
+                                          <p:spTgt spid="30158"/>
                                         </p:tgtEl>
                                         <p:attrNameLst>
                                           <p:attrName>style.visibility</p:attrName>
@@ -24910,7 +24910,7 @@
                                           </p:stCondLst>
                                         </p:cTn>
                                         <p:tgtEl>
-                                          <p:spTgt spid="20759"/>
+                                          <p:spTgt spid="30159"/>
                                         </p:tgtEl>
                                         <p:attrNameLst>
                                           <p:attrName>style.visibility</p:attrName>
@@ -24937,7 +24937,7 @@
                                           </p:stCondLst>
                                         </p:cTn>
                                         <p:tgtEl>
-                                          <p:spTgt spid="20760"/>
+                                          <p:spTgt spid="30160"/>
                                         </p:tgtEl>
                                         <p:attrNameLst>
                                           <p:attrName>style.visibility</p:attrName>
@@ -24964,7 +24964,7 @@
                                           </p:stCondLst>
                                         </p:cTn>
                                         <p:tgtEl>
-                                          <p:spTgt spid="20761"/>
+                                          <p:spTgt spid="30161"/>
                                         </p:tgtEl>
                                         <p:attrNameLst>
                                           <p:attrName>style.visibility</p:attrName>
@@ -24991,7 +24991,7 @@
                                           </p:stCondLst>
                                         </p:cTn>
                                         <p:tgtEl>
-                                          <p:spTgt spid="20762"/>
+                                          <p:spTgt spid="30162"/>
                                         </p:tgtEl>
                                         <p:attrNameLst>
                                           <p:attrName>style.visibility</p:attrName>
@@ -25018,7 +25018,7 @@
                                           </p:stCondLst>
                                         </p:cTn>
                                         <p:tgtEl>
-                                          <p:spTgt spid="20763"/>
+                                          <p:spTgt spid="30163"/>
                                         </p:tgtEl>
                                         <p:attrNameLst>
                                           <p:attrName>style.visibility</p:attrName>
@@ -25045,7 +25045,7 @@
                                           </p:stCondLst>
                                         </p:cTn>
                                         <p:tgtEl>
-                                          <p:spTgt spid="20764"/>
+                                          <p:spTgt spid="30164"/>
                                         </p:tgtEl>
                                         <p:attrNameLst>
                                           <p:attrName>style.visibility</p:attrName>
@@ -25072,7 +25072,7 @@
                                           </p:stCondLst>
                                         </p:cTn>
                                         <p:tgtEl>
-                                          <p:spTgt spid="20765"/>
+                                          <p:spTgt spid="30165"/>
                                         </p:tgtEl>
                                         <p:attrNameLst>
                                           <p:attrName>style.visibility</p:attrName>
@@ -25099,7 +25099,7 @@
                                           </p:stCondLst>
                                         </p:cTn>
                                         <p:tgtEl>
-                                          <p:spTgt spid="20766"/>
+                                          <p:spTgt spid="30166"/>
                                         </p:tgtEl>
                                         <p:attrNameLst>
                                           <p:attrName>style.visibility</p:attrName>
@@ -25126,7 +25126,7 @@
                                           </p:stCondLst>
                                         </p:cTn>
                                         <p:tgtEl>
-                                          <p:spTgt spid="20767"/>
+                                          <p:spTgt spid="30167"/>
                                         </p:tgtEl>
                                         <p:attrNameLst>
                                           <p:attrName>style.visibility</p:attrName>
@@ -25153,7 +25153,7 @@
                                           </p:stCondLst>
                                         </p:cTn>
                                         <p:tgtEl>
-                                          <p:spTgt spid="20768"/>
+                                          <p:spTgt spid="30168"/>
                                         </p:tgtEl>
                                         <p:attrNameLst>
                                           <p:attrName>style.visibility</p:attrName>
@@ -25180,7 +25180,7 @@
                                           </p:stCondLst>
                                         </p:cTn>
                                         <p:tgtEl>
-                                          <p:spTgt spid="20769"/>
+                                          <p:spTgt spid="30169"/>
                                         </p:tgtEl>
                                         <p:attrNameLst>
                                           <p:attrName>style.visibility</p:attrName>
@@ -25207,7 +25207,7 @@
                                           </p:stCondLst>
                                         </p:cTn>
                                         <p:tgtEl>
-                                          <p:spTgt spid="20770"/>
+                                          <p:spTgt spid="30170"/>
                                         </p:tgtEl>
                                         <p:attrNameLst>
                                           <p:attrName>style.visibility</p:attrName>
@@ -25234,7 +25234,7 @@
                                           </p:stCondLst>
                                         </p:cTn>
                                         <p:tgtEl>
-                                          <p:spTgt spid="20771"/>
+                                          <p:spTgt spid="30171"/>
                                         </p:tgtEl>
                                         <p:attrNameLst>
                                           <p:attrName>style.visibility</p:attrName>
@@ -25261,7 +25261,7 @@
                                           </p:stCondLst>
                                         </p:cTn>
                                         <p:tgtEl>
-                                          <p:spTgt spid="20772"/>
+                                          <p:spTgt spid="30172"/>
                                         </p:tgtEl>
                                         <p:attrNameLst>
                                           <p:attrName>style.visibility</p:attrName>
@@ -25288,7 +25288,7 @@
                                           </p:stCondLst>
                                         </p:cTn>
                                         <p:tgtEl>
-                                          <p:spTgt spid="20773"/>
+                                          <p:spTgt spid="30173"/>
                                         </p:tgtEl>
                                         <p:attrNameLst>
                                           <p:attrName>style.visibility</p:attrName>
@@ -25315,7 +25315,7 @@
                                           </p:stCondLst>
                                         </p:cTn>
                                         <p:tgtEl>
-                                          <p:spTgt spid="20774"/>
+                                          <p:spTgt spid="30174"/>
                                         </p:tgtEl>
                                         <p:attrNameLst>
                                           <p:attrName>style.visibility</p:attrName>
@@ -25342,7 +25342,7 @@
                                           </p:stCondLst>
                                         </p:cTn>
                                         <p:tgtEl>
-                                          <p:spTgt spid="20775"/>
+                                          <p:spTgt spid="30175"/>
                                         </p:tgtEl>
                                         <p:attrNameLst>
                                           <p:attrName>style.visibility</p:attrName>
@@ -25369,7 +25369,7 @@
                                           </p:stCondLst>
                                         </p:cTn>
                                         <p:tgtEl>
-                                          <p:spTgt spid="20776"/>
+                                          <p:spTgt spid="30176"/>
                                         </p:tgtEl>
                                         <p:attrNameLst>
                                           <p:attrName>style.visibility</p:attrName>
@@ -25396,7 +25396,7 @@
                                           </p:stCondLst>
                                         </p:cTn>
                                         <p:tgtEl>
-                                          <p:spTgt spid="20777"/>
+                                          <p:spTgt spid="30177"/>
                                         </p:tgtEl>
                                         <p:attrNameLst>
                                           <p:attrName>style.visibility</p:attrName>
@@ -25423,7 +25423,7 @@
                                           </p:stCondLst>
                                         </p:cTn>
                                         <p:tgtEl>
-                                          <p:spTgt spid="20778"/>
+                                          <p:spTgt spid="30178"/>
                                         </p:tgtEl>
                                         <p:attrNameLst>
                                           <p:attrName>style.visibility</p:attrName>
@@ -25450,7 +25450,7 @@
                                           </p:stCondLst>
                                         </p:cTn>
                                         <p:tgtEl>
-                                          <p:spTgt spid="20779"/>
+                                          <p:spTgt spid="30179"/>
                                         </p:tgtEl>
                                         <p:attrNameLst>
                                           <p:attrName>style.visibility</p:attrName>
@@ -25477,7 +25477,7 @@
                                           </p:stCondLst>
                                         </p:cTn>
                                         <p:tgtEl>
-                                          <p:spTgt spid="20780"/>
+                                          <p:spTgt spid="30180"/>
                                         </p:tgtEl>
                                         <p:attrNameLst>
                                           <p:attrName>style.visibility</p:attrName>
@@ -25504,7 +25504,7 @@
                                           </p:stCondLst>
                                         </p:cTn>
                                         <p:tgtEl>
-                                          <p:spTgt spid="20781"/>
+                                          <p:spTgt spid="30181"/>
                                         </p:tgtEl>
                                         <p:attrNameLst>
                                           <p:attrName>style.visibility</p:attrName>
@@ -25531,7 +25531,7 @@
                                           </p:stCondLst>
                                         </p:cTn>
                                         <p:tgtEl>
-                                          <p:spTgt spid="20782"/>
+                                          <p:spTgt spid="30182"/>
                                         </p:tgtEl>
                                         <p:attrNameLst>
                                           <p:attrName>style.visibility</p:attrName>
@@ -25558,7 +25558,7 @@
                                           </p:stCondLst>
                                         </p:cTn>
                                         <p:tgtEl>
-                                          <p:spTgt spid="20783"/>
+                                          <p:spTgt spid="30183"/>
                                         </p:tgtEl>
                                         <p:attrNameLst>
                                           <p:attrName>style.visibility</p:attrName>
@@ -25585,7 +25585,7 @@
                                           </p:stCondLst>
                                         </p:cTn>
                                         <p:tgtEl>
-                                          <p:spTgt spid="20784"/>
+                                          <p:spTgt spid="30184"/>
                                         </p:tgtEl>
                                         <p:attrNameLst>
                                           <p:attrName>style.visibility</p:attrName>
@@ -25612,7 +25612,7 @@
                                           </p:stCondLst>
                                         </p:cTn>
                                         <p:tgtEl>
-                                          <p:spTgt spid="20785"/>
+                                          <p:spTgt spid="30185"/>
                                         </p:tgtEl>
                                         <p:attrNameLst>
                                           <p:attrName>style.visibility</p:attrName>
@@ -25639,7 +25639,7 @@
                                           </p:stCondLst>
                                         </p:cTn>
                                         <p:tgtEl>
-                                          <p:spTgt spid="20786"/>
+                                          <p:spTgt spid="30186"/>
                                         </p:tgtEl>
                                         <p:attrNameLst>
                                           <p:attrName>style.visibility</p:attrName>
@@ -25666,7 +25666,7 @@
                                           </p:stCondLst>
                                         </p:cTn>
                                         <p:tgtEl>
-                                          <p:spTgt spid="20787"/>
+                                          <p:spTgt spid="30187"/>
                                         </p:tgtEl>
                                         <p:attrNameLst>
                                           <p:attrName>style.visibility</p:attrName>
@@ -25693,7 +25693,7 @@
                                           </p:stCondLst>
                                         </p:cTn>
                                         <p:tgtEl>
-                                          <p:spTgt spid="20788"/>
+                                          <p:spTgt spid="30188"/>
                                         </p:tgtEl>
                                         <p:attrNameLst>
                                           <p:attrName>style.visibility</p:attrName>
@@ -25720,7 +25720,7 @@
                                           </p:stCondLst>
                                         </p:cTn>
                                         <p:tgtEl>
-                                          <p:spTgt spid="20789"/>
+                                          <p:spTgt spid="30189"/>
                                         </p:tgtEl>
                                         <p:attrNameLst>
                                           <p:attrName>style.visibility</p:attrName>
@@ -25747,7 +25747,7 @@
                                           </p:stCondLst>
                                         </p:cTn>
                                         <p:tgtEl>
-                                          <p:spTgt spid="20790"/>
+                                          <p:spTgt spid="30190"/>
                                         </p:tgtEl>
                                         <p:attrNameLst>
                                           <p:attrName>style.visibility</p:attrName>
@@ -25774,7 +25774,7 @@
                                           </p:stCondLst>
                                         </p:cTn>
                                         <p:tgtEl>
-                                          <p:spTgt spid="20791"/>
+                                          <p:spTgt spid="30191"/>
                                         </p:tgtEl>
                                         <p:attrNameLst>
                                           <p:attrName>style.visibility</p:attrName>
@@ -25801,7 +25801,7 @@
                                           </p:stCondLst>
                                         </p:cTn>
                                         <p:tgtEl>
-                                          <p:spTgt spid="20792"/>
+                                          <p:spTgt spid="30192"/>
                                         </p:tgtEl>
                                         <p:attrNameLst>
                                           <p:attrName>style.visibility</p:attrName>
@@ -25828,7 +25828,7 @@
                                           </p:stCondLst>
                                         </p:cTn>
                                         <p:tgtEl>
-                                          <p:spTgt spid="20793"/>
+                                          <p:spTgt spid="30193"/>
                                         </p:tgtEl>
                                         <p:attrNameLst>
                                           <p:attrName>style.visibility</p:attrName>
@@ -25855,7 +25855,7 @@
                                           </p:stCondLst>
                                         </p:cTn>
                                         <p:tgtEl>
-                                          <p:spTgt spid="20794"/>
+                                          <p:spTgt spid="30194"/>
                                         </p:tgtEl>
                                         <p:attrNameLst>
                                           <p:attrName>style.visibility</p:attrName>
@@ -25882,7 +25882,7 @@
                                           </p:stCondLst>
                                         </p:cTn>
                                         <p:tgtEl>
-                                          <p:spTgt spid="20795"/>
+                                          <p:spTgt spid="30195"/>
                                         </p:tgtEl>
                                         <p:attrNameLst>
                                           <p:attrName>style.visibility</p:attrName>
@@ -25909,7 +25909,7 @@
                                           </p:stCondLst>
                                         </p:cTn>
                                         <p:tgtEl>
-                                          <p:spTgt spid="20796"/>
+                                          <p:spTgt spid="30196"/>
                                         </p:tgtEl>
                                         <p:attrNameLst>
                                           <p:attrName>style.visibility</p:attrName>
@@ -25936,7 +25936,7 @@
                                           </p:stCondLst>
                                         </p:cTn>
                                         <p:tgtEl>
-                                          <p:spTgt spid="20797"/>
+                                          <p:spTgt spid="30197"/>
                                         </p:tgtEl>
                                         <p:attrNameLst>
                                           <p:attrName>style.visibility</p:attrName>
@@ -25963,7 +25963,7 @@
                                           </p:stCondLst>
                                         </p:cTn>
                                         <p:tgtEl>
-                                          <p:spTgt spid="20798"/>
+                                          <p:spTgt spid="30198"/>
                                         </p:tgtEl>
                                         <p:attrNameLst>
                                           <p:attrName>style.visibility</p:attrName>
@@ -25990,7 +25990,7 @@
                                           </p:stCondLst>
                                         </p:cTn>
                                         <p:tgtEl>
-                                          <p:spTgt spid="20799"/>
+                                          <p:spTgt spid="30199"/>
                                         </p:tgtEl>
                                         <p:attrNameLst>
                                           <p:attrName>style.visibility</p:attrName>

--- a/org.mwc.debrief.legacy/test_data/master_template/speed_change/speed_change_temp.pptx
+++ b/org.mwc.debrief.legacy/test_data/master_template/speed_change/speed_change_temp.pptx
@@ -12417,7 +12417,7 @@
         <p:spPr>
           <a:xfrm>
             <a:off x="3387681" y="5825137"/>
-            <a:ext cx="2581828" cy="461665"/>
+            <a:ext cx="2581828" cy="861665"/>
           </a:xfrm>
           <a:prstGeom prst="rect">
             <a:avLst/>
@@ -12550,7 +12550,7 @@
         <p:spPr>
           <a:xfrm>
             <a:off x="3387681" y="5825137"/>
-            <a:ext cx="2581828" cy="461665"/>
+            <a:ext cx="2581828" cy="861665"/>
           </a:xfrm>
           <a:prstGeom prst="rect">
             <a:avLst/>
@@ -12683,7 +12683,7 @@
         <p:spPr>
           <a:xfrm>
             <a:off x="3387681" y="5825137"/>
-            <a:ext cx="2581828" cy="461665"/>
+            <a:ext cx="2581828" cy="861665"/>
           </a:xfrm>
           <a:prstGeom prst="rect">
             <a:avLst/>
@@ -12816,7 +12816,7 @@
         <p:spPr>
           <a:xfrm>
             <a:off x="3387681" y="5825137"/>
-            <a:ext cx="2581828" cy="461665"/>
+            <a:ext cx="2581828" cy="861665"/>
           </a:xfrm>
           <a:prstGeom prst="rect">
             <a:avLst/>
@@ -12949,7 +12949,7 @@
         <p:spPr>
           <a:xfrm>
             <a:off x="3387681" y="5825137"/>
-            <a:ext cx="2581828" cy="461665"/>
+            <a:ext cx="2581828" cy="861665"/>
           </a:xfrm>
           <a:prstGeom prst="rect">
             <a:avLst/>
@@ -13082,7 +13082,7 @@
         <p:spPr>
           <a:xfrm>
             <a:off x="3387681" y="5825137"/>
-            <a:ext cx="2581828" cy="461665"/>
+            <a:ext cx="2581828" cy="861665"/>
           </a:xfrm>
           <a:prstGeom prst="rect">
             <a:avLst/>
@@ -13215,7 +13215,7 @@
         <p:spPr>
           <a:xfrm>
             <a:off x="3387681" y="5825137"/>
-            <a:ext cx="2581828" cy="461665"/>
+            <a:ext cx="2581828" cy="861665"/>
           </a:xfrm>
           <a:prstGeom prst="rect">
             <a:avLst/>
@@ -13348,7 +13348,7 @@
         <p:spPr>
           <a:xfrm>
             <a:off x="3387681" y="5825137"/>
-            <a:ext cx="2581828" cy="461665"/>
+            <a:ext cx="2581828" cy="861665"/>
           </a:xfrm>
           <a:prstGeom prst="rect">
             <a:avLst/>
@@ -13481,7 +13481,7 @@
         <p:spPr>
           <a:xfrm>
             <a:off x="3387681" y="5825137"/>
-            <a:ext cx="2581828" cy="461665"/>
+            <a:ext cx="2581828" cy="861665"/>
           </a:xfrm>
           <a:prstGeom prst="rect">
             <a:avLst/>
@@ -13614,7 +13614,7 @@
         <p:spPr>
           <a:xfrm>
             <a:off x="3387681" y="5825137"/>
-            <a:ext cx="2581828" cy="461665"/>
+            <a:ext cx="2581828" cy="861665"/>
           </a:xfrm>
           <a:prstGeom prst="rect">
             <a:avLst/>
@@ -13747,7 +13747,7 @@
         <p:spPr>
           <a:xfrm>
             <a:off x="3387681" y="5825137"/>
-            <a:ext cx="2581828" cy="461665"/>
+            <a:ext cx="2581828" cy="861665"/>
           </a:xfrm>
           <a:prstGeom prst="rect">
             <a:avLst/>
@@ -13880,7 +13880,7 @@
         <p:spPr>
           <a:xfrm>
             <a:off x="3387681" y="5825137"/>
-            <a:ext cx="2581828" cy="461665"/>
+            <a:ext cx="2581828" cy="861665"/>
           </a:xfrm>
           <a:prstGeom prst="rect">
             <a:avLst/>
@@ -14013,7 +14013,7 @@
         <p:spPr>
           <a:xfrm>
             <a:off x="3387681" y="5825137"/>
-            <a:ext cx="2581828" cy="461665"/>
+            <a:ext cx="2581828" cy="861665"/>
           </a:xfrm>
           <a:prstGeom prst="rect">
             <a:avLst/>
@@ -14146,7 +14146,7 @@
         <p:spPr>
           <a:xfrm>
             <a:off x="3387681" y="5825137"/>
-            <a:ext cx="2581828" cy="461665"/>
+            <a:ext cx="2581828" cy="861665"/>
           </a:xfrm>
           <a:prstGeom prst="rect">
             <a:avLst/>
@@ -14279,7 +14279,7 @@
         <p:spPr>
           <a:xfrm>
             <a:off x="3387681" y="5825137"/>
-            <a:ext cx="2581828" cy="461665"/>
+            <a:ext cx="2581828" cy="861665"/>
           </a:xfrm>
           <a:prstGeom prst="rect">
             <a:avLst/>
@@ -14412,7 +14412,7 @@
         <p:spPr>
           <a:xfrm>
             <a:off x="3387681" y="5825137"/>
-            <a:ext cx="2581828" cy="461665"/>
+            <a:ext cx="2581828" cy="861665"/>
           </a:xfrm>
           <a:prstGeom prst="rect">
             <a:avLst/>
@@ -14545,7 +14545,7 @@
         <p:spPr>
           <a:xfrm>
             <a:off x="3387681" y="5825137"/>
-            <a:ext cx="2581828" cy="461665"/>
+            <a:ext cx="2581828" cy="861665"/>
           </a:xfrm>
           <a:prstGeom prst="rect">
             <a:avLst/>
@@ -14678,7 +14678,7 @@
         <p:spPr>
           <a:xfrm>
             <a:off x="3387681" y="5825137"/>
-            <a:ext cx="2581828" cy="461665"/>
+            <a:ext cx="2581828" cy="861665"/>
           </a:xfrm>
           <a:prstGeom prst="rect">
             <a:avLst/>
@@ -14811,7 +14811,7 @@
         <p:spPr>
           <a:xfrm>
             <a:off x="3387681" y="5825137"/>
-            <a:ext cx="2581828" cy="461665"/>
+            <a:ext cx="2581828" cy="861665"/>
           </a:xfrm>
           <a:prstGeom prst="rect">
             <a:avLst/>
@@ -14944,7 +14944,7 @@
         <p:spPr>
           <a:xfrm>
             <a:off x="3387681" y="5825137"/>
-            <a:ext cx="2581828" cy="461665"/>
+            <a:ext cx="2581828" cy="861665"/>
           </a:xfrm>
           <a:prstGeom prst="rect">
             <a:avLst/>
@@ -15077,7 +15077,7 @@
         <p:spPr>
           <a:xfrm>
             <a:off x="3387681" y="5825137"/>
-            <a:ext cx="2581828" cy="461665"/>
+            <a:ext cx="2581828" cy="861665"/>
           </a:xfrm>
           <a:prstGeom prst="rect">
             <a:avLst/>
@@ -15210,7 +15210,7 @@
         <p:spPr>
           <a:xfrm>
             <a:off x="3387681" y="5825137"/>
-            <a:ext cx="2581828" cy="461665"/>
+            <a:ext cx="2581828" cy="861665"/>
           </a:xfrm>
           <a:prstGeom prst="rect">
             <a:avLst/>
@@ -15343,7 +15343,7 @@
         <p:spPr>
           <a:xfrm>
             <a:off x="3387681" y="5825137"/>
-            <a:ext cx="2581828" cy="461665"/>
+            <a:ext cx="2581828" cy="861665"/>
           </a:xfrm>
           <a:prstGeom prst="rect">
             <a:avLst/>
@@ -15476,7 +15476,7 @@
         <p:spPr>
           <a:xfrm>
             <a:off x="3387681" y="5825137"/>
-            <a:ext cx="2581828" cy="461665"/>
+            <a:ext cx="2581828" cy="861665"/>
           </a:xfrm>
           <a:prstGeom prst="rect">
             <a:avLst/>
@@ -15609,7 +15609,7 @@
         <p:spPr>
           <a:xfrm>
             <a:off x="3387681" y="5825137"/>
-            <a:ext cx="2581828" cy="461665"/>
+            <a:ext cx="2581828" cy="861665"/>
           </a:xfrm>
           <a:prstGeom prst="rect">
             <a:avLst/>
@@ -15742,7 +15742,7 @@
         <p:spPr>
           <a:xfrm>
             <a:off x="3387681" y="5825137"/>
-            <a:ext cx="2581828" cy="461665"/>
+            <a:ext cx="2581828" cy="861665"/>
           </a:xfrm>
           <a:prstGeom prst="rect">
             <a:avLst/>
@@ -15875,7 +15875,7 @@
         <p:spPr>
           <a:xfrm>
             <a:off x="3387681" y="5825137"/>
-            <a:ext cx="2581828" cy="461665"/>
+            <a:ext cx="2581828" cy="861665"/>
           </a:xfrm>
           <a:prstGeom prst="rect">
             <a:avLst/>
@@ -16008,7 +16008,7 @@
         <p:spPr>
           <a:xfrm>
             <a:off x="3387681" y="5825137"/>
-            <a:ext cx="2581828" cy="461665"/>
+            <a:ext cx="2581828" cy="861665"/>
           </a:xfrm>
           <a:prstGeom prst="rect">
             <a:avLst/>
@@ -16141,7 +16141,7 @@
         <p:spPr>
           <a:xfrm>
             <a:off x="3387681" y="5825137"/>
-            <a:ext cx="2581828" cy="461665"/>
+            <a:ext cx="2581828" cy="861665"/>
           </a:xfrm>
           <a:prstGeom prst="rect">
             <a:avLst/>
@@ -16274,7 +16274,7 @@
         <p:spPr>
           <a:xfrm>
             <a:off x="3387681" y="5825137"/>
-            <a:ext cx="2581828" cy="461665"/>
+            <a:ext cx="2581828" cy="861665"/>
           </a:xfrm>
           <a:prstGeom prst="rect">
             <a:avLst/>
@@ -16407,7 +16407,7 @@
         <p:spPr>
           <a:xfrm>
             <a:off x="3387681" y="5825137"/>
-            <a:ext cx="2581828" cy="461665"/>
+            <a:ext cx="2581828" cy="861665"/>
           </a:xfrm>
           <a:prstGeom prst="rect">
             <a:avLst/>
@@ -16540,7 +16540,7 @@
         <p:spPr>
           <a:xfrm>
             <a:off x="3387681" y="5825137"/>
-            <a:ext cx="2581828" cy="461665"/>
+            <a:ext cx="2581828" cy="861665"/>
           </a:xfrm>
           <a:prstGeom prst="rect">
             <a:avLst/>
@@ -16673,7 +16673,7 @@
         <p:spPr>
           <a:xfrm>
             <a:off x="3387681" y="5825137"/>
-            <a:ext cx="2581828" cy="461665"/>
+            <a:ext cx="2581828" cy="861665"/>
           </a:xfrm>
           <a:prstGeom prst="rect">
             <a:avLst/>
@@ -16806,7 +16806,7 @@
         <p:spPr>
           <a:xfrm>
             <a:off x="3387681" y="5825137"/>
-            <a:ext cx="2581828" cy="461665"/>
+            <a:ext cx="2581828" cy="861665"/>
           </a:xfrm>
           <a:prstGeom prst="rect">
             <a:avLst/>
@@ -16939,7 +16939,7 @@
         <p:spPr>
           <a:xfrm>
             <a:off x="3387681" y="5825137"/>
-            <a:ext cx="2581828" cy="461665"/>
+            <a:ext cx="2581828" cy="861665"/>
           </a:xfrm>
           <a:prstGeom prst="rect">
             <a:avLst/>
@@ -17072,7 +17072,7 @@
         <p:spPr>
           <a:xfrm>
             <a:off x="3387681" y="5825137"/>
-            <a:ext cx="2581828" cy="461665"/>
+            <a:ext cx="2581828" cy="861665"/>
           </a:xfrm>
           <a:prstGeom prst="rect">
             <a:avLst/>
@@ -17205,7 +17205,7 @@
         <p:spPr>
           <a:xfrm>
             <a:off x="3387681" y="5825137"/>
-            <a:ext cx="2581828" cy="461665"/>
+            <a:ext cx="2581828" cy="861665"/>
           </a:xfrm>
           <a:prstGeom prst="rect">
             <a:avLst/>
@@ -17338,7 +17338,7 @@
         <p:spPr>
           <a:xfrm>
             <a:off x="3387681" y="5825137"/>
-            <a:ext cx="2581828" cy="461665"/>
+            <a:ext cx="2581828" cy="861665"/>
           </a:xfrm>
           <a:prstGeom prst="rect">
             <a:avLst/>
@@ -17471,7 +17471,7 @@
         <p:spPr>
           <a:xfrm>
             <a:off x="3387681" y="5825137"/>
-            <a:ext cx="2581828" cy="461665"/>
+            <a:ext cx="2581828" cy="861665"/>
           </a:xfrm>
           <a:prstGeom prst="rect">
             <a:avLst/>
@@ -17604,7 +17604,7 @@
         <p:spPr>
           <a:xfrm>
             <a:off x="3387681" y="5825137"/>
-            <a:ext cx="2581828" cy="461665"/>
+            <a:ext cx="2581828" cy="861665"/>
           </a:xfrm>
           <a:prstGeom prst="rect">
             <a:avLst/>
